--- a/Tervek/ui-terv.pptx
+++ b/Tervek/ui-terv.pptx
@@ -105,6 +105,11 @@
       </a:defRPr>
     </a:lvl9pPr>
   </p:defaultTextStyle>
+  <p:extLst>
+    <p:ext uri="{EFAFB233-063F-42B5-8137-9DF3F51BA10A}">
+      <p15:sldGuideLst xmlns:p15="http://schemas.microsoft.com/office/powerpoint/2012/main"/>
+    </p:ext>
+  </p:extLst>
 </p:presentation>
 </file>
 
@@ -239,7 +244,7 @@
           <a:p>
             <a:fld id="{4EA07C61-72C1-4B0F-B28F-4EAAE2D57413}" type="datetimeFigureOut">
               <a:rPr lang="en-GB" smtClean="0"/>
-              <a:t>2024-03-07</a:t>
+              <a:t>2024-10-07</a:t>
             </a:fld>
             <a:endParaRPr lang="en-GB"/>
           </a:p>
@@ -409,7 +414,7 @@
           <a:p>
             <a:fld id="{4EA07C61-72C1-4B0F-B28F-4EAAE2D57413}" type="datetimeFigureOut">
               <a:rPr lang="en-GB" smtClean="0"/>
-              <a:t>2024-03-07</a:t>
+              <a:t>2024-10-07</a:t>
             </a:fld>
             <a:endParaRPr lang="en-GB"/>
           </a:p>
@@ -589,7 +594,7 @@
           <a:p>
             <a:fld id="{4EA07C61-72C1-4B0F-B28F-4EAAE2D57413}" type="datetimeFigureOut">
               <a:rPr lang="en-GB" smtClean="0"/>
-              <a:t>2024-03-07</a:t>
+              <a:t>2024-10-07</a:t>
             </a:fld>
             <a:endParaRPr lang="en-GB"/>
           </a:p>
@@ -759,7 +764,7 @@
           <a:p>
             <a:fld id="{4EA07C61-72C1-4B0F-B28F-4EAAE2D57413}" type="datetimeFigureOut">
               <a:rPr lang="en-GB" smtClean="0"/>
-              <a:t>2024-03-07</a:t>
+              <a:t>2024-10-07</a:t>
             </a:fld>
             <a:endParaRPr lang="en-GB"/>
           </a:p>
@@ -1005,7 +1010,7 @@
           <a:p>
             <a:fld id="{4EA07C61-72C1-4B0F-B28F-4EAAE2D57413}" type="datetimeFigureOut">
               <a:rPr lang="en-GB" smtClean="0"/>
-              <a:t>2024-03-07</a:t>
+              <a:t>2024-10-07</a:t>
             </a:fld>
             <a:endParaRPr lang="en-GB"/>
           </a:p>
@@ -1237,7 +1242,7 @@
           <a:p>
             <a:fld id="{4EA07C61-72C1-4B0F-B28F-4EAAE2D57413}" type="datetimeFigureOut">
               <a:rPr lang="en-GB" smtClean="0"/>
-              <a:t>2024-03-07</a:t>
+              <a:t>2024-10-07</a:t>
             </a:fld>
             <a:endParaRPr lang="en-GB"/>
           </a:p>
@@ -1604,7 +1609,7 @@
           <a:p>
             <a:fld id="{4EA07C61-72C1-4B0F-B28F-4EAAE2D57413}" type="datetimeFigureOut">
               <a:rPr lang="en-GB" smtClean="0"/>
-              <a:t>2024-03-07</a:t>
+              <a:t>2024-10-07</a:t>
             </a:fld>
             <a:endParaRPr lang="en-GB"/>
           </a:p>
@@ -1722,7 +1727,7 @@
           <a:p>
             <a:fld id="{4EA07C61-72C1-4B0F-B28F-4EAAE2D57413}" type="datetimeFigureOut">
               <a:rPr lang="en-GB" smtClean="0"/>
-              <a:t>2024-03-07</a:t>
+              <a:t>2024-10-07</a:t>
             </a:fld>
             <a:endParaRPr lang="en-GB"/>
           </a:p>
@@ -1817,7 +1822,7 @@
           <a:p>
             <a:fld id="{4EA07C61-72C1-4B0F-B28F-4EAAE2D57413}" type="datetimeFigureOut">
               <a:rPr lang="en-GB" smtClean="0"/>
-              <a:t>2024-03-07</a:t>
+              <a:t>2024-10-07</a:t>
             </a:fld>
             <a:endParaRPr lang="en-GB"/>
           </a:p>
@@ -2094,7 +2099,7 @@
           <a:p>
             <a:fld id="{4EA07C61-72C1-4B0F-B28F-4EAAE2D57413}" type="datetimeFigureOut">
               <a:rPr lang="en-GB" smtClean="0"/>
-              <a:t>2024-03-07</a:t>
+              <a:t>2024-10-07</a:t>
             </a:fld>
             <a:endParaRPr lang="en-GB"/>
           </a:p>
@@ -2351,7 +2356,7 @@
           <a:p>
             <a:fld id="{4EA07C61-72C1-4B0F-B28F-4EAAE2D57413}" type="datetimeFigureOut">
               <a:rPr lang="en-GB" smtClean="0"/>
-              <a:t>2024-03-07</a:t>
+              <a:t>2024-10-07</a:t>
             </a:fld>
             <a:endParaRPr lang="en-GB"/>
           </a:p>
@@ -2570,7 +2575,7 @@
           <a:p>
             <a:fld id="{4EA07C61-72C1-4B0F-B28F-4EAAE2D57413}" type="datetimeFigureOut">
               <a:rPr lang="en-GB" smtClean="0"/>
-              <a:t>2024-03-07</a:t>
+              <a:t>2024-10-07</a:t>
             </a:fld>
             <a:endParaRPr lang="en-GB"/>
           </a:p>
@@ -3602,6 +3607,785 @@
           <a:chExt cx="0" cy="0"/>
         </a:xfrm>
       </p:grpSpPr>
+      <p:sp>
+        <p:nvSpPr>
+          <p:cNvPr id="22" name="Téglalap: lekerekített 21">
+            <a:extLst>
+              <a:ext uri="{FF2B5EF4-FFF2-40B4-BE49-F238E27FC236}">
+                <a16:creationId xmlns:a16="http://schemas.microsoft.com/office/drawing/2014/main" id="{FC9508D7-F714-F898-6A1B-7A4B478BBAB6}"/>
+              </a:ext>
+            </a:extLst>
+          </p:cNvPr>
+          <p:cNvSpPr/>
+          <p:nvPr/>
+        </p:nvSpPr>
+        <p:spPr>
+          <a:xfrm>
+            <a:off x="571500" y="1912442"/>
+            <a:ext cx="5577840" cy="1114800"/>
+          </a:xfrm>
+          <a:prstGeom prst="roundRect">
+            <a:avLst/>
+          </a:prstGeom>
+          <a:solidFill>
+            <a:schemeClr val="tx1">
+              <a:lumMod val="75000"/>
+              <a:lumOff val="25000"/>
+            </a:schemeClr>
+          </a:solidFill>
+          <a:ln>
+            <a:noFill/>
+          </a:ln>
+          <a:effectLst>
+            <a:outerShdw blurRad="63500" algn="ctr" rotWithShape="0">
+              <a:prstClr val="black">
+                <a:alpha val="27000"/>
+              </a:prstClr>
+            </a:outerShdw>
+          </a:effectLst>
+        </p:spPr>
+        <p:style>
+          <a:lnRef idx="2">
+            <a:schemeClr val="accent1">
+              <a:shade val="15000"/>
+            </a:schemeClr>
+          </a:lnRef>
+          <a:fillRef idx="1">
+            <a:schemeClr val="accent1"/>
+          </a:fillRef>
+          <a:effectRef idx="0">
+            <a:schemeClr val="accent1"/>
+          </a:effectRef>
+          <a:fontRef idx="minor">
+            <a:schemeClr val="lt1"/>
+          </a:fontRef>
+        </p:style>
+        <p:txBody>
+          <a:bodyPr rtlCol="0" anchor="ctr"/>
+          <a:lstStyle/>
+          <a:p>
+            <a:pPr algn="ctr"/>
+            <a:endParaRPr lang="en-GB"/>
+          </a:p>
+        </p:txBody>
+      </p:sp>
+      <p:sp>
+        <p:nvSpPr>
+          <p:cNvPr id="2" name="Szövegdoboz 1">
+            <a:extLst>
+              <a:ext uri="{FF2B5EF4-FFF2-40B4-BE49-F238E27FC236}">
+                <a16:creationId xmlns:a16="http://schemas.microsoft.com/office/drawing/2014/main" id="{583FD146-8AE6-3451-F60C-0FF5D3A8A74A}"/>
+              </a:ext>
+            </a:extLst>
+          </p:cNvPr>
+          <p:cNvSpPr txBox="1"/>
+          <p:nvPr/>
+        </p:nvSpPr>
+        <p:spPr>
+          <a:xfrm>
+            <a:off x="708660" y="2153954"/>
+            <a:ext cx="4821384" cy="646331"/>
+          </a:xfrm>
+          <a:prstGeom prst="rect">
+            <a:avLst/>
+          </a:prstGeom>
+          <a:noFill/>
+        </p:spPr>
+        <p:txBody>
+          <a:bodyPr wrap="none" rtlCol="0">
+            <a:spAutoFit/>
+          </a:bodyPr>
+          <a:lstStyle/>
+          <a:p>
+            <a:r>
+              <a:rPr lang="en-GB" sz="3600" dirty="0">
+                <a:solidFill>
+                  <a:schemeClr val="bg1"/>
+                </a:solidFill>
+              </a:rPr>
+              <a:t>Online </a:t>
+            </a:r>
+            <a:r>
+              <a:rPr lang="en-GB" sz="3600" dirty="0" err="1">
+                <a:solidFill>
+                  <a:schemeClr val="bg1"/>
+                </a:solidFill>
+              </a:rPr>
+              <a:t>tárak</a:t>
+            </a:r>
+            <a:r>
+              <a:rPr lang="en-GB" sz="3600" dirty="0">
+                <a:solidFill>
+                  <a:schemeClr val="bg1"/>
+                </a:solidFill>
+              </a:rPr>
+              <a:t> </a:t>
+            </a:r>
+            <a:r>
+              <a:rPr lang="en-GB" sz="3600" dirty="0" err="1">
+                <a:solidFill>
+                  <a:schemeClr val="bg1"/>
+                </a:solidFill>
+              </a:rPr>
+              <a:t>letöltése</a:t>
+            </a:r>
+            <a:r>
+              <a:rPr lang="en-GB" sz="3600" dirty="0">
+                <a:solidFill>
+                  <a:schemeClr val="bg1"/>
+                </a:solidFill>
+              </a:rPr>
+              <a:t>…</a:t>
+            </a:r>
+          </a:p>
+        </p:txBody>
+      </p:sp>
+      <p:sp>
+        <p:nvSpPr>
+          <p:cNvPr id="3" name="Szövegdoboz 2">
+            <a:extLst>
+              <a:ext uri="{FF2B5EF4-FFF2-40B4-BE49-F238E27FC236}">
+                <a16:creationId xmlns:a16="http://schemas.microsoft.com/office/drawing/2014/main" id="{9938C153-A287-4666-71B0-D53766CD440D}"/>
+              </a:ext>
+            </a:extLst>
+          </p:cNvPr>
+          <p:cNvSpPr txBox="1"/>
+          <p:nvPr/>
+        </p:nvSpPr>
+        <p:spPr>
+          <a:xfrm>
+            <a:off x="1507352" y="3300710"/>
+            <a:ext cx="3241593" cy="3261855"/>
+          </a:xfrm>
+          <a:prstGeom prst="rect">
+            <a:avLst/>
+          </a:prstGeom>
+          <a:noFill/>
+        </p:spPr>
+        <p:txBody>
+          <a:bodyPr wrap="none" rtlCol="0">
+            <a:spAutoFit/>
+          </a:bodyPr>
+          <a:lstStyle/>
+          <a:p>
+            <a:pPr>
+              <a:lnSpc>
+                <a:spcPct val="150000"/>
+              </a:lnSpc>
+            </a:pPr>
+            <a:r>
+              <a:rPr lang="en-GB" sz="2800" dirty="0" err="1">
+                <a:solidFill>
+                  <a:schemeClr val="bg1"/>
+                </a:solidFill>
+              </a:rPr>
+              <a:t>Sófár</a:t>
+            </a:r>
+            <a:r>
+              <a:rPr lang="en-GB" sz="2800" dirty="0">
+                <a:solidFill>
+                  <a:schemeClr val="bg1"/>
+                </a:solidFill>
+              </a:rPr>
+              <a:t> </a:t>
+            </a:r>
+            <a:r>
+              <a:rPr lang="en-GB" sz="2800" dirty="0" err="1">
+                <a:solidFill>
+                  <a:schemeClr val="bg1"/>
+                </a:solidFill>
+              </a:rPr>
+              <a:t>Kottatár</a:t>
+            </a:r>
+            <a:endParaRPr lang="en-GB" sz="2800" dirty="0">
+              <a:solidFill>
+                <a:schemeClr val="bg1"/>
+              </a:solidFill>
+            </a:endParaRPr>
+          </a:p>
+          <a:p>
+            <a:pPr>
+              <a:lnSpc>
+                <a:spcPct val="150000"/>
+              </a:lnSpc>
+            </a:pPr>
+            <a:r>
+              <a:rPr lang="en-GB" sz="2800" dirty="0" err="1">
+                <a:solidFill>
+                  <a:schemeClr val="bg1"/>
+                </a:solidFill>
+              </a:rPr>
+              <a:t>Teszt</a:t>
+            </a:r>
+            <a:r>
+              <a:rPr lang="en-GB" sz="2800" dirty="0">
+                <a:solidFill>
+                  <a:schemeClr val="bg1"/>
+                </a:solidFill>
+              </a:rPr>
+              <a:t> </a:t>
+            </a:r>
+            <a:r>
+              <a:rPr lang="en-GB" sz="2800" dirty="0" err="1">
+                <a:solidFill>
+                  <a:schemeClr val="bg1"/>
+                </a:solidFill>
+              </a:rPr>
+              <a:t>Tár</a:t>
+            </a:r>
+            <a:endParaRPr lang="en-GB" sz="2800" dirty="0">
+              <a:solidFill>
+                <a:schemeClr val="bg1"/>
+              </a:solidFill>
+            </a:endParaRPr>
+          </a:p>
+          <a:p>
+            <a:pPr>
+              <a:lnSpc>
+                <a:spcPct val="150000"/>
+              </a:lnSpc>
+            </a:pPr>
+            <a:r>
+              <a:rPr lang="en-GB" sz="2800" dirty="0" err="1">
+                <a:solidFill>
+                  <a:schemeClr val="bg1"/>
+                </a:solidFill>
+              </a:rPr>
+              <a:t>Refisz</a:t>
+            </a:r>
+            <a:r>
+              <a:rPr lang="en-GB" sz="2800" dirty="0">
+                <a:solidFill>
+                  <a:schemeClr val="bg1"/>
+                </a:solidFill>
+              </a:rPr>
+              <a:t> </a:t>
+            </a:r>
+            <a:r>
+              <a:rPr lang="en-GB" sz="2800" dirty="0" err="1">
+                <a:solidFill>
+                  <a:schemeClr val="bg1"/>
+                </a:solidFill>
+              </a:rPr>
+              <a:t>Kottatár</a:t>
+            </a:r>
+            <a:endParaRPr lang="en-GB" sz="2800" dirty="0">
+              <a:solidFill>
+                <a:schemeClr val="bg1"/>
+              </a:solidFill>
+            </a:endParaRPr>
+          </a:p>
+          <a:p>
+            <a:pPr>
+              <a:lnSpc>
+                <a:spcPct val="150000"/>
+              </a:lnSpc>
+            </a:pPr>
+            <a:r>
+              <a:rPr lang="en-GB" sz="2800" dirty="0">
+                <a:solidFill>
+                  <a:schemeClr val="bg1"/>
+                </a:solidFill>
+              </a:rPr>
+              <a:t>csecsy.hu</a:t>
+            </a:r>
+          </a:p>
+          <a:p>
+            <a:pPr>
+              <a:lnSpc>
+                <a:spcPct val="150000"/>
+              </a:lnSpc>
+            </a:pPr>
+            <a:r>
+              <a:rPr lang="en-GB" sz="2800" dirty="0">
+                <a:solidFill>
+                  <a:schemeClr val="bg1"/>
+                </a:solidFill>
+              </a:rPr>
+              <a:t>Benedek </a:t>
+            </a:r>
+            <a:r>
+              <a:rPr lang="en-GB" sz="2800" dirty="0" err="1">
+                <a:solidFill>
+                  <a:schemeClr val="bg1"/>
+                </a:solidFill>
+              </a:rPr>
+              <a:t>OpenSong</a:t>
+            </a:r>
+            <a:endParaRPr lang="en-GB" sz="2800" dirty="0">
+              <a:solidFill>
+                <a:schemeClr val="bg1"/>
+              </a:solidFill>
+            </a:endParaRPr>
+          </a:p>
+        </p:txBody>
+      </p:sp>
+      <p:sp>
+        <p:nvSpPr>
+          <p:cNvPr id="14" name="Szabadkézi sokszög: alakzat 13">
+            <a:extLst>
+              <a:ext uri="{FF2B5EF4-FFF2-40B4-BE49-F238E27FC236}">
+                <a16:creationId xmlns:a16="http://schemas.microsoft.com/office/drawing/2014/main" id="{36072419-FBB2-513A-C001-E6569B90A297}"/>
+              </a:ext>
+            </a:extLst>
+          </p:cNvPr>
+          <p:cNvSpPr/>
+          <p:nvPr/>
+        </p:nvSpPr>
+        <p:spPr>
+          <a:xfrm rot="16200000">
+            <a:off x="1019786" y="5450501"/>
+            <a:ext cx="322600" cy="322600"/>
+          </a:xfrm>
+          <a:custGeom>
+            <a:avLst/>
+            <a:gdLst>
+              <a:gd name="connsiteX0" fmla="*/ 285750 w 571500"/>
+              <a:gd name="connsiteY0" fmla="*/ 0 h 571500"/>
+              <a:gd name="connsiteX1" fmla="*/ 285750 w 571500"/>
+              <a:gd name="connsiteY1" fmla="*/ 142875 h 571500"/>
+              <a:gd name="connsiteX2" fmla="*/ 142875 w 571500"/>
+              <a:gd name="connsiteY2" fmla="*/ 285750 h 571500"/>
+              <a:gd name="connsiteX3" fmla="*/ 285750 w 571500"/>
+              <a:gd name="connsiteY3" fmla="*/ 428625 h 571500"/>
+              <a:gd name="connsiteX4" fmla="*/ 428625 w 571500"/>
+              <a:gd name="connsiteY4" fmla="*/ 285750 h 571500"/>
+              <a:gd name="connsiteX5" fmla="*/ 571500 w 571500"/>
+              <a:gd name="connsiteY5" fmla="*/ 285750 h 571500"/>
+              <a:gd name="connsiteX6" fmla="*/ 285750 w 571500"/>
+              <a:gd name="connsiteY6" fmla="*/ 571500 h 571500"/>
+              <a:gd name="connsiteX7" fmla="*/ 0 w 571500"/>
+              <a:gd name="connsiteY7" fmla="*/ 285750 h 571500"/>
+              <a:gd name="connsiteX8" fmla="*/ 285750 w 571500"/>
+              <a:gd name="connsiteY8" fmla="*/ 0 h 571500"/>
+            </a:gdLst>
+            <a:ahLst/>
+            <a:cxnLst>
+              <a:cxn ang="0">
+                <a:pos x="connsiteX0" y="connsiteY0"/>
+              </a:cxn>
+              <a:cxn ang="0">
+                <a:pos x="connsiteX1" y="connsiteY1"/>
+              </a:cxn>
+              <a:cxn ang="0">
+                <a:pos x="connsiteX2" y="connsiteY2"/>
+              </a:cxn>
+              <a:cxn ang="0">
+                <a:pos x="connsiteX3" y="connsiteY3"/>
+              </a:cxn>
+              <a:cxn ang="0">
+                <a:pos x="connsiteX4" y="connsiteY4"/>
+              </a:cxn>
+              <a:cxn ang="0">
+                <a:pos x="connsiteX5" y="connsiteY5"/>
+              </a:cxn>
+              <a:cxn ang="0">
+                <a:pos x="connsiteX6" y="connsiteY6"/>
+              </a:cxn>
+              <a:cxn ang="0">
+                <a:pos x="connsiteX7" y="connsiteY7"/>
+              </a:cxn>
+              <a:cxn ang="0">
+                <a:pos x="connsiteX8" y="connsiteY8"/>
+              </a:cxn>
+            </a:cxnLst>
+            <a:rect l="l" t="t" r="r" b="b"/>
+            <a:pathLst>
+              <a:path w="571500" h="571500">
+                <a:moveTo>
+                  <a:pt x="285750" y="0"/>
+                </a:moveTo>
+                <a:lnTo>
+                  <a:pt x="285750" y="142875"/>
+                </a:lnTo>
+                <a:cubicBezTo>
+                  <a:pt x="206842" y="142875"/>
+                  <a:pt x="142875" y="206842"/>
+                  <a:pt x="142875" y="285750"/>
+                </a:cubicBezTo>
+                <a:cubicBezTo>
+                  <a:pt x="142875" y="364658"/>
+                  <a:pt x="206842" y="428625"/>
+                  <a:pt x="285750" y="428625"/>
+                </a:cubicBezTo>
+                <a:cubicBezTo>
+                  <a:pt x="364658" y="428625"/>
+                  <a:pt x="428625" y="364658"/>
+                  <a:pt x="428625" y="285750"/>
+                </a:cubicBezTo>
+                <a:lnTo>
+                  <a:pt x="571500" y="285750"/>
+                </a:lnTo>
+                <a:cubicBezTo>
+                  <a:pt x="571500" y="443565"/>
+                  <a:pt x="443565" y="571500"/>
+                  <a:pt x="285750" y="571500"/>
+                </a:cubicBezTo>
+                <a:cubicBezTo>
+                  <a:pt x="127935" y="571500"/>
+                  <a:pt x="0" y="443565"/>
+                  <a:pt x="0" y="285750"/>
+                </a:cubicBezTo>
+                <a:cubicBezTo>
+                  <a:pt x="0" y="127935"/>
+                  <a:pt x="127935" y="0"/>
+                  <a:pt x="285750" y="0"/>
+                </a:cubicBezTo>
+                <a:close/>
+              </a:path>
+            </a:pathLst>
+          </a:custGeom>
+          <a:solidFill>
+            <a:srgbClr val="FFC000"/>
+          </a:solidFill>
+          <a:ln>
+            <a:noFill/>
+          </a:ln>
+        </p:spPr>
+        <p:style>
+          <a:lnRef idx="2">
+            <a:schemeClr val="accent1">
+              <a:shade val="15000"/>
+            </a:schemeClr>
+          </a:lnRef>
+          <a:fillRef idx="1">
+            <a:schemeClr val="accent1"/>
+          </a:fillRef>
+          <a:effectRef idx="0">
+            <a:schemeClr val="accent1"/>
+          </a:effectRef>
+          <a:fontRef idx="minor">
+            <a:schemeClr val="lt1"/>
+          </a:fontRef>
+        </p:style>
+        <p:txBody>
+          <a:bodyPr wrap="square" rtlCol="0" anchor="ctr">
+            <a:noAutofit/>
+          </a:bodyPr>
+          <a:lstStyle/>
+          <a:p>
+            <a:pPr algn="ctr"/>
+            <a:endParaRPr lang="en-GB">
+              <a:solidFill>
+                <a:schemeClr val="tx1"/>
+              </a:solidFill>
+            </a:endParaRPr>
+          </a:p>
+        </p:txBody>
+      </p:sp>
+      <p:sp>
+        <p:nvSpPr>
+          <p:cNvPr id="15" name="Szabadkézi sokszög: alakzat 14">
+            <a:extLst>
+              <a:ext uri="{FF2B5EF4-FFF2-40B4-BE49-F238E27FC236}">
+                <a16:creationId xmlns:a16="http://schemas.microsoft.com/office/drawing/2014/main" id="{0A2764D6-D6BA-ECD0-B439-D95BFE5018FB}"/>
+              </a:ext>
+            </a:extLst>
+          </p:cNvPr>
+          <p:cNvSpPr/>
+          <p:nvPr/>
+        </p:nvSpPr>
+        <p:spPr>
+          <a:xfrm rot="3905854">
+            <a:off x="1019786" y="6083913"/>
+            <a:ext cx="322600" cy="322600"/>
+          </a:xfrm>
+          <a:custGeom>
+            <a:avLst/>
+            <a:gdLst>
+              <a:gd name="connsiteX0" fmla="*/ 285750 w 571500"/>
+              <a:gd name="connsiteY0" fmla="*/ 0 h 571500"/>
+              <a:gd name="connsiteX1" fmla="*/ 285750 w 571500"/>
+              <a:gd name="connsiteY1" fmla="*/ 142875 h 571500"/>
+              <a:gd name="connsiteX2" fmla="*/ 142875 w 571500"/>
+              <a:gd name="connsiteY2" fmla="*/ 285750 h 571500"/>
+              <a:gd name="connsiteX3" fmla="*/ 285750 w 571500"/>
+              <a:gd name="connsiteY3" fmla="*/ 428625 h 571500"/>
+              <a:gd name="connsiteX4" fmla="*/ 428625 w 571500"/>
+              <a:gd name="connsiteY4" fmla="*/ 285750 h 571500"/>
+              <a:gd name="connsiteX5" fmla="*/ 571500 w 571500"/>
+              <a:gd name="connsiteY5" fmla="*/ 285750 h 571500"/>
+              <a:gd name="connsiteX6" fmla="*/ 285750 w 571500"/>
+              <a:gd name="connsiteY6" fmla="*/ 571500 h 571500"/>
+              <a:gd name="connsiteX7" fmla="*/ 0 w 571500"/>
+              <a:gd name="connsiteY7" fmla="*/ 285750 h 571500"/>
+              <a:gd name="connsiteX8" fmla="*/ 285750 w 571500"/>
+              <a:gd name="connsiteY8" fmla="*/ 0 h 571500"/>
+            </a:gdLst>
+            <a:ahLst/>
+            <a:cxnLst>
+              <a:cxn ang="0">
+                <a:pos x="connsiteX0" y="connsiteY0"/>
+              </a:cxn>
+              <a:cxn ang="0">
+                <a:pos x="connsiteX1" y="connsiteY1"/>
+              </a:cxn>
+              <a:cxn ang="0">
+                <a:pos x="connsiteX2" y="connsiteY2"/>
+              </a:cxn>
+              <a:cxn ang="0">
+                <a:pos x="connsiteX3" y="connsiteY3"/>
+              </a:cxn>
+              <a:cxn ang="0">
+                <a:pos x="connsiteX4" y="connsiteY4"/>
+              </a:cxn>
+              <a:cxn ang="0">
+                <a:pos x="connsiteX5" y="connsiteY5"/>
+              </a:cxn>
+              <a:cxn ang="0">
+                <a:pos x="connsiteX6" y="connsiteY6"/>
+              </a:cxn>
+              <a:cxn ang="0">
+                <a:pos x="connsiteX7" y="connsiteY7"/>
+              </a:cxn>
+              <a:cxn ang="0">
+                <a:pos x="connsiteX8" y="connsiteY8"/>
+              </a:cxn>
+            </a:cxnLst>
+            <a:rect l="l" t="t" r="r" b="b"/>
+            <a:pathLst>
+              <a:path w="571500" h="571500">
+                <a:moveTo>
+                  <a:pt x="285750" y="0"/>
+                </a:moveTo>
+                <a:lnTo>
+                  <a:pt x="285750" y="142875"/>
+                </a:lnTo>
+                <a:cubicBezTo>
+                  <a:pt x="206842" y="142875"/>
+                  <a:pt x="142875" y="206842"/>
+                  <a:pt x="142875" y="285750"/>
+                </a:cubicBezTo>
+                <a:cubicBezTo>
+                  <a:pt x="142875" y="364658"/>
+                  <a:pt x="206842" y="428625"/>
+                  <a:pt x="285750" y="428625"/>
+                </a:cubicBezTo>
+                <a:cubicBezTo>
+                  <a:pt x="364658" y="428625"/>
+                  <a:pt x="428625" y="364658"/>
+                  <a:pt x="428625" y="285750"/>
+                </a:cubicBezTo>
+                <a:lnTo>
+                  <a:pt x="571500" y="285750"/>
+                </a:lnTo>
+                <a:cubicBezTo>
+                  <a:pt x="571500" y="443565"/>
+                  <a:pt x="443565" y="571500"/>
+                  <a:pt x="285750" y="571500"/>
+                </a:cubicBezTo>
+                <a:cubicBezTo>
+                  <a:pt x="127935" y="571500"/>
+                  <a:pt x="0" y="443565"/>
+                  <a:pt x="0" y="285750"/>
+                </a:cubicBezTo>
+                <a:cubicBezTo>
+                  <a:pt x="0" y="127935"/>
+                  <a:pt x="127935" y="0"/>
+                  <a:pt x="285750" y="0"/>
+                </a:cubicBezTo>
+                <a:close/>
+              </a:path>
+            </a:pathLst>
+          </a:custGeom>
+          <a:solidFill>
+            <a:srgbClr val="FFC000"/>
+          </a:solidFill>
+          <a:ln>
+            <a:noFill/>
+          </a:ln>
+        </p:spPr>
+        <p:style>
+          <a:lnRef idx="2">
+            <a:schemeClr val="accent1">
+              <a:shade val="15000"/>
+            </a:schemeClr>
+          </a:lnRef>
+          <a:fillRef idx="1">
+            <a:schemeClr val="accent1"/>
+          </a:fillRef>
+          <a:effectRef idx="0">
+            <a:schemeClr val="accent1"/>
+          </a:effectRef>
+          <a:fontRef idx="minor">
+            <a:schemeClr val="lt1"/>
+          </a:fontRef>
+        </p:style>
+        <p:txBody>
+          <a:bodyPr wrap="square" rtlCol="0" anchor="ctr">
+            <a:noAutofit/>
+          </a:bodyPr>
+          <a:lstStyle/>
+          <a:p>
+            <a:pPr algn="ctr"/>
+            <a:endParaRPr lang="en-GB">
+              <a:solidFill>
+                <a:schemeClr val="tx1"/>
+              </a:solidFill>
+            </a:endParaRPr>
+          </a:p>
+        </p:txBody>
+      </p:sp>
+      <p:pic>
+        <p:nvPicPr>
+          <p:cNvPr id="17" name="Ábra 16" descr="Pipa egyszínű kitöltéssel">
+            <a:extLst>
+              <a:ext uri="{FF2B5EF4-FFF2-40B4-BE49-F238E27FC236}">
+                <a16:creationId xmlns:a16="http://schemas.microsoft.com/office/drawing/2014/main" id="{72EBFD47-3FEB-A4DC-266B-B44A5907CDA8}"/>
+              </a:ext>
+            </a:extLst>
+          </p:cNvPr>
+          <p:cNvPicPr>
+            <a:picLocks noChangeAspect="1"/>
+          </p:cNvPicPr>
+          <p:nvPr/>
+        </p:nvPicPr>
+        <p:blipFill>
+          <a:blip r:embed="rId2">
+            <a:extLst>
+              <a:ext uri="{96DAC541-7B7A-43D3-8B79-37D633B846F1}">
+                <asvg:svgBlip xmlns:asvg="http://schemas.microsoft.com/office/drawing/2016/SVG/main" r:embed="rId3"/>
+              </a:ext>
+            </a:extLst>
+          </a:blip>
+          <a:stretch>
+            <a:fillRect/>
+          </a:stretch>
+        </p:blipFill>
+        <p:spPr>
+          <a:xfrm>
+            <a:off x="986800" y="3499213"/>
+            <a:ext cx="388572" cy="388572"/>
+          </a:xfrm>
+          <a:prstGeom prst="rect">
+            <a:avLst/>
+          </a:prstGeom>
+        </p:spPr>
+      </p:pic>
+      <p:pic>
+        <p:nvPicPr>
+          <p:cNvPr id="18" name="Ábra 17" descr="Pipa egyszínű kitöltéssel">
+            <a:extLst>
+              <a:ext uri="{FF2B5EF4-FFF2-40B4-BE49-F238E27FC236}">
+                <a16:creationId xmlns:a16="http://schemas.microsoft.com/office/drawing/2014/main" id="{13AB499F-0524-FCB7-32D2-D4CE99112C3D}"/>
+              </a:ext>
+            </a:extLst>
+          </p:cNvPr>
+          <p:cNvPicPr>
+            <a:picLocks noChangeAspect="1"/>
+          </p:cNvPicPr>
+          <p:nvPr/>
+        </p:nvPicPr>
+        <p:blipFill>
+          <a:blip r:embed="rId2">
+            <a:extLst>
+              <a:ext uri="{96DAC541-7B7A-43D3-8B79-37D633B846F1}">
+                <asvg:svgBlip xmlns:asvg="http://schemas.microsoft.com/office/drawing/2016/SVG/main" r:embed="rId3"/>
+              </a:ext>
+            </a:extLst>
+          </a:blip>
+          <a:stretch>
+            <a:fillRect/>
+          </a:stretch>
+        </p:blipFill>
+        <p:spPr>
+          <a:xfrm>
+            <a:off x="989276" y="4144547"/>
+            <a:ext cx="388572" cy="388572"/>
+          </a:xfrm>
+          <a:prstGeom prst="rect">
+            <a:avLst/>
+          </a:prstGeom>
+        </p:spPr>
+      </p:pic>
+      <p:pic>
+        <p:nvPicPr>
+          <p:cNvPr id="19" name="Ábra 18" descr="Pipa egyszínű kitöltéssel">
+            <a:extLst>
+              <a:ext uri="{FF2B5EF4-FFF2-40B4-BE49-F238E27FC236}">
+                <a16:creationId xmlns:a16="http://schemas.microsoft.com/office/drawing/2014/main" id="{27DD2D7C-F272-D6DC-85C2-28D3CF2CACB9}"/>
+              </a:ext>
+            </a:extLst>
+          </p:cNvPr>
+          <p:cNvPicPr>
+            <a:picLocks noChangeAspect="1"/>
+          </p:cNvPicPr>
+          <p:nvPr/>
+        </p:nvPicPr>
+        <p:blipFill>
+          <a:blip r:embed="rId2">
+            <a:extLst>
+              <a:ext uri="{96DAC541-7B7A-43D3-8B79-37D633B846F1}">
+                <asvg:svgBlip xmlns:asvg="http://schemas.microsoft.com/office/drawing/2016/SVG/main" r:embed="rId3"/>
+              </a:ext>
+            </a:extLst>
+          </a:blip>
+          <a:stretch>
+            <a:fillRect/>
+          </a:stretch>
+        </p:blipFill>
+        <p:spPr>
+          <a:xfrm>
+            <a:off x="991752" y="4789881"/>
+            <a:ext cx="388572" cy="388572"/>
+          </a:xfrm>
+          <a:prstGeom prst="rect">
+            <a:avLst/>
+          </a:prstGeom>
+        </p:spPr>
+      </p:pic>
+      <p:sp>
+        <p:nvSpPr>
+          <p:cNvPr id="20" name="Téglalap 19">
+            <a:extLst>
+              <a:ext uri="{FF2B5EF4-FFF2-40B4-BE49-F238E27FC236}">
+                <a16:creationId xmlns:a16="http://schemas.microsoft.com/office/drawing/2014/main" id="{09B119C1-848B-AE3C-0F5F-C1E6D6326147}"/>
+              </a:ext>
+            </a:extLst>
+          </p:cNvPr>
+          <p:cNvSpPr/>
+          <p:nvPr/>
+        </p:nvSpPr>
+        <p:spPr>
+          <a:xfrm>
+            <a:off x="648970" y="2943826"/>
+            <a:ext cx="4160520" cy="80654"/>
+          </a:xfrm>
+          <a:prstGeom prst="rect">
+            <a:avLst/>
+          </a:prstGeom>
+          <a:solidFill>
+            <a:srgbClr val="FFC000"/>
+          </a:solidFill>
+          <a:ln>
+            <a:noFill/>
+          </a:ln>
+        </p:spPr>
+        <p:style>
+          <a:lnRef idx="2">
+            <a:schemeClr val="accent1">
+              <a:shade val="15000"/>
+            </a:schemeClr>
+          </a:lnRef>
+          <a:fillRef idx="1">
+            <a:schemeClr val="accent1"/>
+          </a:fillRef>
+          <a:effectRef idx="0">
+            <a:schemeClr val="accent1"/>
+          </a:effectRef>
+          <a:fontRef idx="minor">
+            <a:schemeClr val="lt1"/>
+          </a:fontRef>
+        </p:style>
+        <p:txBody>
+          <a:bodyPr rtlCol="0" anchor="ctr"/>
+          <a:lstStyle/>
+          <a:p>
+            <a:pPr algn="ctr"/>
+            <a:endParaRPr lang="en-GB"/>
+          </a:p>
+        </p:txBody>
+      </p:sp>
     </p:spTree>
     <p:extLst>
       <p:ext uri="{BB962C8B-B14F-4D97-AF65-F5344CB8AC3E}">

--- a/Tervek/ui-terv.pptx
+++ b/Tervek/ui-terv.pptx
@@ -18,6 +18,8 @@
     <p:sldId id="265" r:id="rId12"/>
     <p:sldId id="269" r:id="rId13"/>
     <p:sldId id="270" r:id="rId14"/>
+    <p:sldId id="271" r:id="rId15"/>
+    <p:sldId id="272" r:id="rId16"/>
   </p:sldIdLst>
   <p:sldSz cx="6858000" cy="9144000" type="screen4x3"/>
   <p:notesSz cx="6858000" cy="9144000"/>
@@ -144,6 +146,12 @@
             <p14:sldId id="270"/>
           </p14:sldIdLst>
         </p14:section>
+        <p14:section name="Listák" id="{3DFF5D4D-F2B3-49BF-AFAA-29F6F0C0B7EC}">
+          <p14:sldIdLst>
+            <p14:sldId id="271"/>
+            <p14:sldId id="272"/>
+          </p14:sldIdLst>
+        </p14:section>
       </p14:sectionLst>
     </p:ext>
     <p:ext uri="{EFAFB233-063F-42B5-8137-9DF3F51BA10A}">
@@ -284,7 +292,7 @@
           <a:p>
             <a:fld id="{4EA07C61-72C1-4B0F-B28F-4EAAE2D57413}" type="datetimeFigureOut">
               <a:rPr lang="en-GB" smtClean="0"/>
-              <a:t>2024-10-26</a:t>
+              <a:t>2024-11-22</a:t>
             </a:fld>
             <a:endParaRPr lang="en-GB"/>
           </a:p>
@@ -454,7 +462,7 @@
           <a:p>
             <a:fld id="{4EA07C61-72C1-4B0F-B28F-4EAAE2D57413}" type="datetimeFigureOut">
               <a:rPr lang="en-GB" smtClean="0"/>
-              <a:t>2024-10-26</a:t>
+              <a:t>2024-11-22</a:t>
             </a:fld>
             <a:endParaRPr lang="en-GB"/>
           </a:p>
@@ -634,7 +642,7 @@
           <a:p>
             <a:fld id="{4EA07C61-72C1-4B0F-B28F-4EAAE2D57413}" type="datetimeFigureOut">
               <a:rPr lang="en-GB" smtClean="0"/>
-              <a:t>2024-10-26</a:t>
+              <a:t>2024-11-22</a:t>
             </a:fld>
             <a:endParaRPr lang="en-GB"/>
           </a:p>
@@ -804,7 +812,7 @@
           <a:p>
             <a:fld id="{4EA07C61-72C1-4B0F-B28F-4EAAE2D57413}" type="datetimeFigureOut">
               <a:rPr lang="en-GB" smtClean="0"/>
-              <a:t>2024-10-26</a:t>
+              <a:t>2024-11-22</a:t>
             </a:fld>
             <a:endParaRPr lang="en-GB"/>
           </a:p>
@@ -1050,7 +1058,7 @@
           <a:p>
             <a:fld id="{4EA07C61-72C1-4B0F-B28F-4EAAE2D57413}" type="datetimeFigureOut">
               <a:rPr lang="en-GB" smtClean="0"/>
-              <a:t>2024-10-26</a:t>
+              <a:t>2024-11-22</a:t>
             </a:fld>
             <a:endParaRPr lang="en-GB"/>
           </a:p>
@@ -1282,7 +1290,7 @@
           <a:p>
             <a:fld id="{4EA07C61-72C1-4B0F-B28F-4EAAE2D57413}" type="datetimeFigureOut">
               <a:rPr lang="en-GB" smtClean="0"/>
-              <a:t>2024-10-26</a:t>
+              <a:t>2024-11-22</a:t>
             </a:fld>
             <a:endParaRPr lang="en-GB"/>
           </a:p>
@@ -1649,7 +1657,7 @@
           <a:p>
             <a:fld id="{4EA07C61-72C1-4B0F-B28F-4EAAE2D57413}" type="datetimeFigureOut">
               <a:rPr lang="en-GB" smtClean="0"/>
-              <a:t>2024-10-26</a:t>
+              <a:t>2024-11-22</a:t>
             </a:fld>
             <a:endParaRPr lang="en-GB"/>
           </a:p>
@@ -1767,7 +1775,7 @@
           <a:p>
             <a:fld id="{4EA07C61-72C1-4B0F-B28F-4EAAE2D57413}" type="datetimeFigureOut">
               <a:rPr lang="en-GB" smtClean="0"/>
-              <a:t>2024-10-26</a:t>
+              <a:t>2024-11-22</a:t>
             </a:fld>
             <a:endParaRPr lang="en-GB"/>
           </a:p>
@@ -1862,7 +1870,7 @@
           <a:p>
             <a:fld id="{4EA07C61-72C1-4B0F-B28F-4EAAE2D57413}" type="datetimeFigureOut">
               <a:rPr lang="en-GB" smtClean="0"/>
-              <a:t>2024-10-26</a:t>
+              <a:t>2024-11-22</a:t>
             </a:fld>
             <a:endParaRPr lang="en-GB"/>
           </a:p>
@@ -2139,7 +2147,7 @@
           <a:p>
             <a:fld id="{4EA07C61-72C1-4B0F-B28F-4EAAE2D57413}" type="datetimeFigureOut">
               <a:rPr lang="en-GB" smtClean="0"/>
-              <a:t>2024-10-26</a:t>
+              <a:t>2024-11-22</a:t>
             </a:fld>
             <a:endParaRPr lang="en-GB"/>
           </a:p>
@@ -2396,7 +2404,7 @@
           <a:p>
             <a:fld id="{4EA07C61-72C1-4B0F-B28F-4EAAE2D57413}" type="datetimeFigureOut">
               <a:rPr lang="en-GB" smtClean="0"/>
-              <a:t>2024-10-26</a:t>
+              <a:t>2024-11-22</a:t>
             </a:fld>
             <a:endParaRPr lang="en-GB"/>
           </a:p>
@@ -2612,7 +2620,7 @@
           <a:p>
             <a:fld id="{4EA07C61-72C1-4B0F-B28F-4EAAE2D57413}" type="datetimeFigureOut">
               <a:rPr lang="en-GB" smtClean="0"/>
-              <a:t>2024-10-26</a:t>
+              <a:t>2024-11-22</a:t>
             </a:fld>
             <a:endParaRPr lang="en-GB"/>
           </a:p>
@@ -4936,13 +4944,13 @@
   <p:clrMapOvr>
     <a:masterClrMapping/>
   </p:clrMapOvr>
-  <mc:AlternateContent xmlns:mc="http://schemas.openxmlformats.org/markup-compatibility/2006">
-    <mc:Choice xmlns:p159="http://schemas.microsoft.com/office/powerpoint/2015/09/main" Requires="p159">
+  <mc:AlternateContent xmlns:mc="http://schemas.openxmlformats.org/markup-compatibility/2006" xmlns:p159="http://schemas.microsoft.com/office/powerpoint/2015/09/main">
+    <mc:Choice Requires="p159">
       <p:transition spd="slow">
         <p159:morph option="byObject"/>
       </p:transition>
     </mc:Choice>
-    <mc:Fallback>
+    <mc:Fallback xmlns="">
       <p:transition spd="slow">
         <p:fade/>
       </p:transition>
@@ -6477,13 +6485,13 @@
   <p:clrMapOvr>
     <a:masterClrMapping/>
   </p:clrMapOvr>
-  <mc:AlternateContent xmlns:mc="http://schemas.openxmlformats.org/markup-compatibility/2006">
-    <mc:Choice xmlns:p159="http://schemas.microsoft.com/office/powerpoint/2015/09/main" Requires="p159">
+  <mc:AlternateContent xmlns:mc="http://schemas.openxmlformats.org/markup-compatibility/2006" xmlns:p159="http://schemas.microsoft.com/office/powerpoint/2015/09/main">
+    <mc:Choice Requires="p159">
       <p:transition spd="slow">
         <p159:morph option="byObject"/>
       </p:transition>
     </mc:Choice>
-    <mc:Fallback>
+    <mc:Fallback xmlns="">
       <p:transition spd="slow">
         <p:fade/>
       </p:transition>
@@ -7786,13 +7794,13 @@
   <p:clrMapOvr>
     <a:masterClrMapping/>
   </p:clrMapOvr>
-  <mc:AlternateContent xmlns:mc="http://schemas.openxmlformats.org/markup-compatibility/2006">
-    <mc:Choice xmlns:p159="http://schemas.microsoft.com/office/powerpoint/2015/09/main" Requires="p159">
+  <mc:AlternateContent xmlns:mc="http://schemas.openxmlformats.org/markup-compatibility/2006" xmlns:p159="http://schemas.microsoft.com/office/powerpoint/2015/09/main">
+    <mc:Choice Requires="p159">
       <p:transition spd="slow">
         <p159:morph option="byObject"/>
       </p:transition>
     </mc:Choice>
-    <mc:Fallback>
+    <mc:Fallback xmlns="">
       <p:transition spd="slow">
         <p:fade/>
       </p:transition>
@@ -9202,18 +9210,3066 @@
   <p:clrMapOvr>
     <a:masterClrMapping/>
   </p:clrMapOvr>
-  <mc:AlternateContent xmlns:mc="http://schemas.openxmlformats.org/markup-compatibility/2006">
-    <mc:Choice xmlns:p159="http://schemas.microsoft.com/office/powerpoint/2015/09/main" Requires="p159">
+  <mc:AlternateContent xmlns:mc="http://schemas.openxmlformats.org/markup-compatibility/2006" xmlns:p159="http://schemas.microsoft.com/office/powerpoint/2015/09/main">
+    <mc:Choice Requires="p159">
       <p:transition spd="slow">
         <p159:morph option="byObject"/>
       </p:transition>
     </mc:Choice>
-    <mc:Fallback>
+    <mc:Fallback xmlns="">
       <p:transition spd="slow">
         <p:fade/>
       </p:transition>
     </mc:Fallback>
   </mc:AlternateContent>
+</p:sld>
+</file>
+
+<file path=ppt/slides/slide14.xml><?xml version="1.0" encoding="utf-8"?>
+<p:sld xmlns:a="http://schemas.openxmlformats.org/drawingml/2006/main" xmlns:r="http://schemas.openxmlformats.org/officeDocument/2006/relationships" xmlns:p="http://schemas.openxmlformats.org/presentationml/2006/main">
+  <p:cSld>
+    <p:spTree>
+      <p:nvGrpSpPr>
+        <p:cNvPr id="1" name="">
+          <a:extLst>
+            <a:ext uri="{FF2B5EF4-FFF2-40B4-BE49-F238E27FC236}">
+              <a16:creationId xmlns:a16="http://schemas.microsoft.com/office/drawing/2014/main" id="{7C0B9AE6-D5FF-44D0-F996-EE987E800D6D}"/>
+            </a:ext>
+          </a:extLst>
+        </p:cNvPr>
+        <p:cNvGrpSpPr/>
+        <p:nvPr/>
+      </p:nvGrpSpPr>
+      <p:grpSpPr>
+        <a:xfrm>
+          <a:off x="0" y="0"/>
+          <a:ext cx="0" cy="0"/>
+          <a:chOff x="0" y="0"/>
+          <a:chExt cx="0" cy="0"/>
+        </a:xfrm>
+      </p:grpSpPr>
+      <p:sp>
+        <p:nvSpPr>
+          <p:cNvPr id="44" name="Téglalap: lekerekített 43">
+            <a:extLst>
+              <a:ext uri="{FF2B5EF4-FFF2-40B4-BE49-F238E27FC236}">
+                <a16:creationId xmlns:a16="http://schemas.microsoft.com/office/drawing/2014/main" id="{5B51FF30-737A-3C83-E40E-1B1D848E815B}"/>
+              </a:ext>
+            </a:extLst>
+          </p:cNvPr>
+          <p:cNvSpPr/>
+          <p:nvPr/>
+        </p:nvSpPr>
+        <p:spPr>
+          <a:xfrm>
+            <a:off x="4702969" y="8016081"/>
+            <a:ext cx="1752600" cy="681038"/>
+          </a:xfrm>
+          <a:prstGeom prst="roundRect">
+            <a:avLst/>
+          </a:prstGeom>
+          <a:solidFill>
+            <a:schemeClr val="tx1">
+              <a:lumMod val="65000"/>
+              <a:lumOff val="35000"/>
+            </a:schemeClr>
+          </a:solidFill>
+          <a:ln>
+            <a:noFill/>
+          </a:ln>
+        </p:spPr>
+        <p:style>
+          <a:lnRef idx="2">
+            <a:schemeClr val="dk1">
+              <a:shade val="15000"/>
+            </a:schemeClr>
+          </a:lnRef>
+          <a:fillRef idx="1">
+            <a:schemeClr val="dk1"/>
+          </a:fillRef>
+          <a:effectRef idx="0">
+            <a:schemeClr val="dk1"/>
+          </a:effectRef>
+          <a:fontRef idx="minor">
+            <a:schemeClr val="lt1"/>
+          </a:fontRef>
+        </p:style>
+        <p:txBody>
+          <a:bodyPr rtlCol="0" anchor="ctr"/>
+          <a:lstStyle/>
+          <a:p>
+            <a:pPr algn="ctr"/>
+            <a:endParaRPr lang="hu-HU" sz="1200"/>
+          </a:p>
+        </p:txBody>
+      </p:sp>
+      <p:sp>
+        <p:nvSpPr>
+          <p:cNvPr id="4" name="Téglalap: lekerekített 3">
+            <a:extLst>
+              <a:ext uri="{FF2B5EF4-FFF2-40B4-BE49-F238E27FC236}">
+                <a16:creationId xmlns:a16="http://schemas.microsoft.com/office/drawing/2014/main" id="{229F73EC-2EFC-4D43-193F-0D0069B0F1C9}"/>
+              </a:ext>
+            </a:extLst>
+          </p:cNvPr>
+          <p:cNvSpPr/>
+          <p:nvPr/>
+        </p:nvSpPr>
+        <p:spPr>
+          <a:xfrm>
+            <a:off x="137160" y="982980"/>
+            <a:ext cx="6515100" cy="731520"/>
+          </a:xfrm>
+          <a:prstGeom prst="roundRect">
+            <a:avLst/>
+          </a:prstGeom>
+          <a:solidFill>
+            <a:srgbClr val="171D1E"/>
+          </a:solidFill>
+          <a:ln>
+            <a:noFill/>
+          </a:ln>
+          <a:effectLst>
+            <a:outerShdw blurRad="63500" algn="ctr" rotWithShape="0">
+              <a:prstClr val="black">
+                <a:alpha val="27000"/>
+              </a:prstClr>
+            </a:outerShdw>
+          </a:effectLst>
+        </p:spPr>
+        <p:style>
+          <a:lnRef idx="2">
+            <a:schemeClr val="accent1">
+              <a:shade val="15000"/>
+            </a:schemeClr>
+          </a:lnRef>
+          <a:fillRef idx="1">
+            <a:schemeClr val="accent1"/>
+          </a:fillRef>
+          <a:effectRef idx="0">
+            <a:schemeClr val="accent1"/>
+          </a:effectRef>
+          <a:fontRef idx="minor">
+            <a:schemeClr val="lt1"/>
+          </a:fontRef>
+        </p:style>
+        <p:txBody>
+          <a:bodyPr rtlCol="0" anchor="ctr"/>
+          <a:lstStyle/>
+          <a:p>
+            <a:pPr algn="ctr"/>
+            <a:endParaRPr lang="hu-HU"/>
+          </a:p>
+        </p:txBody>
+      </p:sp>
+      <p:sp>
+        <p:nvSpPr>
+          <p:cNvPr id="6" name="Folyamatábra: Egyesítés 5">
+            <a:extLst>
+              <a:ext uri="{FF2B5EF4-FFF2-40B4-BE49-F238E27FC236}">
+                <a16:creationId xmlns:a16="http://schemas.microsoft.com/office/drawing/2014/main" id="{3AF1E532-198A-90B6-A85E-4E5203050C83}"/>
+              </a:ext>
+            </a:extLst>
+          </p:cNvPr>
+          <p:cNvSpPr/>
+          <p:nvPr/>
+        </p:nvSpPr>
+        <p:spPr>
+          <a:xfrm>
+            <a:off x="396875" y="1309122"/>
+            <a:ext cx="274320" cy="149086"/>
+          </a:xfrm>
+          <a:prstGeom prst="flowChartMerge">
+            <a:avLst/>
+          </a:prstGeom>
+          <a:solidFill>
+            <a:schemeClr val="tx1">
+              <a:lumMod val="65000"/>
+              <a:lumOff val="35000"/>
+            </a:schemeClr>
+          </a:solidFill>
+          <a:ln>
+            <a:noFill/>
+          </a:ln>
+        </p:spPr>
+        <p:style>
+          <a:lnRef idx="2">
+            <a:schemeClr val="accent1">
+              <a:shade val="15000"/>
+            </a:schemeClr>
+          </a:lnRef>
+          <a:fillRef idx="1">
+            <a:schemeClr val="accent1"/>
+          </a:fillRef>
+          <a:effectRef idx="0">
+            <a:schemeClr val="accent1"/>
+          </a:effectRef>
+          <a:fontRef idx="minor">
+            <a:schemeClr val="lt1"/>
+          </a:fontRef>
+        </p:style>
+        <p:txBody>
+          <a:bodyPr rtlCol="0" anchor="ctr"/>
+          <a:lstStyle/>
+          <a:p>
+            <a:pPr algn="ctr"/>
+            <a:endParaRPr lang="hu-HU"/>
+          </a:p>
+        </p:txBody>
+      </p:sp>
+      <p:sp>
+        <p:nvSpPr>
+          <p:cNvPr id="7" name="Téglalap: lekerekített 6">
+            <a:extLst>
+              <a:ext uri="{FF2B5EF4-FFF2-40B4-BE49-F238E27FC236}">
+                <a16:creationId xmlns:a16="http://schemas.microsoft.com/office/drawing/2014/main" id="{BABC165B-D3C9-3163-30BA-0C57BA423ADA}"/>
+              </a:ext>
+            </a:extLst>
+          </p:cNvPr>
+          <p:cNvSpPr/>
+          <p:nvPr/>
+        </p:nvSpPr>
+        <p:spPr>
+          <a:xfrm>
+            <a:off x="784788" y="1163433"/>
+            <a:ext cx="1138962" cy="370613"/>
+          </a:xfrm>
+          <a:prstGeom prst="roundRect">
+            <a:avLst/>
+          </a:prstGeom>
+          <a:noFill/>
+          <a:ln>
+            <a:noFill/>
+          </a:ln>
+          <a:effectLst>
+            <a:outerShdw blurRad="63500" algn="ctr" rotWithShape="0">
+              <a:prstClr val="black">
+                <a:alpha val="27000"/>
+              </a:prstClr>
+            </a:outerShdw>
+          </a:effectLst>
+        </p:spPr>
+        <p:style>
+          <a:lnRef idx="2">
+            <a:schemeClr val="accent1">
+              <a:shade val="15000"/>
+            </a:schemeClr>
+          </a:lnRef>
+          <a:fillRef idx="1">
+            <a:schemeClr val="accent1"/>
+          </a:fillRef>
+          <a:effectRef idx="0">
+            <a:schemeClr val="accent1"/>
+          </a:effectRef>
+          <a:fontRef idx="minor">
+            <a:schemeClr val="lt1"/>
+          </a:fontRef>
+        </p:style>
+        <p:txBody>
+          <a:bodyPr rtlCol="0" anchor="ctr"/>
+          <a:lstStyle/>
+          <a:p>
+            <a:pPr algn="ctr"/>
+            <a:r>
+              <a:rPr lang="en-GB" sz="2400" dirty="0" err="1">
+                <a:solidFill>
+                  <a:srgbClr val="BFC8CB"/>
+                </a:solidFill>
+              </a:rPr>
+              <a:t>Szűrők</a:t>
+            </a:r>
+            <a:endParaRPr lang="en-GB" sz="2400" dirty="0">
+              <a:solidFill>
+                <a:srgbClr val="BFC8CB"/>
+              </a:solidFill>
+            </a:endParaRPr>
+          </a:p>
+        </p:txBody>
+      </p:sp>
+      <p:pic>
+        <p:nvPicPr>
+          <p:cNvPr id="12" name="Ábra 11" descr="Nagyító egyszínű kitöltéssel">
+            <a:extLst>
+              <a:ext uri="{FF2B5EF4-FFF2-40B4-BE49-F238E27FC236}">
+                <a16:creationId xmlns:a16="http://schemas.microsoft.com/office/drawing/2014/main" id="{9511ABD9-0CB2-FE1D-F949-C2F80038DEE3}"/>
+              </a:ext>
+            </a:extLst>
+          </p:cNvPr>
+          <p:cNvPicPr>
+            <a:picLocks noChangeAspect="1"/>
+          </p:cNvPicPr>
+          <p:nvPr/>
+        </p:nvPicPr>
+        <p:blipFill>
+          <a:blip r:embed="rId2">
+            <a:extLst>
+              <a:ext uri="{96DAC541-7B7A-43D3-8B79-37D633B846F1}">
+                <asvg:svgBlip xmlns:asvg="http://schemas.microsoft.com/office/drawing/2016/SVG/main" r:embed="rId3"/>
+              </a:ext>
+            </a:extLst>
+          </a:blip>
+          <a:stretch>
+            <a:fillRect/>
+          </a:stretch>
+        </p:blipFill>
+        <p:spPr>
+          <a:xfrm>
+            <a:off x="325120" y="252039"/>
+            <a:ext cx="417830" cy="417830"/>
+          </a:xfrm>
+          <a:prstGeom prst="rect">
+            <a:avLst/>
+          </a:prstGeom>
+        </p:spPr>
+      </p:pic>
+      <p:sp>
+        <p:nvSpPr>
+          <p:cNvPr id="13" name="Téglalap: lekerekített 12">
+            <a:extLst>
+              <a:ext uri="{FF2B5EF4-FFF2-40B4-BE49-F238E27FC236}">
+                <a16:creationId xmlns:a16="http://schemas.microsoft.com/office/drawing/2014/main" id="{7689976A-7E35-DB69-8E6B-A42CB7D70F32}"/>
+              </a:ext>
+            </a:extLst>
+          </p:cNvPr>
+          <p:cNvSpPr/>
+          <p:nvPr/>
+        </p:nvSpPr>
+        <p:spPr>
+          <a:xfrm>
+            <a:off x="784788" y="273856"/>
+            <a:ext cx="1361512" cy="370613"/>
+          </a:xfrm>
+          <a:prstGeom prst="roundRect">
+            <a:avLst/>
+          </a:prstGeom>
+          <a:noFill/>
+          <a:ln>
+            <a:noFill/>
+          </a:ln>
+          <a:effectLst>
+            <a:outerShdw blurRad="63500" algn="ctr" rotWithShape="0">
+              <a:prstClr val="black">
+                <a:alpha val="27000"/>
+              </a:prstClr>
+            </a:outerShdw>
+          </a:effectLst>
+        </p:spPr>
+        <p:style>
+          <a:lnRef idx="2">
+            <a:schemeClr val="accent1">
+              <a:shade val="15000"/>
+            </a:schemeClr>
+          </a:lnRef>
+          <a:fillRef idx="1">
+            <a:schemeClr val="accent1"/>
+          </a:fillRef>
+          <a:effectRef idx="0">
+            <a:schemeClr val="accent1"/>
+          </a:effectRef>
+          <a:fontRef idx="minor">
+            <a:schemeClr val="lt1"/>
+          </a:fontRef>
+        </p:style>
+        <p:txBody>
+          <a:bodyPr rtlCol="0" anchor="ctr"/>
+          <a:lstStyle/>
+          <a:p>
+            <a:pPr algn="ctr"/>
+            <a:r>
+              <a:rPr lang="en-GB" sz="2400" dirty="0" err="1">
+                <a:solidFill>
+                  <a:srgbClr val="BFC8CB"/>
+                </a:solidFill>
+              </a:rPr>
+              <a:t>Keresés</a:t>
+            </a:r>
+            <a:endParaRPr lang="en-GB" sz="2400" dirty="0">
+              <a:solidFill>
+                <a:srgbClr val="BFC8CB"/>
+              </a:solidFill>
+            </a:endParaRPr>
+          </a:p>
+        </p:txBody>
+      </p:sp>
+      <p:cxnSp>
+        <p:nvCxnSpPr>
+          <p:cNvPr id="21" name="Egyenes összekötő 20">
+            <a:extLst>
+              <a:ext uri="{FF2B5EF4-FFF2-40B4-BE49-F238E27FC236}">
+                <a16:creationId xmlns:a16="http://schemas.microsoft.com/office/drawing/2014/main" id="{33499490-F862-08D1-6083-93FEAEA7913A}"/>
+              </a:ext>
+            </a:extLst>
+          </p:cNvPr>
+          <p:cNvCxnSpPr/>
+          <p:nvPr/>
+        </p:nvCxnSpPr>
+        <p:spPr>
+          <a:xfrm>
+            <a:off x="222250" y="787400"/>
+            <a:ext cx="6356350" cy="0"/>
+          </a:xfrm>
+          <a:prstGeom prst="line">
+            <a:avLst/>
+          </a:prstGeom>
+          <a:ln>
+            <a:solidFill>
+              <a:srgbClr val="BFC8CB"/>
+            </a:solidFill>
+          </a:ln>
+        </p:spPr>
+        <p:style>
+          <a:lnRef idx="2">
+            <a:schemeClr val="accent1"/>
+          </a:lnRef>
+          <a:fillRef idx="0">
+            <a:schemeClr val="accent1"/>
+          </a:fillRef>
+          <a:effectRef idx="1">
+            <a:schemeClr val="accent1"/>
+          </a:effectRef>
+          <a:fontRef idx="minor">
+            <a:schemeClr val="tx1"/>
+          </a:fontRef>
+        </p:style>
+      </p:cxnSp>
+      <p:sp>
+        <p:nvSpPr>
+          <p:cNvPr id="23" name="Téglalap: lekerekített 22">
+            <a:extLst>
+              <a:ext uri="{FF2B5EF4-FFF2-40B4-BE49-F238E27FC236}">
+                <a16:creationId xmlns:a16="http://schemas.microsoft.com/office/drawing/2014/main" id="{6BA30C63-EE49-4F18-166C-F09622229060}"/>
+              </a:ext>
+            </a:extLst>
+          </p:cNvPr>
+          <p:cNvSpPr/>
+          <p:nvPr/>
+        </p:nvSpPr>
+        <p:spPr>
+          <a:xfrm>
+            <a:off x="385445" y="2125028"/>
+            <a:ext cx="297180" cy="297180"/>
+          </a:xfrm>
+          <a:prstGeom prst="roundRect">
+            <a:avLst/>
+          </a:prstGeom>
+          <a:noFill/>
+          <a:ln w="38100">
+            <a:solidFill>
+              <a:srgbClr val="BFC8CB"/>
+            </a:solidFill>
+          </a:ln>
+        </p:spPr>
+        <p:style>
+          <a:lnRef idx="2">
+            <a:schemeClr val="accent1">
+              <a:shade val="15000"/>
+            </a:schemeClr>
+          </a:lnRef>
+          <a:fillRef idx="1">
+            <a:schemeClr val="accent1"/>
+          </a:fillRef>
+          <a:effectRef idx="0">
+            <a:schemeClr val="accent1"/>
+          </a:effectRef>
+          <a:fontRef idx="minor">
+            <a:schemeClr val="lt1"/>
+          </a:fontRef>
+        </p:style>
+        <p:txBody>
+          <a:bodyPr rtlCol="0" anchor="ctr"/>
+          <a:lstStyle/>
+          <a:p>
+            <a:pPr algn="ctr"/>
+            <a:endParaRPr lang="hu-HU"/>
+          </a:p>
+        </p:txBody>
+      </p:sp>
+      <p:sp>
+        <p:nvSpPr>
+          <p:cNvPr id="24" name="Téglalap: lekerekített 23">
+            <a:extLst>
+              <a:ext uri="{FF2B5EF4-FFF2-40B4-BE49-F238E27FC236}">
+                <a16:creationId xmlns:a16="http://schemas.microsoft.com/office/drawing/2014/main" id="{1A6B8646-06CB-65C1-730E-9583D6AF28BC}"/>
+              </a:ext>
+            </a:extLst>
+          </p:cNvPr>
+          <p:cNvSpPr/>
+          <p:nvPr/>
+        </p:nvSpPr>
+        <p:spPr>
+          <a:xfrm>
+            <a:off x="784788" y="2088311"/>
+            <a:ext cx="2854451" cy="370613"/>
+          </a:xfrm>
+          <a:prstGeom prst="roundRect">
+            <a:avLst/>
+          </a:prstGeom>
+          <a:noFill/>
+          <a:ln>
+            <a:noFill/>
+          </a:ln>
+          <a:effectLst>
+            <a:outerShdw blurRad="63500" algn="ctr" rotWithShape="0">
+              <a:prstClr val="black">
+                <a:alpha val="27000"/>
+              </a:prstClr>
+            </a:outerShdw>
+          </a:effectLst>
+        </p:spPr>
+        <p:style>
+          <a:lnRef idx="2">
+            <a:schemeClr val="accent1">
+              <a:shade val="15000"/>
+            </a:schemeClr>
+          </a:lnRef>
+          <a:fillRef idx="1">
+            <a:schemeClr val="accent1"/>
+          </a:fillRef>
+          <a:effectRef idx="0">
+            <a:schemeClr val="accent1"/>
+          </a:effectRef>
+          <a:fontRef idx="minor">
+            <a:schemeClr val="lt1"/>
+          </a:fontRef>
+        </p:style>
+        <p:txBody>
+          <a:bodyPr rtlCol="0" anchor="ctr"/>
+          <a:lstStyle/>
+          <a:p>
+            <a:r>
+              <a:rPr lang="en-GB" sz="2400" dirty="0" err="1">
+                <a:solidFill>
+                  <a:srgbClr val="BFC8CB"/>
+                </a:solidFill>
+              </a:rPr>
+              <a:t>Első</a:t>
+            </a:r>
+            <a:r>
+              <a:rPr lang="en-GB" sz="2400" dirty="0">
+                <a:solidFill>
+                  <a:srgbClr val="BFC8CB"/>
+                </a:solidFill>
+              </a:rPr>
+              <a:t> </a:t>
+            </a:r>
+            <a:r>
+              <a:rPr lang="en-GB" sz="2400" dirty="0" err="1">
+                <a:solidFill>
+                  <a:srgbClr val="BFC8CB"/>
+                </a:solidFill>
+              </a:rPr>
+              <a:t>lista</a:t>
+            </a:r>
+            <a:endParaRPr lang="en-GB" sz="2400" dirty="0">
+              <a:solidFill>
+                <a:srgbClr val="BFC8CB"/>
+              </a:solidFill>
+            </a:endParaRPr>
+          </a:p>
+        </p:txBody>
+      </p:sp>
+      <p:sp>
+        <p:nvSpPr>
+          <p:cNvPr id="29" name="Téglalap: lekerekített 28">
+            <a:extLst>
+              <a:ext uri="{FF2B5EF4-FFF2-40B4-BE49-F238E27FC236}">
+                <a16:creationId xmlns:a16="http://schemas.microsoft.com/office/drawing/2014/main" id="{897C1FC8-3013-B210-197C-899B0AAECCC1}"/>
+              </a:ext>
+            </a:extLst>
+          </p:cNvPr>
+          <p:cNvSpPr/>
+          <p:nvPr/>
+        </p:nvSpPr>
+        <p:spPr>
+          <a:xfrm>
+            <a:off x="385445" y="2684145"/>
+            <a:ext cx="297180" cy="297180"/>
+          </a:xfrm>
+          <a:prstGeom prst="roundRect">
+            <a:avLst/>
+          </a:prstGeom>
+          <a:noFill/>
+          <a:ln w="38100">
+            <a:solidFill>
+              <a:srgbClr val="BFC8CB"/>
+            </a:solidFill>
+          </a:ln>
+        </p:spPr>
+        <p:style>
+          <a:lnRef idx="2">
+            <a:schemeClr val="accent1">
+              <a:shade val="15000"/>
+            </a:schemeClr>
+          </a:lnRef>
+          <a:fillRef idx="1">
+            <a:schemeClr val="accent1"/>
+          </a:fillRef>
+          <a:effectRef idx="0">
+            <a:schemeClr val="accent1"/>
+          </a:effectRef>
+          <a:fontRef idx="minor">
+            <a:schemeClr val="lt1"/>
+          </a:fontRef>
+        </p:style>
+        <p:txBody>
+          <a:bodyPr rtlCol="0" anchor="ctr"/>
+          <a:lstStyle/>
+          <a:p>
+            <a:pPr algn="ctr"/>
+            <a:endParaRPr lang="hu-HU"/>
+          </a:p>
+        </p:txBody>
+      </p:sp>
+      <p:sp>
+        <p:nvSpPr>
+          <p:cNvPr id="30" name="Téglalap: lekerekített 29">
+            <a:extLst>
+              <a:ext uri="{FF2B5EF4-FFF2-40B4-BE49-F238E27FC236}">
+                <a16:creationId xmlns:a16="http://schemas.microsoft.com/office/drawing/2014/main" id="{EB25A446-4CA7-5879-BDB1-4AD2C3E61A16}"/>
+              </a:ext>
+            </a:extLst>
+          </p:cNvPr>
+          <p:cNvSpPr/>
+          <p:nvPr/>
+        </p:nvSpPr>
+        <p:spPr>
+          <a:xfrm>
+            <a:off x="784788" y="2647428"/>
+            <a:ext cx="2854451" cy="370613"/>
+          </a:xfrm>
+          <a:prstGeom prst="roundRect">
+            <a:avLst/>
+          </a:prstGeom>
+          <a:noFill/>
+          <a:ln>
+            <a:noFill/>
+          </a:ln>
+          <a:effectLst>
+            <a:outerShdw blurRad="63500" algn="ctr" rotWithShape="0">
+              <a:prstClr val="black">
+                <a:alpha val="27000"/>
+              </a:prstClr>
+            </a:outerShdw>
+          </a:effectLst>
+        </p:spPr>
+        <p:style>
+          <a:lnRef idx="2">
+            <a:schemeClr val="accent1">
+              <a:shade val="15000"/>
+            </a:schemeClr>
+          </a:lnRef>
+          <a:fillRef idx="1">
+            <a:schemeClr val="accent1"/>
+          </a:fillRef>
+          <a:effectRef idx="0">
+            <a:schemeClr val="accent1"/>
+          </a:effectRef>
+          <a:fontRef idx="minor">
+            <a:schemeClr val="lt1"/>
+          </a:fontRef>
+        </p:style>
+        <p:txBody>
+          <a:bodyPr rtlCol="0" anchor="ctr"/>
+          <a:lstStyle/>
+          <a:p>
+            <a:r>
+              <a:rPr lang="en-GB" sz="2400" dirty="0" err="1">
+                <a:solidFill>
+                  <a:srgbClr val="BFC8CB"/>
+                </a:solidFill>
+              </a:rPr>
+              <a:t>Első</a:t>
+            </a:r>
+            <a:r>
+              <a:rPr lang="en-GB" sz="2400" dirty="0">
+                <a:solidFill>
+                  <a:srgbClr val="BFC8CB"/>
+                </a:solidFill>
+              </a:rPr>
+              <a:t> </a:t>
+            </a:r>
+            <a:r>
+              <a:rPr lang="en-GB" sz="2400" dirty="0" err="1">
+                <a:solidFill>
+                  <a:srgbClr val="BFC8CB"/>
+                </a:solidFill>
+              </a:rPr>
+              <a:t>lista</a:t>
+            </a:r>
+            <a:endParaRPr lang="en-GB" sz="2400" dirty="0">
+              <a:solidFill>
+                <a:srgbClr val="BFC8CB"/>
+              </a:solidFill>
+            </a:endParaRPr>
+          </a:p>
+        </p:txBody>
+      </p:sp>
+      <p:sp>
+        <p:nvSpPr>
+          <p:cNvPr id="31" name="Téglalap: lekerekített 30">
+            <a:extLst>
+              <a:ext uri="{FF2B5EF4-FFF2-40B4-BE49-F238E27FC236}">
+                <a16:creationId xmlns:a16="http://schemas.microsoft.com/office/drawing/2014/main" id="{CCF6F66E-3BEF-7FED-66AC-B1D887B0B620}"/>
+              </a:ext>
+            </a:extLst>
+          </p:cNvPr>
+          <p:cNvSpPr/>
+          <p:nvPr/>
+        </p:nvSpPr>
+        <p:spPr>
+          <a:xfrm>
+            <a:off x="385445" y="3243262"/>
+            <a:ext cx="297180" cy="297180"/>
+          </a:xfrm>
+          <a:prstGeom prst="roundRect">
+            <a:avLst/>
+          </a:prstGeom>
+          <a:noFill/>
+          <a:ln w="38100">
+            <a:solidFill>
+              <a:srgbClr val="BFC8CB"/>
+            </a:solidFill>
+          </a:ln>
+        </p:spPr>
+        <p:style>
+          <a:lnRef idx="2">
+            <a:schemeClr val="accent1">
+              <a:shade val="15000"/>
+            </a:schemeClr>
+          </a:lnRef>
+          <a:fillRef idx="1">
+            <a:schemeClr val="accent1"/>
+          </a:fillRef>
+          <a:effectRef idx="0">
+            <a:schemeClr val="accent1"/>
+          </a:effectRef>
+          <a:fontRef idx="minor">
+            <a:schemeClr val="lt1"/>
+          </a:fontRef>
+        </p:style>
+        <p:txBody>
+          <a:bodyPr rtlCol="0" anchor="ctr"/>
+          <a:lstStyle/>
+          <a:p>
+            <a:pPr algn="ctr"/>
+            <a:endParaRPr lang="hu-HU"/>
+          </a:p>
+        </p:txBody>
+      </p:sp>
+      <p:sp>
+        <p:nvSpPr>
+          <p:cNvPr id="32" name="Téglalap: lekerekített 31">
+            <a:extLst>
+              <a:ext uri="{FF2B5EF4-FFF2-40B4-BE49-F238E27FC236}">
+                <a16:creationId xmlns:a16="http://schemas.microsoft.com/office/drawing/2014/main" id="{3ED2527D-9BC3-826E-1CAA-C82940077543}"/>
+              </a:ext>
+            </a:extLst>
+          </p:cNvPr>
+          <p:cNvSpPr/>
+          <p:nvPr/>
+        </p:nvSpPr>
+        <p:spPr>
+          <a:xfrm>
+            <a:off x="784788" y="3206545"/>
+            <a:ext cx="2854451" cy="370613"/>
+          </a:xfrm>
+          <a:prstGeom prst="roundRect">
+            <a:avLst/>
+          </a:prstGeom>
+          <a:noFill/>
+          <a:ln>
+            <a:noFill/>
+          </a:ln>
+          <a:effectLst>
+            <a:outerShdw blurRad="63500" algn="ctr" rotWithShape="0">
+              <a:prstClr val="black">
+                <a:alpha val="27000"/>
+              </a:prstClr>
+            </a:outerShdw>
+          </a:effectLst>
+        </p:spPr>
+        <p:style>
+          <a:lnRef idx="2">
+            <a:schemeClr val="accent1">
+              <a:shade val="15000"/>
+            </a:schemeClr>
+          </a:lnRef>
+          <a:fillRef idx="1">
+            <a:schemeClr val="accent1"/>
+          </a:fillRef>
+          <a:effectRef idx="0">
+            <a:schemeClr val="accent1"/>
+          </a:effectRef>
+          <a:fontRef idx="minor">
+            <a:schemeClr val="lt1"/>
+          </a:fontRef>
+        </p:style>
+        <p:txBody>
+          <a:bodyPr rtlCol="0" anchor="ctr"/>
+          <a:lstStyle/>
+          <a:p>
+            <a:r>
+              <a:rPr lang="en-GB" sz="2400" dirty="0" err="1">
+                <a:solidFill>
+                  <a:srgbClr val="BFC8CB"/>
+                </a:solidFill>
+              </a:rPr>
+              <a:t>Első</a:t>
+            </a:r>
+            <a:r>
+              <a:rPr lang="en-GB" sz="2400" dirty="0">
+                <a:solidFill>
+                  <a:srgbClr val="BFC8CB"/>
+                </a:solidFill>
+              </a:rPr>
+              <a:t> </a:t>
+            </a:r>
+            <a:r>
+              <a:rPr lang="en-GB" sz="2400" dirty="0" err="1">
+                <a:solidFill>
+                  <a:srgbClr val="BFC8CB"/>
+                </a:solidFill>
+              </a:rPr>
+              <a:t>lista</a:t>
+            </a:r>
+            <a:endParaRPr lang="en-GB" sz="2400" dirty="0">
+              <a:solidFill>
+                <a:srgbClr val="BFC8CB"/>
+              </a:solidFill>
+            </a:endParaRPr>
+          </a:p>
+        </p:txBody>
+      </p:sp>
+      <p:sp>
+        <p:nvSpPr>
+          <p:cNvPr id="33" name="Téglalap: lekerekített 32">
+            <a:extLst>
+              <a:ext uri="{FF2B5EF4-FFF2-40B4-BE49-F238E27FC236}">
+                <a16:creationId xmlns:a16="http://schemas.microsoft.com/office/drawing/2014/main" id="{0A664227-7F32-0696-FBFC-8EB57FD4F289}"/>
+              </a:ext>
+            </a:extLst>
+          </p:cNvPr>
+          <p:cNvSpPr/>
+          <p:nvPr/>
+        </p:nvSpPr>
+        <p:spPr>
+          <a:xfrm>
+            <a:off x="385445" y="3802379"/>
+            <a:ext cx="297180" cy="297180"/>
+          </a:xfrm>
+          <a:prstGeom prst="roundRect">
+            <a:avLst/>
+          </a:prstGeom>
+          <a:noFill/>
+          <a:ln w="38100">
+            <a:solidFill>
+              <a:srgbClr val="BFC8CB"/>
+            </a:solidFill>
+          </a:ln>
+        </p:spPr>
+        <p:style>
+          <a:lnRef idx="2">
+            <a:schemeClr val="accent1">
+              <a:shade val="15000"/>
+            </a:schemeClr>
+          </a:lnRef>
+          <a:fillRef idx="1">
+            <a:schemeClr val="accent1"/>
+          </a:fillRef>
+          <a:effectRef idx="0">
+            <a:schemeClr val="accent1"/>
+          </a:effectRef>
+          <a:fontRef idx="minor">
+            <a:schemeClr val="lt1"/>
+          </a:fontRef>
+        </p:style>
+        <p:txBody>
+          <a:bodyPr rtlCol="0" anchor="ctr"/>
+          <a:lstStyle/>
+          <a:p>
+            <a:pPr algn="ctr"/>
+            <a:endParaRPr lang="hu-HU"/>
+          </a:p>
+        </p:txBody>
+      </p:sp>
+      <p:sp>
+        <p:nvSpPr>
+          <p:cNvPr id="34" name="Téglalap: lekerekített 33">
+            <a:extLst>
+              <a:ext uri="{FF2B5EF4-FFF2-40B4-BE49-F238E27FC236}">
+                <a16:creationId xmlns:a16="http://schemas.microsoft.com/office/drawing/2014/main" id="{565F4F7A-408B-D5B2-729F-C760703B38E8}"/>
+              </a:ext>
+            </a:extLst>
+          </p:cNvPr>
+          <p:cNvSpPr/>
+          <p:nvPr/>
+        </p:nvSpPr>
+        <p:spPr>
+          <a:xfrm>
+            <a:off x="784788" y="3765662"/>
+            <a:ext cx="2854451" cy="370613"/>
+          </a:xfrm>
+          <a:prstGeom prst="roundRect">
+            <a:avLst/>
+          </a:prstGeom>
+          <a:noFill/>
+          <a:ln>
+            <a:noFill/>
+          </a:ln>
+          <a:effectLst>
+            <a:outerShdw blurRad="63500" algn="ctr" rotWithShape="0">
+              <a:prstClr val="black">
+                <a:alpha val="27000"/>
+              </a:prstClr>
+            </a:outerShdw>
+          </a:effectLst>
+        </p:spPr>
+        <p:style>
+          <a:lnRef idx="2">
+            <a:schemeClr val="accent1">
+              <a:shade val="15000"/>
+            </a:schemeClr>
+          </a:lnRef>
+          <a:fillRef idx="1">
+            <a:schemeClr val="accent1"/>
+          </a:fillRef>
+          <a:effectRef idx="0">
+            <a:schemeClr val="accent1"/>
+          </a:effectRef>
+          <a:fontRef idx="minor">
+            <a:schemeClr val="lt1"/>
+          </a:fontRef>
+        </p:style>
+        <p:txBody>
+          <a:bodyPr rtlCol="0" anchor="ctr"/>
+          <a:lstStyle/>
+          <a:p>
+            <a:r>
+              <a:rPr lang="en-GB" sz="2400" dirty="0" err="1">
+                <a:solidFill>
+                  <a:srgbClr val="BFC8CB"/>
+                </a:solidFill>
+              </a:rPr>
+              <a:t>Első</a:t>
+            </a:r>
+            <a:r>
+              <a:rPr lang="en-GB" sz="2400" dirty="0">
+                <a:solidFill>
+                  <a:srgbClr val="BFC8CB"/>
+                </a:solidFill>
+              </a:rPr>
+              <a:t> </a:t>
+            </a:r>
+            <a:r>
+              <a:rPr lang="en-GB" sz="2400" dirty="0" err="1">
+                <a:solidFill>
+                  <a:srgbClr val="BFC8CB"/>
+                </a:solidFill>
+              </a:rPr>
+              <a:t>lista</a:t>
+            </a:r>
+            <a:endParaRPr lang="en-GB" sz="2400" dirty="0">
+              <a:solidFill>
+                <a:srgbClr val="BFC8CB"/>
+              </a:solidFill>
+            </a:endParaRPr>
+          </a:p>
+        </p:txBody>
+      </p:sp>
+      <p:sp>
+        <p:nvSpPr>
+          <p:cNvPr id="35" name="Téglalap: lekerekített 34">
+            <a:extLst>
+              <a:ext uri="{FF2B5EF4-FFF2-40B4-BE49-F238E27FC236}">
+                <a16:creationId xmlns:a16="http://schemas.microsoft.com/office/drawing/2014/main" id="{F9FE14BD-9EF0-8D0B-20E3-833E17E9F626}"/>
+              </a:ext>
+            </a:extLst>
+          </p:cNvPr>
+          <p:cNvSpPr/>
+          <p:nvPr/>
+        </p:nvSpPr>
+        <p:spPr>
+          <a:xfrm>
+            <a:off x="385445" y="4361496"/>
+            <a:ext cx="297180" cy="297180"/>
+          </a:xfrm>
+          <a:prstGeom prst="roundRect">
+            <a:avLst/>
+          </a:prstGeom>
+          <a:noFill/>
+          <a:ln w="38100">
+            <a:solidFill>
+              <a:srgbClr val="BFC8CB"/>
+            </a:solidFill>
+          </a:ln>
+        </p:spPr>
+        <p:style>
+          <a:lnRef idx="2">
+            <a:schemeClr val="accent1">
+              <a:shade val="15000"/>
+            </a:schemeClr>
+          </a:lnRef>
+          <a:fillRef idx="1">
+            <a:schemeClr val="accent1"/>
+          </a:fillRef>
+          <a:effectRef idx="0">
+            <a:schemeClr val="accent1"/>
+          </a:effectRef>
+          <a:fontRef idx="minor">
+            <a:schemeClr val="lt1"/>
+          </a:fontRef>
+        </p:style>
+        <p:txBody>
+          <a:bodyPr rtlCol="0" anchor="ctr"/>
+          <a:lstStyle/>
+          <a:p>
+            <a:pPr algn="ctr"/>
+            <a:endParaRPr lang="hu-HU"/>
+          </a:p>
+        </p:txBody>
+      </p:sp>
+      <p:sp>
+        <p:nvSpPr>
+          <p:cNvPr id="36" name="Téglalap: lekerekített 35">
+            <a:extLst>
+              <a:ext uri="{FF2B5EF4-FFF2-40B4-BE49-F238E27FC236}">
+                <a16:creationId xmlns:a16="http://schemas.microsoft.com/office/drawing/2014/main" id="{1FDABFC0-25FF-86A6-73A8-630C722CC080}"/>
+              </a:ext>
+            </a:extLst>
+          </p:cNvPr>
+          <p:cNvSpPr/>
+          <p:nvPr/>
+        </p:nvSpPr>
+        <p:spPr>
+          <a:xfrm>
+            <a:off x="784788" y="4324779"/>
+            <a:ext cx="2854451" cy="370613"/>
+          </a:xfrm>
+          <a:prstGeom prst="roundRect">
+            <a:avLst/>
+          </a:prstGeom>
+          <a:noFill/>
+          <a:ln>
+            <a:noFill/>
+          </a:ln>
+          <a:effectLst>
+            <a:outerShdw blurRad="63500" algn="ctr" rotWithShape="0">
+              <a:prstClr val="black">
+                <a:alpha val="27000"/>
+              </a:prstClr>
+            </a:outerShdw>
+          </a:effectLst>
+        </p:spPr>
+        <p:style>
+          <a:lnRef idx="2">
+            <a:schemeClr val="accent1">
+              <a:shade val="15000"/>
+            </a:schemeClr>
+          </a:lnRef>
+          <a:fillRef idx="1">
+            <a:schemeClr val="accent1"/>
+          </a:fillRef>
+          <a:effectRef idx="0">
+            <a:schemeClr val="accent1"/>
+          </a:effectRef>
+          <a:fontRef idx="minor">
+            <a:schemeClr val="lt1"/>
+          </a:fontRef>
+        </p:style>
+        <p:txBody>
+          <a:bodyPr rtlCol="0" anchor="ctr"/>
+          <a:lstStyle/>
+          <a:p>
+            <a:r>
+              <a:rPr lang="en-GB" sz="2400" dirty="0" err="1">
+                <a:solidFill>
+                  <a:srgbClr val="BFC8CB"/>
+                </a:solidFill>
+              </a:rPr>
+              <a:t>Első</a:t>
+            </a:r>
+            <a:r>
+              <a:rPr lang="en-GB" sz="2400" dirty="0">
+                <a:solidFill>
+                  <a:srgbClr val="BFC8CB"/>
+                </a:solidFill>
+              </a:rPr>
+              <a:t> </a:t>
+            </a:r>
+            <a:r>
+              <a:rPr lang="en-GB" sz="2400" dirty="0" err="1">
+                <a:solidFill>
+                  <a:srgbClr val="BFC8CB"/>
+                </a:solidFill>
+              </a:rPr>
+              <a:t>lista</a:t>
+            </a:r>
+            <a:endParaRPr lang="en-GB" sz="2400" dirty="0">
+              <a:solidFill>
+                <a:srgbClr val="BFC8CB"/>
+              </a:solidFill>
+            </a:endParaRPr>
+          </a:p>
+        </p:txBody>
+      </p:sp>
+      <p:sp>
+        <p:nvSpPr>
+          <p:cNvPr id="37" name="Téglalap: lekerekített 36">
+            <a:extLst>
+              <a:ext uri="{FF2B5EF4-FFF2-40B4-BE49-F238E27FC236}">
+                <a16:creationId xmlns:a16="http://schemas.microsoft.com/office/drawing/2014/main" id="{E5A8C40E-9DE9-0A41-A5D4-AC0379686F83}"/>
+              </a:ext>
+            </a:extLst>
+          </p:cNvPr>
+          <p:cNvSpPr/>
+          <p:nvPr/>
+        </p:nvSpPr>
+        <p:spPr>
+          <a:xfrm>
+            <a:off x="385445" y="4920613"/>
+            <a:ext cx="297180" cy="297180"/>
+          </a:xfrm>
+          <a:prstGeom prst="roundRect">
+            <a:avLst/>
+          </a:prstGeom>
+          <a:noFill/>
+          <a:ln w="38100">
+            <a:solidFill>
+              <a:srgbClr val="BFC8CB"/>
+            </a:solidFill>
+          </a:ln>
+        </p:spPr>
+        <p:style>
+          <a:lnRef idx="2">
+            <a:schemeClr val="accent1">
+              <a:shade val="15000"/>
+            </a:schemeClr>
+          </a:lnRef>
+          <a:fillRef idx="1">
+            <a:schemeClr val="accent1"/>
+          </a:fillRef>
+          <a:effectRef idx="0">
+            <a:schemeClr val="accent1"/>
+          </a:effectRef>
+          <a:fontRef idx="minor">
+            <a:schemeClr val="lt1"/>
+          </a:fontRef>
+        </p:style>
+        <p:txBody>
+          <a:bodyPr rtlCol="0" anchor="ctr"/>
+          <a:lstStyle/>
+          <a:p>
+            <a:pPr algn="ctr"/>
+            <a:endParaRPr lang="hu-HU"/>
+          </a:p>
+        </p:txBody>
+      </p:sp>
+      <p:sp>
+        <p:nvSpPr>
+          <p:cNvPr id="38" name="Téglalap: lekerekített 37">
+            <a:extLst>
+              <a:ext uri="{FF2B5EF4-FFF2-40B4-BE49-F238E27FC236}">
+                <a16:creationId xmlns:a16="http://schemas.microsoft.com/office/drawing/2014/main" id="{F9D8FD90-25D6-FC07-493A-928E736E46B7}"/>
+              </a:ext>
+            </a:extLst>
+          </p:cNvPr>
+          <p:cNvSpPr/>
+          <p:nvPr/>
+        </p:nvSpPr>
+        <p:spPr>
+          <a:xfrm>
+            <a:off x="784788" y="4883896"/>
+            <a:ext cx="2854451" cy="370613"/>
+          </a:xfrm>
+          <a:prstGeom prst="roundRect">
+            <a:avLst/>
+          </a:prstGeom>
+          <a:noFill/>
+          <a:ln>
+            <a:noFill/>
+          </a:ln>
+          <a:effectLst>
+            <a:outerShdw blurRad="63500" algn="ctr" rotWithShape="0">
+              <a:prstClr val="black">
+                <a:alpha val="27000"/>
+              </a:prstClr>
+            </a:outerShdw>
+          </a:effectLst>
+        </p:spPr>
+        <p:style>
+          <a:lnRef idx="2">
+            <a:schemeClr val="accent1">
+              <a:shade val="15000"/>
+            </a:schemeClr>
+          </a:lnRef>
+          <a:fillRef idx="1">
+            <a:schemeClr val="accent1"/>
+          </a:fillRef>
+          <a:effectRef idx="0">
+            <a:schemeClr val="accent1"/>
+          </a:effectRef>
+          <a:fontRef idx="minor">
+            <a:schemeClr val="lt1"/>
+          </a:fontRef>
+        </p:style>
+        <p:txBody>
+          <a:bodyPr rtlCol="0" anchor="ctr"/>
+          <a:lstStyle/>
+          <a:p>
+            <a:r>
+              <a:rPr lang="en-GB" sz="2400" dirty="0" err="1">
+                <a:solidFill>
+                  <a:srgbClr val="BFC8CB"/>
+                </a:solidFill>
+              </a:rPr>
+              <a:t>Első</a:t>
+            </a:r>
+            <a:r>
+              <a:rPr lang="en-GB" sz="2400" dirty="0">
+                <a:solidFill>
+                  <a:srgbClr val="BFC8CB"/>
+                </a:solidFill>
+              </a:rPr>
+              <a:t> </a:t>
+            </a:r>
+            <a:r>
+              <a:rPr lang="en-GB" sz="2400" dirty="0" err="1">
+                <a:solidFill>
+                  <a:srgbClr val="BFC8CB"/>
+                </a:solidFill>
+              </a:rPr>
+              <a:t>lista</a:t>
+            </a:r>
+            <a:endParaRPr lang="en-GB" sz="2400" dirty="0">
+              <a:solidFill>
+                <a:srgbClr val="BFC8CB"/>
+              </a:solidFill>
+            </a:endParaRPr>
+          </a:p>
+        </p:txBody>
+      </p:sp>
+      <p:sp>
+        <p:nvSpPr>
+          <p:cNvPr id="39" name="Téglalap: lekerekített 38">
+            <a:extLst>
+              <a:ext uri="{FF2B5EF4-FFF2-40B4-BE49-F238E27FC236}">
+                <a16:creationId xmlns:a16="http://schemas.microsoft.com/office/drawing/2014/main" id="{751E15C9-9E1A-A003-68A2-303877F38740}"/>
+              </a:ext>
+            </a:extLst>
+          </p:cNvPr>
+          <p:cNvSpPr/>
+          <p:nvPr/>
+        </p:nvSpPr>
+        <p:spPr>
+          <a:xfrm>
+            <a:off x="385445" y="5479730"/>
+            <a:ext cx="297180" cy="297180"/>
+          </a:xfrm>
+          <a:prstGeom prst="roundRect">
+            <a:avLst/>
+          </a:prstGeom>
+          <a:noFill/>
+          <a:ln w="38100">
+            <a:solidFill>
+              <a:srgbClr val="BFC8CB"/>
+            </a:solidFill>
+          </a:ln>
+        </p:spPr>
+        <p:style>
+          <a:lnRef idx="2">
+            <a:schemeClr val="accent1">
+              <a:shade val="15000"/>
+            </a:schemeClr>
+          </a:lnRef>
+          <a:fillRef idx="1">
+            <a:schemeClr val="accent1"/>
+          </a:fillRef>
+          <a:effectRef idx="0">
+            <a:schemeClr val="accent1"/>
+          </a:effectRef>
+          <a:fontRef idx="minor">
+            <a:schemeClr val="lt1"/>
+          </a:fontRef>
+        </p:style>
+        <p:txBody>
+          <a:bodyPr rtlCol="0" anchor="ctr"/>
+          <a:lstStyle/>
+          <a:p>
+            <a:pPr algn="ctr"/>
+            <a:endParaRPr lang="hu-HU"/>
+          </a:p>
+        </p:txBody>
+      </p:sp>
+      <p:sp>
+        <p:nvSpPr>
+          <p:cNvPr id="40" name="Téglalap: lekerekített 39">
+            <a:extLst>
+              <a:ext uri="{FF2B5EF4-FFF2-40B4-BE49-F238E27FC236}">
+                <a16:creationId xmlns:a16="http://schemas.microsoft.com/office/drawing/2014/main" id="{38CB6989-C0F0-8234-0070-A0CB05493C3D}"/>
+              </a:ext>
+            </a:extLst>
+          </p:cNvPr>
+          <p:cNvSpPr/>
+          <p:nvPr/>
+        </p:nvSpPr>
+        <p:spPr>
+          <a:xfrm>
+            <a:off x="784788" y="5443013"/>
+            <a:ext cx="2854451" cy="370613"/>
+          </a:xfrm>
+          <a:prstGeom prst="roundRect">
+            <a:avLst/>
+          </a:prstGeom>
+          <a:noFill/>
+          <a:ln>
+            <a:noFill/>
+          </a:ln>
+          <a:effectLst>
+            <a:outerShdw blurRad="63500" algn="ctr" rotWithShape="0">
+              <a:prstClr val="black">
+                <a:alpha val="27000"/>
+              </a:prstClr>
+            </a:outerShdw>
+          </a:effectLst>
+        </p:spPr>
+        <p:style>
+          <a:lnRef idx="2">
+            <a:schemeClr val="accent1">
+              <a:shade val="15000"/>
+            </a:schemeClr>
+          </a:lnRef>
+          <a:fillRef idx="1">
+            <a:schemeClr val="accent1"/>
+          </a:fillRef>
+          <a:effectRef idx="0">
+            <a:schemeClr val="accent1"/>
+          </a:effectRef>
+          <a:fontRef idx="minor">
+            <a:schemeClr val="lt1"/>
+          </a:fontRef>
+        </p:style>
+        <p:txBody>
+          <a:bodyPr rtlCol="0" anchor="ctr"/>
+          <a:lstStyle/>
+          <a:p>
+            <a:r>
+              <a:rPr lang="en-GB" sz="2400" dirty="0" err="1">
+                <a:solidFill>
+                  <a:srgbClr val="BFC8CB"/>
+                </a:solidFill>
+              </a:rPr>
+              <a:t>Első</a:t>
+            </a:r>
+            <a:r>
+              <a:rPr lang="en-GB" sz="2400" dirty="0">
+                <a:solidFill>
+                  <a:srgbClr val="BFC8CB"/>
+                </a:solidFill>
+              </a:rPr>
+              <a:t> </a:t>
+            </a:r>
+            <a:r>
+              <a:rPr lang="en-GB" sz="2400" dirty="0" err="1">
+                <a:solidFill>
+                  <a:srgbClr val="BFC8CB"/>
+                </a:solidFill>
+              </a:rPr>
+              <a:t>lista</a:t>
+            </a:r>
+            <a:endParaRPr lang="en-GB" sz="2400" dirty="0">
+              <a:solidFill>
+                <a:srgbClr val="BFC8CB"/>
+              </a:solidFill>
+            </a:endParaRPr>
+          </a:p>
+        </p:txBody>
+      </p:sp>
+      <p:sp>
+        <p:nvSpPr>
+          <p:cNvPr id="43" name="Kereszt 42">
+            <a:extLst>
+              <a:ext uri="{FF2B5EF4-FFF2-40B4-BE49-F238E27FC236}">
+                <a16:creationId xmlns:a16="http://schemas.microsoft.com/office/drawing/2014/main" id="{DFE0A3A0-F801-C8EA-F6FC-8DDF018224D4}"/>
+              </a:ext>
+            </a:extLst>
+          </p:cNvPr>
+          <p:cNvSpPr/>
+          <p:nvPr/>
+        </p:nvSpPr>
+        <p:spPr>
+          <a:xfrm>
+            <a:off x="4914900" y="8223250"/>
+            <a:ext cx="266700" cy="266700"/>
+          </a:xfrm>
+          <a:prstGeom prst="plus">
+            <a:avLst>
+              <a:gd name="adj" fmla="val 45454"/>
+            </a:avLst>
+          </a:prstGeom>
+          <a:solidFill>
+            <a:srgbClr val="C3A140"/>
+          </a:solidFill>
+          <a:ln>
+            <a:noFill/>
+          </a:ln>
+        </p:spPr>
+        <p:style>
+          <a:lnRef idx="2">
+            <a:schemeClr val="accent1">
+              <a:shade val="15000"/>
+            </a:schemeClr>
+          </a:lnRef>
+          <a:fillRef idx="1">
+            <a:schemeClr val="accent1"/>
+          </a:fillRef>
+          <a:effectRef idx="0">
+            <a:schemeClr val="accent1"/>
+          </a:effectRef>
+          <a:fontRef idx="minor">
+            <a:schemeClr val="lt1"/>
+          </a:fontRef>
+        </p:style>
+        <p:txBody>
+          <a:bodyPr rtlCol="0" anchor="ctr"/>
+          <a:lstStyle/>
+          <a:p>
+            <a:pPr algn="ctr"/>
+            <a:endParaRPr lang="hu-HU"/>
+          </a:p>
+        </p:txBody>
+      </p:sp>
+      <p:sp>
+        <p:nvSpPr>
+          <p:cNvPr id="45" name="Téglalap: lekerekített 44">
+            <a:extLst>
+              <a:ext uri="{FF2B5EF4-FFF2-40B4-BE49-F238E27FC236}">
+                <a16:creationId xmlns:a16="http://schemas.microsoft.com/office/drawing/2014/main" id="{E6A888A3-08FC-11CC-4D53-7643BC873D4B}"/>
+              </a:ext>
+            </a:extLst>
+          </p:cNvPr>
+          <p:cNvSpPr/>
+          <p:nvPr/>
+        </p:nvSpPr>
+        <p:spPr>
+          <a:xfrm>
+            <a:off x="5181600" y="8171293"/>
+            <a:ext cx="1288637" cy="370613"/>
+          </a:xfrm>
+          <a:prstGeom prst="roundRect">
+            <a:avLst/>
+          </a:prstGeom>
+          <a:noFill/>
+          <a:ln>
+            <a:noFill/>
+          </a:ln>
+          <a:effectLst>
+            <a:outerShdw blurRad="63500" algn="ctr" rotWithShape="0">
+              <a:prstClr val="black">
+                <a:alpha val="27000"/>
+              </a:prstClr>
+            </a:outerShdw>
+          </a:effectLst>
+        </p:spPr>
+        <p:style>
+          <a:lnRef idx="2">
+            <a:schemeClr val="accent1">
+              <a:shade val="15000"/>
+            </a:schemeClr>
+          </a:lnRef>
+          <a:fillRef idx="1">
+            <a:schemeClr val="accent1"/>
+          </a:fillRef>
+          <a:effectRef idx="0">
+            <a:schemeClr val="accent1"/>
+          </a:effectRef>
+          <a:fontRef idx="minor">
+            <a:schemeClr val="lt1"/>
+          </a:fontRef>
+        </p:style>
+        <p:txBody>
+          <a:bodyPr rtlCol="0" anchor="ctr"/>
+          <a:lstStyle/>
+          <a:p>
+            <a:r>
+              <a:rPr lang="en-GB" sz="2400" dirty="0" err="1">
+                <a:solidFill>
+                  <a:srgbClr val="BFC8CB"/>
+                </a:solidFill>
+              </a:rPr>
+              <a:t>Új</a:t>
+            </a:r>
+            <a:r>
+              <a:rPr lang="en-GB" sz="2400" dirty="0">
+                <a:solidFill>
+                  <a:srgbClr val="BFC8CB"/>
+                </a:solidFill>
+              </a:rPr>
+              <a:t> </a:t>
+            </a:r>
+            <a:r>
+              <a:rPr lang="en-GB" sz="2400" dirty="0" err="1">
+                <a:solidFill>
+                  <a:srgbClr val="BFC8CB"/>
+                </a:solidFill>
+              </a:rPr>
+              <a:t>lista</a:t>
+            </a:r>
+            <a:endParaRPr lang="en-GB" sz="2400" dirty="0">
+              <a:solidFill>
+                <a:srgbClr val="BFC8CB"/>
+              </a:solidFill>
+            </a:endParaRPr>
+          </a:p>
+        </p:txBody>
+      </p:sp>
+    </p:spTree>
+    <p:extLst>
+      <p:ext uri="{BB962C8B-B14F-4D97-AF65-F5344CB8AC3E}">
+        <p14:creationId xmlns:p14="http://schemas.microsoft.com/office/powerpoint/2010/main" val="3463309348"/>
+      </p:ext>
+    </p:extLst>
+  </p:cSld>
+  <p:clrMapOvr>
+    <a:masterClrMapping/>
+  </p:clrMapOvr>
+</p:sld>
+</file>
+
+<file path=ppt/slides/slide15.xml><?xml version="1.0" encoding="utf-8"?>
+<p:sld xmlns:a="http://schemas.openxmlformats.org/drawingml/2006/main" xmlns:r="http://schemas.openxmlformats.org/officeDocument/2006/relationships" xmlns:p="http://schemas.openxmlformats.org/presentationml/2006/main">
+  <p:cSld>
+    <p:spTree>
+      <p:nvGrpSpPr>
+        <p:cNvPr id="1" name="">
+          <a:extLst>
+            <a:ext uri="{FF2B5EF4-FFF2-40B4-BE49-F238E27FC236}">
+              <a16:creationId xmlns:a16="http://schemas.microsoft.com/office/drawing/2014/main" id="{8380C941-FE56-0A84-248E-9219918FB7F0}"/>
+            </a:ext>
+          </a:extLst>
+        </p:cNvPr>
+        <p:cNvGrpSpPr/>
+        <p:nvPr/>
+      </p:nvGrpSpPr>
+      <p:grpSpPr>
+        <a:xfrm>
+          <a:off x="0" y="0"/>
+          <a:ext cx="0" cy="0"/>
+          <a:chOff x="0" y="0"/>
+          <a:chExt cx="0" cy="0"/>
+        </a:xfrm>
+      </p:grpSpPr>
+      <p:sp>
+        <p:nvSpPr>
+          <p:cNvPr id="24" name="Téglalap: lekerekített 23">
+            <a:extLst>
+              <a:ext uri="{FF2B5EF4-FFF2-40B4-BE49-F238E27FC236}">
+                <a16:creationId xmlns:a16="http://schemas.microsoft.com/office/drawing/2014/main" id="{1F2B6C9D-782F-E88C-A288-EC64FA0255E0}"/>
+              </a:ext>
+            </a:extLst>
+          </p:cNvPr>
+          <p:cNvSpPr/>
+          <p:nvPr/>
+        </p:nvSpPr>
+        <p:spPr>
+          <a:xfrm>
+            <a:off x="416798" y="2088311"/>
+            <a:ext cx="2854451" cy="370613"/>
+          </a:xfrm>
+          <a:prstGeom prst="roundRect">
+            <a:avLst/>
+          </a:prstGeom>
+          <a:noFill/>
+          <a:ln>
+            <a:noFill/>
+          </a:ln>
+          <a:effectLst>
+            <a:outerShdw blurRad="63500" algn="ctr" rotWithShape="0">
+              <a:prstClr val="black">
+                <a:alpha val="27000"/>
+              </a:prstClr>
+            </a:outerShdw>
+          </a:effectLst>
+        </p:spPr>
+        <p:style>
+          <a:lnRef idx="2">
+            <a:schemeClr val="accent1">
+              <a:shade val="15000"/>
+            </a:schemeClr>
+          </a:lnRef>
+          <a:fillRef idx="1">
+            <a:schemeClr val="accent1"/>
+          </a:fillRef>
+          <a:effectRef idx="0">
+            <a:schemeClr val="accent1"/>
+          </a:effectRef>
+          <a:fontRef idx="minor">
+            <a:schemeClr val="lt1"/>
+          </a:fontRef>
+        </p:style>
+        <p:txBody>
+          <a:bodyPr rtlCol="0" anchor="ctr"/>
+          <a:lstStyle/>
+          <a:p>
+            <a:r>
+              <a:rPr lang="en-GB" sz="2400" dirty="0" err="1">
+                <a:solidFill>
+                  <a:srgbClr val="BFC8CB"/>
+                </a:solidFill>
+              </a:rPr>
+              <a:t>Szép</a:t>
+            </a:r>
+            <a:r>
+              <a:rPr lang="en-GB" sz="2400" dirty="0">
+                <a:solidFill>
+                  <a:srgbClr val="BFC8CB"/>
+                </a:solidFill>
+              </a:rPr>
+              <a:t> </a:t>
+            </a:r>
+            <a:r>
+              <a:rPr lang="en-GB" sz="2400" dirty="0" err="1">
+                <a:solidFill>
+                  <a:srgbClr val="BFC8CB"/>
+                </a:solidFill>
+              </a:rPr>
+              <a:t>ének</a:t>
+            </a:r>
+            <a:endParaRPr lang="en-GB" sz="2400" dirty="0">
+              <a:solidFill>
+                <a:srgbClr val="BFC8CB"/>
+              </a:solidFill>
+            </a:endParaRPr>
+          </a:p>
+        </p:txBody>
+      </p:sp>
+      <p:sp>
+        <p:nvSpPr>
+          <p:cNvPr id="2" name="Téglalap: lekerekített 1">
+            <a:extLst>
+              <a:ext uri="{FF2B5EF4-FFF2-40B4-BE49-F238E27FC236}">
+                <a16:creationId xmlns:a16="http://schemas.microsoft.com/office/drawing/2014/main" id="{D6027072-0355-58C7-BE21-D2AC8941D5B3}"/>
+              </a:ext>
+            </a:extLst>
+          </p:cNvPr>
+          <p:cNvSpPr/>
+          <p:nvPr/>
+        </p:nvSpPr>
+        <p:spPr>
+          <a:xfrm>
+            <a:off x="416798" y="2643097"/>
+            <a:ext cx="2854451" cy="370613"/>
+          </a:xfrm>
+          <a:prstGeom prst="roundRect">
+            <a:avLst/>
+          </a:prstGeom>
+          <a:noFill/>
+          <a:ln>
+            <a:noFill/>
+          </a:ln>
+          <a:effectLst>
+            <a:outerShdw blurRad="63500" algn="ctr" rotWithShape="0">
+              <a:prstClr val="black">
+                <a:alpha val="27000"/>
+              </a:prstClr>
+            </a:outerShdw>
+          </a:effectLst>
+        </p:spPr>
+        <p:style>
+          <a:lnRef idx="2">
+            <a:schemeClr val="accent1">
+              <a:shade val="15000"/>
+            </a:schemeClr>
+          </a:lnRef>
+          <a:fillRef idx="1">
+            <a:schemeClr val="accent1"/>
+          </a:fillRef>
+          <a:effectRef idx="0">
+            <a:schemeClr val="accent1"/>
+          </a:effectRef>
+          <a:fontRef idx="minor">
+            <a:schemeClr val="lt1"/>
+          </a:fontRef>
+        </p:style>
+        <p:txBody>
+          <a:bodyPr rtlCol="0" anchor="ctr"/>
+          <a:lstStyle/>
+          <a:p>
+            <a:r>
+              <a:rPr lang="en-GB" sz="2400" dirty="0" err="1">
+                <a:solidFill>
+                  <a:srgbClr val="BFC8CB"/>
+                </a:solidFill>
+              </a:rPr>
+              <a:t>Szép</a:t>
+            </a:r>
+            <a:r>
+              <a:rPr lang="en-GB" sz="2400" dirty="0">
+                <a:solidFill>
+                  <a:srgbClr val="BFC8CB"/>
+                </a:solidFill>
+              </a:rPr>
+              <a:t> </a:t>
+            </a:r>
+            <a:r>
+              <a:rPr lang="en-GB" sz="2400" dirty="0" err="1">
+                <a:solidFill>
+                  <a:srgbClr val="BFC8CB"/>
+                </a:solidFill>
+              </a:rPr>
+              <a:t>ének</a:t>
+            </a:r>
+            <a:endParaRPr lang="en-GB" sz="2400" dirty="0">
+              <a:solidFill>
+                <a:srgbClr val="BFC8CB"/>
+              </a:solidFill>
+            </a:endParaRPr>
+          </a:p>
+        </p:txBody>
+      </p:sp>
+      <p:sp>
+        <p:nvSpPr>
+          <p:cNvPr id="3" name="Téglalap: lekerekített 2">
+            <a:extLst>
+              <a:ext uri="{FF2B5EF4-FFF2-40B4-BE49-F238E27FC236}">
+                <a16:creationId xmlns:a16="http://schemas.microsoft.com/office/drawing/2014/main" id="{E2C345A1-A653-A315-006D-4EDDA6C56323}"/>
+              </a:ext>
+            </a:extLst>
+          </p:cNvPr>
+          <p:cNvSpPr/>
+          <p:nvPr/>
+        </p:nvSpPr>
+        <p:spPr>
+          <a:xfrm>
+            <a:off x="416798" y="3197883"/>
+            <a:ext cx="2854451" cy="370613"/>
+          </a:xfrm>
+          <a:prstGeom prst="roundRect">
+            <a:avLst/>
+          </a:prstGeom>
+          <a:noFill/>
+          <a:ln>
+            <a:noFill/>
+          </a:ln>
+          <a:effectLst>
+            <a:outerShdw blurRad="63500" algn="ctr" rotWithShape="0">
+              <a:prstClr val="black">
+                <a:alpha val="27000"/>
+              </a:prstClr>
+            </a:outerShdw>
+          </a:effectLst>
+        </p:spPr>
+        <p:style>
+          <a:lnRef idx="2">
+            <a:schemeClr val="accent1">
+              <a:shade val="15000"/>
+            </a:schemeClr>
+          </a:lnRef>
+          <a:fillRef idx="1">
+            <a:schemeClr val="accent1"/>
+          </a:fillRef>
+          <a:effectRef idx="0">
+            <a:schemeClr val="accent1"/>
+          </a:effectRef>
+          <a:fontRef idx="minor">
+            <a:schemeClr val="lt1"/>
+          </a:fontRef>
+        </p:style>
+        <p:txBody>
+          <a:bodyPr rtlCol="0" anchor="ctr"/>
+          <a:lstStyle/>
+          <a:p>
+            <a:r>
+              <a:rPr lang="en-GB" sz="2400" dirty="0" err="1">
+                <a:solidFill>
+                  <a:srgbClr val="BFC8CB"/>
+                </a:solidFill>
+              </a:rPr>
+              <a:t>Szép</a:t>
+            </a:r>
+            <a:r>
+              <a:rPr lang="en-GB" sz="2400" dirty="0">
+                <a:solidFill>
+                  <a:srgbClr val="BFC8CB"/>
+                </a:solidFill>
+              </a:rPr>
+              <a:t> </a:t>
+            </a:r>
+            <a:r>
+              <a:rPr lang="en-GB" sz="2400" dirty="0" err="1">
+                <a:solidFill>
+                  <a:srgbClr val="BFC8CB"/>
+                </a:solidFill>
+              </a:rPr>
+              <a:t>ének</a:t>
+            </a:r>
+            <a:endParaRPr lang="en-GB" sz="2400" dirty="0">
+              <a:solidFill>
+                <a:srgbClr val="BFC8CB"/>
+              </a:solidFill>
+            </a:endParaRPr>
+          </a:p>
+        </p:txBody>
+      </p:sp>
+      <p:sp>
+        <p:nvSpPr>
+          <p:cNvPr id="5" name="Téglalap: lekerekített 4">
+            <a:extLst>
+              <a:ext uri="{FF2B5EF4-FFF2-40B4-BE49-F238E27FC236}">
+                <a16:creationId xmlns:a16="http://schemas.microsoft.com/office/drawing/2014/main" id="{D9E674CD-AA64-D80C-F6E5-64E0F95E68D3}"/>
+              </a:ext>
+            </a:extLst>
+          </p:cNvPr>
+          <p:cNvSpPr/>
+          <p:nvPr/>
+        </p:nvSpPr>
+        <p:spPr>
+          <a:xfrm>
+            <a:off x="416798" y="3752669"/>
+            <a:ext cx="2854451" cy="370613"/>
+          </a:xfrm>
+          <a:prstGeom prst="roundRect">
+            <a:avLst/>
+          </a:prstGeom>
+          <a:noFill/>
+          <a:ln>
+            <a:noFill/>
+          </a:ln>
+          <a:effectLst>
+            <a:outerShdw blurRad="63500" algn="ctr" rotWithShape="0">
+              <a:prstClr val="black">
+                <a:alpha val="27000"/>
+              </a:prstClr>
+            </a:outerShdw>
+          </a:effectLst>
+        </p:spPr>
+        <p:style>
+          <a:lnRef idx="2">
+            <a:schemeClr val="accent1">
+              <a:shade val="15000"/>
+            </a:schemeClr>
+          </a:lnRef>
+          <a:fillRef idx="1">
+            <a:schemeClr val="accent1"/>
+          </a:fillRef>
+          <a:effectRef idx="0">
+            <a:schemeClr val="accent1"/>
+          </a:effectRef>
+          <a:fontRef idx="minor">
+            <a:schemeClr val="lt1"/>
+          </a:fontRef>
+        </p:style>
+        <p:txBody>
+          <a:bodyPr rtlCol="0" anchor="ctr"/>
+          <a:lstStyle/>
+          <a:p>
+            <a:r>
+              <a:rPr lang="en-GB" sz="2400" dirty="0" err="1">
+                <a:solidFill>
+                  <a:srgbClr val="BFC8CB"/>
+                </a:solidFill>
+              </a:rPr>
+              <a:t>Szép</a:t>
+            </a:r>
+            <a:r>
+              <a:rPr lang="en-GB" sz="2400" dirty="0">
+                <a:solidFill>
+                  <a:srgbClr val="BFC8CB"/>
+                </a:solidFill>
+              </a:rPr>
+              <a:t> </a:t>
+            </a:r>
+            <a:r>
+              <a:rPr lang="en-GB" sz="2400" dirty="0" err="1">
+                <a:solidFill>
+                  <a:srgbClr val="BFC8CB"/>
+                </a:solidFill>
+              </a:rPr>
+              <a:t>ének</a:t>
+            </a:r>
+            <a:endParaRPr lang="en-GB" sz="2400" dirty="0">
+              <a:solidFill>
+                <a:srgbClr val="BFC8CB"/>
+              </a:solidFill>
+            </a:endParaRPr>
+          </a:p>
+        </p:txBody>
+      </p:sp>
+      <p:sp>
+        <p:nvSpPr>
+          <p:cNvPr id="8" name="Téglalap: lekerekített 7">
+            <a:extLst>
+              <a:ext uri="{FF2B5EF4-FFF2-40B4-BE49-F238E27FC236}">
+                <a16:creationId xmlns:a16="http://schemas.microsoft.com/office/drawing/2014/main" id="{28E8EAE3-4D85-7F57-E1AF-7B4AD65BA2D3}"/>
+              </a:ext>
+            </a:extLst>
+          </p:cNvPr>
+          <p:cNvSpPr/>
+          <p:nvPr/>
+        </p:nvSpPr>
+        <p:spPr>
+          <a:xfrm>
+            <a:off x="416798" y="4307455"/>
+            <a:ext cx="2854451" cy="370613"/>
+          </a:xfrm>
+          <a:prstGeom prst="roundRect">
+            <a:avLst/>
+          </a:prstGeom>
+          <a:noFill/>
+          <a:ln>
+            <a:noFill/>
+          </a:ln>
+          <a:effectLst>
+            <a:outerShdw blurRad="63500" algn="ctr" rotWithShape="0">
+              <a:prstClr val="black">
+                <a:alpha val="27000"/>
+              </a:prstClr>
+            </a:outerShdw>
+          </a:effectLst>
+        </p:spPr>
+        <p:style>
+          <a:lnRef idx="2">
+            <a:schemeClr val="accent1">
+              <a:shade val="15000"/>
+            </a:schemeClr>
+          </a:lnRef>
+          <a:fillRef idx="1">
+            <a:schemeClr val="accent1"/>
+          </a:fillRef>
+          <a:effectRef idx="0">
+            <a:schemeClr val="accent1"/>
+          </a:effectRef>
+          <a:fontRef idx="minor">
+            <a:schemeClr val="lt1"/>
+          </a:fontRef>
+        </p:style>
+        <p:txBody>
+          <a:bodyPr rtlCol="0" anchor="ctr"/>
+          <a:lstStyle/>
+          <a:p>
+            <a:r>
+              <a:rPr lang="en-GB" sz="2400" dirty="0" err="1">
+                <a:solidFill>
+                  <a:srgbClr val="BFC8CB"/>
+                </a:solidFill>
+              </a:rPr>
+              <a:t>Szép</a:t>
+            </a:r>
+            <a:r>
+              <a:rPr lang="en-GB" sz="2400" dirty="0">
+                <a:solidFill>
+                  <a:srgbClr val="BFC8CB"/>
+                </a:solidFill>
+              </a:rPr>
+              <a:t> </a:t>
+            </a:r>
+            <a:r>
+              <a:rPr lang="en-GB" sz="2400" dirty="0" err="1">
+                <a:solidFill>
+                  <a:srgbClr val="BFC8CB"/>
+                </a:solidFill>
+              </a:rPr>
+              <a:t>ének</a:t>
+            </a:r>
+            <a:endParaRPr lang="en-GB" sz="2400" dirty="0">
+              <a:solidFill>
+                <a:srgbClr val="BFC8CB"/>
+              </a:solidFill>
+            </a:endParaRPr>
+          </a:p>
+        </p:txBody>
+      </p:sp>
+      <p:sp>
+        <p:nvSpPr>
+          <p:cNvPr id="9" name="Téglalap: lekerekített 8">
+            <a:extLst>
+              <a:ext uri="{FF2B5EF4-FFF2-40B4-BE49-F238E27FC236}">
+                <a16:creationId xmlns:a16="http://schemas.microsoft.com/office/drawing/2014/main" id="{59E4E78D-819F-9EEE-94CA-3BB34497A7CE}"/>
+              </a:ext>
+            </a:extLst>
+          </p:cNvPr>
+          <p:cNvSpPr/>
+          <p:nvPr/>
+        </p:nvSpPr>
+        <p:spPr>
+          <a:xfrm>
+            <a:off x="416798" y="4862241"/>
+            <a:ext cx="2854451" cy="370613"/>
+          </a:xfrm>
+          <a:prstGeom prst="roundRect">
+            <a:avLst/>
+          </a:prstGeom>
+          <a:noFill/>
+          <a:ln>
+            <a:noFill/>
+          </a:ln>
+          <a:effectLst>
+            <a:outerShdw blurRad="63500" algn="ctr" rotWithShape="0">
+              <a:prstClr val="black">
+                <a:alpha val="27000"/>
+              </a:prstClr>
+            </a:outerShdw>
+          </a:effectLst>
+        </p:spPr>
+        <p:style>
+          <a:lnRef idx="2">
+            <a:schemeClr val="accent1">
+              <a:shade val="15000"/>
+            </a:schemeClr>
+          </a:lnRef>
+          <a:fillRef idx="1">
+            <a:schemeClr val="accent1"/>
+          </a:fillRef>
+          <a:effectRef idx="0">
+            <a:schemeClr val="accent1"/>
+          </a:effectRef>
+          <a:fontRef idx="minor">
+            <a:schemeClr val="lt1"/>
+          </a:fontRef>
+        </p:style>
+        <p:txBody>
+          <a:bodyPr rtlCol="0" anchor="ctr"/>
+          <a:lstStyle/>
+          <a:p>
+            <a:r>
+              <a:rPr lang="en-GB" sz="2400" dirty="0" err="1">
+                <a:solidFill>
+                  <a:srgbClr val="BFC8CB"/>
+                </a:solidFill>
+              </a:rPr>
+              <a:t>Szép</a:t>
+            </a:r>
+            <a:r>
+              <a:rPr lang="en-GB" sz="2400" dirty="0">
+                <a:solidFill>
+                  <a:srgbClr val="BFC8CB"/>
+                </a:solidFill>
+              </a:rPr>
+              <a:t> </a:t>
+            </a:r>
+            <a:r>
+              <a:rPr lang="en-GB" sz="2400" dirty="0" err="1">
+                <a:solidFill>
+                  <a:srgbClr val="BFC8CB"/>
+                </a:solidFill>
+              </a:rPr>
+              <a:t>ének</a:t>
+            </a:r>
+            <a:endParaRPr lang="en-GB" sz="2400" dirty="0">
+              <a:solidFill>
+                <a:srgbClr val="BFC8CB"/>
+              </a:solidFill>
+            </a:endParaRPr>
+          </a:p>
+        </p:txBody>
+      </p:sp>
+      <p:sp>
+        <p:nvSpPr>
+          <p:cNvPr id="10" name="Téglalap: lekerekített 9">
+            <a:extLst>
+              <a:ext uri="{FF2B5EF4-FFF2-40B4-BE49-F238E27FC236}">
+                <a16:creationId xmlns:a16="http://schemas.microsoft.com/office/drawing/2014/main" id="{14C3B44C-DF3E-08A4-E8C7-7EECF1177C06}"/>
+              </a:ext>
+            </a:extLst>
+          </p:cNvPr>
+          <p:cNvSpPr/>
+          <p:nvPr/>
+        </p:nvSpPr>
+        <p:spPr>
+          <a:xfrm>
+            <a:off x="416798" y="5417027"/>
+            <a:ext cx="2854451" cy="370613"/>
+          </a:xfrm>
+          <a:prstGeom prst="roundRect">
+            <a:avLst/>
+          </a:prstGeom>
+          <a:noFill/>
+          <a:ln>
+            <a:noFill/>
+          </a:ln>
+          <a:effectLst>
+            <a:outerShdw blurRad="63500" algn="ctr" rotWithShape="0">
+              <a:prstClr val="black">
+                <a:alpha val="27000"/>
+              </a:prstClr>
+            </a:outerShdw>
+          </a:effectLst>
+        </p:spPr>
+        <p:style>
+          <a:lnRef idx="2">
+            <a:schemeClr val="accent1">
+              <a:shade val="15000"/>
+            </a:schemeClr>
+          </a:lnRef>
+          <a:fillRef idx="1">
+            <a:schemeClr val="accent1"/>
+          </a:fillRef>
+          <a:effectRef idx="0">
+            <a:schemeClr val="accent1"/>
+          </a:effectRef>
+          <a:fontRef idx="minor">
+            <a:schemeClr val="lt1"/>
+          </a:fontRef>
+        </p:style>
+        <p:txBody>
+          <a:bodyPr rtlCol="0" anchor="ctr"/>
+          <a:lstStyle/>
+          <a:p>
+            <a:r>
+              <a:rPr lang="en-GB" sz="2400" dirty="0" err="1">
+                <a:solidFill>
+                  <a:srgbClr val="BFC8CB"/>
+                </a:solidFill>
+              </a:rPr>
+              <a:t>Szép</a:t>
+            </a:r>
+            <a:r>
+              <a:rPr lang="en-GB" sz="2400" dirty="0">
+                <a:solidFill>
+                  <a:srgbClr val="BFC8CB"/>
+                </a:solidFill>
+              </a:rPr>
+              <a:t> </a:t>
+            </a:r>
+            <a:r>
+              <a:rPr lang="en-GB" sz="2400" dirty="0" err="1">
+                <a:solidFill>
+                  <a:srgbClr val="BFC8CB"/>
+                </a:solidFill>
+              </a:rPr>
+              <a:t>ének</a:t>
+            </a:r>
+            <a:endParaRPr lang="en-GB" sz="2400" dirty="0">
+              <a:solidFill>
+                <a:srgbClr val="BFC8CB"/>
+              </a:solidFill>
+            </a:endParaRPr>
+          </a:p>
+        </p:txBody>
+      </p:sp>
+      <p:grpSp>
+        <p:nvGrpSpPr>
+          <p:cNvPr id="17" name="Csoportba foglalás 16">
+            <a:extLst>
+              <a:ext uri="{FF2B5EF4-FFF2-40B4-BE49-F238E27FC236}">
+                <a16:creationId xmlns:a16="http://schemas.microsoft.com/office/drawing/2014/main" id="{E0B1377F-868A-BD3A-5C20-2159D693C034}"/>
+              </a:ext>
+            </a:extLst>
+          </p:cNvPr>
+          <p:cNvGrpSpPr/>
+          <p:nvPr/>
+        </p:nvGrpSpPr>
+        <p:grpSpPr>
+          <a:xfrm>
+            <a:off x="6243558" y="2234326"/>
+            <a:ext cx="197644" cy="78582"/>
+            <a:chOff x="364331" y="2147888"/>
+            <a:chExt cx="197644" cy="78582"/>
+          </a:xfrm>
+        </p:grpSpPr>
+        <p:cxnSp>
+          <p:nvCxnSpPr>
+            <p:cNvPr id="15" name="Egyenes összekötő 14">
+              <a:extLst>
+                <a:ext uri="{FF2B5EF4-FFF2-40B4-BE49-F238E27FC236}">
+                  <a16:creationId xmlns:a16="http://schemas.microsoft.com/office/drawing/2014/main" id="{50A03AC2-4653-16EA-8F6E-106694CCCC95}"/>
+                </a:ext>
+              </a:extLst>
+            </p:cNvPr>
+            <p:cNvCxnSpPr/>
+            <p:nvPr/>
+          </p:nvCxnSpPr>
+          <p:spPr>
+            <a:xfrm>
+              <a:off x="364331" y="2147888"/>
+              <a:ext cx="197644" cy="0"/>
+            </a:xfrm>
+            <a:prstGeom prst="line">
+              <a:avLst/>
+            </a:prstGeom>
+            <a:ln>
+              <a:solidFill>
+                <a:srgbClr val="CBE5EB"/>
+              </a:solidFill>
+            </a:ln>
+          </p:spPr>
+          <p:style>
+            <a:lnRef idx="2">
+              <a:schemeClr val="accent1"/>
+            </a:lnRef>
+            <a:fillRef idx="0">
+              <a:schemeClr val="accent1"/>
+            </a:fillRef>
+            <a:effectRef idx="1">
+              <a:schemeClr val="accent1"/>
+            </a:effectRef>
+            <a:fontRef idx="minor">
+              <a:schemeClr val="tx1"/>
+            </a:fontRef>
+          </p:style>
+        </p:cxnSp>
+        <p:cxnSp>
+          <p:nvCxnSpPr>
+            <p:cNvPr id="16" name="Egyenes összekötő 15">
+              <a:extLst>
+                <a:ext uri="{FF2B5EF4-FFF2-40B4-BE49-F238E27FC236}">
+                  <a16:creationId xmlns:a16="http://schemas.microsoft.com/office/drawing/2014/main" id="{BBE022D4-EA7A-5BD6-EE8C-8E7B3131BA96}"/>
+                </a:ext>
+              </a:extLst>
+            </p:cNvPr>
+            <p:cNvCxnSpPr/>
+            <p:nvPr/>
+          </p:nvCxnSpPr>
+          <p:spPr>
+            <a:xfrm>
+              <a:off x="364331" y="2226470"/>
+              <a:ext cx="197644" cy="0"/>
+            </a:xfrm>
+            <a:prstGeom prst="line">
+              <a:avLst/>
+            </a:prstGeom>
+            <a:ln>
+              <a:solidFill>
+                <a:srgbClr val="CBE5EB"/>
+              </a:solidFill>
+            </a:ln>
+          </p:spPr>
+          <p:style>
+            <a:lnRef idx="2">
+              <a:schemeClr val="accent1"/>
+            </a:lnRef>
+            <a:fillRef idx="0">
+              <a:schemeClr val="accent1"/>
+            </a:fillRef>
+            <a:effectRef idx="1">
+              <a:schemeClr val="accent1"/>
+            </a:effectRef>
+            <a:fontRef idx="minor">
+              <a:schemeClr val="tx1"/>
+            </a:fontRef>
+          </p:style>
+        </p:cxnSp>
+      </p:grpSp>
+      <p:grpSp>
+        <p:nvGrpSpPr>
+          <p:cNvPr id="18" name="Csoportba foglalás 17">
+            <a:extLst>
+              <a:ext uri="{FF2B5EF4-FFF2-40B4-BE49-F238E27FC236}">
+                <a16:creationId xmlns:a16="http://schemas.microsoft.com/office/drawing/2014/main" id="{C7526A3A-B3CD-F94C-75E3-BFDA197D833E}"/>
+              </a:ext>
+            </a:extLst>
+          </p:cNvPr>
+          <p:cNvGrpSpPr/>
+          <p:nvPr/>
+        </p:nvGrpSpPr>
+        <p:grpSpPr>
+          <a:xfrm>
+            <a:off x="6243558" y="2789112"/>
+            <a:ext cx="197644" cy="78582"/>
+            <a:chOff x="364331" y="2147888"/>
+            <a:chExt cx="197644" cy="78582"/>
+          </a:xfrm>
+        </p:grpSpPr>
+        <p:cxnSp>
+          <p:nvCxnSpPr>
+            <p:cNvPr id="19" name="Egyenes összekötő 18">
+              <a:extLst>
+                <a:ext uri="{FF2B5EF4-FFF2-40B4-BE49-F238E27FC236}">
+                  <a16:creationId xmlns:a16="http://schemas.microsoft.com/office/drawing/2014/main" id="{30A100AE-E7CF-AF58-AC66-C64020917045}"/>
+                </a:ext>
+              </a:extLst>
+            </p:cNvPr>
+            <p:cNvCxnSpPr/>
+            <p:nvPr/>
+          </p:nvCxnSpPr>
+          <p:spPr>
+            <a:xfrm>
+              <a:off x="364331" y="2147888"/>
+              <a:ext cx="197644" cy="0"/>
+            </a:xfrm>
+            <a:prstGeom prst="line">
+              <a:avLst/>
+            </a:prstGeom>
+            <a:ln>
+              <a:solidFill>
+                <a:srgbClr val="CBE5EB"/>
+              </a:solidFill>
+            </a:ln>
+          </p:spPr>
+          <p:style>
+            <a:lnRef idx="2">
+              <a:schemeClr val="accent1"/>
+            </a:lnRef>
+            <a:fillRef idx="0">
+              <a:schemeClr val="accent1"/>
+            </a:fillRef>
+            <a:effectRef idx="1">
+              <a:schemeClr val="accent1"/>
+            </a:effectRef>
+            <a:fontRef idx="minor">
+              <a:schemeClr val="tx1"/>
+            </a:fontRef>
+          </p:style>
+        </p:cxnSp>
+        <p:cxnSp>
+          <p:nvCxnSpPr>
+            <p:cNvPr id="20" name="Egyenes összekötő 19">
+              <a:extLst>
+                <a:ext uri="{FF2B5EF4-FFF2-40B4-BE49-F238E27FC236}">
+                  <a16:creationId xmlns:a16="http://schemas.microsoft.com/office/drawing/2014/main" id="{E8748A30-15EA-E3DD-9951-A88B7CB2A5F7}"/>
+                </a:ext>
+              </a:extLst>
+            </p:cNvPr>
+            <p:cNvCxnSpPr/>
+            <p:nvPr/>
+          </p:nvCxnSpPr>
+          <p:spPr>
+            <a:xfrm>
+              <a:off x="364331" y="2226470"/>
+              <a:ext cx="197644" cy="0"/>
+            </a:xfrm>
+            <a:prstGeom prst="line">
+              <a:avLst/>
+            </a:prstGeom>
+            <a:ln>
+              <a:solidFill>
+                <a:srgbClr val="CBE5EB"/>
+              </a:solidFill>
+            </a:ln>
+          </p:spPr>
+          <p:style>
+            <a:lnRef idx="2">
+              <a:schemeClr val="accent1"/>
+            </a:lnRef>
+            <a:fillRef idx="0">
+              <a:schemeClr val="accent1"/>
+            </a:fillRef>
+            <a:effectRef idx="1">
+              <a:schemeClr val="accent1"/>
+            </a:effectRef>
+            <a:fontRef idx="minor">
+              <a:schemeClr val="tx1"/>
+            </a:fontRef>
+          </p:style>
+        </p:cxnSp>
+      </p:grpSp>
+      <p:grpSp>
+        <p:nvGrpSpPr>
+          <p:cNvPr id="22" name="Csoportba foglalás 21">
+            <a:extLst>
+              <a:ext uri="{FF2B5EF4-FFF2-40B4-BE49-F238E27FC236}">
+                <a16:creationId xmlns:a16="http://schemas.microsoft.com/office/drawing/2014/main" id="{9163A9CA-F645-F0AB-9B78-8D7F010E33E2}"/>
+              </a:ext>
+            </a:extLst>
+          </p:cNvPr>
+          <p:cNvGrpSpPr/>
+          <p:nvPr/>
+        </p:nvGrpSpPr>
+        <p:grpSpPr>
+          <a:xfrm>
+            <a:off x="6243558" y="3343898"/>
+            <a:ext cx="197644" cy="78582"/>
+            <a:chOff x="364331" y="2147888"/>
+            <a:chExt cx="197644" cy="78582"/>
+          </a:xfrm>
+        </p:grpSpPr>
+        <p:cxnSp>
+          <p:nvCxnSpPr>
+            <p:cNvPr id="25" name="Egyenes összekötő 24">
+              <a:extLst>
+                <a:ext uri="{FF2B5EF4-FFF2-40B4-BE49-F238E27FC236}">
+                  <a16:creationId xmlns:a16="http://schemas.microsoft.com/office/drawing/2014/main" id="{EC022963-B06D-954E-599E-8545D64FFCEB}"/>
+                </a:ext>
+              </a:extLst>
+            </p:cNvPr>
+            <p:cNvCxnSpPr/>
+            <p:nvPr/>
+          </p:nvCxnSpPr>
+          <p:spPr>
+            <a:xfrm>
+              <a:off x="364331" y="2147888"/>
+              <a:ext cx="197644" cy="0"/>
+            </a:xfrm>
+            <a:prstGeom prst="line">
+              <a:avLst/>
+            </a:prstGeom>
+            <a:ln>
+              <a:solidFill>
+                <a:srgbClr val="CBE5EB"/>
+              </a:solidFill>
+            </a:ln>
+          </p:spPr>
+          <p:style>
+            <a:lnRef idx="2">
+              <a:schemeClr val="accent1"/>
+            </a:lnRef>
+            <a:fillRef idx="0">
+              <a:schemeClr val="accent1"/>
+            </a:fillRef>
+            <a:effectRef idx="1">
+              <a:schemeClr val="accent1"/>
+            </a:effectRef>
+            <a:fontRef idx="minor">
+              <a:schemeClr val="tx1"/>
+            </a:fontRef>
+          </p:style>
+        </p:cxnSp>
+        <p:cxnSp>
+          <p:nvCxnSpPr>
+            <p:cNvPr id="26" name="Egyenes összekötő 25">
+              <a:extLst>
+                <a:ext uri="{FF2B5EF4-FFF2-40B4-BE49-F238E27FC236}">
+                  <a16:creationId xmlns:a16="http://schemas.microsoft.com/office/drawing/2014/main" id="{BB821823-8225-E070-A97F-A1EDE7FC4C0F}"/>
+                </a:ext>
+              </a:extLst>
+            </p:cNvPr>
+            <p:cNvCxnSpPr/>
+            <p:nvPr/>
+          </p:nvCxnSpPr>
+          <p:spPr>
+            <a:xfrm>
+              <a:off x="364331" y="2226470"/>
+              <a:ext cx="197644" cy="0"/>
+            </a:xfrm>
+            <a:prstGeom prst="line">
+              <a:avLst/>
+            </a:prstGeom>
+            <a:ln>
+              <a:solidFill>
+                <a:srgbClr val="CBE5EB"/>
+              </a:solidFill>
+            </a:ln>
+          </p:spPr>
+          <p:style>
+            <a:lnRef idx="2">
+              <a:schemeClr val="accent1"/>
+            </a:lnRef>
+            <a:fillRef idx="0">
+              <a:schemeClr val="accent1"/>
+            </a:fillRef>
+            <a:effectRef idx="1">
+              <a:schemeClr val="accent1"/>
+            </a:effectRef>
+            <a:fontRef idx="minor">
+              <a:schemeClr val="tx1"/>
+            </a:fontRef>
+          </p:style>
+        </p:cxnSp>
+      </p:grpSp>
+      <p:grpSp>
+        <p:nvGrpSpPr>
+          <p:cNvPr id="27" name="Csoportba foglalás 26">
+            <a:extLst>
+              <a:ext uri="{FF2B5EF4-FFF2-40B4-BE49-F238E27FC236}">
+                <a16:creationId xmlns:a16="http://schemas.microsoft.com/office/drawing/2014/main" id="{4E40A713-278A-0995-A63E-692B7E5368BC}"/>
+              </a:ext>
+            </a:extLst>
+          </p:cNvPr>
+          <p:cNvGrpSpPr/>
+          <p:nvPr/>
+        </p:nvGrpSpPr>
+        <p:grpSpPr>
+          <a:xfrm>
+            <a:off x="6243558" y="3898684"/>
+            <a:ext cx="197644" cy="78582"/>
+            <a:chOff x="364331" y="2147888"/>
+            <a:chExt cx="197644" cy="78582"/>
+          </a:xfrm>
+        </p:grpSpPr>
+        <p:cxnSp>
+          <p:nvCxnSpPr>
+            <p:cNvPr id="28" name="Egyenes összekötő 27">
+              <a:extLst>
+                <a:ext uri="{FF2B5EF4-FFF2-40B4-BE49-F238E27FC236}">
+                  <a16:creationId xmlns:a16="http://schemas.microsoft.com/office/drawing/2014/main" id="{A8C23567-5915-6A69-447A-ED79223CC88A}"/>
+                </a:ext>
+              </a:extLst>
+            </p:cNvPr>
+            <p:cNvCxnSpPr/>
+            <p:nvPr/>
+          </p:nvCxnSpPr>
+          <p:spPr>
+            <a:xfrm>
+              <a:off x="364331" y="2147888"/>
+              <a:ext cx="197644" cy="0"/>
+            </a:xfrm>
+            <a:prstGeom prst="line">
+              <a:avLst/>
+            </a:prstGeom>
+            <a:ln>
+              <a:solidFill>
+                <a:srgbClr val="CBE5EB"/>
+              </a:solidFill>
+            </a:ln>
+          </p:spPr>
+          <p:style>
+            <a:lnRef idx="2">
+              <a:schemeClr val="accent1"/>
+            </a:lnRef>
+            <a:fillRef idx="0">
+              <a:schemeClr val="accent1"/>
+            </a:fillRef>
+            <a:effectRef idx="1">
+              <a:schemeClr val="accent1"/>
+            </a:effectRef>
+            <a:fontRef idx="minor">
+              <a:schemeClr val="tx1"/>
+            </a:fontRef>
+          </p:style>
+        </p:cxnSp>
+        <p:cxnSp>
+          <p:nvCxnSpPr>
+            <p:cNvPr id="42" name="Egyenes összekötő 41">
+              <a:extLst>
+                <a:ext uri="{FF2B5EF4-FFF2-40B4-BE49-F238E27FC236}">
+                  <a16:creationId xmlns:a16="http://schemas.microsoft.com/office/drawing/2014/main" id="{E29CEEFA-000D-6A4A-DA68-E9748189DFD9}"/>
+                </a:ext>
+              </a:extLst>
+            </p:cNvPr>
+            <p:cNvCxnSpPr/>
+            <p:nvPr/>
+          </p:nvCxnSpPr>
+          <p:spPr>
+            <a:xfrm>
+              <a:off x="364331" y="2226470"/>
+              <a:ext cx="197644" cy="0"/>
+            </a:xfrm>
+            <a:prstGeom prst="line">
+              <a:avLst/>
+            </a:prstGeom>
+            <a:ln>
+              <a:solidFill>
+                <a:srgbClr val="CBE5EB"/>
+              </a:solidFill>
+            </a:ln>
+          </p:spPr>
+          <p:style>
+            <a:lnRef idx="2">
+              <a:schemeClr val="accent1"/>
+            </a:lnRef>
+            <a:fillRef idx="0">
+              <a:schemeClr val="accent1"/>
+            </a:fillRef>
+            <a:effectRef idx="1">
+              <a:schemeClr val="accent1"/>
+            </a:effectRef>
+            <a:fontRef idx="minor">
+              <a:schemeClr val="tx1"/>
+            </a:fontRef>
+          </p:style>
+        </p:cxnSp>
+      </p:grpSp>
+      <p:grpSp>
+        <p:nvGrpSpPr>
+          <p:cNvPr id="44" name="Csoportba foglalás 43">
+            <a:extLst>
+              <a:ext uri="{FF2B5EF4-FFF2-40B4-BE49-F238E27FC236}">
+                <a16:creationId xmlns:a16="http://schemas.microsoft.com/office/drawing/2014/main" id="{AA6EA41D-B386-42C8-7F64-7AA7D12082A7}"/>
+              </a:ext>
+            </a:extLst>
+          </p:cNvPr>
+          <p:cNvGrpSpPr/>
+          <p:nvPr/>
+        </p:nvGrpSpPr>
+        <p:grpSpPr>
+          <a:xfrm>
+            <a:off x="6243558" y="4453470"/>
+            <a:ext cx="197644" cy="78582"/>
+            <a:chOff x="364331" y="2147888"/>
+            <a:chExt cx="197644" cy="78582"/>
+          </a:xfrm>
+        </p:grpSpPr>
+        <p:cxnSp>
+          <p:nvCxnSpPr>
+            <p:cNvPr id="45" name="Egyenes összekötő 44">
+              <a:extLst>
+                <a:ext uri="{FF2B5EF4-FFF2-40B4-BE49-F238E27FC236}">
+                  <a16:creationId xmlns:a16="http://schemas.microsoft.com/office/drawing/2014/main" id="{B207ACC6-ACC5-2FC0-BC5B-04BC82D5B55A}"/>
+                </a:ext>
+              </a:extLst>
+            </p:cNvPr>
+            <p:cNvCxnSpPr/>
+            <p:nvPr/>
+          </p:nvCxnSpPr>
+          <p:spPr>
+            <a:xfrm>
+              <a:off x="364331" y="2147888"/>
+              <a:ext cx="197644" cy="0"/>
+            </a:xfrm>
+            <a:prstGeom prst="line">
+              <a:avLst/>
+            </a:prstGeom>
+            <a:ln>
+              <a:solidFill>
+                <a:srgbClr val="CBE5EB"/>
+              </a:solidFill>
+            </a:ln>
+          </p:spPr>
+          <p:style>
+            <a:lnRef idx="2">
+              <a:schemeClr val="accent1"/>
+            </a:lnRef>
+            <a:fillRef idx="0">
+              <a:schemeClr val="accent1"/>
+            </a:fillRef>
+            <a:effectRef idx="1">
+              <a:schemeClr val="accent1"/>
+            </a:effectRef>
+            <a:fontRef idx="minor">
+              <a:schemeClr val="tx1"/>
+            </a:fontRef>
+          </p:style>
+        </p:cxnSp>
+        <p:cxnSp>
+          <p:nvCxnSpPr>
+            <p:cNvPr id="46" name="Egyenes összekötő 45">
+              <a:extLst>
+                <a:ext uri="{FF2B5EF4-FFF2-40B4-BE49-F238E27FC236}">
+                  <a16:creationId xmlns:a16="http://schemas.microsoft.com/office/drawing/2014/main" id="{1F3CAC18-2B1F-41F7-07F1-314905E0AD0B}"/>
+                </a:ext>
+              </a:extLst>
+            </p:cNvPr>
+            <p:cNvCxnSpPr/>
+            <p:nvPr/>
+          </p:nvCxnSpPr>
+          <p:spPr>
+            <a:xfrm>
+              <a:off x="364331" y="2226470"/>
+              <a:ext cx="197644" cy="0"/>
+            </a:xfrm>
+            <a:prstGeom prst="line">
+              <a:avLst/>
+            </a:prstGeom>
+            <a:ln>
+              <a:solidFill>
+                <a:srgbClr val="CBE5EB"/>
+              </a:solidFill>
+            </a:ln>
+          </p:spPr>
+          <p:style>
+            <a:lnRef idx="2">
+              <a:schemeClr val="accent1"/>
+            </a:lnRef>
+            <a:fillRef idx="0">
+              <a:schemeClr val="accent1"/>
+            </a:fillRef>
+            <a:effectRef idx="1">
+              <a:schemeClr val="accent1"/>
+            </a:effectRef>
+            <a:fontRef idx="minor">
+              <a:schemeClr val="tx1"/>
+            </a:fontRef>
+          </p:style>
+        </p:cxnSp>
+      </p:grpSp>
+      <p:grpSp>
+        <p:nvGrpSpPr>
+          <p:cNvPr id="47" name="Csoportba foglalás 46">
+            <a:extLst>
+              <a:ext uri="{FF2B5EF4-FFF2-40B4-BE49-F238E27FC236}">
+                <a16:creationId xmlns:a16="http://schemas.microsoft.com/office/drawing/2014/main" id="{CAFD24C0-66F7-CD33-6A31-4FDB91A8BB5D}"/>
+              </a:ext>
+            </a:extLst>
+          </p:cNvPr>
+          <p:cNvGrpSpPr/>
+          <p:nvPr/>
+        </p:nvGrpSpPr>
+        <p:grpSpPr>
+          <a:xfrm>
+            <a:off x="6243558" y="5008256"/>
+            <a:ext cx="197644" cy="78582"/>
+            <a:chOff x="364331" y="2147888"/>
+            <a:chExt cx="197644" cy="78582"/>
+          </a:xfrm>
+        </p:grpSpPr>
+        <p:cxnSp>
+          <p:nvCxnSpPr>
+            <p:cNvPr id="48" name="Egyenes összekötő 47">
+              <a:extLst>
+                <a:ext uri="{FF2B5EF4-FFF2-40B4-BE49-F238E27FC236}">
+                  <a16:creationId xmlns:a16="http://schemas.microsoft.com/office/drawing/2014/main" id="{871656AF-C054-7A5D-F9BF-4E4F37AD3824}"/>
+                </a:ext>
+              </a:extLst>
+            </p:cNvPr>
+            <p:cNvCxnSpPr/>
+            <p:nvPr/>
+          </p:nvCxnSpPr>
+          <p:spPr>
+            <a:xfrm>
+              <a:off x="364331" y="2147888"/>
+              <a:ext cx="197644" cy="0"/>
+            </a:xfrm>
+            <a:prstGeom prst="line">
+              <a:avLst/>
+            </a:prstGeom>
+            <a:ln>
+              <a:solidFill>
+                <a:srgbClr val="CBE5EB"/>
+              </a:solidFill>
+            </a:ln>
+          </p:spPr>
+          <p:style>
+            <a:lnRef idx="2">
+              <a:schemeClr val="accent1"/>
+            </a:lnRef>
+            <a:fillRef idx="0">
+              <a:schemeClr val="accent1"/>
+            </a:fillRef>
+            <a:effectRef idx="1">
+              <a:schemeClr val="accent1"/>
+            </a:effectRef>
+            <a:fontRef idx="minor">
+              <a:schemeClr val="tx1"/>
+            </a:fontRef>
+          </p:style>
+        </p:cxnSp>
+        <p:cxnSp>
+          <p:nvCxnSpPr>
+            <p:cNvPr id="49" name="Egyenes összekötő 48">
+              <a:extLst>
+                <a:ext uri="{FF2B5EF4-FFF2-40B4-BE49-F238E27FC236}">
+                  <a16:creationId xmlns:a16="http://schemas.microsoft.com/office/drawing/2014/main" id="{979C6B31-CD37-D631-DEAE-37F28CBCFBBB}"/>
+                </a:ext>
+              </a:extLst>
+            </p:cNvPr>
+            <p:cNvCxnSpPr/>
+            <p:nvPr/>
+          </p:nvCxnSpPr>
+          <p:spPr>
+            <a:xfrm>
+              <a:off x="364331" y="2226470"/>
+              <a:ext cx="197644" cy="0"/>
+            </a:xfrm>
+            <a:prstGeom prst="line">
+              <a:avLst/>
+            </a:prstGeom>
+            <a:ln>
+              <a:solidFill>
+                <a:srgbClr val="CBE5EB"/>
+              </a:solidFill>
+            </a:ln>
+          </p:spPr>
+          <p:style>
+            <a:lnRef idx="2">
+              <a:schemeClr val="accent1"/>
+            </a:lnRef>
+            <a:fillRef idx="0">
+              <a:schemeClr val="accent1"/>
+            </a:fillRef>
+            <a:effectRef idx="1">
+              <a:schemeClr val="accent1"/>
+            </a:effectRef>
+            <a:fontRef idx="minor">
+              <a:schemeClr val="tx1"/>
+            </a:fontRef>
+          </p:style>
+        </p:cxnSp>
+      </p:grpSp>
+      <p:grpSp>
+        <p:nvGrpSpPr>
+          <p:cNvPr id="50" name="Csoportba foglalás 49">
+            <a:extLst>
+              <a:ext uri="{FF2B5EF4-FFF2-40B4-BE49-F238E27FC236}">
+                <a16:creationId xmlns:a16="http://schemas.microsoft.com/office/drawing/2014/main" id="{38779967-C719-AC97-9E95-DB501C5F77D3}"/>
+              </a:ext>
+            </a:extLst>
+          </p:cNvPr>
+          <p:cNvGrpSpPr/>
+          <p:nvPr/>
+        </p:nvGrpSpPr>
+        <p:grpSpPr>
+          <a:xfrm>
+            <a:off x="6243558" y="5563042"/>
+            <a:ext cx="197644" cy="78582"/>
+            <a:chOff x="364331" y="2147888"/>
+            <a:chExt cx="197644" cy="78582"/>
+          </a:xfrm>
+        </p:grpSpPr>
+        <p:cxnSp>
+          <p:nvCxnSpPr>
+            <p:cNvPr id="51" name="Egyenes összekötő 50">
+              <a:extLst>
+                <a:ext uri="{FF2B5EF4-FFF2-40B4-BE49-F238E27FC236}">
+                  <a16:creationId xmlns:a16="http://schemas.microsoft.com/office/drawing/2014/main" id="{064CE424-3D2A-E7D7-4BE8-FB250BCABA12}"/>
+                </a:ext>
+              </a:extLst>
+            </p:cNvPr>
+            <p:cNvCxnSpPr/>
+            <p:nvPr/>
+          </p:nvCxnSpPr>
+          <p:spPr>
+            <a:xfrm>
+              <a:off x="364331" y="2147888"/>
+              <a:ext cx="197644" cy="0"/>
+            </a:xfrm>
+            <a:prstGeom prst="line">
+              <a:avLst/>
+            </a:prstGeom>
+            <a:ln>
+              <a:solidFill>
+                <a:srgbClr val="CBE5EB"/>
+              </a:solidFill>
+            </a:ln>
+          </p:spPr>
+          <p:style>
+            <a:lnRef idx="2">
+              <a:schemeClr val="accent1"/>
+            </a:lnRef>
+            <a:fillRef idx="0">
+              <a:schemeClr val="accent1"/>
+            </a:fillRef>
+            <a:effectRef idx="1">
+              <a:schemeClr val="accent1"/>
+            </a:effectRef>
+            <a:fontRef idx="minor">
+              <a:schemeClr val="tx1"/>
+            </a:fontRef>
+          </p:style>
+        </p:cxnSp>
+        <p:cxnSp>
+          <p:nvCxnSpPr>
+            <p:cNvPr id="52" name="Egyenes összekötő 51">
+              <a:extLst>
+                <a:ext uri="{FF2B5EF4-FFF2-40B4-BE49-F238E27FC236}">
+                  <a16:creationId xmlns:a16="http://schemas.microsoft.com/office/drawing/2014/main" id="{5035C151-FC26-A4F6-3A66-83AB74192ABF}"/>
+                </a:ext>
+              </a:extLst>
+            </p:cNvPr>
+            <p:cNvCxnSpPr/>
+            <p:nvPr/>
+          </p:nvCxnSpPr>
+          <p:spPr>
+            <a:xfrm>
+              <a:off x="364331" y="2226470"/>
+              <a:ext cx="197644" cy="0"/>
+            </a:xfrm>
+            <a:prstGeom prst="line">
+              <a:avLst/>
+            </a:prstGeom>
+            <a:ln>
+              <a:solidFill>
+                <a:srgbClr val="CBE5EB"/>
+              </a:solidFill>
+            </a:ln>
+          </p:spPr>
+          <p:style>
+            <a:lnRef idx="2">
+              <a:schemeClr val="accent1"/>
+            </a:lnRef>
+            <a:fillRef idx="0">
+              <a:schemeClr val="accent1"/>
+            </a:fillRef>
+            <a:effectRef idx="1">
+              <a:schemeClr val="accent1"/>
+            </a:effectRef>
+            <a:fontRef idx="minor">
+              <a:schemeClr val="tx1"/>
+            </a:fontRef>
+          </p:style>
+        </p:cxnSp>
+      </p:grpSp>
+      <p:sp>
+        <p:nvSpPr>
+          <p:cNvPr id="53" name="Téglalap: lekerekített 52">
+            <a:extLst>
+              <a:ext uri="{FF2B5EF4-FFF2-40B4-BE49-F238E27FC236}">
+                <a16:creationId xmlns:a16="http://schemas.microsoft.com/office/drawing/2014/main" id="{B21ECB52-EA06-1580-152B-909D078229D4}"/>
+              </a:ext>
+            </a:extLst>
+          </p:cNvPr>
+          <p:cNvSpPr/>
+          <p:nvPr/>
+        </p:nvSpPr>
+        <p:spPr>
+          <a:xfrm>
+            <a:off x="3048000" y="8016081"/>
+            <a:ext cx="3407569" cy="681038"/>
+          </a:xfrm>
+          <a:prstGeom prst="roundRect">
+            <a:avLst/>
+          </a:prstGeom>
+          <a:solidFill>
+            <a:schemeClr val="tx1">
+              <a:lumMod val="65000"/>
+              <a:lumOff val="35000"/>
+            </a:schemeClr>
+          </a:solidFill>
+          <a:ln>
+            <a:noFill/>
+          </a:ln>
+        </p:spPr>
+        <p:style>
+          <a:lnRef idx="2">
+            <a:schemeClr val="dk1">
+              <a:shade val="15000"/>
+            </a:schemeClr>
+          </a:lnRef>
+          <a:fillRef idx="1">
+            <a:schemeClr val="dk1"/>
+          </a:fillRef>
+          <a:effectRef idx="0">
+            <a:schemeClr val="dk1"/>
+          </a:effectRef>
+          <a:fontRef idx="minor">
+            <a:schemeClr val="lt1"/>
+          </a:fontRef>
+        </p:style>
+        <p:txBody>
+          <a:bodyPr rtlCol="0" anchor="ctr"/>
+          <a:lstStyle/>
+          <a:p>
+            <a:pPr algn="ctr"/>
+            <a:endParaRPr lang="hu-HU" sz="1200"/>
+          </a:p>
+        </p:txBody>
+      </p:sp>
+      <p:sp>
+        <p:nvSpPr>
+          <p:cNvPr id="54" name="Kereszt 53">
+            <a:extLst>
+              <a:ext uri="{FF2B5EF4-FFF2-40B4-BE49-F238E27FC236}">
+                <a16:creationId xmlns:a16="http://schemas.microsoft.com/office/drawing/2014/main" id="{4937D8EC-345B-2E59-C23F-240247D54CB6}"/>
+              </a:ext>
+            </a:extLst>
+          </p:cNvPr>
+          <p:cNvSpPr/>
+          <p:nvPr/>
+        </p:nvSpPr>
+        <p:spPr>
+          <a:xfrm rot="18900000">
+            <a:off x="3271249" y="8223250"/>
+            <a:ext cx="266700" cy="266700"/>
+          </a:xfrm>
+          <a:prstGeom prst="plus">
+            <a:avLst>
+              <a:gd name="adj" fmla="val 45454"/>
+            </a:avLst>
+          </a:prstGeom>
+          <a:solidFill>
+            <a:srgbClr val="C3A140"/>
+          </a:solidFill>
+          <a:ln>
+            <a:noFill/>
+          </a:ln>
+        </p:spPr>
+        <p:style>
+          <a:lnRef idx="2">
+            <a:schemeClr val="accent1">
+              <a:shade val="15000"/>
+            </a:schemeClr>
+          </a:lnRef>
+          <a:fillRef idx="1">
+            <a:schemeClr val="accent1"/>
+          </a:fillRef>
+          <a:effectRef idx="0">
+            <a:schemeClr val="accent1"/>
+          </a:effectRef>
+          <a:fontRef idx="minor">
+            <a:schemeClr val="lt1"/>
+          </a:fontRef>
+        </p:style>
+        <p:txBody>
+          <a:bodyPr rtlCol="0" anchor="ctr"/>
+          <a:lstStyle/>
+          <a:p>
+            <a:pPr algn="ctr"/>
+            <a:endParaRPr lang="hu-HU"/>
+          </a:p>
+        </p:txBody>
+      </p:sp>
+      <p:sp>
+        <p:nvSpPr>
+          <p:cNvPr id="55" name="Téglalap: lekerekített 54">
+            <a:extLst>
+              <a:ext uri="{FF2B5EF4-FFF2-40B4-BE49-F238E27FC236}">
+                <a16:creationId xmlns:a16="http://schemas.microsoft.com/office/drawing/2014/main" id="{22CAA2AB-FD35-4BFC-170C-023A6BF45947}"/>
+              </a:ext>
+            </a:extLst>
+          </p:cNvPr>
+          <p:cNvSpPr/>
+          <p:nvPr/>
+        </p:nvSpPr>
+        <p:spPr>
+          <a:xfrm>
+            <a:off x="3537949" y="8171293"/>
+            <a:ext cx="3078480" cy="370613"/>
+          </a:xfrm>
+          <a:prstGeom prst="roundRect">
+            <a:avLst/>
+          </a:prstGeom>
+          <a:noFill/>
+          <a:ln>
+            <a:noFill/>
+          </a:ln>
+          <a:effectLst>
+            <a:outerShdw blurRad="63500" algn="ctr" rotWithShape="0">
+              <a:prstClr val="black">
+                <a:alpha val="27000"/>
+              </a:prstClr>
+            </a:outerShdw>
+          </a:effectLst>
+        </p:spPr>
+        <p:style>
+          <a:lnRef idx="2">
+            <a:schemeClr val="accent1">
+              <a:shade val="15000"/>
+            </a:schemeClr>
+          </a:lnRef>
+          <a:fillRef idx="1">
+            <a:schemeClr val="accent1"/>
+          </a:fillRef>
+          <a:effectRef idx="0">
+            <a:schemeClr val="accent1"/>
+          </a:effectRef>
+          <a:fontRef idx="minor">
+            <a:schemeClr val="lt1"/>
+          </a:fontRef>
+        </p:style>
+        <p:txBody>
+          <a:bodyPr rtlCol="0" anchor="ctr"/>
+          <a:lstStyle/>
+          <a:p>
+            <a:r>
+              <a:rPr lang="en-GB" sz="2400" dirty="0" err="1">
+                <a:solidFill>
+                  <a:srgbClr val="BFC8CB"/>
+                </a:solidFill>
+              </a:rPr>
+              <a:t>Énekek</a:t>
+            </a:r>
+            <a:r>
+              <a:rPr lang="en-GB" sz="2400" dirty="0">
+                <a:solidFill>
+                  <a:srgbClr val="BFC8CB"/>
+                </a:solidFill>
+              </a:rPr>
+              <a:t> </a:t>
+            </a:r>
+            <a:r>
+              <a:rPr lang="en-GB" sz="2400" dirty="0" err="1">
+                <a:solidFill>
+                  <a:srgbClr val="BFC8CB"/>
+                </a:solidFill>
+              </a:rPr>
+              <a:t>hozzáadása</a:t>
+            </a:r>
+            <a:endParaRPr lang="en-GB" sz="2400" dirty="0">
+              <a:solidFill>
+                <a:srgbClr val="BFC8CB"/>
+              </a:solidFill>
+            </a:endParaRPr>
+          </a:p>
+        </p:txBody>
+      </p:sp>
+    </p:spTree>
+    <p:extLst>
+      <p:ext uri="{BB962C8B-B14F-4D97-AF65-F5344CB8AC3E}">
+        <p14:creationId xmlns:p14="http://schemas.microsoft.com/office/powerpoint/2010/main" val="3169361021"/>
+      </p:ext>
+    </p:extLst>
+  </p:cSld>
+  <p:clrMapOvr>
+    <a:masterClrMapping/>
+  </p:clrMapOvr>
 </p:sld>
 </file>
 
@@ -12718,13 +15774,13 @@
   <p:clrMapOvr>
     <a:masterClrMapping/>
   </p:clrMapOvr>
-  <mc:AlternateContent xmlns:mc="http://schemas.openxmlformats.org/markup-compatibility/2006">
-    <mc:Choice xmlns:p159="http://schemas.microsoft.com/office/powerpoint/2015/09/main" Requires="p159">
+  <mc:AlternateContent xmlns:mc="http://schemas.openxmlformats.org/markup-compatibility/2006" xmlns:p159="http://schemas.microsoft.com/office/powerpoint/2015/09/main">
+    <mc:Choice Requires="p159">
       <p:transition spd="slow">
         <p159:morph option="byObject"/>
       </p:transition>
     </mc:Choice>
-    <mc:Fallback>
+    <mc:Fallback xmlns="">
       <p:transition spd="slow">
         <p:fade/>
       </p:transition>
@@ -14198,13 +17254,13 @@
   <p:clrMapOvr>
     <a:masterClrMapping/>
   </p:clrMapOvr>
-  <mc:AlternateContent xmlns:mc="http://schemas.openxmlformats.org/markup-compatibility/2006">
-    <mc:Choice xmlns:p159="http://schemas.microsoft.com/office/powerpoint/2015/09/main" Requires="p159">
+  <mc:AlternateContent xmlns:mc="http://schemas.openxmlformats.org/markup-compatibility/2006" xmlns:p159="http://schemas.microsoft.com/office/powerpoint/2015/09/main">
+    <mc:Choice Requires="p159">
       <p:transition spd="slow">
         <p159:morph option="byObject"/>
       </p:transition>
     </mc:Choice>
-    <mc:Fallback>
+    <mc:Fallback xmlns="">
       <p:transition spd="slow">
         <p:fade/>
       </p:transition>
@@ -15765,13 +18821,13 @@
   <p:clrMapOvr>
     <a:masterClrMapping/>
   </p:clrMapOvr>
-  <mc:AlternateContent xmlns:mc="http://schemas.openxmlformats.org/markup-compatibility/2006">
-    <mc:Choice xmlns:p159="http://schemas.microsoft.com/office/powerpoint/2015/09/main" Requires="p159">
+  <mc:AlternateContent xmlns:mc="http://schemas.openxmlformats.org/markup-compatibility/2006" xmlns:p159="http://schemas.microsoft.com/office/powerpoint/2015/09/main">
+    <mc:Choice Requires="p159">
       <p:transition spd="slow">
         <p159:morph option="byObject"/>
       </p:transition>
     </mc:Choice>
-    <mc:Fallback>
+    <mc:Fallback xmlns="">
       <p:transition spd="slow">
         <p:fade/>
       </p:transition>
@@ -16981,13 +20037,13 @@
   <p:clrMapOvr>
     <a:masterClrMapping/>
   </p:clrMapOvr>
-  <mc:AlternateContent xmlns:mc="http://schemas.openxmlformats.org/markup-compatibility/2006">
-    <mc:Choice xmlns:p159="http://schemas.microsoft.com/office/powerpoint/2015/09/main" Requires="p159">
+  <mc:AlternateContent xmlns:mc="http://schemas.openxmlformats.org/markup-compatibility/2006" xmlns:p159="http://schemas.microsoft.com/office/powerpoint/2015/09/main">
+    <mc:Choice Requires="p159">
       <p:transition spd="slow">
         <p159:morph option="byObject"/>
       </p:transition>
     </mc:Choice>
-    <mc:Fallback>
+    <mc:Fallback xmlns="">
       <p:transition spd="slow">
         <p:fade/>
       </p:transition>
@@ -18262,13 +21318,13 @@
   <p:clrMapOvr>
     <a:masterClrMapping/>
   </p:clrMapOvr>
-  <mc:AlternateContent xmlns:mc="http://schemas.openxmlformats.org/markup-compatibility/2006">
-    <mc:Choice xmlns:p159="http://schemas.microsoft.com/office/powerpoint/2015/09/main" Requires="p159">
+  <mc:AlternateContent xmlns:mc="http://schemas.openxmlformats.org/markup-compatibility/2006" xmlns:p159="http://schemas.microsoft.com/office/powerpoint/2015/09/main">
+    <mc:Choice Requires="p159">
       <p:transition spd="slow">
         <p159:morph option="byObject"/>
       </p:transition>
     </mc:Choice>
-    <mc:Fallback>
+    <mc:Fallback xmlns="">
       <p:transition spd="slow">
         <p:fade/>
       </p:transition>
@@ -19484,13 +22540,13 @@
   <p:clrMapOvr>
     <a:masterClrMapping/>
   </p:clrMapOvr>
-  <mc:AlternateContent xmlns:mc="http://schemas.openxmlformats.org/markup-compatibility/2006">
-    <mc:Choice xmlns:p159="http://schemas.microsoft.com/office/powerpoint/2015/09/main" Requires="p159">
+  <mc:AlternateContent xmlns:mc="http://schemas.openxmlformats.org/markup-compatibility/2006" xmlns:p159="http://schemas.microsoft.com/office/powerpoint/2015/09/main">
+    <mc:Choice Requires="p159">
       <p:transition spd="slow">
         <p159:morph option="byObject"/>
       </p:transition>
     </mc:Choice>
-    <mc:Fallback>
+    <mc:Fallback xmlns="">
       <p:transition spd="slow">
         <p:fade/>
       </p:transition>

--- a/Tervek/ui-terv.pptx
+++ b/Tervek/ui-terv.pptx
@@ -20,6 +20,12 @@
     <p:sldId id="270" r:id="rId14"/>
     <p:sldId id="271" r:id="rId15"/>
     <p:sldId id="272" r:id="rId16"/>
+    <p:sldId id="277" r:id="rId17"/>
+    <p:sldId id="278" r:id="rId18"/>
+    <p:sldId id="273" r:id="rId19"/>
+    <p:sldId id="274" r:id="rId20"/>
+    <p:sldId id="276" r:id="rId21"/>
+    <p:sldId id="275" r:id="rId22"/>
   </p:sldIdLst>
   <p:sldSz cx="6858000" cy="9144000" type="screen4x3"/>
   <p:notesSz cx="6858000" cy="9144000"/>
@@ -152,6 +158,16 @@
             <p14:sldId id="272"/>
           </p14:sldIdLst>
         </p14:section>
+        <p14:section name="Transzponálás" id="{ED8C9B65-8055-4196-B1AD-58F8D16189F5}">
+          <p14:sldIdLst>
+            <p14:sldId id="277"/>
+            <p14:sldId id="278"/>
+            <p14:sldId id="273"/>
+            <p14:sldId id="274"/>
+            <p14:sldId id="276"/>
+            <p14:sldId id="275"/>
+          </p14:sldIdLst>
+        </p14:section>
       </p14:sectionLst>
     </p:ext>
     <p:ext uri="{EFAFB233-063F-42B5-8137-9DF3F51BA10A}">
@@ -292,7 +308,7 @@
           <a:p>
             <a:fld id="{4EA07C61-72C1-4B0F-B28F-4EAAE2D57413}" type="datetimeFigureOut">
               <a:rPr lang="en-GB" smtClean="0"/>
-              <a:t>2024-11-22</a:t>
+              <a:t>2025-03-07</a:t>
             </a:fld>
             <a:endParaRPr lang="en-GB"/>
           </a:p>
@@ -462,7 +478,7 @@
           <a:p>
             <a:fld id="{4EA07C61-72C1-4B0F-B28F-4EAAE2D57413}" type="datetimeFigureOut">
               <a:rPr lang="en-GB" smtClean="0"/>
-              <a:t>2024-11-22</a:t>
+              <a:t>2025-03-07</a:t>
             </a:fld>
             <a:endParaRPr lang="en-GB"/>
           </a:p>
@@ -642,7 +658,7 @@
           <a:p>
             <a:fld id="{4EA07C61-72C1-4B0F-B28F-4EAAE2D57413}" type="datetimeFigureOut">
               <a:rPr lang="en-GB" smtClean="0"/>
-              <a:t>2024-11-22</a:t>
+              <a:t>2025-03-07</a:t>
             </a:fld>
             <a:endParaRPr lang="en-GB"/>
           </a:p>
@@ -812,7 +828,7 @@
           <a:p>
             <a:fld id="{4EA07C61-72C1-4B0F-B28F-4EAAE2D57413}" type="datetimeFigureOut">
               <a:rPr lang="en-GB" smtClean="0"/>
-              <a:t>2024-11-22</a:t>
+              <a:t>2025-03-07</a:t>
             </a:fld>
             <a:endParaRPr lang="en-GB"/>
           </a:p>
@@ -1058,7 +1074,7 @@
           <a:p>
             <a:fld id="{4EA07C61-72C1-4B0F-B28F-4EAAE2D57413}" type="datetimeFigureOut">
               <a:rPr lang="en-GB" smtClean="0"/>
-              <a:t>2024-11-22</a:t>
+              <a:t>2025-03-07</a:t>
             </a:fld>
             <a:endParaRPr lang="en-GB"/>
           </a:p>
@@ -1290,7 +1306,7 @@
           <a:p>
             <a:fld id="{4EA07C61-72C1-4B0F-B28F-4EAAE2D57413}" type="datetimeFigureOut">
               <a:rPr lang="en-GB" smtClean="0"/>
-              <a:t>2024-11-22</a:t>
+              <a:t>2025-03-07</a:t>
             </a:fld>
             <a:endParaRPr lang="en-GB"/>
           </a:p>
@@ -1657,7 +1673,7 @@
           <a:p>
             <a:fld id="{4EA07C61-72C1-4B0F-B28F-4EAAE2D57413}" type="datetimeFigureOut">
               <a:rPr lang="en-GB" smtClean="0"/>
-              <a:t>2024-11-22</a:t>
+              <a:t>2025-03-07</a:t>
             </a:fld>
             <a:endParaRPr lang="en-GB"/>
           </a:p>
@@ -1775,7 +1791,7 @@
           <a:p>
             <a:fld id="{4EA07C61-72C1-4B0F-B28F-4EAAE2D57413}" type="datetimeFigureOut">
               <a:rPr lang="en-GB" smtClean="0"/>
-              <a:t>2024-11-22</a:t>
+              <a:t>2025-03-07</a:t>
             </a:fld>
             <a:endParaRPr lang="en-GB"/>
           </a:p>
@@ -1870,7 +1886,7 @@
           <a:p>
             <a:fld id="{4EA07C61-72C1-4B0F-B28F-4EAAE2D57413}" type="datetimeFigureOut">
               <a:rPr lang="en-GB" smtClean="0"/>
-              <a:t>2024-11-22</a:t>
+              <a:t>2025-03-07</a:t>
             </a:fld>
             <a:endParaRPr lang="en-GB"/>
           </a:p>
@@ -2147,7 +2163,7 @@
           <a:p>
             <a:fld id="{4EA07C61-72C1-4B0F-B28F-4EAAE2D57413}" type="datetimeFigureOut">
               <a:rPr lang="en-GB" smtClean="0"/>
-              <a:t>2024-11-22</a:t>
+              <a:t>2025-03-07</a:t>
             </a:fld>
             <a:endParaRPr lang="en-GB"/>
           </a:p>
@@ -2404,7 +2420,7 @@
           <a:p>
             <a:fld id="{4EA07C61-72C1-4B0F-B28F-4EAAE2D57413}" type="datetimeFigureOut">
               <a:rPr lang="en-GB" smtClean="0"/>
-              <a:t>2024-11-22</a:t>
+              <a:t>2025-03-07</a:t>
             </a:fld>
             <a:endParaRPr lang="en-GB"/>
           </a:p>
@@ -2620,7 +2636,7 @@
           <a:p>
             <a:fld id="{4EA07C61-72C1-4B0F-B28F-4EAAE2D57413}" type="datetimeFigureOut">
               <a:rPr lang="en-GB" smtClean="0"/>
-              <a:t>2024-11-22</a:t>
+              <a:t>2025-03-07</a:t>
             </a:fld>
             <a:endParaRPr lang="en-GB"/>
           </a:p>
@@ -12273,6 +12289,3504 @@
 </p:sld>
 </file>
 
+<file path=ppt/slides/slide16.xml><?xml version="1.0" encoding="utf-8"?>
+<p:sld xmlns:a="http://schemas.openxmlformats.org/drawingml/2006/main" xmlns:r="http://schemas.openxmlformats.org/officeDocument/2006/relationships" xmlns:p="http://schemas.openxmlformats.org/presentationml/2006/main">
+  <p:cSld>
+    <p:spTree>
+      <p:nvGrpSpPr>
+        <p:cNvPr id="1" name="">
+          <a:extLst>
+            <a:ext uri="{FF2B5EF4-FFF2-40B4-BE49-F238E27FC236}">
+              <a16:creationId xmlns:a16="http://schemas.microsoft.com/office/drawing/2014/main" id="{985C0C24-D139-191B-7F0F-E1DB20ED3EBF}"/>
+            </a:ext>
+          </a:extLst>
+        </p:cNvPr>
+        <p:cNvGrpSpPr/>
+        <p:nvPr/>
+      </p:nvGrpSpPr>
+      <p:grpSpPr>
+        <a:xfrm>
+          <a:off x="0" y="0"/>
+          <a:ext cx="0" cy="0"/>
+          <a:chOff x="0" y="0"/>
+          <a:chExt cx="0" cy="0"/>
+        </a:xfrm>
+      </p:grpSpPr>
+      <p:sp>
+        <p:nvSpPr>
+          <p:cNvPr id="13" name="Téglalap: lekerekített 12">
+            <a:extLst>
+              <a:ext uri="{FF2B5EF4-FFF2-40B4-BE49-F238E27FC236}">
+                <a16:creationId xmlns:a16="http://schemas.microsoft.com/office/drawing/2014/main" id="{AA4D7782-BDF8-F6A8-A89E-D8C66B13E256}"/>
+              </a:ext>
+            </a:extLst>
+          </p:cNvPr>
+          <p:cNvSpPr/>
+          <p:nvPr/>
+        </p:nvSpPr>
+        <p:spPr>
+          <a:xfrm>
+            <a:off x="4667250" y="7086599"/>
+            <a:ext cx="1963115" cy="1271589"/>
+          </a:xfrm>
+          <a:prstGeom prst="roundRect">
+            <a:avLst>
+              <a:gd name="adj" fmla="val 8956"/>
+            </a:avLst>
+          </a:prstGeom>
+          <a:solidFill>
+            <a:srgbClr val="263032"/>
+          </a:solidFill>
+          <a:ln>
+            <a:noFill/>
+          </a:ln>
+        </p:spPr>
+        <p:style>
+          <a:lnRef idx="2">
+            <a:schemeClr val="accent1">
+              <a:shade val="15000"/>
+            </a:schemeClr>
+          </a:lnRef>
+          <a:fillRef idx="1">
+            <a:schemeClr val="accent1"/>
+          </a:fillRef>
+          <a:effectRef idx="0">
+            <a:schemeClr val="accent1"/>
+          </a:effectRef>
+          <a:fontRef idx="minor">
+            <a:schemeClr val="lt1"/>
+          </a:fontRef>
+        </p:style>
+        <p:txBody>
+          <a:bodyPr rtlCol="0" anchor="ctr"/>
+          <a:lstStyle/>
+          <a:p>
+            <a:pPr algn="ctr"/>
+            <a:endParaRPr lang="hu-HU"/>
+          </a:p>
+        </p:txBody>
+      </p:sp>
+      <p:sp>
+        <p:nvSpPr>
+          <p:cNvPr id="16" name="Téglalap: lekerekített 15">
+            <a:extLst>
+              <a:ext uri="{FF2B5EF4-FFF2-40B4-BE49-F238E27FC236}">
+                <a16:creationId xmlns:a16="http://schemas.microsoft.com/office/drawing/2014/main" id="{B403D3C2-2766-977F-C660-D59E2D2B6A3D}"/>
+              </a:ext>
+            </a:extLst>
+          </p:cNvPr>
+          <p:cNvSpPr/>
+          <p:nvPr/>
+        </p:nvSpPr>
+        <p:spPr>
+          <a:xfrm>
+            <a:off x="4767172" y="7507639"/>
+            <a:ext cx="1740308" cy="370613"/>
+          </a:xfrm>
+          <a:prstGeom prst="roundRect">
+            <a:avLst/>
+          </a:prstGeom>
+          <a:solidFill>
+            <a:srgbClr val="343B3C"/>
+          </a:solidFill>
+          <a:ln>
+            <a:noFill/>
+          </a:ln>
+          <a:effectLst>
+            <a:outerShdw blurRad="63500" algn="ctr" rotWithShape="0">
+              <a:prstClr val="black">
+                <a:alpha val="27000"/>
+              </a:prstClr>
+            </a:outerShdw>
+          </a:effectLst>
+        </p:spPr>
+        <p:style>
+          <a:lnRef idx="2">
+            <a:schemeClr val="accent1">
+              <a:shade val="15000"/>
+            </a:schemeClr>
+          </a:lnRef>
+          <a:fillRef idx="1">
+            <a:schemeClr val="accent1"/>
+          </a:fillRef>
+          <a:effectRef idx="0">
+            <a:schemeClr val="accent1"/>
+          </a:effectRef>
+          <a:fontRef idx="minor">
+            <a:schemeClr val="lt1"/>
+          </a:fontRef>
+        </p:style>
+        <p:txBody>
+          <a:bodyPr rtlCol="0" anchor="ctr"/>
+          <a:lstStyle/>
+          <a:p>
+            <a:r>
+              <a:rPr lang="en-GB" dirty="0">
+                <a:solidFill>
+                  <a:srgbClr val="BFC8CB"/>
+                </a:solidFill>
+              </a:rPr>
+              <a:t>C-</a:t>
+            </a:r>
+            <a:r>
+              <a:rPr lang="en-GB" dirty="0" err="1">
+                <a:solidFill>
+                  <a:srgbClr val="BFC8CB"/>
+                </a:solidFill>
+              </a:rPr>
+              <a:t>dúr</a:t>
+            </a:r>
+            <a:endParaRPr lang="en-GB" dirty="0">
+              <a:solidFill>
+                <a:srgbClr val="BFC8CB"/>
+              </a:solidFill>
+            </a:endParaRPr>
+          </a:p>
+        </p:txBody>
+      </p:sp>
+      <p:sp>
+        <p:nvSpPr>
+          <p:cNvPr id="4" name="Téglalap 3">
+            <a:extLst>
+              <a:ext uri="{FF2B5EF4-FFF2-40B4-BE49-F238E27FC236}">
+                <a16:creationId xmlns:a16="http://schemas.microsoft.com/office/drawing/2014/main" id="{770683CE-99DE-F5D0-8606-A6BD58FCE4E3}"/>
+              </a:ext>
+            </a:extLst>
+          </p:cNvPr>
+          <p:cNvSpPr/>
+          <p:nvPr/>
+        </p:nvSpPr>
+        <p:spPr>
+          <a:xfrm>
+            <a:off x="0" y="8358188"/>
+            <a:ext cx="6858000" cy="785812"/>
+          </a:xfrm>
+          <a:prstGeom prst="rect">
+            <a:avLst/>
+          </a:prstGeom>
+          <a:solidFill>
+            <a:srgbClr val="263032"/>
+          </a:solidFill>
+          <a:ln>
+            <a:noFill/>
+          </a:ln>
+        </p:spPr>
+        <p:style>
+          <a:lnRef idx="2">
+            <a:schemeClr val="accent1">
+              <a:shade val="15000"/>
+            </a:schemeClr>
+          </a:lnRef>
+          <a:fillRef idx="1">
+            <a:schemeClr val="accent1"/>
+          </a:fillRef>
+          <a:effectRef idx="0">
+            <a:schemeClr val="accent1"/>
+          </a:effectRef>
+          <a:fontRef idx="minor">
+            <a:schemeClr val="lt1"/>
+          </a:fontRef>
+        </p:style>
+        <p:txBody>
+          <a:bodyPr rtlCol="0" anchor="ctr"/>
+          <a:lstStyle/>
+          <a:p>
+            <a:pPr algn="ctr"/>
+            <a:endParaRPr lang="hu-HU"/>
+          </a:p>
+        </p:txBody>
+      </p:sp>
+      <p:sp>
+        <p:nvSpPr>
+          <p:cNvPr id="5" name="Szövegdoboz 4">
+            <a:extLst>
+              <a:ext uri="{FF2B5EF4-FFF2-40B4-BE49-F238E27FC236}">
+                <a16:creationId xmlns:a16="http://schemas.microsoft.com/office/drawing/2014/main" id="{ADE4A52E-8F5F-AA12-7975-66156DDBB997}"/>
+              </a:ext>
+            </a:extLst>
+          </p:cNvPr>
+          <p:cNvSpPr txBox="1"/>
+          <p:nvPr/>
+        </p:nvSpPr>
+        <p:spPr>
+          <a:xfrm>
+            <a:off x="185738" y="8566428"/>
+            <a:ext cx="711670" cy="369332"/>
+          </a:xfrm>
+          <a:prstGeom prst="rect">
+            <a:avLst/>
+          </a:prstGeom>
+          <a:noFill/>
+        </p:spPr>
+        <p:txBody>
+          <a:bodyPr wrap="none" rtlCol="0">
+            <a:spAutoFit/>
+          </a:bodyPr>
+          <a:lstStyle/>
+          <a:p>
+            <a:r>
+              <a:rPr lang="en-GB" dirty="0">
+                <a:solidFill>
+                  <a:schemeClr val="bg1"/>
+                </a:solidFill>
+              </a:rPr>
+              <a:t>Kotta</a:t>
+            </a:r>
+            <a:endParaRPr lang="hu-HU" dirty="0">
+              <a:solidFill>
+                <a:schemeClr val="bg1"/>
+              </a:solidFill>
+            </a:endParaRPr>
+          </a:p>
+        </p:txBody>
+      </p:sp>
+      <p:sp>
+        <p:nvSpPr>
+          <p:cNvPr id="6" name="Szövegdoboz 5">
+            <a:extLst>
+              <a:ext uri="{FF2B5EF4-FFF2-40B4-BE49-F238E27FC236}">
+                <a16:creationId xmlns:a16="http://schemas.microsoft.com/office/drawing/2014/main" id="{4D7B8A91-BC3E-88B9-730B-75B60684F124}"/>
+              </a:ext>
+            </a:extLst>
+          </p:cNvPr>
+          <p:cNvSpPr txBox="1"/>
+          <p:nvPr/>
+        </p:nvSpPr>
+        <p:spPr>
+          <a:xfrm>
+            <a:off x="1345480" y="8566428"/>
+            <a:ext cx="598241" cy="369332"/>
+          </a:xfrm>
+          <a:prstGeom prst="rect">
+            <a:avLst/>
+          </a:prstGeom>
+          <a:noFill/>
+        </p:spPr>
+        <p:txBody>
+          <a:bodyPr wrap="none" rtlCol="0">
+            <a:spAutoFit/>
+          </a:bodyPr>
+          <a:lstStyle/>
+          <a:p>
+            <a:r>
+              <a:rPr lang="en-GB" dirty="0">
+                <a:solidFill>
+                  <a:schemeClr val="bg1"/>
+                </a:solidFill>
+              </a:rPr>
+              <a:t>PDF</a:t>
+            </a:r>
+            <a:endParaRPr lang="hu-HU" dirty="0">
+              <a:solidFill>
+                <a:schemeClr val="bg1"/>
+              </a:solidFill>
+            </a:endParaRPr>
+          </a:p>
+        </p:txBody>
+      </p:sp>
+      <p:sp>
+        <p:nvSpPr>
+          <p:cNvPr id="7" name="Szövegdoboz 6">
+            <a:extLst>
+              <a:ext uri="{FF2B5EF4-FFF2-40B4-BE49-F238E27FC236}">
+                <a16:creationId xmlns:a16="http://schemas.microsoft.com/office/drawing/2014/main" id="{E2AF6057-ECD2-174F-EFB2-8F46F5C37048}"/>
+              </a:ext>
+            </a:extLst>
+          </p:cNvPr>
+          <p:cNvSpPr txBox="1"/>
+          <p:nvPr/>
+        </p:nvSpPr>
+        <p:spPr>
+          <a:xfrm>
+            <a:off x="2083024" y="8566428"/>
+            <a:ext cx="1193404" cy="369332"/>
+          </a:xfrm>
+          <a:prstGeom prst="rect">
+            <a:avLst/>
+          </a:prstGeom>
+          <a:noFill/>
+        </p:spPr>
+        <p:txBody>
+          <a:bodyPr wrap="none" rtlCol="0">
+            <a:spAutoFit/>
+          </a:bodyPr>
+          <a:lstStyle/>
+          <a:p>
+            <a:r>
+              <a:rPr lang="en-GB" dirty="0" err="1">
+                <a:solidFill>
+                  <a:schemeClr val="bg1"/>
+                </a:solidFill>
+              </a:rPr>
+              <a:t>Dalszöveg</a:t>
+            </a:r>
+            <a:endParaRPr lang="hu-HU" dirty="0">
+              <a:solidFill>
+                <a:schemeClr val="bg1"/>
+              </a:solidFill>
+            </a:endParaRPr>
+          </a:p>
+        </p:txBody>
+      </p:sp>
+      <p:sp>
+        <p:nvSpPr>
+          <p:cNvPr id="9" name="Téglalap: lekerekített 8">
+            <a:extLst>
+              <a:ext uri="{FF2B5EF4-FFF2-40B4-BE49-F238E27FC236}">
+                <a16:creationId xmlns:a16="http://schemas.microsoft.com/office/drawing/2014/main" id="{0759F45E-D055-58B9-29C5-B7E4E9B79CA3}"/>
+              </a:ext>
+            </a:extLst>
+          </p:cNvPr>
+          <p:cNvSpPr/>
+          <p:nvPr/>
+        </p:nvSpPr>
+        <p:spPr>
+          <a:xfrm>
+            <a:off x="215856" y="8566428"/>
+            <a:ext cx="990321" cy="370613"/>
+          </a:xfrm>
+          <a:prstGeom prst="roundRect">
+            <a:avLst/>
+          </a:prstGeom>
+          <a:solidFill>
+            <a:srgbClr val="343B3C"/>
+          </a:solidFill>
+          <a:ln>
+            <a:noFill/>
+          </a:ln>
+          <a:effectLst>
+            <a:outerShdw blurRad="63500" algn="ctr" rotWithShape="0">
+              <a:prstClr val="black">
+                <a:alpha val="27000"/>
+              </a:prstClr>
+            </a:outerShdw>
+          </a:effectLst>
+        </p:spPr>
+        <p:style>
+          <a:lnRef idx="2">
+            <a:schemeClr val="accent1">
+              <a:shade val="15000"/>
+            </a:schemeClr>
+          </a:lnRef>
+          <a:fillRef idx="1">
+            <a:schemeClr val="accent1"/>
+          </a:fillRef>
+          <a:effectRef idx="0">
+            <a:schemeClr val="accent1"/>
+          </a:effectRef>
+          <a:fontRef idx="minor">
+            <a:schemeClr val="lt1"/>
+          </a:fontRef>
+        </p:style>
+        <p:txBody>
+          <a:bodyPr rtlCol="0" anchor="ctr"/>
+          <a:lstStyle/>
+          <a:p>
+            <a:pPr algn="ctr"/>
+            <a:r>
+              <a:rPr lang="en-GB" b="1" dirty="0">
+                <a:solidFill>
+                  <a:srgbClr val="BFC8CB"/>
+                </a:solidFill>
+              </a:rPr>
+              <a:t>Kotta</a:t>
+            </a:r>
+          </a:p>
+        </p:txBody>
+      </p:sp>
+      <p:sp>
+        <p:nvSpPr>
+          <p:cNvPr id="10" name="Szövegdoboz 9">
+            <a:extLst>
+              <a:ext uri="{FF2B5EF4-FFF2-40B4-BE49-F238E27FC236}">
+                <a16:creationId xmlns:a16="http://schemas.microsoft.com/office/drawing/2014/main" id="{DCF0164C-909A-BC30-22CA-1EFBCDB536D3}"/>
+              </a:ext>
+            </a:extLst>
+          </p:cNvPr>
+          <p:cNvSpPr txBox="1"/>
+          <p:nvPr/>
+        </p:nvSpPr>
+        <p:spPr>
+          <a:xfrm>
+            <a:off x="5792948" y="8566428"/>
+            <a:ext cx="784382" cy="369332"/>
+          </a:xfrm>
+          <a:prstGeom prst="rect">
+            <a:avLst/>
+          </a:prstGeom>
+          <a:noFill/>
+        </p:spPr>
+        <p:txBody>
+          <a:bodyPr wrap="none" rtlCol="0">
+            <a:spAutoFit/>
+          </a:bodyPr>
+          <a:lstStyle/>
+          <a:p>
+            <a:pPr algn="r"/>
+            <a:r>
+              <a:rPr lang="en-GB" dirty="0">
+                <a:solidFill>
+                  <a:srgbClr val="BFC8CB"/>
+                </a:solidFill>
+              </a:rPr>
+              <a:t>C-</a:t>
+            </a:r>
+            <a:r>
+              <a:rPr lang="en-GB" dirty="0" err="1">
+                <a:solidFill>
+                  <a:srgbClr val="BFC8CB"/>
+                </a:solidFill>
+              </a:rPr>
+              <a:t>dúr</a:t>
+            </a:r>
+            <a:endParaRPr lang="hu-HU" dirty="0">
+              <a:solidFill>
+                <a:srgbClr val="BFC8CB"/>
+              </a:solidFill>
+            </a:endParaRPr>
+          </a:p>
+        </p:txBody>
+      </p:sp>
+      <p:sp>
+        <p:nvSpPr>
+          <p:cNvPr id="11" name="Fél keret 10">
+            <a:extLst>
+              <a:ext uri="{FF2B5EF4-FFF2-40B4-BE49-F238E27FC236}">
+                <a16:creationId xmlns:a16="http://schemas.microsoft.com/office/drawing/2014/main" id="{AB11C3B0-A3EC-4962-F0E1-662250127A75}"/>
+              </a:ext>
+            </a:extLst>
+          </p:cNvPr>
+          <p:cNvSpPr/>
+          <p:nvPr/>
+        </p:nvSpPr>
+        <p:spPr>
+          <a:xfrm rot="2700000">
+            <a:off x="5595097" y="8629892"/>
+            <a:ext cx="156014" cy="156014"/>
+          </a:xfrm>
+          <a:prstGeom prst="halfFrame">
+            <a:avLst>
+              <a:gd name="adj1" fmla="val 24344"/>
+              <a:gd name="adj2" fmla="val 25468"/>
+            </a:avLst>
+          </a:prstGeom>
+          <a:solidFill>
+            <a:srgbClr val="BFC8CB"/>
+          </a:solidFill>
+          <a:ln>
+            <a:noFill/>
+          </a:ln>
+        </p:spPr>
+        <p:style>
+          <a:lnRef idx="2">
+            <a:schemeClr val="accent1">
+              <a:shade val="15000"/>
+            </a:schemeClr>
+          </a:lnRef>
+          <a:fillRef idx="1">
+            <a:schemeClr val="accent1"/>
+          </a:fillRef>
+          <a:effectRef idx="0">
+            <a:schemeClr val="accent1"/>
+          </a:effectRef>
+          <a:fontRef idx="minor">
+            <a:schemeClr val="lt1"/>
+          </a:fontRef>
+        </p:style>
+        <p:txBody>
+          <a:bodyPr rtlCol="0" anchor="ctr"/>
+          <a:lstStyle/>
+          <a:p>
+            <a:pPr algn="ctr"/>
+            <a:endParaRPr lang="hu-HU">
+              <a:solidFill>
+                <a:schemeClr val="tx1"/>
+              </a:solidFill>
+            </a:endParaRPr>
+          </a:p>
+        </p:txBody>
+      </p:sp>
+      <p:sp>
+        <p:nvSpPr>
+          <p:cNvPr id="12" name="Fél keret 11">
+            <a:extLst>
+              <a:ext uri="{FF2B5EF4-FFF2-40B4-BE49-F238E27FC236}">
+                <a16:creationId xmlns:a16="http://schemas.microsoft.com/office/drawing/2014/main" id="{C6A32BE1-0530-2CC1-D0BD-5065AEBD98DF}"/>
+              </a:ext>
+            </a:extLst>
+          </p:cNvPr>
+          <p:cNvSpPr/>
+          <p:nvPr/>
+        </p:nvSpPr>
+        <p:spPr>
+          <a:xfrm rot="13500000">
+            <a:off x="5595096" y="8734012"/>
+            <a:ext cx="156014" cy="156014"/>
+          </a:xfrm>
+          <a:prstGeom prst="halfFrame">
+            <a:avLst>
+              <a:gd name="adj1" fmla="val 24344"/>
+              <a:gd name="adj2" fmla="val 25468"/>
+            </a:avLst>
+          </a:prstGeom>
+          <a:solidFill>
+            <a:srgbClr val="BFC8CB"/>
+          </a:solidFill>
+          <a:ln>
+            <a:noFill/>
+          </a:ln>
+        </p:spPr>
+        <p:style>
+          <a:lnRef idx="2">
+            <a:schemeClr val="accent1">
+              <a:shade val="15000"/>
+            </a:schemeClr>
+          </a:lnRef>
+          <a:fillRef idx="1">
+            <a:schemeClr val="accent1"/>
+          </a:fillRef>
+          <a:effectRef idx="0">
+            <a:schemeClr val="accent1"/>
+          </a:effectRef>
+          <a:fontRef idx="minor">
+            <a:schemeClr val="lt1"/>
+          </a:fontRef>
+        </p:style>
+        <p:txBody>
+          <a:bodyPr rtlCol="0" anchor="ctr"/>
+          <a:lstStyle/>
+          <a:p>
+            <a:pPr algn="ctr"/>
+            <a:endParaRPr lang="hu-HU">
+              <a:solidFill>
+                <a:schemeClr val="tx1"/>
+              </a:solidFill>
+            </a:endParaRPr>
+          </a:p>
+        </p:txBody>
+      </p:sp>
+      <p:sp>
+        <p:nvSpPr>
+          <p:cNvPr id="14" name="Szövegdoboz 13">
+            <a:extLst>
+              <a:ext uri="{FF2B5EF4-FFF2-40B4-BE49-F238E27FC236}">
+                <a16:creationId xmlns:a16="http://schemas.microsoft.com/office/drawing/2014/main" id="{49FF7731-C85E-7756-4955-C9BB9603B5F0}"/>
+              </a:ext>
+            </a:extLst>
+          </p:cNvPr>
+          <p:cNvSpPr txBox="1"/>
+          <p:nvPr/>
+        </p:nvSpPr>
+        <p:spPr>
+          <a:xfrm>
+            <a:off x="4767172" y="7138307"/>
+            <a:ext cx="736600" cy="369332"/>
+          </a:xfrm>
+          <a:prstGeom prst="rect">
+            <a:avLst/>
+          </a:prstGeom>
+          <a:noFill/>
+        </p:spPr>
+        <p:txBody>
+          <a:bodyPr wrap="square" rtlCol="0">
+            <a:spAutoFit/>
+          </a:bodyPr>
+          <a:lstStyle/>
+          <a:p>
+            <a:r>
+              <a:rPr lang="en-GB" b="1" cap="small" dirty="0" err="1">
+                <a:solidFill>
+                  <a:schemeClr val="bg2"/>
+                </a:solidFill>
+              </a:rPr>
+              <a:t>kotta</a:t>
+            </a:r>
+            <a:endParaRPr lang="hu-HU" b="1" cap="small" dirty="0">
+              <a:solidFill>
+                <a:schemeClr val="bg2"/>
+              </a:solidFill>
+            </a:endParaRPr>
+          </a:p>
+        </p:txBody>
+      </p:sp>
+      <p:sp>
+        <p:nvSpPr>
+          <p:cNvPr id="17" name="Téglalap: lekerekített 16">
+            <a:extLst>
+              <a:ext uri="{FF2B5EF4-FFF2-40B4-BE49-F238E27FC236}">
+                <a16:creationId xmlns:a16="http://schemas.microsoft.com/office/drawing/2014/main" id="{1E579465-B231-C7B5-F96B-2766E5543512}"/>
+              </a:ext>
+            </a:extLst>
+          </p:cNvPr>
+          <p:cNvSpPr/>
+          <p:nvPr/>
+        </p:nvSpPr>
+        <p:spPr>
+          <a:xfrm>
+            <a:off x="4767172" y="7901185"/>
+            <a:ext cx="1740308" cy="370613"/>
+          </a:xfrm>
+          <a:prstGeom prst="roundRect">
+            <a:avLst/>
+          </a:prstGeom>
+          <a:noFill/>
+          <a:ln>
+            <a:noFill/>
+          </a:ln>
+          <a:effectLst>
+            <a:outerShdw blurRad="63500" algn="ctr" rotWithShape="0">
+              <a:prstClr val="black">
+                <a:alpha val="27000"/>
+              </a:prstClr>
+            </a:outerShdw>
+          </a:effectLst>
+        </p:spPr>
+        <p:style>
+          <a:lnRef idx="2">
+            <a:schemeClr val="accent1">
+              <a:shade val="15000"/>
+            </a:schemeClr>
+          </a:lnRef>
+          <a:fillRef idx="1">
+            <a:schemeClr val="accent1"/>
+          </a:fillRef>
+          <a:effectRef idx="0">
+            <a:schemeClr val="accent1"/>
+          </a:effectRef>
+          <a:fontRef idx="minor">
+            <a:schemeClr val="lt1"/>
+          </a:fontRef>
+        </p:style>
+        <p:txBody>
+          <a:bodyPr rtlCol="0" anchor="ctr"/>
+          <a:lstStyle/>
+          <a:p>
+            <a:r>
+              <a:rPr lang="en-GB" dirty="0">
+                <a:solidFill>
+                  <a:srgbClr val="BFC8CB"/>
+                </a:solidFill>
+              </a:rPr>
+              <a:t>F-</a:t>
+            </a:r>
+            <a:r>
+              <a:rPr lang="en-GB" dirty="0" err="1">
+                <a:solidFill>
+                  <a:srgbClr val="BFC8CB"/>
+                </a:solidFill>
+              </a:rPr>
+              <a:t>dúr</a:t>
+            </a:r>
+            <a:endParaRPr lang="en-GB" dirty="0">
+              <a:solidFill>
+                <a:srgbClr val="BFC8CB"/>
+              </a:solidFill>
+            </a:endParaRPr>
+          </a:p>
+        </p:txBody>
+      </p:sp>
+      <p:pic>
+        <p:nvPicPr>
+          <p:cNvPr id="22" name="Ábra 21" descr="Hivatkozás egyszínű kitöltéssel">
+            <a:extLst>
+              <a:ext uri="{FF2B5EF4-FFF2-40B4-BE49-F238E27FC236}">
+                <a16:creationId xmlns:a16="http://schemas.microsoft.com/office/drawing/2014/main" id="{2BB6A859-5BED-0D55-ABE3-9CFAED502022}"/>
+              </a:ext>
+            </a:extLst>
+          </p:cNvPr>
+          <p:cNvPicPr>
+            <a:picLocks noChangeAspect="1"/>
+          </p:cNvPicPr>
+          <p:nvPr/>
+        </p:nvPicPr>
+        <p:blipFill>
+          <a:blip r:embed="rId2">
+            <a:extLst>
+              <a:ext uri="{96DAC541-7B7A-43D3-8B79-37D633B846F1}">
+                <asvg:svgBlip xmlns:asvg="http://schemas.microsoft.com/office/drawing/2016/SVG/main" r:embed="rId3"/>
+              </a:ext>
+            </a:extLst>
+          </a:blip>
+          <a:stretch>
+            <a:fillRect/>
+          </a:stretch>
+        </p:blipFill>
+        <p:spPr>
+          <a:xfrm>
+            <a:off x="6186601" y="7953141"/>
+            <a:ext cx="266700" cy="266700"/>
+          </a:xfrm>
+          <a:prstGeom prst="rect">
+            <a:avLst/>
+          </a:prstGeom>
+        </p:spPr>
+      </p:pic>
+    </p:spTree>
+    <p:extLst>
+      <p:ext uri="{BB962C8B-B14F-4D97-AF65-F5344CB8AC3E}">
+        <p14:creationId xmlns:p14="http://schemas.microsoft.com/office/powerpoint/2010/main" val="1923382764"/>
+      </p:ext>
+    </p:extLst>
+  </p:cSld>
+  <p:clrMapOvr>
+    <a:masterClrMapping/>
+  </p:clrMapOvr>
+</p:sld>
+</file>
+
+<file path=ppt/slides/slide17.xml><?xml version="1.0" encoding="utf-8"?>
+<p:sld xmlns:a="http://schemas.openxmlformats.org/drawingml/2006/main" xmlns:r="http://schemas.openxmlformats.org/officeDocument/2006/relationships" xmlns:p="http://schemas.openxmlformats.org/presentationml/2006/main">
+  <p:cSld>
+    <p:spTree>
+      <p:nvGrpSpPr>
+        <p:cNvPr id="1" name="">
+          <a:extLst>
+            <a:ext uri="{FF2B5EF4-FFF2-40B4-BE49-F238E27FC236}">
+              <a16:creationId xmlns:a16="http://schemas.microsoft.com/office/drawing/2014/main" id="{E9AEFB92-A17D-235B-54E0-1B26BDE604E2}"/>
+            </a:ext>
+          </a:extLst>
+        </p:cNvPr>
+        <p:cNvGrpSpPr/>
+        <p:nvPr/>
+      </p:nvGrpSpPr>
+      <p:grpSpPr>
+        <a:xfrm>
+          <a:off x="0" y="0"/>
+          <a:ext cx="0" cy="0"/>
+          <a:chOff x="0" y="0"/>
+          <a:chExt cx="0" cy="0"/>
+        </a:xfrm>
+      </p:grpSpPr>
+      <p:sp>
+        <p:nvSpPr>
+          <p:cNvPr id="4" name="Téglalap 3">
+            <a:extLst>
+              <a:ext uri="{FF2B5EF4-FFF2-40B4-BE49-F238E27FC236}">
+                <a16:creationId xmlns:a16="http://schemas.microsoft.com/office/drawing/2014/main" id="{06F15E00-0510-AE27-69FD-9E5C9E184EFF}"/>
+              </a:ext>
+            </a:extLst>
+          </p:cNvPr>
+          <p:cNvSpPr/>
+          <p:nvPr/>
+        </p:nvSpPr>
+        <p:spPr>
+          <a:xfrm>
+            <a:off x="0" y="8358188"/>
+            <a:ext cx="6858000" cy="785812"/>
+          </a:xfrm>
+          <a:prstGeom prst="rect">
+            <a:avLst/>
+          </a:prstGeom>
+          <a:solidFill>
+            <a:srgbClr val="263032"/>
+          </a:solidFill>
+          <a:ln>
+            <a:noFill/>
+          </a:ln>
+        </p:spPr>
+        <p:style>
+          <a:lnRef idx="2">
+            <a:schemeClr val="accent1">
+              <a:shade val="15000"/>
+            </a:schemeClr>
+          </a:lnRef>
+          <a:fillRef idx="1">
+            <a:schemeClr val="accent1"/>
+          </a:fillRef>
+          <a:effectRef idx="0">
+            <a:schemeClr val="accent1"/>
+          </a:effectRef>
+          <a:fontRef idx="minor">
+            <a:schemeClr val="lt1"/>
+          </a:fontRef>
+        </p:style>
+        <p:txBody>
+          <a:bodyPr rtlCol="0" anchor="ctr"/>
+          <a:lstStyle/>
+          <a:p>
+            <a:pPr algn="ctr"/>
+            <a:endParaRPr lang="hu-HU"/>
+          </a:p>
+        </p:txBody>
+      </p:sp>
+      <p:sp>
+        <p:nvSpPr>
+          <p:cNvPr id="5" name="Szövegdoboz 4">
+            <a:extLst>
+              <a:ext uri="{FF2B5EF4-FFF2-40B4-BE49-F238E27FC236}">
+                <a16:creationId xmlns:a16="http://schemas.microsoft.com/office/drawing/2014/main" id="{4C8C0630-B8AC-0588-AD32-C4E45C6D313D}"/>
+              </a:ext>
+            </a:extLst>
+          </p:cNvPr>
+          <p:cNvSpPr txBox="1"/>
+          <p:nvPr/>
+        </p:nvSpPr>
+        <p:spPr>
+          <a:xfrm>
+            <a:off x="185738" y="8566428"/>
+            <a:ext cx="711670" cy="369332"/>
+          </a:xfrm>
+          <a:prstGeom prst="rect">
+            <a:avLst/>
+          </a:prstGeom>
+          <a:noFill/>
+        </p:spPr>
+        <p:txBody>
+          <a:bodyPr wrap="none" rtlCol="0">
+            <a:spAutoFit/>
+          </a:bodyPr>
+          <a:lstStyle/>
+          <a:p>
+            <a:r>
+              <a:rPr lang="en-GB" dirty="0">
+                <a:solidFill>
+                  <a:schemeClr val="bg1"/>
+                </a:solidFill>
+              </a:rPr>
+              <a:t>Kotta</a:t>
+            </a:r>
+            <a:endParaRPr lang="hu-HU" dirty="0">
+              <a:solidFill>
+                <a:schemeClr val="bg1"/>
+              </a:solidFill>
+            </a:endParaRPr>
+          </a:p>
+        </p:txBody>
+      </p:sp>
+      <p:sp>
+        <p:nvSpPr>
+          <p:cNvPr id="6" name="Szövegdoboz 5">
+            <a:extLst>
+              <a:ext uri="{FF2B5EF4-FFF2-40B4-BE49-F238E27FC236}">
+                <a16:creationId xmlns:a16="http://schemas.microsoft.com/office/drawing/2014/main" id="{5B13D346-8E25-90F6-7A52-B73B59F34491}"/>
+              </a:ext>
+            </a:extLst>
+          </p:cNvPr>
+          <p:cNvSpPr txBox="1"/>
+          <p:nvPr/>
+        </p:nvSpPr>
+        <p:spPr>
+          <a:xfrm>
+            <a:off x="1345480" y="8566428"/>
+            <a:ext cx="598241" cy="369332"/>
+          </a:xfrm>
+          <a:prstGeom prst="rect">
+            <a:avLst/>
+          </a:prstGeom>
+          <a:noFill/>
+        </p:spPr>
+        <p:txBody>
+          <a:bodyPr wrap="none" rtlCol="0">
+            <a:spAutoFit/>
+          </a:bodyPr>
+          <a:lstStyle/>
+          <a:p>
+            <a:r>
+              <a:rPr lang="en-GB" dirty="0">
+                <a:solidFill>
+                  <a:schemeClr val="bg1"/>
+                </a:solidFill>
+              </a:rPr>
+              <a:t>PDF</a:t>
+            </a:r>
+            <a:endParaRPr lang="hu-HU" dirty="0">
+              <a:solidFill>
+                <a:schemeClr val="bg1"/>
+              </a:solidFill>
+            </a:endParaRPr>
+          </a:p>
+        </p:txBody>
+      </p:sp>
+      <p:sp>
+        <p:nvSpPr>
+          <p:cNvPr id="7" name="Szövegdoboz 6">
+            <a:extLst>
+              <a:ext uri="{FF2B5EF4-FFF2-40B4-BE49-F238E27FC236}">
+                <a16:creationId xmlns:a16="http://schemas.microsoft.com/office/drawing/2014/main" id="{DE7E691E-53E0-B6F4-FC8A-6D83E73E32D7}"/>
+              </a:ext>
+            </a:extLst>
+          </p:cNvPr>
+          <p:cNvSpPr txBox="1"/>
+          <p:nvPr/>
+        </p:nvSpPr>
+        <p:spPr>
+          <a:xfrm>
+            <a:off x="2083024" y="8566428"/>
+            <a:ext cx="1193404" cy="369332"/>
+          </a:xfrm>
+          <a:prstGeom prst="rect">
+            <a:avLst/>
+          </a:prstGeom>
+          <a:noFill/>
+        </p:spPr>
+        <p:txBody>
+          <a:bodyPr wrap="none" rtlCol="0">
+            <a:spAutoFit/>
+          </a:bodyPr>
+          <a:lstStyle/>
+          <a:p>
+            <a:r>
+              <a:rPr lang="en-GB" dirty="0" err="1">
+                <a:solidFill>
+                  <a:schemeClr val="bg1"/>
+                </a:solidFill>
+              </a:rPr>
+              <a:t>Dalszöveg</a:t>
+            </a:r>
+            <a:endParaRPr lang="hu-HU" dirty="0">
+              <a:solidFill>
+                <a:schemeClr val="bg1"/>
+              </a:solidFill>
+            </a:endParaRPr>
+          </a:p>
+        </p:txBody>
+      </p:sp>
+      <p:sp>
+        <p:nvSpPr>
+          <p:cNvPr id="9" name="Téglalap: lekerekített 8">
+            <a:extLst>
+              <a:ext uri="{FF2B5EF4-FFF2-40B4-BE49-F238E27FC236}">
+                <a16:creationId xmlns:a16="http://schemas.microsoft.com/office/drawing/2014/main" id="{08387917-99BD-618E-6AA3-AE6494A269E4}"/>
+              </a:ext>
+            </a:extLst>
+          </p:cNvPr>
+          <p:cNvSpPr/>
+          <p:nvPr/>
+        </p:nvSpPr>
+        <p:spPr>
+          <a:xfrm>
+            <a:off x="215856" y="8566428"/>
+            <a:ext cx="990321" cy="370613"/>
+          </a:xfrm>
+          <a:prstGeom prst="roundRect">
+            <a:avLst/>
+          </a:prstGeom>
+          <a:solidFill>
+            <a:srgbClr val="343B3C"/>
+          </a:solidFill>
+          <a:ln>
+            <a:noFill/>
+          </a:ln>
+          <a:effectLst>
+            <a:outerShdw blurRad="63500" algn="ctr" rotWithShape="0">
+              <a:prstClr val="black">
+                <a:alpha val="27000"/>
+              </a:prstClr>
+            </a:outerShdw>
+          </a:effectLst>
+        </p:spPr>
+        <p:style>
+          <a:lnRef idx="2">
+            <a:schemeClr val="accent1">
+              <a:shade val="15000"/>
+            </a:schemeClr>
+          </a:lnRef>
+          <a:fillRef idx="1">
+            <a:schemeClr val="accent1"/>
+          </a:fillRef>
+          <a:effectRef idx="0">
+            <a:schemeClr val="accent1"/>
+          </a:effectRef>
+          <a:fontRef idx="minor">
+            <a:schemeClr val="lt1"/>
+          </a:fontRef>
+        </p:style>
+        <p:txBody>
+          <a:bodyPr rtlCol="0" anchor="ctr"/>
+          <a:lstStyle/>
+          <a:p>
+            <a:pPr algn="ctr"/>
+            <a:r>
+              <a:rPr lang="en-GB" b="1" dirty="0">
+                <a:solidFill>
+                  <a:srgbClr val="BFC8CB"/>
+                </a:solidFill>
+              </a:rPr>
+              <a:t>Kotta</a:t>
+            </a:r>
+          </a:p>
+        </p:txBody>
+      </p:sp>
+      <p:sp>
+        <p:nvSpPr>
+          <p:cNvPr id="10" name="Szövegdoboz 9">
+            <a:extLst>
+              <a:ext uri="{FF2B5EF4-FFF2-40B4-BE49-F238E27FC236}">
+                <a16:creationId xmlns:a16="http://schemas.microsoft.com/office/drawing/2014/main" id="{9852A788-4573-7F08-2575-DF0EE735C297}"/>
+              </a:ext>
+            </a:extLst>
+          </p:cNvPr>
+          <p:cNvSpPr txBox="1"/>
+          <p:nvPr/>
+        </p:nvSpPr>
+        <p:spPr>
+          <a:xfrm>
+            <a:off x="5792948" y="8566428"/>
+            <a:ext cx="784382" cy="369332"/>
+          </a:xfrm>
+          <a:prstGeom prst="rect">
+            <a:avLst/>
+          </a:prstGeom>
+          <a:noFill/>
+        </p:spPr>
+        <p:txBody>
+          <a:bodyPr wrap="none" rtlCol="0">
+            <a:spAutoFit/>
+          </a:bodyPr>
+          <a:lstStyle/>
+          <a:p>
+            <a:pPr algn="r"/>
+            <a:r>
+              <a:rPr lang="en-GB" dirty="0">
+                <a:solidFill>
+                  <a:srgbClr val="BFC8CB"/>
+                </a:solidFill>
+              </a:rPr>
+              <a:t>C-</a:t>
+            </a:r>
+            <a:r>
+              <a:rPr lang="en-GB" dirty="0" err="1">
+                <a:solidFill>
+                  <a:srgbClr val="BFC8CB"/>
+                </a:solidFill>
+              </a:rPr>
+              <a:t>dúr</a:t>
+            </a:r>
+            <a:endParaRPr lang="hu-HU" dirty="0">
+              <a:solidFill>
+                <a:srgbClr val="BFC8CB"/>
+              </a:solidFill>
+            </a:endParaRPr>
+          </a:p>
+        </p:txBody>
+      </p:sp>
+      <p:sp>
+        <p:nvSpPr>
+          <p:cNvPr id="16" name="Téglalap: lekerekített 15">
+            <a:extLst>
+              <a:ext uri="{FF2B5EF4-FFF2-40B4-BE49-F238E27FC236}">
+                <a16:creationId xmlns:a16="http://schemas.microsoft.com/office/drawing/2014/main" id="{A801F1B0-8EC3-395D-C3A1-33E90B68E112}"/>
+              </a:ext>
+            </a:extLst>
+          </p:cNvPr>
+          <p:cNvSpPr/>
+          <p:nvPr/>
+        </p:nvSpPr>
+        <p:spPr>
+          <a:xfrm>
+            <a:off x="4323630" y="8301826"/>
+            <a:ext cx="2204170" cy="264602"/>
+          </a:xfrm>
+          <a:prstGeom prst="roundRect">
+            <a:avLst/>
+          </a:prstGeom>
+          <a:solidFill>
+            <a:srgbClr val="343B3C"/>
+          </a:solidFill>
+          <a:ln>
+            <a:noFill/>
+          </a:ln>
+          <a:effectLst>
+            <a:outerShdw blurRad="63500" algn="ctr" rotWithShape="0">
+              <a:prstClr val="black">
+                <a:alpha val="27000"/>
+              </a:prstClr>
+            </a:outerShdw>
+          </a:effectLst>
+        </p:spPr>
+        <p:style>
+          <a:lnRef idx="2">
+            <a:schemeClr val="accent1">
+              <a:shade val="15000"/>
+            </a:schemeClr>
+          </a:lnRef>
+          <a:fillRef idx="1">
+            <a:schemeClr val="accent1"/>
+          </a:fillRef>
+          <a:effectRef idx="0">
+            <a:schemeClr val="accent1"/>
+          </a:effectRef>
+          <a:fontRef idx="minor">
+            <a:schemeClr val="lt1"/>
+          </a:fontRef>
+        </p:style>
+        <p:txBody>
+          <a:bodyPr rtlCol="0" anchor="ctr"/>
+          <a:lstStyle/>
+          <a:p>
+            <a:pPr algn="ctr"/>
+            <a:r>
+              <a:rPr lang="en-GB" sz="1200" dirty="0" err="1">
+                <a:solidFill>
+                  <a:srgbClr val="BFC8CB"/>
+                </a:solidFill>
+              </a:rPr>
+              <a:t>Nincs</a:t>
+            </a:r>
+            <a:r>
+              <a:rPr lang="en-GB" sz="1200" dirty="0">
+                <a:solidFill>
+                  <a:srgbClr val="BFC8CB"/>
+                </a:solidFill>
+              </a:rPr>
+              <a:t> </a:t>
+            </a:r>
+            <a:r>
+              <a:rPr lang="en-GB" sz="1200" dirty="0" err="1">
+                <a:solidFill>
+                  <a:srgbClr val="BFC8CB"/>
+                </a:solidFill>
+              </a:rPr>
+              <a:t>más</a:t>
+            </a:r>
+            <a:r>
+              <a:rPr lang="en-GB" sz="1200" dirty="0">
+                <a:solidFill>
+                  <a:srgbClr val="BFC8CB"/>
+                </a:solidFill>
+              </a:rPr>
+              <a:t> </a:t>
+            </a:r>
+            <a:r>
+              <a:rPr lang="en-GB" sz="1200" dirty="0" err="1">
+                <a:solidFill>
+                  <a:srgbClr val="BFC8CB"/>
+                </a:solidFill>
+              </a:rPr>
+              <a:t>elérhető</a:t>
+            </a:r>
+            <a:r>
+              <a:rPr lang="en-GB" sz="1200" dirty="0">
+                <a:solidFill>
+                  <a:srgbClr val="BFC8CB"/>
+                </a:solidFill>
+              </a:rPr>
+              <a:t> </a:t>
+            </a:r>
+            <a:r>
+              <a:rPr lang="en-GB" sz="1200" dirty="0" err="1">
+                <a:solidFill>
+                  <a:srgbClr val="BFC8CB"/>
+                </a:solidFill>
+              </a:rPr>
+              <a:t>hangnem</a:t>
+            </a:r>
+            <a:r>
+              <a:rPr lang="en-GB" sz="1200" dirty="0">
+                <a:solidFill>
+                  <a:srgbClr val="BFC8CB"/>
+                </a:solidFill>
+              </a:rPr>
+              <a:t>.</a:t>
+            </a:r>
+          </a:p>
+        </p:txBody>
+      </p:sp>
+    </p:spTree>
+    <p:extLst>
+      <p:ext uri="{BB962C8B-B14F-4D97-AF65-F5344CB8AC3E}">
+        <p14:creationId xmlns:p14="http://schemas.microsoft.com/office/powerpoint/2010/main" val="1467677263"/>
+      </p:ext>
+    </p:extLst>
+  </p:cSld>
+  <p:clrMapOvr>
+    <a:masterClrMapping/>
+  </p:clrMapOvr>
+</p:sld>
+</file>
+
+<file path=ppt/slides/slide18.xml><?xml version="1.0" encoding="utf-8"?>
+<p:sld xmlns:a="http://schemas.openxmlformats.org/drawingml/2006/main" xmlns:r="http://schemas.openxmlformats.org/officeDocument/2006/relationships" xmlns:p="http://schemas.openxmlformats.org/presentationml/2006/main">
+  <p:cSld>
+    <p:spTree>
+      <p:nvGrpSpPr>
+        <p:cNvPr id="1" name=""/>
+        <p:cNvGrpSpPr/>
+        <p:nvPr/>
+      </p:nvGrpSpPr>
+      <p:grpSpPr>
+        <a:xfrm>
+          <a:off x="0" y="0"/>
+          <a:ext cx="0" cy="0"/>
+          <a:chOff x="0" y="0"/>
+          <a:chExt cx="0" cy="0"/>
+        </a:xfrm>
+      </p:grpSpPr>
+      <p:sp>
+        <p:nvSpPr>
+          <p:cNvPr id="13" name="Téglalap: lekerekített 12">
+            <a:extLst>
+              <a:ext uri="{FF2B5EF4-FFF2-40B4-BE49-F238E27FC236}">
+                <a16:creationId xmlns:a16="http://schemas.microsoft.com/office/drawing/2014/main" id="{9BFB8016-FBA4-6C08-F384-4DFC5F959B0D}"/>
+              </a:ext>
+            </a:extLst>
+          </p:cNvPr>
+          <p:cNvSpPr/>
+          <p:nvPr/>
+        </p:nvSpPr>
+        <p:spPr>
+          <a:xfrm>
+            <a:off x="4667250" y="6057901"/>
+            <a:ext cx="1963115" cy="2300288"/>
+          </a:xfrm>
+          <a:prstGeom prst="roundRect">
+            <a:avLst>
+              <a:gd name="adj" fmla="val 8956"/>
+            </a:avLst>
+          </a:prstGeom>
+          <a:solidFill>
+            <a:srgbClr val="263032"/>
+          </a:solidFill>
+          <a:ln>
+            <a:noFill/>
+          </a:ln>
+        </p:spPr>
+        <p:style>
+          <a:lnRef idx="2">
+            <a:schemeClr val="accent1">
+              <a:shade val="15000"/>
+            </a:schemeClr>
+          </a:lnRef>
+          <a:fillRef idx="1">
+            <a:schemeClr val="accent1"/>
+          </a:fillRef>
+          <a:effectRef idx="0">
+            <a:schemeClr val="accent1"/>
+          </a:effectRef>
+          <a:fontRef idx="minor">
+            <a:schemeClr val="lt1"/>
+          </a:fontRef>
+        </p:style>
+        <p:txBody>
+          <a:bodyPr rtlCol="0" anchor="ctr"/>
+          <a:lstStyle/>
+          <a:p>
+            <a:pPr algn="ctr"/>
+            <a:endParaRPr lang="hu-HU"/>
+          </a:p>
+        </p:txBody>
+      </p:sp>
+      <p:sp>
+        <p:nvSpPr>
+          <p:cNvPr id="16" name="Téglalap: lekerekített 15">
+            <a:extLst>
+              <a:ext uri="{FF2B5EF4-FFF2-40B4-BE49-F238E27FC236}">
+                <a16:creationId xmlns:a16="http://schemas.microsoft.com/office/drawing/2014/main" id="{FD2114DC-8E17-5358-4968-CEC685EAB78C}"/>
+              </a:ext>
+            </a:extLst>
+          </p:cNvPr>
+          <p:cNvSpPr/>
+          <p:nvPr/>
+        </p:nvSpPr>
+        <p:spPr>
+          <a:xfrm>
+            <a:off x="4767172" y="6464615"/>
+            <a:ext cx="1740308" cy="370613"/>
+          </a:xfrm>
+          <a:prstGeom prst="roundRect">
+            <a:avLst/>
+          </a:prstGeom>
+          <a:solidFill>
+            <a:srgbClr val="343B3C"/>
+          </a:solidFill>
+          <a:ln>
+            <a:noFill/>
+          </a:ln>
+          <a:effectLst>
+            <a:outerShdw blurRad="63500" algn="ctr" rotWithShape="0">
+              <a:prstClr val="black">
+                <a:alpha val="27000"/>
+              </a:prstClr>
+            </a:outerShdw>
+          </a:effectLst>
+        </p:spPr>
+        <p:style>
+          <a:lnRef idx="2">
+            <a:schemeClr val="accent1">
+              <a:shade val="15000"/>
+            </a:schemeClr>
+          </a:lnRef>
+          <a:fillRef idx="1">
+            <a:schemeClr val="accent1"/>
+          </a:fillRef>
+          <a:effectRef idx="0">
+            <a:schemeClr val="accent1"/>
+          </a:effectRef>
+          <a:fontRef idx="minor">
+            <a:schemeClr val="lt1"/>
+          </a:fontRef>
+        </p:style>
+        <p:txBody>
+          <a:bodyPr rtlCol="0" anchor="ctr"/>
+          <a:lstStyle/>
+          <a:p>
+            <a:r>
+              <a:rPr lang="en-GB" dirty="0">
+                <a:solidFill>
+                  <a:srgbClr val="BFC8CB"/>
+                </a:solidFill>
+              </a:rPr>
+              <a:t>C-</a:t>
+            </a:r>
+            <a:r>
+              <a:rPr lang="en-GB" dirty="0" err="1">
+                <a:solidFill>
+                  <a:srgbClr val="BFC8CB"/>
+                </a:solidFill>
+              </a:rPr>
+              <a:t>dúr</a:t>
+            </a:r>
+            <a:endParaRPr lang="en-GB" dirty="0">
+              <a:solidFill>
+                <a:srgbClr val="BFC8CB"/>
+              </a:solidFill>
+            </a:endParaRPr>
+          </a:p>
+        </p:txBody>
+      </p:sp>
+      <p:sp>
+        <p:nvSpPr>
+          <p:cNvPr id="4" name="Téglalap 3">
+            <a:extLst>
+              <a:ext uri="{FF2B5EF4-FFF2-40B4-BE49-F238E27FC236}">
+                <a16:creationId xmlns:a16="http://schemas.microsoft.com/office/drawing/2014/main" id="{D552AF55-2C58-AD7F-B17E-FA06625F251C}"/>
+              </a:ext>
+            </a:extLst>
+          </p:cNvPr>
+          <p:cNvSpPr/>
+          <p:nvPr/>
+        </p:nvSpPr>
+        <p:spPr>
+          <a:xfrm>
+            <a:off x="0" y="8358188"/>
+            <a:ext cx="6858000" cy="785812"/>
+          </a:xfrm>
+          <a:prstGeom prst="rect">
+            <a:avLst/>
+          </a:prstGeom>
+          <a:solidFill>
+            <a:srgbClr val="263032"/>
+          </a:solidFill>
+          <a:ln>
+            <a:noFill/>
+          </a:ln>
+        </p:spPr>
+        <p:style>
+          <a:lnRef idx="2">
+            <a:schemeClr val="accent1">
+              <a:shade val="15000"/>
+            </a:schemeClr>
+          </a:lnRef>
+          <a:fillRef idx="1">
+            <a:schemeClr val="accent1"/>
+          </a:fillRef>
+          <a:effectRef idx="0">
+            <a:schemeClr val="accent1"/>
+          </a:effectRef>
+          <a:fontRef idx="minor">
+            <a:schemeClr val="lt1"/>
+          </a:fontRef>
+        </p:style>
+        <p:txBody>
+          <a:bodyPr rtlCol="0" anchor="ctr"/>
+          <a:lstStyle/>
+          <a:p>
+            <a:pPr algn="ctr"/>
+            <a:endParaRPr lang="hu-HU"/>
+          </a:p>
+        </p:txBody>
+      </p:sp>
+      <p:sp>
+        <p:nvSpPr>
+          <p:cNvPr id="5" name="Szövegdoboz 4">
+            <a:extLst>
+              <a:ext uri="{FF2B5EF4-FFF2-40B4-BE49-F238E27FC236}">
+                <a16:creationId xmlns:a16="http://schemas.microsoft.com/office/drawing/2014/main" id="{444D8840-D410-235D-FB55-28A0EDD473DD}"/>
+              </a:ext>
+            </a:extLst>
+          </p:cNvPr>
+          <p:cNvSpPr txBox="1"/>
+          <p:nvPr/>
+        </p:nvSpPr>
+        <p:spPr>
+          <a:xfrm>
+            <a:off x="185738" y="8566428"/>
+            <a:ext cx="711670" cy="369332"/>
+          </a:xfrm>
+          <a:prstGeom prst="rect">
+            <a:avLst/>
+          </a:prstGeom>
+          <a:noFill/>
+        </p:spPr>
+        <p:txBody>
+          <a:bodyPr wrap="none" rtlCol="0">
+            <a:spAutoFit/>
+          </a:bodyPr>
+          <a:lstStyle/>
+          <a:p>
+            <a:r>
+              <a:rPr lang="en-GB" dirty="0">
+                <a:solidFill>
+                  <a:schemeClr val="bg1"/>
+                </a:solidFill>
+              </a:rPr>
+              <a:t>Kotta</a:t>
+            </a:r>
+            <a:endParaRPr lang="hu-HU" dirty="0">
+              <a:solidFill>
+                <a:schemeClr val="bg1"/>
+              </a:solidFill>
+            </a:endParaRPr>
+          </a:p>
+        </p:txBody>
+      </p:sp>
+      <p:sp>
+        <p:nvSpPr>
+          <p:cNvPr id="6" name="Szövegdoboz 5">
+            <a:extLst>
+              <a:ext uri="{FF2B5EF4-FFF2-40B4-BE49-F238E27FC236}">
+                <a16:creationId xmlns:a16="http://schemas.microsoft.com/office/drawing/2014/main" id="{FBD94FB6-C4AD-5ACC-A267-C443ABCE8218}"/>
+              </a:ext>
+            </a:extLst>
+          </p:cNvPr>
+          <p:cNvSpPr txBox="1"/>
+          <p:nvPr/>
+        </p:nvSpPr>
+        <p:spPr>
+          <a:xfrm>
+            <a:off x="1345480" y="8566428"/>
+            <a:ext cx="598241" cy="369332"/>
+          </a:xfrm>
+          <a:prstGeom prst="rect">
+            <a:avLst/>
+          </a:prstGeom>
+          <a:noFill/>
+        </p:spPr>
+        <p:txBody>
+          <a:bodyPr wrap="none" rtlCol="0">
+            <a:spAutoFit/>
+          </a:bodyPr>
+          <a:lstStyle/>
+          <a:p>
+            <a:r>
+              <a:rPr lang="en-GB" dirty="0">
+                <a:solidFill>
+                  <a:schemeClr val="bg1"/>
+                </a:solidFill>
+              </a:rPr>
+              <a:t>PDF</a:t>
+            </a:r>
+            <a:endParaRPr lang="hu-HU" dirty="0">
+              <a:solidFill>
+                <a:schemeClr val="bg1"/>
+              </a:solidFill>
+            </a:endParaRPr>
+          </a:p>
+        </p:txBody>
+      </p:sp>
+      <p:sp>
+        <p:nvSpPr>
+          <p:cNvPr id="9" name="Téglalap: lekerekített 8">
+            <a:extLst>
+              <a:ext uri="{FF2B5EF4-FFF2-40B4-BE49-F238E27FC236}">
+                <a16:creationId xmlns:a16="http://schemas.microsoft.com/office/drawing/2014/main" id="{2CCB1532-039D-BD1F-647E-3FE06A51782E}"/>
+              </a:ext>
+            </a:extLst>
+          </p:cNvPr>
+          <p:cNvSpPr/>
+          <p:nvPr/>
+        </p:nvSpPr>
+        <p:spPr>
+          <a:xfrm>
+            <a:off x="215856" y="8566428"/>
+            <a:ext cx="990321" cy="370613"/>
+          </a:xfrm>
+          <a:prstGeom prst="roundRect">
+            <a:avLst/>
+          </a:prstGeom>
+          <a:solidFill>
+            <a:srgbClr val="343B3C"/>
+          </a:solidFill>
+          <a:ln>
+            <a:noFill/>
+          </a:ln>
+          <a:effectLst>
+            <a:outerShdw blurRad="63500" algn="ctr" rotWithShape="0">
+              <a:prstClr val="black">
+                <a:alpha val="27000"/>
+              </a:prstClr>
+            </a:outerShdw>
+          </a:effectLst>
+        </p:spPr>
+        <p:style>
+          <a:lnRef idx="2">
+            <a:schemeClr val="accent1">
+              <a:shade val="15000"/>
+            </a:schemeClr>
+          </a:lnRef>
+          <a:fillRef idx="1">
+            <a:schemeClr val="accent1"/>
+          </a:fillRef>
+          <a:effectRef idx="0">
+            <a:schemeClr val="accent1"/>
+          </a:effectRef>
+          <a:fontRef idx="minor">
+            <a:schemeClr val="lt1"/>
+          </a:fontRef>
+        </p:style>
+        <p:txBody>
+          <a:bodyPr rtlCol="0" anchor="ctr"/>
+          <a:lstStyle/>
+          <a:p>
+            <a:pPr algn="ctr"/>
+            <a:r>
+              <a:rPr lang="en-GB" b="1" dirty="0">
+                <a:solidFill>
+                  <a:srgbClr val="BFC8CB"/>
+                </a:solidFill>
+              </a:rPr>
+              <a:t>Kotta</a:t>
+            </a:r>
+          </a:p>
+        </p:txBody>
+      </p:sp>
+      <p:sp>
+        <p:nvSpPr>
+          <p:cNvPr id="10" name="Szövegdoboz 9">
+            <a:extLst>
+              <a:ext uri="{FF2B5EF4-FFF2-40B4-BE49-F238E27FC236}">
+                <a16:creationId xmlns:a16="http://schemas.microsoft.com/office/drawing/2014/main" id="{B806630E-11BE-2E3A-5C88-F27E0E306EB3}"/>
+              </a:ext>
+            </a:extLst>
+          </p:cNvPr>
+          <p:cNvSpPr txBox="1"/>
+          <p:nvPr/>
+        </p:nvSpPr>
+        <p:spPr>
+          <a:xfrm>
+            <a:off x="5792948" y="8566428"/>
+            <a:ext cx="784382" cy="369332"/>
+          </a:xfrm>
+          <a:prstGeom prst="rect">
+            <a:avLst/>
+          </a:prstGeom>
+          <a:noFill/>
+        </p:spPr>
+        <p:txBody>
+          <a:bodyPr wrap="none" rtlCol="0">
+            <a:spAutoFit/>
+          </a:bodyPr>
+          <a:lstStyle/>
+          <a:p>
+            <a:pPr algn="r"/>
+            <a:r>
+              <a:rPr lang="en-GB" dirty="0">
+                <a:solidFill>
+                  <a:srgbClr val="BFC8CB"/>
+                </a:solidFill>
+              </a:rPr>
+              <a:t>C-</a:t>
+            </a:r>
+            <a:r>
+              <a:rPr lang="en-GB" dirty="0" err="1">
+                <a:solidFill>
+                  <a:srgbClr val="BFC8CB"/>
+                </a:solidFill>
+              </a:rPr>
+              <a:t>dúr</a:t>
+            </a:r>
+            <a:endParaRPr lang="hu-HU" dirty="0">
+              <a:solidFill>
+                <a:srgbClr val="BFC8CB"/>
+              </a:solidFill>
+            </a:endParaRPr>
+          </a:p>
+        </p:txBody>
+      </p:sp>
+      <p:sp>
+        <p:nvSpPr>
+          <p:cNvPr id="11" name="Fél keret 10">
+            <a:extLst>
+              <a:ext uri="{FF2B5EF4-FFF2-40B4-BE49-F238E27FC236}">
+                <a16:creationId xmlns:a16="http://schemas.microsoft.com/office/drawing/2014/main" id="{F86464BE-453B-568E-4448-0CBDF483BD0C}"/>
+              </a:ext>
+            </a:extLst>
+          </p:cNvPr>
+          <p:cNvSpPr/>
+          <p:nvPr/>
+        </p:nvSpPr>
+        <p:spPr>
+          <a:xfrm rot="2700000">
+            <a:off x="5595097" y="8629892"/>
+            <a:ext cx="156014" cy="156014"/>
+          </a:xfrm>
+          <a:prstGeom prst="halfFrame">
+            <a:avLst>
+              <a:gd name="adj1" fmla="val 24344"/>
+              <a:gd name="adj2" fmla="val 25468"/>
+            </a:avLst>
+          </a:prstGeom>
+          <a:solidFill>
+            <a:srgbClr val="BFC8CB"/>
+          </a:solidFill>
+          <a:ln>
+            <a:noFill/>
+          </a:ln>
+        </p:spPr>
+        <p:style>
+          <a:lnRef idx="2">
+            <a:schemeClr val="accent1">
+              <a:shade val="15000"/>
+            </a:schemeClr>
+          </a:lnRef>
+          <a:fillRef idx="1">
+            <a:schemeClr val="accent1"/>
+          </a:fillRef>
+          <a:effectRef idx="0">
+            <a:schemeClr val="accent1"/>
+          </a:effectRef>
+          <a:fontRef idx="minor">
+            <a:schemeClr val="lt1"/>
+          </a:fontRef>
+        </p:style>
+        <p:txBody>
+          <a:bodyPr rtlCol="0" anchor="ctr"/>
+          <a:lstStyle/>
+          <a:p>
+            <a:pPr algn="ctr"/>
+            <a:endParaRPr lang="hu-HU">
+              <a:solidFill>
+                <a:schemeClr val="tx1"/>
+              </a:solidFill>
+            </a:endParaRPr>
+          </a:p>
+        </p:txBody>
+      </p:sp>
+      <p:sp>
+        <p:nvSpPr>
+          <p:cNvPr id="12" name="Fél keret 11">
+            <a:extLst>
+              <a:ext uri="{FF2B5EF4-FFF2-40B4-BE49-F238E27FC236}">
+                <a16:creationId xmlns:a16="http://schemas.microsoft.com/office/drawing/2014/main" id="{8003D748-71D8-D74A-8B61-C12F0FD1FECF}"/>
+              </a:ext>
+            </a:extLst>
+          </p:cNvPr>
+          <p:cNvSpPr/>
+          <p:nvPr/>
+        </p:nvSpPr>
+        <p:spPr>
+          <a:xfrm rot="13500000">
+            <a:off x="5595096" y="8734012"/>
+            <a:ext cx="156014" cy="156014"/>
+          </a:xfrm>
+          <a:prstGeom prst="halfFrame">
+            <a:avLst>
+              <a:gd name="adj1" fmla="val 24344"/>
+              <a:gd name="adj2" fmla="val 25468"/>
+            </a:avLst>
+          </a:prstGeom>
+          <a:solidFill>
+            <a:srgbClr val="BFC8CB"/>
+          </a:solidFill>
+          <a:ln>
+            <a:noFill/>
+          </a:ln>
+        </p:spPr>
+        <p:style>
+          <a:lnRef idx="2">
+            <a:schemeClr val="accent1">
+              <a:shade val="15000"/>
+            </a:schemeClr>
+          </a:lnRef>
+          <a:fillRef idx="1">
+            <a:schemeClr val="accent1"/>
+          </a:fillRef>
+          <a:effectRef idx="0">
+            <a:schemeClr val="accent1"/>
+          </a:effectRef>
+          <a:fontRef idx="minor">
+            <a:schemeClr val="lt1"/>
+          </a:fontRef>
+        </p:style>
+        <p:txBody>
+          <a:bodyPr rtlCol="0" anchor="ctr"/>
+          <a:lstStyle/>
+          <a:p>
+            <a:pPr algn="ctr"/>
+            <a:endParaRPr lang="hu-HU">
+              <a:solidFill>
+                <a:schemeClr val="tx1"/>
+              </a:solidFill>
+            </a:endParaRPr>
+          </a:p>
+        </p:txBody>
+      </p:sp>
+      <p:sp>
+        <p:nvSpPr>
+          <p:cNvPr id="14" name="Szövegdoboz 13">
+            <a:extLst>
+              <a:ext uri="{FF2B5EF4-FFF2-40B4-BE49-F238E27FC236}">
+                <a16:creationId xmlns:a16="http://schemas.microsoft.com/office/drawing/2014/main" id="{1AF62E48-A72C-B31E-4BA7-1CF87D10E032}"/>
+              </a:ext>
+            </a:extLst>
+          </p:cNvPr>
+          <p:cNvSpPr txBox="1"/>
+          <p:nvPr/>
+        </p:nvSpPr>
+        <p:spPr>
+          <a:xfrm>
+            <a:off x="4767172" y="6095283"/>
+            <a:ext cx="736600" cy="369332"/>
+          </a:xfrm>
+          <a:prstGeom prst="rect">
+            <a:avLst/>
+          </a:prstGeom>
+          <a:noFill/>
+        </p:spPr>
+        <p:txBody>
+          <a:bodyPr wrap="square" rtlCol="0">
+            <a:spAutoFit/>
+          </a:bodyPr>
+          <a:lstStyle/>
+          <a:p>
+            <a:r>
+              <a:rPr lang="en-GB" b="1" cap="small" dirty="0" err="1">
+                <a:solidFill>
+                  <a:schemeClr val="bg2"/>
+                </a:solidFill>
+              </a:rPr>
+              <a:t>kotta</a:t>
+            </a:r>
+            <a:endParaRPr lang="hu-HU" b="1" cap="small" dirty="0">
+              <a:solidFill>
+                <a:schemeClr val="bg2"/>
+              </a:solidFill>
+            </a:endParaRPr>
+          </a:p>
+        </p:txBody>
+      </p:sp>
+      <p:sp>
+        <p:nvSpPr>
+          <p:cNvPr id="17" name="Téglalap: lekerekített 16">
+            <a:extLst>
+              <a:ext uri="{FF2B5EF4-FFF2-40B4-BE49-F238E27FC236}">
+                <a16:creationId xmlns:a16="http://schemas.microsoft.com/office/drawing/2014/main" id="{BA903525-30FE-4EE5-2826-D4425E452BD7}"/>
+              </a:ext>
+            </a:extLst>
+          </p:cNvPr>
+          <p:cNvSpPr/>
+          <p:nvPr/>
+        </p:nvSpPr>
+        <p:spPr>
+          <a:xfrm>
+            <a:off x="4767172" y="6858161"/>
+            <a:ext cx="1740308" cy="370613"/>
+          </a:xfrm>
+          <a:prstGeom prst="roundRect">
+            <a:avLst/>
+          </a:prstGeom>
+          <a:noFill/>
+          <a:ln>
+            <a:noFill/>
+          </a:ln>
+          <a:effectLst>
+            <a:outerShdw blurRad="63500" algn="ctr" rotWithShape="0">
+              <a:prstClr val="black">
+                <a:alpha val="27000"/>
+              </a:prstClr>
+            </a:outerShdw>
+          </a:effectLst>
+        </p:spPr>
+        <p:style>
+          <a:lnRef idx="2">
+            <a:schemeClr val="accent1">
+              <a:shade val="15000"/>
+            </a:schemeClr>
+          </a:lnRef>
+          <a:fillRef idx="1">
+            <a:schemeClr val="accent1"/>
+          </a:fillRef>
+          <a:effectRef idx="0">
+            <a:schemeClr val="accent1"/>
+          </a:effectRef>
+          <a:fontRef idx="minor">
+            <a:schemeClr val="lt1"/>
+          </a:fontRef>
+        </p:style>
+        <p:txBody>
+          <a:bodyPr rtlCol="0" anchor="ctr"/>
+          <a:lstStyle/>
+          <a:p>
+            <a:r>
+              <a:rPr lang="en-GB" dirty="0">
+                <a:solidFill>
+                  <a:srgbClr val="BFC8CB"/>
+                </a:solidFill>
+              </a:rPr>
+              <a:t>F-</a:t>
+            </a:r>
+            <a:r>
+              <a:rPr lang="en-GB" dirty="0" err="1">
+                <a:solidFill>
+                  <a:srgbClr val="BFC8CB"/>
+                </a:solidFill>
+              </a:rPr>
+              <a:t>dúr</a:t>
+            </a:r>
+            <a:endParaRPr lang="en-GB" dirty="0">
+              <a:solidFill>
+                <a:srgbClr val="BFC8CB"/>
+              </a:solidFill>
+            </a:endParaRPr>
+          </a:p>
+        </p:txBody>
+      </p:sp>
+      <p:cxnSp>
+        <p:nvCxnSpPr>
+          <p:cNvPr id="19" name="Egyenes összekötő 18">
+            <a:extLst>
+              <a:ext uri="{FF2B5EF4-FFF2-40B4-BE49-F238E27FC236}">
+                <a16:creationId xmlns:a16="http://schemas.microsoft.com/office/drawing/2014/main" id="{08BD1BF9-2357-C263-21B3-B65CBDBD5927}"/>
+              </a:ext>
+            </a:extLst>
+          </p:cNvPr>
+          <p:cNvCxnSpPr/>
+          <p:nvPr/>
+        </p:nvCxnSpPr>
+        <p:spPr>
+          <a:xfrm>
+            <a:off x="5088051" y="7334565"/>
+            <a:ext cx="1098550" cy="0"/>
+          </a:xfrm>
+          <a:prstGeom prst="line">
+            <a:avLst/>
+          </a:prstGeom>
+          <a:ln>
+            <a:solidFill>
+              <a:schemeClr val="tx1">
+                <a:lumMod val="50000"/>
+                <a:lumOff val="50000"/>
+              </a:schemeClr>
+            </a:solidFill>
+          </a:ln>
+        </p:spPr>
+        <p:style>
+          <a:lnRef idx="2">
+            <a:schemeClr val="accent1"/>
+          </a:lnRef>
+          <a:fillRef idx="0">
+            <a:schemeClr val="accent1"/>
+          </a:fillRef>
+          <a:effectRef idx="1">
+            <a:schemeClr val="accent1"/>
+          </a:effectRef>
+          <a:fontRef idx="minor">
+            <a:schemeClr val="tx1"/>
+          </a:fontRef>
+        </p:style>
+      </p:cxnSp>
+      <p:sp>
+        <p:nvSpPr>
+          <p:cNvPr id="20" name="Szövegdoboz 19">
+            <a:extLst>
+              <a:ext uri="{FF2B5EF4-FFF2-40B4-BE49-F238E27FC236}">
+                <a16:creationId xmlns:a16="http://schemas.microsoft.com/office/drawing/2014/main" id="{D5C7C7BC-8A27-9A5E-1844-F59B36B27931}"/>
+              </a:ext>
+            </a:extLst>
+          </p:cNvPr>
+          <p:cNvSpPr txBox="1"/>
+          <p:nvPr/>
+        </p:nvSpPr>
+        <p:spPr>
+          <a:xfrm>
+            <a:off x="4767172" y="7402581"/>
+            <a:ext cx="1002764" cy="369332"/>
+          </a:xfrm>
+          <a:prstGeom prst="rect">
+            <a:avLst/>
+          </a:prstGeom>
+          <a:noFill/>
+        </p:spPr>
+        <p:txBody>
+          <a:bodyPr wrap="square" rtlCol="0">
+            <a:spAutoFit/>
+          </a:bodyPr>
+          <a:lstStyle/>
+          <a:p>
+            <a:r>
+              <a:rPr lang="en-GB" b="1" cap="small" dirty="0" err="1">
+                <a:solidFill>
+                  <a:schemeClr val="bg2"/>
+                </a:solidFill>
+              </a:rPr>
+              <a:t>akkord</a:t>
+            </a:r>
+            <a:endParaRPr lang="hu-HU" b="1" cap="small" dirty="0">
+              <a:solidFill>
+                <a:schemeClr val="bg2"/>
+              </a:solidFill>
+            </a:endParaRPr>
+          </a:p>
+        </p:txBody>
+      </p:sp>
+      <p:pic>
+        <p:nvPicPr>
+          <p:cNvPr id="22" name="Ábra 21" descr="Hivatkozás egyszínű kitöltéssel">
+            <a:extLst>
+              <a:ext uri="{FF2B5EF4-FFF2-40B4-BE49-F238E27FC236}">
+                <a16:creationId xmlns:a16="http://schemas.microsoft.com/office/drawing/2014/main" id="{CD6AAAB7-B8FD-5CCB-AF33-9C2CF6B558EA}"/>
+              </a:ext>
+            </a:extLst>
+          </p:cNvPr>
+          <p:cNvPicPr>
+            <a:picLocks noChangeAspect="1"/>
+          </p:cNvPicPr>
+          <p:nvPr/>
+        </p:nvPicPr>
+        <p:blipFill>
+          <a:blip r:embed="rId2">
+            <a:extLst>
+              <a:ext uri="{96DAC541-7B7A-43D3-8B79-37D633B846F1}">
+                <asvg:svgBlip xmlns:asvg="http://schemas.microsoft.com/office/drawing/2016/SVG/main" r:embed="rId3"/>
+              </a:ext>
+            </a:extLst>
+          </a:blip>
+          <a:stretch>
+            <a:fillRect/>
+          </a:stretch>
+        </p:blipFill>
+        <p:spPr>
+          <a:xfrm>
+            <a:off x="6186601" y="6910117"/>
+            <a:ext cx="266700" cy="266700"/>
+          </a:xfrm>
+          <a:prstGeom prst="rect">
+            <a:avLst/>
+          </a:prstGeom>
+        </p:spPr>
+      </p:pic>
+      <p:sp>
+        <p:nvSpPr>
+          <p:cNvPr id="23" name="Szövegdoboz 22">
+            <a:extLst>
+              <a:ext uri="{FF2B5EF4-FFF2-40B4-BE49-F238E27FC236}">
+                <a16:creationId xmlns:a16="http://schemas.microsoft.com/office/drawing/2014/main" id="{FE99F49B-D00F-D3B3-61C8-8E218093BBD5}"/>
+              </a:ext>
+            </a:extLst>
+          </p:cNvPr>
+          <p:cNvSpPr txBox="1"/>
+          <p:nvPr/>
+        </p:nvSpPr>
+        <p:spPr>
+          <a:xfrm>
+            <a:off x="5308021" y="7785971"/>
+            <a:ext cx="632801" cy="307777"/>
+          </a:xfrm>
+          <a:prstGeom prst="rect">
+            <a:avLst/>
+          </a:prstGeom>
+          <a:noFill/>
+        </p:spPr>
+        <p:txBody>
+          <a:bodyPr wrap="none" rtlCol="0">
+            <a:spAutoFit/>
+          </a:bodyPr>
+          <a:lstStyle/>
+          <a:p>
+            <a:pPr algn="ctr"/>
+            <a:r>
+              <a:rPr lang="en-GB" sz="1400" dirty="0">
+                <a:solidFill>
+                  <a:srgbClr val="BFC8CB"/>
+                </a:solidFill>
+              </a:rPr>
+              <a:t>C-</a:t>
+            </a:r>
+            <a:r>
+              <a:rPr lang="en-GB" sz="1400" dirty="0" err="1">
+                <a:solidFill>
+                  <a:srgbClr val="BFC8CB"/>
+                </a:solidFill>
+              </a:rPr>
+              <a:t>dúr</a:t>
+            </a:r>
+            <a:endParaRPr lang="hu-HU" sz="1400" dirty="0">
+              <a:solidFill>
+                <a:srgbClr val="BFC8CB"/>
+              </a:solidFill>
+            </a:endParaRPr>
+          </a:p>
+        </p:txBody>
+      </p:sp>
+      <p:sp>
+        <p:nvSpPr>
+          <p:cNvPr id="27" name="Téglalap: lekerekített 26">
+            <a:extLst>
+              <a:ext uri="{FF2B5EF4-FFF2-40B4-BE49-F238E27FC236}">
+                <a16:creationId xmlns:a16="http://schemas.microsoft.com/office/drawing/2014/main" id="{6EE5D36D-FB11-6961-9191-5F482F303EE3}"/>
+              </a:ext>
+            </a:extLst>
+          </p:cNvPr>
+          <p:cNvSpPr/>
+          <p:nvPr/>
+        </p:nvSpPr>
+        <p:spPr>
+          <a:xfrm>
+            <a:off x="4836868" y="7795901"/>
+            <a:ext cx="426702" cy="422536"/>
+          </a:xfrm>
+          <a:prstGeom prst="roundRect">
+            <a:avLst>
+              <a:gd name="adj" fmla="val 50000"/>
+            </a:avLst>
+          </a:prstGeom>
+          <a:solidFill>
+            <a:srgbClr val="343B3C"/>
+          </a:solidFill>
+          <a:ln>
+            <a:noFill/>
+          </a:ln>
+          <a:effectLst>
+            <a:outerShdw blurRad="63500" algn="ctr" rotWithShape="0">
+              <a:prstClr val="black">
+                <a:alpha val="27000"/>
+              </a:prstClr>
+            </a:outerShdw>
+          </a:effectLst>
+        </p:spPr>
+        <p:style>
+          <a:lnRef idx="2">
+            <a:schemeClr val="accent1">
+              <a:shade val="15000"/>
+            </a:schemeClr>
+          </a:lnRef>
+          <a:fillRef idx="1">
+            <a:schemeClr val="accent1"/>
+          </a:fillRef>
+          <a:effectRef idx="0">
+            <a:schemeClr val="accent1"/>
+          </a:effectRef>
+          <a:fontRef idx="minor">
+            <a:schemeClr val="lt1"/>
+          </a:fontRef>
+        </p:style>
+        <p:txBody>
+          <a:bodyPr rtlCol="0" anchor="ctr"/>
+          <a:lstStyle/>
+          <a:p>
+            <a:endParaRPr lang="en-GB" dirty="0">
+              <a:solidFill>
+                <a:srgbClr val="BFC8CB"/>
+              </a:solidFill>
+            </a:endParaRPr>
+          </a:p>
+        </p:txBody>
+      </p:sp>
+      <p:sp>
+        <p:nvSpPr>
+          <p:cNvPr id="26" name="Szövegdoboz 25">
+            <a:extLst>
+              <a:ext uri="{FF2B5EF4-FFF2-40B4-BE49-F238E27FC236}">
+                <a16:creationId xmlns:a16="http://schemas.microsoft.com/office/drawing/2014/main" id="{B9D25927-E9C2-A7B6-0A37-92CA7228BA12}"/>
+              </a:ext>
+            </a:extLst>
+          </p:cNvPr>
+          <p:cNvSpPr txBox="1"/>
+          <p:nvPr/>
+        </p:nvSpPr>
+        <p:spPr>
+          <a:xfrm>
+            <a:off x="5483998" y="7979839"/>
+            <a:ext cx="280846" cy="307777"/>
+          </a:xfrm>
+          <a:prstGeom prst="rect">
+            <a:avLst/>
+          </a:prstGeom>
+          <a:noFill/>
+        </p:spPr>
+        <p:txBody>
+          <a:bodyPr wrap="none" rtlCol="0">
+            <a:spAutoFit/>
+          </a:bodyPr>
+          <a:lstStyle/>
+          <a:p>
+            <a:pPr algn="ctr"/>
+            <a:r>
+              <a:rPr lang="en-GB" sz="1400" b="1" dirty="0">
+                <a:solidFill>
+                  <a:srgbClr val="BFC8CB"/>
+                </a:solidFill>
+              </a:rPr>
+              <a:t>0</a:t>
+            </a:r>
+            <a:endParaRPr lang="hu-HU" sz="1400" b="1" dirty="0">
+              <a:solidFill>
+                <a:srgbClr val="BFC8CB"/>
+              </a:solidFill>
+            </a:endParaRPr>
+          </a:p>
+        </p:txBody>
+      </p:sp>
+      <p:sp>
+        <p:nvSpPr>
+          <p:cNvPr id="25" name="Fél keret 24">
+            <a:extLst>
+              <a:ext uri="{FF2B5EF4-FFF2-40B4-BE49-F238E27FC236}">
+                <a16:creationId xmlns:a16="http://schemas.microsoft.com/office/drawing/2014/main" id="{995F7011-6E99-4FBF-6DCE-4415F824462E}"/>
+              </a:ext>
+            </a:extLst>
+          </p:cNvPr>
+          <p:cNvSpPr/>
+          <p:nvPr/>
+        </p:nvSpPr>
+        <p:spPr>
+          <a:xfrm rot="13500000">
+            <a:off x="4978561" y="7913038"/>
+            <a:ext cx="156014" cy="156014"/>
+          </a:xfrm>
+          <a:prstGeom prst="halfFrame">
+            <a:avLst>
+              <a:gd name="adj1" fmla="val 24344"/>
+              <a:gd name="adj2" fmla="val 25468"/>
+            </a:avLst>
+          </a:prstGeom>
+          <a:solidFill>
+            <a:srgbClr val="BFC8CB"/>
+          </a:solidFill>
+          <a:ln>
+            <a:noFill/>
+          </a:ln>
+        </p:spPr>
+        <p:style>
+          <a:lnRef idx="2">
+            <a:schemeClr val="accent1">
+              <a:shade val="15000"/>
+            </a:schemeClr>
+          </a:lnRef>
+          <a:fillRef idx="1">
+            <a:schemeClr val="accent1"/>
+          </a:fillRef>
+          <a:effectRef idx="0">
+            <a:schemeClr val="accent1"/>
+          </a:effectRef>
+          <a:fontRef idx="minor">
+            <a:schemeClr val="lt1"/>
+          </a:fontRef>
+        </p:style>
+        <p:txBody>
+          <a:bodyPr rtlCol="0" anchor="ctr"/>
+          <a:lstStyle/>
+          <a:p>
+            <a:pPr algn="ctr"/>
+            <a:endParaRPr lang="hu-HU">
+              <a:solidFill>
+                <a:schemeClr val="tx1"/>
+              </a:solidFill>
+            </a:endParaRPr>
+          </a:p>
+        </p:txBody>
+      </p:sp>
+      <p:sp>
+        <p:nvSpPr>
+          <p:cNvPr id="28" name="Téglalap: lekerekített 27">
+            <a:extLst>
+              <a:ext uri="{FF2B5EF4-FFF2-40B4-BE49-F238E27FC236}">
+                <a16:creationId xmlns:a16="http://schemas.microsoft.com/office/drawing/2014/main" id="{8E7FFE2E-7F20-F49B-0A4C-6B5AE9CEE413}"/>
+              </a:ext>
+            </a:extLst>
+          </p:cNvPr>
+          <p:cNvSpPr/>
+          <p:nvPr/>
+        </p:nvSpPr>
+        <p:spPr>
+          <a:xfrm>
+            <a:off x="5983963" y="7798291"/>
+            <a:ext cx="426702" cy="422536"/>
+          </a:xfrm>
+          <a:prstGeom prst="roundRect">
+            <a:avLst>
+              <a:gd name="adj" fmla="val 50000"/>
+            </a:avLst>
+          </a:prstGeom>
+          <a:solidFill>
+            <a:srgbClr val="343B3C"/>
+          </a:solidFill>
+          <a:ln>
+            <a:noFill/>
+          </a:ln>
+          <a:effectLst>
+            <a:outerShdw blurRad="63500" algn="ctr" rotWithShape="0">
+              <a:prstClr val="black">
+                <a:alpha val="27000"/>
+              </a:prstClr>
+            </a:outerShdw>
+          </a:effectLst>
+        </p:spPr>
+        <p:style>
+          <a:lnRef idx="2">
+            <a:schemeClr val="accent1">
+              <a:shade val="15000"/>
+            </a:schemeClr>
+          </a:lnRef>
+          <a:fillRef idx="1">
+            <a:schemeClr val="accent1"/>
+          </a:fillRef>
+          <a:effectRef idx="0">
+            <a:schemeClr val="accent1"/>
+          </a:effectRef>
+          <a:fontRef idx="minor">
+            <a:schemeClr val="lt1"/>
+          </a:fontRef>
+        </p:style>
+        <p:txBody>
+          <a:bodyPr rtlCol="0" anchor="ctr"/>
+          <a:lstStyle/>
+          <a:p>
+            <a:endParaRPr lang="en-GB" dirty="0">
+              <a:solidFill>
+                <a:srgbClr val="BFC8CB"/>
+              </a:solidFill>
+            </a:endParaRPr>
+          </a:p>
+        </p:txBody>
+      </p:sp>
+      <p:sp>
+        <p:nvSpPr>
+          <p:cNvPr id="24" name="Fél keret 23">
+            <a:extLst>
+              <a:ext uri="{FF2B5EF4-FFF2-40B4-BE49-F238E27FC236}">
+                <a16:creationId xmlns:a16="http://schemas.microsoft.com/office/drawing/2014/main" id="{F92C637B-A491-27D3-BD43-FF5289880E9D}"/>
+              </a:ext>
+            </a:extLst>
+          </p:cNvPr>
+          <p:cNvSpPr/>
+          <p:nvPr/>
+        </p:nvSpPr>
+        <p:spPr>
+          <a:xfrm rot="2700000">
+            <a:off x="6117456" y="7975782"/>
+            <a:ext cx="156014" cy="156014"/>
+          </a:xfrm>
+          <a:prstGeom prst="halfFrame">
+            <a:avLst>
+              <a:gd name="adj1" fmla="val 24344"/>
+              <a:gd name="adj2" fmla="val 25468"/>
+            </a:avLst>
+          </a:prstGeom>
+          <a:solidFill>
+            <a:srgbClr val="BFC8CB"/>
+          </a:solidFill>
+          <a:ln>
+            <a:noFill/>
+          </a:ln>
+        </p:spPr>
+        <p:style>
+          <a:lnRef idx="2">
+            <a:schemeClr val="accent1">
+              <a:shade val="15000"/>
+            </a:schemeClr>
+          </a:lnRef>
+          <a:fillRef idx="1">
+            <a:schemeClr val="accent1"/>
+          </a:fillRef>
+          <a:effectRef idx="0">
+            <a:schemeClr val="accent1"/>
+          </a:effectRef>
+          <a:fontRef idx="minor">
+            <a:schemeClr val="lt1"/>
+          </a:fontRef>
+        </p:style>
+        <p:txBody>
+          <a:bodyPr rtlCol="0" anchor="ctr"/>
+          <a:lstStyle/>
+          <a:p>
+            <a:pPr algn="ctr"/>
+            <a:endParaRPr lang="hu-HU">
+              <a:solidFill>
+                <a:schemeClr val="tx1"/>
+              </a:solidFill>
+            </a:endParaRPr>
+          </a:p>
+        </p:txBody>
+      </p:sp>
+      <p:sp>
+        <p:nvSpPr>
+          <p:cNvPr id="29" name="Szövegdoboz 28">
+            <a:extLst>
+              <a:ext uri="{FF2B5EF4-FFF2-40B4-BE49-F238E27FC236}">
+                <a16:creationId xmlns:a16="http://schemas.microsoft.com/office/drawing/2014/main" id="{561674F9-0C72-5C93-F85F-1A18FDE678F4}"/>
+              </a:ext>
+            </a:extLst>
+          </p:cNvPr>
+          <p:cNvSpPr txBox="1"/>
+          <p:nvPr/>
+        </p:nvSpPr>
+        <p:spPr>
+          <a:xfrm>
+            <a:off x="2083024" y="8566428"/>
+            <a:ext cx="870110" cy="369332"/>
+          </a:xfrm>
+          <a:prstGeom prst="rect">
+            <a:avLst/>
+          </a:prstGeom>
+          <a:noFill/>
+        </p:spPr>
+        <p:txBody>
+          <a:bodyPr wrap="none" rtlCol="0">
+            <a:spAutoFit/>
+          </a:bodyPr>
+          <a:lstStyle/>
+          <a:p>
+            <a:r>
+              <a:rPr lang="en-GB" dirty="0" err="1">
+                <a:solidFill>
+                  <a:schemeClr val="bg1"/>
+                </a:solidFill>
+              </a:rPr>
+              <a:t>Akkord</a:t>
+            </a:r>
+            <a:endParaRPr lang="hu-HU" dirty="0">
+              <a:solidFill>
+                <a:schemeClr val="bg1"/>
+              </a:solidFill>
+            </a:endParaRPr>
+          </a:p>
+        </p:txBody>
+      </p:sp>
+    </p:spTree>
+    <p:extLst>
+      <p:ext uri="{BB962C8B-B14F-4D97-AF65-F5344CB8AC3E}">
+        <p14:creationId xmlns:p14="http://schemas.microsoft.com/office/powerpoint/2010/main" val="2571263775"/>
+      </p:ext>
+    </p:extLst>
+  </p:cSld>
+  <p:clrMapOvr>
+    <a:masterClrMapping/>
+  </p:clrMapOvr>
+</p:sld>
+</file>
+
+<file path=ppt/slides/slide19.xml><?xml version="1.0" encoding="utf-8"?>
+<p:sld xmlns:a="http://schemas.openxmlformats.org/drawingml/2006/main" xmlns:r="http://schemas.openxmlformats.org/officeDocument/2006/relationships" xmlns:p="http://schemas.openxmlformats.org/presentationml/2006/main">
+  <p:cSld>
+    <p:spTree>
+      <p:nvGrpSpPr>
+        <p:cNvPr id="1" name="">
+          <a:extLst>
+            <a:ext uri="{FF2B5EF4-FFF2-40B4-BE49-F238E27FC236}">
+              <a16:creationId xmlns:a16="http://schemas.microsoft.com/office/drawing/2014/main" id="{746C45D0-FD22-B231-8E8B-D6ACB78372F3}"/>
+            </a:ext>
+          </a:extLst>
+        </p:cNvPr>
+        <p:cNvGrpSpPr/>
+        <p:nvPr/>
+      </p:nvGrpSpPr>
+      <p:grpSpPr>
+        <a:xfrm>
+          <a:off x="0" y="0"/>
+          <a:ext cx="0" cy="0"/>
+          <a:chOff x="0" y="0"/>
+          <a:chExt cx="0" cy="0"/>
+        </a:xfrm>
+      </p:grpSpPr>
+      <p:sp>
+        <p:nvSpPr>
+          <p:cNvPr id="13" name="Téglalap: lekerekített 12">
+            <a:extLst>
+              <a:ext uri="{FF2B5EF4-FFF2-40B4-BE49-F238E27FC236}">
+                <a16:creationId xmlns:a16="http://schemas.microsoft.com/office/drawing/2014/main" id="{8C942283-5C26-FD4E-7285-D36E07EE1C06}"/>
+              </a:ext>
+            </a:extLst>
+          </p:cNvPr>
+          <p:cNvSpPr/>
+          <p:nvPr/>
+        </p:nvSpPr>
+        <p:spPr>
+          <a:xfrm>
+            <a:off x="4667250" y="6362699"/>
+            <a:ext cx="1963115" cy="1995489"/>
+          </a:xfrm>
+          <a:prstGeom prst="roundRect">
+            <a:avLst>
+              <a:gd name="adj" fmla="val 8956"/>
+            </a:avLst>
+          </a:prstGeom>
+          <a:solidFill>
+            <a:srgbClr val="263032"/>
+          </a:solidFill>
+          <a:ln>
+            <a:noFill/>
+          </a:ln>
+        </p:spPr>
+        <p:style>
+          <a:lnRef idx="2">
+            <a:schemeClr val="accent1">
+              <a:shade val="15000"/>
+            </a:schemeClr>
+          </a:lnRef>
+          <a:fillRef idx="1">
+            <a:schemeClr val="accent1"/>
+          </a:fillRef>
+          <a:effectRef idx="0">
+            <a:schemeClr val="accent1"/>
+          </a:effectRef>
+          <a:fontRef idx="minor">
+            <a:schemeClr val="lt1"/>
+          </a:fontRef>
+        </p:style>
+        <p:txBody>
+          <a:bodyPr rtlCol="0" anchor="ctr"/>
+          <a:lstStyle/>
+          <a:p>
+            <a:pPr algn="ctr"/>
+            <a:endParaRPr lang="hu-HU"/>
+          </a:p>
+        </p:txBody>
+      </p:sp>
+      <p:sp>
+        <p:nvSpPr>
+          <p:cNvPr id="4" name="Téglalap 3">
+            <a:extLst>
+              <a:ext uri="{FF2B5EF4-FFF2-40B4-BE49-F238E27FC236}">
+                <a16:creationId xmlns:a16="http://schemas.microsoft.com/office/drawing/2014/main" id="{A7DB104F-770E-9C0D-E8C0-3AEA12580A81}"/>
+              </a:ext>
+            </a:extLst>
+          </p:cNvPr>
+          <p:cNvSpPr/>
+          <p:nvPr/>
+        </p:nvSpPr>
+        <p:spPr>
+          <a:xfrm>
+            <a:off x="0" y="8358188"/>
+            <a:ext cx="6858000" cy="785812"/>
+          </a:xfrm>
+          <a:prstGeom prst="rect">
+            <a:avLst/>
+          </a:prstGeom>
+          <a:solidFill>
+            <a:srgbClr val="263032"/>
+          </a:solidFill>
+          <a:ln>
+            <a:noFill/>
+          </a:ln>
+        </p:spPr>
+        <p:style>
+          <a:lnRef idx="2">
+            <a:schemeClr val="accent1">
+              <a:shade val="15000"/>
+            </a:schemeClr>
+          </a:lnRef>
+          <a:fillRef idx="1">
+            <a:schemeClr val="accent1"/>
+          </a:fillRef>
+          <a:effectRef idx="0">
+            <a:schemeClr val="accent1"/>
+          </a:effectRef>
+          <a:fontRef idx="minor">
+            <a:schemeClr val="lt1"/>
+          </a:fontRef>
+        </p:style>
+        <p:txBody>
+          <a:bodyPr rtlCol="0" anchor="ctr"/>
+          <a:lstStyle/>
+          <a:p>
+            <a:pPr algn="ctr"/>
+            <a:endParaRPr lang="hu-HU"/>
+          </a:p>
+        </p:txBody>
+      </p:sp>
+      <p:sp>
+        <p:nvSpPr>
+          <p:cNvPr id="5" name="Szövegdoboz 4">
+            <a:extLst>
+              <a:ext uri="{FF2B5EF4-FFF2-40B4-BE49-F238E27FC236}">
+                <a16:creationId xmlns:a16="http://schemas.microsoft.com/office/drawing/2014/main" id="{5F709A1D-D12B-F7DE-622D-B481F9F7B263}"/>
+              </a:ext>
+            </a:extLst>
+          </p:cNvPr>
+          <p:cNvSpPr txBox="1"/>
+          <p:nvPr/>
+        </p:nvSpPr>
+        <p:spPr>
+          <a:xfrm>
+            <a:off x="353140" y="8566428"/>
+            <a:ext cx="711670" cy="369332"/>
+          </a:xfrm>
+          <a:prstGeom prst="rect">
+            <a:avLst/>
+          </a:prstGeom>
+          <a:noFill/>
+        </p:spPr>
+        <p:txBody>
+          <a:bodyPr wrap="none" rtlCol="0">
+            <a:spAutoFit/>
+          </a:bodyPr>
+          <a:lstStyle/>
+          <a:p>
+            <a:r>
+              <a:rPr lang="en-GB" dirty="0">
+                <a:solidFill>
+                  <a:schemeClr val="bg1"/>
+                </a:solidFill>
+              </a:rPr>
+              <a:t>Kotta</a:t>
+            </a:r>
+            <a:endParaRPr lang="hu-HU" dirty="0">
+              <a:solidFill>
+                <a:schemeClr val="bg1"/>
+              </a:solidFill>
+            </a:endParaRPr>
+          </a:p>
+        </p:txBody>
+      </p:sp>
+      <p:sp>
+        <p:nvSpPr>
+          <p:cNvPr id="6" name="Szövegdoboz 5">
+            <a:extLst>
+              <a:ext uri="{FF2B5EF4-FFF2-40B4-BE49-F238E27FC236}">
+                <a16:creationId xmlns:a16="http://schemas.microsoft.com/office/drawing/2014/main" id="{2F2550BD-6C59-4E7F-8B6A-78AD2EC9DA8B}"/>
+              </a:ext>
+            </a:extLst>
+          </p:cNvPr>
+          <p:cNvSpPr txBox="1"/>
+          <p:nvPr/>
+        </p:nvSpPr>
+        <p:spPr>
+          <a:xfrm>
+            <a:off x="1345480" y="8566428"/>
+            <a:ext cx="598241" cy="369332"/>
+          </a:xfrm>
+          <a:prstGeom prst="rect">
+            <a:avLst/>
+          </a:prstGeom>
+          <a:noFill/>
+        </p:spPr>
+        <p:txBody>
+          <a:bodyPr wrap="none" rtlCol="0">
+            <a:spAutoFit/>
+          </a:bodyPr>
+          <a:lstStyle/>
+          <a:p>
+            <a:r>
+              <a:rPr lang="en-GB" dirty="0">
+                <a:solidFill>
+                  <a:schemeClr val="bg1"/>
+                </a:solidFill>
+              </a:rPr>
+              <a:t>PDF</a:t>
+            </a:r>
+            <a:endParaRPr lang="hu-HU" dirty="0">
+              <a:solidFill>
+                <a:schemeClr val="bg1"/>
+              </a:solidFill>
+            </a:endParaRPr>
+          </a:p>
+        </p:txBody>
+      </p:sp>
+      <p:sp>
+        <p:nvSpPr>
+          <p:cNvPr id="10" name="Szövegdoboz 9">
+            <a:extLst>
+              <a:ext uri="{FF2B5EF4-FFF2-40B4-BE49-F238E27FC236}">
+                <a16:creationId xmlns:a16="http://schemas.microsoft.com/office/drawing/2014/main" id="{5827FCDF-A8C3-7882-B27F-FCFA90145721}"/>
+              </a:ext>
+            </a:extLst>
+          </p:cNvPr>
+          <p:cNvSpPr txBox="1"/>
+          <p:nvPr/>
+        </p:nvSpPr>
+        <p:spPr>
+          <a:xfrm>
+            <a:off x="5522026" y="8566428"/>
+            <a:ext cx="780984" cy="369332"/>
+          </a:xfrm>
+          <a:prstGeom prst="rect">
+            <a:avLst/>
+          </a:prstGeom>
+          <a:noFill/>
+        </p:spPr>
+        <p:txBody>
+          <a:bodyPr wrap="none" rtlCol="0">
+            <a:spAutoFit/>
+          </a:bodyPr>
+          <a:lstStyle/>
+          <a:p>
+            <a:pPr algn="r"/>
+            <a:r>
+              <a:rPr lang="en-GB" b="1" dirty="0">
+                <a:solidFill>
+                  <a:srgbClr val="BFC8CB"/>
+                </a:solidFill>
+              </a:rPr>
+              <a:t>D-</a:t>
+            </a:r>
+            <a:r>
+              <a:rPr lang="en-GB" b="1" dirty="0" err="1">
+                <a:solidFill>
+                  <a:srgbClr val="BFC8CB"/>
+                </a:solidFill>
+              </a:rPr>
+              <a:t>dúr</a:t>
+            </a:r>
+            <a:endParaRPr lang="hu-HU" b="1" dirty="0">
+              <a:solidFill>
+                <a:srgbClr val="BFC8CB"/>
+              </a:solidFill>
+            </a:endParaRPr>
+          </a:p>
+        </p:txBody>
+      </p:sp>
+      <p:sp>
+        <p:nvSpPr>
+          <p:cNvPr id="11" name="Fél keret 10">
+            <a:extLst>
+              <a:ext uri="{FF2B5EF4-FFF2-40B4-BE49-F238E27FC236}">
+                <a16:creationId xmlns:a16="http://schemas.microsoft.com/office/drawing/2014/main" id="{71AE04DA-A8EB-595E-95C7-9B5DC478114B}"/>
+              </a:ext>
+            </a:extLst>
+          </p:cNvPr>
+          <p:cNvSpPr/>
+          <p:nvPr/>
+        </p:nvSpPr>
+        <p:spPr>
+          <a:xfrm rot="2700000">
+            <a:off x="5320777" y="8629892"/>
+            <a:ext cx="156014" cy="156014"/>
+          </a:xfrm>
+          <a:prstGeom prst="halfFrame">
+            <a:avLst>
+              <a:gd name="adj1" fmla="val 24344"/>
+              <a:gd name="adj2" fmla="val 25468"/>
+            </a:avLst>
+          </a:prstGeom>
+          <a:solidFill>
+            <a:srgbClr val="BFC8CB"/>
+          </a:solidFill>
+          <a:ln>
+            <a:noFill/>
+          </a:ln>
+        </p:spPr>
+        <p:style>
+          <a:lnRef idx="2">
+            <a:schemeClr val="accent1">
+              <a:shade val="15000"/>
+            </a:schemeClr>
+          </a:lnRef>
+          <a:fillRef idx="1">
+            <a:schemeClr val="accent1"/>
+          </a:fillRef>
+          <a:effectRef idx="0">
+            <a:schemeClr val="accent1"/>
+          </a:effectRef>
+          <a:fontRef idx="minor">
+            <a:schemeClr val="lt1"/>
+          </a:fontRef>
+        </p:style>
+        <p:txBody>
+          <a:bodyPr rtlCol="0" anchor="ctr"/>
+          <a:lstStyle/>
+          <a:p>
+            <a:pPr algn="ctr"/>
+            <a:endParaRPr lang="hu-HU">
+              <a:solidFill>
+                <a:schemeClr val="tx1"/>
+              </a:solidFill>
+            </a:endParaRPr>
+          </a:p>
+        </p:txBody>
+      </p:sp>
+      <p:sp>
+        <p:nvSpPr>
+          <p:cNvPr id="12" name="Fél keret 11">
+            <a:extLst>
+              <a:ext uri="{FF2B5EF4-FFF2-40B4-BE49-F238E27FC236}">
+                <a16:creationId xmlns:a16="http://schemas.microsoft.com/office/drawing/2014/main" id="{F24FC9A3-FB3C-39D4-C69D-2D6C6A66D238}"/>
+              </a:ext>
+            </a:extLst>
+          </p:cNvPr>
+          <p:cNvSpPr/>
+          <p:nvPr/>
+        </p:nvSpPr>
+        <p:spPr>
+          <a:xfrm rot="13500000">
+            <a:off x="5320776" y="8734012"/>
+            <a:ext cx="156014" cy="156014"/>
+          </a:xfrm>
+          <a:prstGeom prst="halfFrame">
+            <a:avLst>
+              <a:gd name="adj1" fmla="val 24344"/>
+              <a:gd name="adj2" fmla="val 25468"/>
+            </a:avLst>
+          </a:prstGeom>
+          <a:solidFill>
+            <a:srgbClr val="BFC8CB"/>
+          </a:solidFill>
+          <a:ln>
+            <a:noFill/>
+          </a:ln>
+        </p:spPr>
+        <p:style>
+          <a:lnRef idx="2">
+            <a:schemeClr val="accent1">
+              <a:shade val="15000"/>
+            </a:schemeClr>
+          </a:lnRef>
+          <a:fillRef idx="1">
+            <a:schemeClr val="accent1"/>
+          </a:fillRef>
+          <a:effectRef idx="0">
+            <a:schemeClr val="accent1"/>
+          </a:effectRef>
+          <a:fontRef idx="minor">
+            <a:schemeClr val="lt1"/>
+          </a:fontRef>
+        </p:style>
+        <p:txBody>
+          <a:bodyPr rtlCol="0" anchor="ctr"/>
+          <a:lstStyle/>
+          <a:p>
+            <a:pPr algn="ctr"/>
+            <a:endParaRPr lang="hu-HU">
+              <a:solidFill>
+                <a:schemeClr val="tx1"/>
+              </a:solidFill>
+            </a:endParaRPr>
+          </a:p>
+        </p:txBody>
+      </p:sp>
+      <p:sp>
+        <p:nvSpPr>
+          <p:cNvPr id="20" name="Szövegdoboz 19">
+            <a:extLst>
+              <a:ext uri="{FF2B5EF4-FFF2-40B4-BE49-F238E27FC236}">
+                <a16:creationId xmlns:a16="http://schemas.microsoft.com/office/drawing/2014/main" id="{451406D6-CA2D-5949-EFDE-EEB8E9BF783C}"/>
+              </a:ext>
+            </a:extLst>
+          </p:cNvPr>
+          <p:cNvSpPr txBox="1"/>
+          <p:nvPr/>
+        </p:nvSpPr>
+        <p:spPr>
+          <a:xfrm>
+            <a:off x="4767172" y="6469131"/>
+            <a:ext cx="1716178" cy="369332"/>
+          </a:xfrm>
+          <a:prstGeom prst="rect">
+            <a:avLst/>
+          </a:prstGeom>
+          <a:noFill/>
+        </p:spPr>
+        <p:txBody>
+          <a:bodyPr wrap="square" rtlCol="0">
+            <a:spAutoFit/>
+          </a:bodyPr>
+          <a:lstStyle/>
+          <a:p>
+            <a:r>
+              <a:rPr lang="en-GB" b="1" cap="small" dirty="0" err="1">
+                <a:solidFill>
+                  <a:schemeClr val="bg2"/>
+                </a:solidFill>
+              </a:rPr>
+              <a:t>transzponálás</a:t>
+            </a:r>
+            <a:endParaRPr lang="hu-HU" b="1" cap="small" dirty="0">
+              <a:solidFill>
+                <a:schemeClr val="bg2"/>
+              </a:solidFill>
+            </a:endParaRPr>
+          </a:p>
+        </p:txBody>
+      </p:sp>
+      <p:sp>
+        <p:nvSpPr>
+          <p:cNvPr id="23" name="Szövegdoboz 22">
+            <a:extLst>
+              <a:ext uri="{FF2B5EF4-FFF2-40B4-BE49-F238E27FC236}">
+                <a16:creationId xmlns:a16="http://schemas.microsoft.com/office/drawing/2014/main" id="{47AB67EE-F2C6-1744-1692-A6421AE5572D}"/>
+              </a:ext>
+            </a:extLst>
+          </p:cNvPr>
+          <p:cNvSpPr txBox="1"/>
+          <p:nvPr/>
+        </p:nvSpPr>
+        <p:spPr>
+          <a:xfrm>
+            <a:off x="5309271" y="6852521"/>
+            <a:ext cx="630302" cy="307777"/>
+          </a:xfrm>
+          <a:prstGeom prst="rect">
+            <a:avLst/>
+          </a:prstGeom>
+          <a:noFill/>
+        </p:spPr>
+        <p:txBody>
+          <a:bodyPr wrap="none" rtlCol="0">
+            <a:spAutoFit/>
+          </a:bodyPr>
+          <a:lstStyle/>
+          <a:p>
+            <a:pPr algn="ctr"/>
+            <a:r>
+              <a:rPr lang="en-GB" sz="1400" dirty="0">
+                <a:solidFill>
+                  <a:srgbClr val="BFC8CB"/>
+                </a:solidFill>
+              </a:rPr>
+              <a:t>D-</a:t>
+            </a:r>
+            <a:r>
+              <a:rPr lang="en-GB" sz="1400" dirty="0" err="1">
+                <a:solidFill>
+                  <a:srgbClr val="BFC8CB"/>
+                </a:solidFill>
+              </a:rPr>
+              <a:t>dúr</a:t>
+            </a:r>
+            <a:endParaRPr lang="hu-HU" sz="1400" dirty="0">
+              <a:solidFill>
+                <a:srgbClr val="BFC8CB"/>
+              </a:solidFill>
+            </a:endParaRPr>
+          </a:p>
+        </p:txBody>
+      </p:sp>
+      <p:sp>
+        <p:nvSpPr>
+          <p:cNvPr id="27" name="Téglalap: lekerekített 26">
+            <a:extLst>
+              <a:ext uri="{FF2B5EF4-FFF2-40B4-BE49-F238E27FC236}">
+                <a16:creationId xmlns:a16="http://schemas.microsoft.com/office/drawing/2014/main" id="{D7179BA5-01D2-2E75-F75A-2B0BBBEA47BD}"/>
+              </a:ext>
+            </a:extLst>
+          </p:cNvPr>
+          <p:cNvSpPr/>
+          <p:nvPr/>
+        </p:nvSpPr>
+        <p:spPr>
+          <a:xfrm>
+            <a:off x="4836868" y="6862451"/>
+            <a:ext cx="426702" cy="422536"/>
+          </a:xfrm>
+          <a:prstGeom prst="roundRect">
+            <a:avLst>
+              <a:gd name="adj" fmla="val 50000"/>
+            </a:avLst>
+          </a:prstGeom>
+          <a:solidFill>
+            <a:srgbClr val="343B3C"/>
+          </a:solidFill>
+          <a:ln>
+            <a:noFill/>
+          </a:ln>
+          <a:effectLst>
+            <a:outerShdw blurRad="63500" algn="ctr" rotWithShape="0">
+              <a:prstClr val="black">
+                <a:alpha val="27000"/>
+              </a:prstClr>
+            </a:outerShdw>
+          </a:effectLst>
+        </p:spPr>
+        <p:style>
+          <a:lnRef idx="2">
+            <a:schemeClr val="accent1">
+              <a:shade val="15000"/>
+            </a:schemeClr>
+          </a:lnRef>
+          <a:fillRef idx="1">
+            <a:schemeClr val="accent1"/>
+          </a:fillRef>
+          <a:effectRef idx="0">
+            <a:schemeClr val="accent1"/>
+          </a:effectRef>
+          <a:fontRef idx="minor">
+            <a:schemeClr val="lt1"/>
+          </a:fontRef>
+        </p:style>
+        <p:txBody>
+          <a:bodyPr rtlCol="0" anchor="ctr"/>
+          <a:lstStyle/>
+          <a:p>
+            <a:endParaRPr lang="en-GB" dirty="0">
+              <a:solidFill>
+                <a:srgbClr val="BFC8CB"/>
+              </a:solidFill>
+            </a:endParaRPr>
+          </a:p>
+        </p:txBody>
+      </p:sp>
+      <p:sp>
+        <p:nvSpPr>
+          <p:cNvPr id="26" name="Szövegdoboz 25">
+            <a:extLst>
+              <a:ext uri="{FF2B5EF4-FFF2-40B4-BE49-F238E27FC236}">
+                <a16:creationId xmlns:a16="http://schemas.microsoft.com/office/drawing/2014/main" id="{F1F31571-D238-2040-FBC9-6D17F438F621}"/>
+              </a:ext>
+            </a:extLst>
+          </p:cNvPr>
+          <p:cNvSpPr txBox="1"/>
+          <p:nvPr/>
+        </p:nvSpPr>
+        <p:spPr>
+          <a:xfrm>
+            <a:off x="5483997" y="7046389"/>
+            <a:ext cx="280847" cy="307777"/>
+          </a:xfrm>
+          <a:prstGeom prst="rect">
+            <a:avLst/>
+          </a:prstGeom>
+          <a:noFill/>
+        </p:spPr>
+        <p:txBody>
+          <a:bodyPr wrap="none" rtlCol="0">
+            <a:spAutoFit/>
+          </a:bodyPr>
+          <a:lstStyle/>
+          <a:p>
+            <a:pPr algn="ctr"/>
+            <a:r>
+              <a:rPr lang="en-GB" sz="1400" b="1" dirty="0">
+                <a:solidFill>
+                  <a:srgbClr val="BFC8CB"/>
+                </a:solidFill>
+              </a:rPr>
+              <a:t>2</a:t>
+            </a:r>
+            <a:endParaRPr lang="hu-HU" sz="1400" b="1" dirty="0">
+              <a:solidFill>
+                <a:srgbClr val="BFC8CB"/>
+              </a:solidFill>
+            </a:endParaRPr>
+          </a:p>
+        </p:txBody>
+      </p:sp>
+      <p:sp>
+        <p:nvSpPr>
+          <p:cNvPr id="25" name="Fél keret 24">
+            <a:extLst>
+              <a:ext uri="{FF2B5EF4-FFF2-40B4-BE49-F238E27FC236}">
+                <a16:creationId xmlns:a16="http://schemas.microsoft.com/office/drawing/2014/main" id="{DF88078C-0E82-944A-1058-B6FB5A4D99C4}"/>
+              </a:ext>
+            </a:extLst>
+          </p:cNvPr>
+          <p:cNvSpPr/>
+          <p:nvPr/>
+        </p:nvSpPr>
+        <p:spPr>
+          <a:xfrm rot="13500000">
+            <a:off x="4978561" y="6979588"/>
+            <a:ext cx="156014" cy="156014"/>
+          </a:xfrm>
+          <a:prstGeom prst="halfFrame">
+            <a:avLst>
+              <a:gd name="adj1" fmla="val 24344"/>
+              <a:gd name="adj2" fmla="val 25468"/>
+            </a:avLst>
+          </a:prstGeom>
+          <a:solidFill>
+            <a:srgbClr val="BFC8CB"/>
+          </a:solidFill>
+          <a:ln>
+            <a:noFill/>
+          </a:ln>
+        </p:spPr>
+        <p:style>
+          <a:lnRef idx="2">
+            <a:schemeClr val="accent1">
+              <a:shade val="15000"/>
+            </a:schemeClr>
+          </a:lnRef>
+          <a:fillRef idx="1">
+            <a:schemeClr val="accent1"/>
+          </a:fillRef>
+          <a:effectRef idx="0">
+            <a:schemeClr val="accent1"/>
+          </a:effectRef>
+          <a:fontRef idx="minor">
+            <a:schemeClr val="lt1"/>
+          </a:fontRef>
+        </p:style>
+        <p:txBody>
+          <a:bodyPr rtlCol="0" anchor="ctr"/>
+          <a:lstStyle/>
+          <a:p>
+            <a:pPr algn="ctr"/>
+            <a:endParaRPr lang="hu-HU">
+              <a:solidFill>
+                <a:schemeClr val="tx1"/>
+              </a:solidFill>
+            </a:endParaRPr>
+          </a:p>
+        </p:txBody>
+      </p:sp>
+      <p:sp>
+        <p:nvSpPr>
+          <p:cNvPr id="28" name="Téglalap: lekerekített 27">
+            <a:extLst>
+              <a:ext uri="{FF2B5EF4-FFF2-40B4-BE49-F238E27FC236}">
+                <a16:creationId xmlns:a16="http://schemas.microsoft.com/office/drawing/2014/main" id="{AF815E37-31EF-2956-9FA5-352C384D9C1C}"/>
+              </a:ext>
+            </a:extLst>
+          </p:cNvPr>
+          <p:cNvSpPr/>
+          <p:nvPr/>
+        </p:nvSpPr>
+        <p:spPr>
+          <a:xfrm>
+            <a:off x="5983963" y="6864841"/>
+            <a:ext cx="426702" cy="422536"/>
+          </a:xfrm>
+          <a:prstGeom prst="roundRect">
+            <a:avLst>
+              <a:gd name="adj" fmla="val 50000"/>
+            </a:avLst>
+          </a:prstGeom>
+          <a:solidFill>
+            <a:srgbClr val="343B3C"/>
+          </a:solidFill>
+          <a:ln>
+            <a:noFill/>
+          </a:ln>
+          <a:effectLst>
+            <a:outerShdw blurRad="63500" algn="ctr" rotWithShape="0">
+              <a:prstClr val="black">
+                <a:alpha val="27000"/>
+              </a:prstClr>
+            </a:outerShdw>
+          </a:effectLst>
+        </p:spPr>
+        <p:style>
+          <a:lnRef idx="2">
+            <a:schemeClr val="accent1">
+              <a:shade val="15000"/>
+            </a:schemeClr>
+          </a:lnRef>
+          <a:fillRef idx="1">
+            <a:schemeClr val="accent1"/>
+          </a:fillRef>
+          <a:effectRef idx="0">
+            <a:schemeClr val="accent1"/>
+          </a:effectRef>
+          <a:fontRef idx="minor">
+            <a:schemeClr val="lt1"/>
+          </a:fontRef>
+        </p:style>
+        <p:txBody>
+          <a:bodyPr rtlCol="0" anchor="ctr"/>
+          <a:lstStyle/>
+          <a:p>
+            <a:endParaRPr lang="en-GB" dirty="0">
+              <a:solidFill>
+                <a:srgbClr val="BFC8CB"/>
+              </a:solidFill>
+            </a:endParaRPr>
+          </a:p>
+        </p:txBody>
+      </p:sp>
+      <p:sp>
+        <p:nvSpPr>
+          <p:cNvPr id="24" name="Fél keret 23">
+            <a:extLst>
+              <a:ext uri="{FF2B5EF4-FFF2-40B4-BE49-F238E27FC236}">
+                <a16:creationId xmlns:a16="http://schemas.microsoft.com/office/drawing/2014/main" id="{688421BD-DDA8-CEAF-E05C-7698D4BBFFF5}"/>
+              </a:ext>
+            </a:extLst>
+          </p:cNvPr>
+          <p:cNvSpPr/>
+          <p:nvPr/>
+        </p:nvSpPr>
+        <p:spPr>
+          <a:xfrm rot="2700000">
+            <a:off x="6117456" y="7042332"/>
+            <a:ext cx="156014" cy="156014"/>
+          </a:xfrm>
+          <a:prstGeom prst="halfFrame">
+            <a:avLst>
+              <a:gd name="adj1" fmla="val 24344"/>
+              <a:gd name="adj2" fmla="val 25468"/>
+            </a:avLst>
+          </a:prstGeom>
+          <a:solidFill>
+            <a:srgbClr val="BFC8CB"/>
+          </a:solidFill>
+          <a:ln>
+            <a:noFill/>
+          </a:ln>
+        </p:spPr>
+        <p:style>
+          <a:lnRef idx="2">
+            <a:schemeClr val="accent1">
+              <a:shade val="15000"/>
+            </a:schemeClr>
+          </a:lnRef>
+          <a:fillRef idx="1">
+            <a:schemeClr val="accent1"/>
+          </a:fillRef>
+          <a:effectRef idx="0">
+            <a:schemeClr val="accent1"/>
+          </a:effectRef>
+          <a:fontRef idx="minor">
+            <a:schemeClr val="lt1"/>
+          </a:fontRef>
+        </p:style>
+        <p:txBody>
+          <a:bodyPr rtlCol="0" anchor="ctr"/>
+          <a:lstStyle/>
+          <a:p>
+            <a:pPr algn="ctr"/>
+            <a:endParaRPr lang="hu-HU">
+              <a:solidFill>
+                <a:schemeClr val="tx1"/>
+              </a:solidFill>
+            </a:endParaRPr>
+          </a:p>
+        </p:txBody>
+      </p:sp>
+      <p:sp>
+        <p:nvSpPr>
+          <p:cNvPr id="3" name="Szövegdoboz 2">
+            <a:extLst>
+              <a:ext uri="{FF2B5EF4-FFF2-40B4-BE49-F238E27FC236}">
+                <a16:creationId xmlns:a16="http://schemas.microsoft.com/office/drawing/2014/main" id="{CB4E410C-D09E-F8B5-45BF-EA2CCED92F9E}"/>
+              </a:ext>
+            </a:extLst>
+          </p:cNvPr>
+          <p:cNvSpPr txBox="1"/>
+          <p:nvPr/>
+        </p:nvSpPr>
+        <p:spPr>
+          <a:xfrm>
+            <a:off x="4767172" y="7445586"/>
+            <a:ext cx="1002764" cy="369332"/>
+          </a:xfrm>
+          <a:prstGeom prst="rect">
+            <a:avLst/>
+          </a:prstGeom>
+          <a:noFill/>
+        </p:spPr>
+        <p:txBody>
+          <a:bodyPr wrap="square" rtlCol="0">
+            <a:spAutoFit/>
+          </a:bodyPr>
+          <a:lstStyle/>
+          <a:p>
+            <a:r>
+              <a:rPr lang="en-GB" b="1" cap="small" dirty="0">
+                <a:solidFill>
+                  <a:schemeClr val="bg2"/>
+                </a:solidFill>
+              </a:rPr>
+              <a:t>capo</a:t>
+            </a:r>
+            <a:endParaRPr lang="hu-HU" b="1" cap="small" dirty="0">
+              <a:solidFill>
+                <a:schemeClr val="bg2"/>
+              </a:solidFill>
+            </a:endParaRPr>
+          </a:p>
+        </p:txBody>
+      </p:sp>
+      <p:sp>
+        <p:nvSpPr>
+          <p:cNvPr id="8" name="Szövegdoboz 7">
+            <a:extLst>
+              <a:ext uri="{FF2B5EF4-FFF2-40B4-BE49-F238E27FC236}">
+                <a16:creationId xmlns:a16="http://schemas.microsoft.com/office/drawing/2014/main" id="{68B57313-0044-11A6-AC5F-9E8866CB8C5E}"/>
+              </a:ext>
+            </a:extLst>
+          </p:cNvPr>
+          <p:cNvSpPr txBox="1"/>
+          <p:nvPr/>
+        </p:nvSpPr>
+        <p:spPr>
+          <a:xfrm>
+            <a:off x="5463961" y="7828749"/>
+            <a:ext cx="320922" cy="400110"/>
+          </a:xfrm>
+          <a:prstGeom prst="rect">
+            <a:avLst/>
+          </a:prstGeom>
+          <a:noFill/>
+        </p:spPr>
+        <p:txBody>
+          <a:bodyPr wrap="none" rtlCol="0">
+            <a:spAutoFit/>
+          </a:bodyPr>
+          <a:lstStyle/>
+          <a:p>
+            <a:pPr algn="ctr"/>
+            <a:r>
+              <a:rPr lang="en-GB" sz="2000" dirty="0">
+                <a:solidFill>
+                  <a:srgbClr val="BFC8CB"/>
+                </a:solidFill>
+              </a:rPr>
+              <a:t>0</a:t>
+            </a:r>
+            <a:endParaRPr lang="hu-HU" sz="2000" dirty="0">
+              <a:solidFill>
+                <a:srgbClr val="BFC8CB"/>
+              </a:solidFill>
+            </a:endParaRPr>
+          </a:p>
+        </p:txBody>
+      </p:sp>
+      <p:sp>
+        <p:nvSpPr>
+          <p:cNvPr id="15" name="Téglalap: lekerekített 14">
+            <a:extLst>
+              <a:ext uri="{FF2B5EF4-FFF2-40B4-BE49-F238E27FC236}">
+                <a16:creationId xmlns:a16="http://schemas.microsoft.com/office/drawing/2014/main" id="{5CCCA54D-3E2D-E47B-6C1A-FEF78E464BAD}"/>
+              </a:ext>
+            </a:extLst>
+          </p:cNvPr>
+          <p:cNvSpPr/>
+          <p:nvPr/>
+        </p:nvSpPr>
+        <p:spPr>
+          <a:xfrm>
+            <a:off x="4836868" y="7821138"/>
+            <a:ext cx="426702" cy="422536"/>
+          </a:xfrm>
+          <a:prstGeom prst="roundRect">
+            <a:avLst>
+              <a:gd name="adj" fmla="val 50000"/>
+            </a:avLst>
+          </a:prstGeom>
+          <a:solidFill>
+            <a:srgbClr val="343B3C"/>
+          </a:solidFill>
+          <a:ln>
+            <a:noFill/>
+          </a:ln>
+          <a:effectLst>
+            <a:outerShdw blurRad="63500" algn="ctr" rotWithShape="0">
+              <a:prstClr val="black">
+                <a:alpha val="27000"/>
+              </a:prstClr>
+            </a:outerShdw>
+          </a:effectLst>
+        </p:spPr>
+        <p:style>
+          <a:lnRef idx="2">
+            <a:schemeClr val="accent1">
+              <a:shade val="15000"/>
+            </a:schemeClr>
+          </a:lnRef>
+          <a:fillRef idx="1">
+            <a:schemeClr val="accent1"/>
+          </a:fillRef>
+          <a:effectRef idx="0">
+            <a:schemeClr val="accent1"/>
+          </a:effectRef>
+          <a:fontRef idx="minor">
+            <a:schemeClr val="lt1"/>
+          </a:fontRef>
+        </p:style>
+        <p:txBody>
+          <a:bodyPr rtlCol="0" anchor="ctr"/>
+          <a:lstStyle/>
+          <a:p>
+            <a:pPr algn="ctr"/>
+            <a:r>
+              <a:rPr lang="en-GB" sz="2400" b="1" dirty="0">
+                <a:solidFill>
+                  <a:srgbClr val="BFC8CB"/>
+                </a:solidFill>
+              </a:rPr>
+              <a:t>-</a:t>
+            </a:r>
+          </a:p>
+        </p:txBody>
+      </p:sp>
+      <p:sp>
+        <p:nvSpPr>
+          <p:cNvPr id="21" name="Téglalap: lekerekített 20">
+            <a:extLst>
+              <a:ext uri="{FF2B5EF4-FFF2-40B4-BE49-F238E27FC236}">
+                <a16:creationId xmlns:a16="http://schemas.microsoft.com/office/drawing/2014/main" id="{3971AEC7-9764-6EF8-1B4F-B6225E1B8251}"/>
+              </a:ext>
+            </a:extLst>
+          </p:cNvPr>
+          <p:cNvSpPr/>
+          <p:nvPr/>
+        </p:nvSpPr>
+        <p:spPr>
+          <a:xfrm>
+            <a:off x="5983963" y="7823528"/>
+            <a:ext cx="426702" cy="422536"/>
+          </a:xfrm>
+          <a:prstGeom prst="roundRect">
+            <a:avLst>
+              <a:gd name="adj" fmla="val 50000"/>
+            </a:avLst>
+          </a:prstGeom>
+          <a:solidFill>
+            <a:srgbClr val="343B3C"/>
+          </a:solidFill>
+          <a:ln>
+            <a:noFill/>
+          </a:ln>
+          <a:effectLst>
+            <a:outerShdw blurRad="63500" algn="ctr" rotWithShape="0">
+              <a:prstClr val="black">
+                <a:alpha val="27000"/>
+              </a:prstClr>
+            </a:outerShdw>
+          </a:effectLst>
+        </p:spPr>
+        <p:style>
+          <a:lnRef idx="2">
+            <a:schemeClr val="accent1">
+              <a:shade val="15000"/>
+            </a:schemeClr>
+          </a:lnRef>
+          <a:fillRef idx="1">
+            <a:schemeClr val="accent1"/>
+          </a:fillRef>
+          <a:effectRef idx="0">
+            <a:schemeClr val="accent1"/>
+          </a:effectRef>
+          <a:fontRef idx="minor">
+            <a:schemeClr val="lt1"/>
+          </a:fontRef>
+        </p:style>
+        <p:txBody>
+          <a:bodyPr rtlCol="0" anchor="ctr"/>
+          <a:lstStyle/>
+          <a:p>
+            <a:pPr algn="ctr"/>
+            <a:r>
+              <a:rPr lang="en-GB" sz="2400" b="1" dirty="0">
+                <a:solidFill>
+                  <a:srgbClr val="BFC8CB"/>
+                </a:solidFill>
+              </a:rPr>
+              <a:t>+</a:t>
+            </a:r>
+          </a:p>
+        </p:txBody>
+      </p:sp>
+      <p:sp>
+        <p:nvSpPr>
+          <p:cNvPr id="30" name="Téglalap: lekerekített 29">
+            <a:extLst>
+              <a:ext uri="{FF2B5EF4-FFF2-40B4-BE49-F238E27FC236}">
+                <a16:creationId xmlns:a16="http://schemas.microsoft.com/office/drawing/2014/main" id="{FABA2827-ACFC-5A5F-3F9C-C615524A5948}"/>
+              </a:ext>
+            </a:extLst>
+          </p:cNvPr>
+          <p:cNvSpPr/>
+          <p:nvPr/>
+        </p:nvSpPr>
+        <p:spPr>
+          <a:xfrm>
+            <a:off x="2083024" y="8566428"/>
+            <a:ext cx="990321" cy="370613"/>
+          </a:xfrm>
+          <a:prstGeom prst="roundRect">
+            <a:avLst/>
+          </a:prstGeom>
+          <a:solidFill>
+            <a:srgbClr val="343B3C"/>
+          </a:solidFill>
+          <a:ln>
+            <a:noFill/>
+          </a:ln>
+          <a:effectLst>
+            <a:outerShdw blurRad="63500" algn="ctr" rotWithShape="0">
+              <a:prstClr val="black">
+                <a:alpha val="27000"/>
+              </a:prstClr>
+            </a:outerShdw>
+          </a:effectLst>
+        </p:spPr>
+        <p:style>
+          <a:lnRef idx="2">
+            <a:schemeClr val="accent1">
+              <a:shade val="15000"/>
+            </a:schemeClr>
+          </a:lnRef>
+          <a:fillRef idx="1">
+            <a:schemeClr val="accent1"/>
+          </a:fillRef>
+          <a:effectRef idx="0">
+            <a:schemeClr val="accent1"/>
+          </a:effectRef>
+          <a:fontRef idx="minor">
+            <a:schemeClr val="lt1"/>
+          </a:fontRef>
+        </p:style>
+        <p:txBody>
+          <a:bodyPr rtlCol="0" anchor="ctr"/>
+          <a:lstStyle/>
+          <a:p>
+            <a:pPr algn="ctr"/>
+            <a:r>
+              <a:rPr lang="en-GB" b="1" dirty="0" err="1">
+                <a:solidFill>
+                  <a:srgbClr val="BFC8CB"/>
+                </a:solidFill>
+              </a:rPr>
+              <a:t>Akkord</a:t>
+            </a:r>
+            <a:endParaRPr lang="en-GB" b="1" dirty="0">
+              <a:solidFill>
+                <a:srgbClr val="BFC8CB"/>
+              </a:solidFill>
+            </a:endParaRPr>
+          </a:p>
+        </p:txBody>
+      </p:sp>
+      <p:pic>
+        <p:nvPicPr>
+          <p:cNvPr id="7" name="Ábra 6" descr="Vonalas nyíl: forgatás balra egyszínű kitöltéssel">
+            <a:extLst>
+              <a:ext uri="{FF2B5EF4-FFF2-40B4-BE49-F238E27FC236}">
+                <a16:creationId xmlns:a16="http://schemas.microsoft.com/office/drawing/2014/main" id="{45516897-7FFF-9660-750D-6EA445CD5E0C}"/>
+              </a:ext>
+            </a:extLst>
+          </p:cNvPr>
+          <p:cNvPicPr>
+            <a:picLocks noChangeAspect="1"/>
+          </p:cNvPicPr>
+          <p:nvPr/>
+        </p:nvPicPr>
+        <p:blipFill>
+          <a:blip r:embed="rId2">
+            <a:extLst>
+              <a:ext uri="{96DAC541-7B7A-43D3-8B79-37D633B846F1}">
+                <asvg:svgBlip xmlns:asvg="http://schemas.microsoft.com/office/drawing/2016/SVG/main" r:embed="rId3"/>
+              </a:ext>
+            </a:extLst>
+          </a:blip>
+          <a:stretch>
+            <a:fillRect/>
+          </a:stretch>
+        </p:blipFill>
+        <p:spPr>
+          <a:xfrm>
+            <a:off x="6322509" y="8562649"/>
+            <a:ext cx="370614" cy="370614"/>
+          </a:xfrm>
+          <a:prstGeom prst="rect">
+            <a:avLst/>
+          </a:prstGeom>
+        </p:spPr>
+      </p:pic>
+    </p:spTree>
+    <p:extLst>
+      <p:ext uri="{BB962C8B-B14F-4D97-AF65-F5344CB8AC3E}">
+        <p14:creationId xmlns:p14="http://schemas.microsoft.com/office/powerpoint/2010/main" val="3772263560"/>
+      </p:ext>
+    </p:extLst>
+  </p:cSld>
+  <p:clrMapOvr>
+    <a:masterClrMapping/>
+  </p:clrMapOvr>
+</p:sld>
+</file>
+
 <file path=ppt/slides/slide2.xml><?xml version="1.0" encoding="utf-8"?>
 <p:sld xmlns:a="http://schemas.openxmlformats.org/drawingml/2006/main" xmlns:r="http://schemas.openxmlformats.org/officeDocument/2006/relationships" xmlns:p="http://schemas.openxmlformats.org/presentationml/2006/main">
   <p:cSld>
@@ -13073,6 +16587,2163 @@
     <p:extLst>
       <p:ext uri="{BB962C8B-B14F-4D97-AF65-F5344CB8AC3E}">
         <p14:creationId xmlns:p14="http://schemas.microsoft.com/office/powerpoint/2010/main" val="3871460933"/>
+      </p:ext>
+    </p:extLst>
+  </p:cSld>
+  <p:clrMapOvr>
+    <a:masterClrMapping/>
+  </p:clrMapOvr>
+</p:sld>
+</file>
+
+<file path=ppt/slides/slide20.xml><?xml version="1.0" encoding="utf-8"?>
+<p:sld xmlns:a="http://schemas.openxmlformats.org/drawingml/2006/main" xmlns:r="http://schemas.openxmlformats.org/officeDocument/2006/relationships" xmlns:p="http://schemas.openxmlformats.org/presentationml/2006/main">
+  <p:cSld>
+    <p:spTree>
+      <p:nvGrpSpPr>
+        <p:cNvPr id="1" name="">
+          <a:extLst>
+            <a:ext uri="{FF2B5EF4-FFF2-40B4-BE49-F238E27FC236}">
+              <a16:creationId xmlns:a16="http://schemas.microsoft.com/office/drawing/2014/main" id="{4028EBE0-E8F0-0AF1-B61E-3035602F9814}"/>
+            </a:ext>
+          </a:extLst>
+        </p:cNvPr>
+        <p:cNvGrpSpPr/>
+        <p:nvPr/>
+      </p:nvGrpSpPr>
+      <p:grpSpPr>
+        <a:xfrm>
+          <a:off x="0" y="0"/>
+          <a:ext cx="0" cy="0"/>
+          <a:chOff x="0" y="0"/>
+          <a:chExt cx="0" cy="0"/>
+        </a:xfrm>
+      </p:grpSpPr>
+      <p:sp>
+        <p:nvSpPr>
+          <p:cNvPr id="13" name="Téglalap: lekerekített 12">
+            <a:extLst>
+              <a:ext uri="{FF2B5EF4-FFF2-40B4-BE49-F238E27FC236}">
+                <a16:creationId xmlns:a16="http://schemas.microsoft.com/office/drawing/2014/main" id="{76FBA70B-C6B5-B22C-00F7-AEB42B5979A5}"/>
+              </a:ext>
+            </a:extLst>
+          </p:cNvPr>
+          <p:cNvSpPr/>
+          <p:nvPr/>
+        </p:nvSpPr>
+        <p:spPr>
+          <a:xfrm>
+            <a:off x="4667250" y="6057901"/>
+            <a:ext cx="1963115" cy="2300288"/>
+          </a:xfrm>
+          <a:prstGeom prst="roundRect">
+            <a:avLst>
+              <a:gd name="adj" fmla="val 8956"/>
+            </a:avLst>
+          </a:prstGeom>
+          <a:solidFill>
+            <a:srgbClr val="263032"/>
+          </a:solidFill>
+          <a:ln>
+            <a:noFill/>
+          </a:ln>
+        </p:spPr>
+        <p:style>
+          <a:lnRef idx="2">
+            <a:schemeClr val="accent1">
+              <a:shade val="15000"/>
+            </a:schemeClr>
+          </a:lnRef>
+          <a:fillRef idx="1">
+            <a:schemeClr val="accent1"/>
+          </a:fillRef>
+          <a:effectRef idx="0">
+            <a:schemeClr val="accent1"/>
+          </a:effectRef>
+          <a:fontRef idx="minor">
+            <a:schemeClr val="lt1"/>
+          </a:fontRef>
+        </p:style>
+        <p:txBody>
+          <a:bodyPr rtlCol="0" anchor="ctr"/>
+          <a:lstStyle/>
+          <a:p>
+            <a:pPr algn="ctr"/>
+            <a:endParaRPr lang="hu-HU"/>
+          </a:p>
+        </p:txBody>
+      </p:sp>
+      <p:sp>
+        <p:nvSpPr>
+          <p:cNvPr id="16" name="Téglalap: lekerekített 15">
+            <a:extLst>
+              <a:ext uri="{FF2B5EF4-FFF2-40B4-BE49-F238E27FC236}">
+                <a16:creationId xmlns:a16="http://schemas.microsoft.com/office/drawing/2014/main" id="{79497CCD-C780-5F74-5A48-19EDA8AE485F}"/>
+              </a:ext>
+            </a:extLst>
+          </p:cNvPr>
+          <p:cNvSpPr/>
+          <p:nvPr/>
+        </p:nvSpPr>
+        <p:spPr>
+          <a:xfrm>
+            <a:off x="4767172" y="6464615"/>
+            <a:ext cx="1740308" cy="370613"/>
+          </a:xfrm>
+          <a:prstGeom prst="roundRect">
+            <a:avLst/>
+          </a:prstGeom>
+          <a:solidFill>
+            <a:srgbClr val="343B3C"/>
+          </a:solidFill>
+          <a:ln>
+            <a:noFill/>
+          </a:ln>
+          <a:effectLst>
+            <a:outerShdw blurRad="63500" algn="ctr" rotWithShape="0">
+              <a:prstClr val="black">
+                <a:alpha val="27000"/>
+              </a:prstClr>
+            </a:outerShdw>
+          </a:effectLst>
+        </p:spPr>
+        <p:style>
+          <a:lnRef idx="2">
+            <a:schemeClr val="accent1">
+              <a:shade val="15000"/>
+            </a:schemeClr>
+          </a:lnRef>
+          <a:fillRef idx="1">
+            <a:schemeClr val="accent1"/>
+          </a:fillRef>
+          <a:effectRef idx="0">
+            <a:schemeClr val="accent1"/>
+          </a:effectRef>
+          <a:fontRef idx="minor">
+            <a:schemeClr val="lt1"/>
+          </a:fontRef>
+        </p:style>
+        <p:txBody>
+          <a:bodyPr rtlCol="0" anchor="ctr"/>
+          <a:lstStyle/>
+          <a:p>
+            <a:r>
+              <a:rPr lang="en-GB" dirty="0">
+                <a:solidFill>
+                  <a:srgbClr val="BFC8CB"/>
+                </a:solidFill>
+              </a:rPr>
+              <a:t>C-</a:t>
+            </a:r>
+            <a:r>
+              <a:rPr lang="en-GB" dirty="0" err="1">
+                <a:solidFill>
+                  <a:srgbClr val="BFC8CB"/>
+                </a:solidFill>
+              </a:rPr>
+              <a:t>dúr</a:t>
+            </a:r>
+            <a:r>
+              <a:rPr lang="en-GB" dirty="0">
+                <a:solidFill>
+                  <a:srgbClr val="BFC8CB"/>
+                </a:solidFill>
+              </a:rPr>
+              <a:t>, g#-moll</a:t>
+            </a:r>
+          </a:p>
+        </p:txBody>
+      </p:sp>
+      <p:sp>
+        <p:nvSpPr>
+          <p:cNvPr id="4" name="Téglalap 3">
+            <a:extLst>
+              <a:ext uri="{FF2B5EF4-FFF2-40B4-BE49-F238E27FC236}">
+                <a16:creationId xmlns:a16="http://schemas.microsoft.com/office/drawing/2014/main" id="{E6514879-3A0F-46EB-F8DC-72266AEED653}"/>
+              </a:ext>
+            </a:extLst>
+          </p:cNvPr>
+          <p:cNvSpPr/>
+          <p:nvPr/>
+        </p:nvSpPr>
+        <p:spPr>
+          <a:xfrm>
+            <a:off x="0" y="8358188"/>
+            <a:ext cx="6858000" cy="785812"/>
+          </a:xfrm>
+          <a:prstGeom prst="rect">
+            <a:avLst/>
+          </a:prstGeom>
+          <a:solidFill>
+            <a:srgbClr val="263032"/>
+          </a:solidFill>
+          <a:ln>
+            <a:noFill/>
+          </a:ln>
+        </p:spPr>
+        <p:style>
+          <a:lnRef idx="2">
+            <a:schemeClr val="accent1">
+              <a:shade val="15000"/>
+            </a:schemeClr>
+          </a:lnRef>
+          <a:fillRef idx="1">
+            <a:schemeClr val="accent1"/>
+          </a:fillRef>
+          <a:effectRef idx="0">
+            <a:schemeClr val="accent1"/>
+          </a:effectRef>
+          <a:fontRef idx="minor">
+            <a:schemeClr val="lt1"/>
+          </a:fontRef>
+        </p:style>
+        <p:txBody>
+          <a:bodyPr rtlCol="0" anchor="ctr"/>
+          <a:lstStyle/>
+          <a:p>
+            <a:pPr algn="ctr"/>
+            <a:endParaRPr lang="hu-HU"/>
+          </a:p>
+        </p:txBody>
+      </p:sp>
+      <p:sp>
+        <p:nvSpPr>
+          <p:cNvPr id="5" name="Szövegdoboz 4">
+            <a:extLst>
+              <a:ext uri="{FF2B5EF4-FFF2-40B4-BE49-F238E27FC236}">
+                <a16:creationId xmlns:a16="http://schemas.microsoft.com/office/drawing/2014/main" id="{E87DADC1-CFD2-E4FF-8534-E6BF8F8EC8F6}"/>
+              </a:ext>
+            </a:extLst>
+          </p:cNvPr>
+          <p:cNvSpPr txBox="1"/>
+          <p:nvPr/>
+        </p:nvSpPr>
+        <p:spPr>
+          <a:xfrm>
+            <a:off x="185738" y="8566428"/>
+            <a:ext cx="711670" cy="369332"/>
+          </a:xfrm>
+          <a:prstGeom prst="rect">
+            <a:avLst/>
+          </a:prstGeom>
+          <a:noFill/>
+        </p:spPr>
+        <p:txBody>
+          <a:bodyPr wrap="none" rtlCol="0">
+            <a:spAutoFit/>
+          </a:bodyPr>
+          <a:lstStyle/>
+          <a:p>
+            <a:r>
+              <a:rPr lang="en-GB" dirty="0">
+                <a:solidFill>
+                  <a:schemeClr val="bg1"/>
+                </a:solidFill>
+              </a:rPr>
+              <a:t>Kotta</a:t>
+            </a:r>
+            <a:endParaRPr lang="hu-HU" dirty="0">
+              <a:solidFill>
+                <a:schemeClr val="bg1"/>
+              </a:solidFill>
+            </a:endParaRPr>
+          </a:p>
+        </p:txBody>
+      </p:sp>
+      <p:sp>
+        <p:nvSpPr>
+          <p:cNvPr id="6" name="Szövegdoboz 5">
+            <a:extLst>
+              <a:ext uri="{FF2B5EF4-FFF2-40B4-BE49-F238E27FC236}">
+                <a16:creationId xmlns:a16="http://schemas.microsoft.com/office/drawing/2014/main" id="{68EEB890-AB9B-74F0-D896-5D2A93640E8E}"/>
+              </a:ext>
+            </a:extLst>
+          </p:cNvPr>
+          <p:cNvSpPr txBox="1"/>
+          <p:nvPr/>
+        </p:nvSpPr>
+        <p:spPr>
+          <a:xfrm>
+            <a:off x="1345480" y="8566428"/>
+            <a:ext cx="598241" cy="369332"/>
+          </a:xfrm>
+          <a:prstGeom prst="rect">
+            <a:avLst/>
+          </a:prstGeom>
+          <a:noFill/>
+        </p:spPr>
+        <p:txBody>
+          <a:bodyPr wrap="none" rtlCol="0">
+            <a:spAutoFit/>
+          </a:bodyPr>
+          <a:lstStyle/>
+          <a:p>
+            <a:r>
+              <a:rPr lang="en-GB" dirty="0">
+                <a:solidFill>
+                  <a:schemeClr val="bg1"/>
+                </a:solidFill>
+              </a:rPr>
+              <a:t>PDF</a:t>
+            </a:r>
+            <a:endParaRPr lang="hu-HU" dirty="0">
+              <a:solidFill>
+                <a:schemeClr val="bg1"/>
+              </a:solidFill>
+            </a:endParaRPr>
+          </a:p>
+        </p:txBody>
+      </p:sp>
+      <p:sp>
+        <p:nvSpPr>
+          <p:cNvPr id="7" name="Szövegdoboz 6">
+            <a:extLst>
+              <a:ext uri="{FF2B5EF4-FFF2-40B4-BE49-F238E27FC236}">
+                <a16:creationId xmlns:a16="http://schemas.microsoft.com/office/drawing/2014/main" id="{D2FA4B7A-A6C0-F512-F455-4F124E0C957F}"/>
+              </a:ext>
+            </a:extLst>
+          </p:cNvPr>
+          <p:cNvSpPr txBox="1"/>
+          <p:nvPr/>
+        </p:nvSpPr>
+        <p:spPr>
+          <a:xfrm>
+            <a:off x="2083024" y="8566428"/>
+            <a:ext cx="870110" cy="369332"/>
+          </a:xfrm>
+          <a:prstGeom prst="rect">
+            <a:avLst/>
+          </a:prstGeom>
+          <a:noFill/>
+        </p:spPr>
+        <p:txBody>
+          <a:bodyPr wrap="none" rtlCol="0">
+            <a:spAutoFit/>
+          </a:bodyPr>
+          <a:lstStyle/>
+          <a:p>
+            <a:r>
+              <a:rPr lang="en-GB" dirty="0" err="1">
+                <a:solidFill>
+                  <a:schemeClr val="bg1"/>
+                </a:solidFill>
+              </a:rPr>
+              <a:t>Akkord</a:t>
+            </a:r>
+            <a:endParaRPr lang="hu-HU" dirty="0">
+              <a:solidFill>
+                <a:schemeClr val="bg1"/>
+              </a:solidFill>
+            </a:endParaRPr>
+          </a:p>
+        </p:txBody>
+      </p:sp>
+      <p:sp>
+        <p:nvSpPr>
+          <p:cNvPr id="9" name="Téglalap: lekerekített 8">
+            <a:extLst>
+              <a:ext uri="{FF2B5EF4-FFF2-40B4-BE49-F238E27FC236}">
+                <a16:creationId xmlns:a16="http://schemas.microsoft.com/office/drawing/2014/main" id="{CF17F2D2-D89F-2D79-BA52-E9788A70CA7B}"/>
+              </a:ext>
+            </a:extLst>
+          </p:cNvPr>
+          <p:cNvSpPr/>
+          <p:nvPr/>
+        </p:nvSpPr>
+        <p:spPr>
+          <a:xfrm>
+            <a:off x="215856" y="8566428"/>
+            <a:ext cx="990321" cy="370613"/>
+          </a:xfrm>
+          <a:prstGeom prst="roundRect">
+            <a:avLst/>
+          </a:prstGeom>
+          <a:solidFill>
+            <a:srgbClr val="343B3C"/>
+          </a:solidFill>
+          <a:ln>
+            <a:noFill/>
+          </a:ln>
+          <a:effectLst>
+            <a:outerShdw blurRad="63500" algn="ctr" rotWithShape="0">
+              <a:prstClr val="black">
+                <a:alpha val="27000"/>
+              </a:prstClr>
+            </a:outerShdw>
+          </a:effectLst>
+        </p:spPr>
+        <p:style>
+          <a:lnRef idx="2">
+            <a:schemeClr val="accent1">
+              <a:shade val="15000"/>
+            </a:schemeClr>
+          </a:lnRef>
+          <a:fillRef idx="1">
+            <a:schemeClr val="accent1"/>
+          </a:fillRef>
+          <a:effectRef idx="0">
+            <a:schemeClr val="accent1"/>
+          </a:effectRef>
+          <a:fontRef idx="minor">
+            <a:schemeClr val="lt1"/>
+          </a:fontRef>
+        </p:style>
+        <p:txBody>
+          <a:bodyPr rtlCol="0" anchor="ctr"/>
+          <a:lstStyle/>
+          <a:p>
+            <a:pPr algn="ctr"/>
+            <a:r>
+              <a:rPr lang="en-GB" b="1" dirty="0">
+                <a:solidFill>
+                  <a:srgbClr val="BFC8CB"/>
+                </a:solidFill>
+              </a:rPr>
+              <a:t>Kotta</a:t>
+            </a:r>
+          </a:p>
+        </p:txBody>
+      </p:sp>
+      <p:sp>
+        <p:nvSpPr>
+          <p:cNvPr id="14" name="Szövegdoboz 13">
+            <a:extLst>
+              <a:ext uri="{FF2B5EF4-FFF2-40B4-BE49-F238E27FC236}">
+                <a16:creationId xmlns:a16="http://schemas.microsoft.com/office/drawing/2014/main" id="{6CA3BF75-BF3A-9121-1B6A-A3256A47564F}"/>
+              </a:ext>
+            </a:extLst>
+          </p:cNvPr>
+          <p:cNvSpPr txBox="1"/>
+          <p:nvPr/>
+        </p:nvSpPr>
+        <p:spPr>
+          <a:xfrm>
+            <a:off x="4767172" y="6095283"/>
+            <a:ext cx="736600" cy="369332"/>
+          </a:xfrm>
+          <a:prstGeom prst="rect">
+            <a:avLst/>
+          </a:prstGeom>
+          <a:noFill/>
+        </p:spPr>
+        <p:txBody>
+          <a:bodyPr wrap="square" rtlCol="0">
+            <a:spAutoFit/>
+          </a:bodyPr>
+          <a:lstStyle/>
+          <a:p>
+            <a:r>
+              <a:rPr lang="en-GB" b="1" cap="small" dirty="0" err="1">
+                <a:solidFill>
+                  <a:schemeClr val="bg2"/>
+                </a:solidFill>
+              </a:rPr>
+              <a:t>kotta</a:t>
+            </a:r>
+            <a:endParaRPr lang="hu-HU" b="1" cap="small" dirty="0">
+              <a:solidFill>
+                <a:schemeClr val="bg2"/>
+              </a:solidFill>
+            </a:endParaRPr>
+          </a:p>
+        </p:txBody>
+      </p:sp>
+      <p:sp>
+        <p:nvSpPr>
+          <p:cNvPr id="17" name="Téglalap: lekerekített 16">
+            <a:extLst>
+              <a:ext uri="{FF2B5EF4-FFF2-40B4-BE49-F238E27FC236}">
+                <a16:creationId xmlns:a16="http://schemas.microsoft.com/office/drawing/2014/main" id="{FC05CD95-DABE-0D74-563D-1222C5A26F04}"/>
+              </a:ext>
+            </a:extLst>
+          </p:cNvPr>
+          <p:cNvSpPr/>
+          <p:nvPr/>
+        </p:nvSpPr>
+        <p:spPr>
+          <a:xfrm>
+            <a:off x="4767172" y="6858161"/>
+            <a:ext cx="1740308" cy="370613"/>
+          </a:xfrm>
+          <a:prstGeom prst="roundRect">
+            <a:avLst/>
+          </a:prstGeom>
+          <a:noFill/>
+          <a:ln>
+            <a:noFill/>
+          </a:ln>
+          <a:effectLst>
+            <a:outerShdw blurRad="63500" algn="ctr" rotWithShape="0">
+              <a:prstClr val="black">
+                <a:alpha val="27000"/>
+              </a:prstClr>
+            </a:outerShdw>
+          </a:effectLst>
+        </p:spPr>
+        <p:style>
+          <a:lnRef idx="2">
+            <a:schemeClr val="accent1">
+              <a:shade val="15000"/>
+            </a:schemeClr>
+          </a:lnRef>
+          <a:fillRef idx="1">
+            <a:schemeClr val="accent1"/>
+          </a:fillRef>
+          <a:effectRef idx="0">
+            <a:schemeClr val="accent1"/>
+          </a:effectRef>
+          <a:fontRef idx="minor">
+            <a:schemeClr val="lt1"/>
+          </a:fontRef>
+        </p:style>
+        <p:txBody>
+          <a:bodyPr rtlCol="0" anchor="ctr"/>
+          <a:lstStyle/>
+          <a:p>
+            <a:r>
+              <a:rPr lang="en-GB" dirty="0">
+                <a:solidFill>
+                  <a:srgbClr val="BFC8CB"/>
+                </a:solidFill>
+              </a:rPr>
+              <a:t>F-</a:t>
+            </a:r>
+            <a:r>
+              <a:rPr lang="en-GB" dirty="0" err="1">
+                <a:solidFill>
+                  <a:srgbClr val="BFC8CB"/>
+                </a:solidFill>
+              </a:rPr>
+              <a:t>dúr</a:t>
+            </a:r>
+            <a:r>
+              <a:rPr lang="en-GB" dirty="0">
+                <a:solidFill>
+                  <a:srgbClr val="BFC8CB"/>
+                </a:solidFill>
+              </a:rPr>
+              <a:t>, d#-moll</a:t>
+            </a:r>
+          </a:p>
+        </p:txBody>
+      </p:sp>
+      <p:cxnSp>
+        <p:nvCxnSpPr>
+          <p:cNvPr id="19" name="Egyenes összekötő 18">
+            <a:extLst>
+              <a:ext uri="{FF2B5EF4-FFF2-40B4-BE49-F238E27FC236}">
+                <a16:creationId xmlns:a16="http://schemas.microsoft.com/office/drawing/2014/main" id="{1FC35502-74D8-9201-D6B4-F05AA97ADC10}"/>
+              </a:ext>
+            </a:extLst>
+          </p:cNvPr>
+          <p:cNvCxnSpPr/>
+          <p:nvPr/>
+        </p:nvCxnSpPr>
+        <p:spPr>
+          <a:xfrm>
+            <a:off x="5088051" y="7334565"/>
+            <a:ext cx="1098550" cy="0"/>
+          </a:xfrm>
+          <a:prstGeom prst="line">
+            <a:avLst/>
+          </a:prstGeom>
+          <a:ln>
+            <a:solidFill>
+              <a:schemeClr val="tx1">
+                <a:lumMod val="50000"/>
+                <a:lumOff val="50000"/>
+              </a:schemeClr>
+            </a:solidFill>
+          </a:ln>
+        </p:spPr>
+        <p:style>
+          <a:lnRef idx="2">
+            <a:schemeClr val="accent1"/>
+          </a:lnRef>
+          <a:fillRef idx="0">
+            <a:schemeClr val="accent1"/>
+          </a:fillRef>
+          <a:effectRef idx="1">
+            <a:schemeClr val="accent1"/>
+          </a:effectRef>
+          <a:fontRef idx="minor">
+            <a:schemeClr val="tx1"/>
+          </a:fontRef>
+        </p:style>
+      </p:cxnSp>
+      <p:sp>
+        <p:nvSpPr>
+          <p:cNvPr id="20" name="Szövegdoboz 19">
+            <a:extLst>
+              <a:ext uri="{FF2B5EF4-FFF2-40B4-BE49-F238E27FC236}">
+                <a16:creationId xmlns:a16="http://schemas.microsoft.com/office/drawing/2014/main" id="{DD32DC2D-56DA-95D4-A5EE-4B12F57360AD}"/>
+              </a:ext>
+            </a:extLst>
+          </p:cNvPr>
+          <p:cNvSpPr txBox="1"/>
+          <p:nvPr/>
+        </p:nvSpPr>
+        <p:spPr>
+          <a:xfrm>
+            <a:off x="4767172" y="7402581"/>
+            <a:ext cx="1002764" cy="369332"/>
+          </a:xfrm>
+          <a:prstGeom prst="rect">
+            <a:avLst/>
+          </a:prstGeom>
+          <a:noFill/>
+        </p:spPr>
+        <p:txBody>
+          <a:bodyPr wrap="square" rtlCol="0">
+            <a:spAutoFit/>
+          </a:bodyPr>
+          <a:lstStyle/>
+          <a:p>
+            <a:r>
+              <a:rPr lang="en-GB" b="1" cap="small" dirty="0" err="1">
+                <a:solidFill>
+                  <a:schemeClr val="bg2"/>
+                </a:solidFill>
+              </a:rPr>
+              <a:t>akkord</a:t>
+            </a:r>
+            <a:endParaRPr lang="hu-HU" b="1" cap="small" dirty="0">
+              <a:solidFill>
+                <a:schemeClr val="bg2"/>
+              </a:solidFill>
+            </a:endParaRPr>
+          </a:p>
+        </p:txBody>
+      </p:sp>
+      <p:pic>
+        <p:nvPicPr>
+          <p:cNvPr id="22" name="Ábra 21" descr="Hivatkozás egyszínű kitöltéssel">
+            <a:extLst>
+              <a:ext uri="{FF2B5EF4-FFF2-40B4-BE49-F238E27FC236}">
+                <a16:creationId xmlns:a16="http://schemas.microsoft.com/office/drawing/2014/main" id="{6D440E40-30A3-B878-6D02-93D1FCCEDEE9}"/>
+              </a:ext>
+            </a:extLst>
+          </p:cNvPr>
+          <p:cNvPicPr>
+            <a:picLocks noChangeAspect="1"/>
+          </p:cNvPicPr>
+          <p:nvPr/>
+        </p:nvPicPr>
+        <p:blipFill>
+          <a:blip r:embed="rId2">
+            <a:extLst>
+              <a:ext uri="{96DAC541-7B7A-43D3-8B79-37D633B846F1}">
+                <asvg:svgBlip xmlns:asvg="http://schemas.microsoft.com/office/drawing/2016/SVG/main" r:embed="rId3"/>
+              </a:ext>
+            </a:extLst>
+          </a:blip>
+          <a:stretch>
+            <a:fillRect/>
+          </a:stretch>
+        </p:blipFill>
+        <p:spPr>
+          <a:xfrm>
+            <a:off x="6288201" y="6910117"/>
+            <a:ext cx="266700" cy="266700"/>
+          </a:xfrm>
+          <a:prstGeom prst="rect">
+            <a:avLst/>
+          </a:prstGeom>
+        </p:spPr>
+      </p:pic>
+      <p:sp>
+        <p:nvSpPr>
+          <p:cNvPr id="27" name="Téglalap: lekerekített 26">
+            <a:extLst>
+              <a:ext uri="{FF2B5EF4-FFF2-40B4-BE49-F238E27FC236}">
+                <a16:creationId xmlns:a16="http://schemas.microsoft.com/office/drawing/2014/main" id="{976B6DF7-0643-6935-8863-EE84E5E17AD2}"/>
+              </a:ext>
+            </a:extLst>
+          </p:cNvPr>
+          <p:cNvSpPr/>
+          <p:nvPr/>
+        </p:nvSpPr>
+        <p:spPr>
+          <a:xfrm>
+            <a:off x="4836868" y="7795901"/>
+            <a:ext cx="426702" cy="422536"/>
+          </a:xfrm>
+          <a:prstGeom prst="roundRect">
+            <a:avLst>
+              <a:gd name="adj" fmla="val 50000"/>
+            </a:avLst>
+          </a:prstGeom>
+          <a:solidFill>
+            <a:srgbClr val="343B3C"/>
+          </a:solidFill>
+          <a:ln>
+            <a:noFill/>
+          </a:ln>
+          <a:effectLst>
+            <a:outerShdw blurRad="63500" algn="ctr" rotWithShape="0">
+              <a:prstClr val="black">
+                <a:alpha val="27000"/>
+              </a:prstClr>
+            </a:outerShdw>
+          </a:effectLst>
+        </p:spPr>
+        <p:style>
+          <a:lnRef idx="2">
+            <a:schemeClr val="accent1">
+              <a:shade val="15000"/>
+            </a:schemeClr>
+          </a:lnRef>
+          <a:fillRef idx="1">
+            <a:schemeClr val="accent1"/>
+          </a:fillRef>
+          <a:effectRef idx="0">
+            <a:schemeClr val="accent1"/>
+          </a:effectRef>
+          <a:fontRef idx="minor">
+            <a:schemeClr val="lt1"/>
+          </a:fontRef>
+        </p:style>
+        <p:txBody>
+          <a:bodyPr rtlCol="0" anchor="ctr"/>
+          <a:lstStyle/>
+          <a:p>
+            <a:endParaRPr lang="en-GB" dirty="0">
+              <a:solidFill>
+                <a:srgbClr val="BFC8CB"/>
+              </a:solidFill>
+            </a:endParaRPr>
+          </a:p>
+        </p:txBody>
+      </p:sp>
+      <p:sp>
+        <p:nvSpPr>
+          <p:cNvPr id="25" name="Fél keret 24">
+            <a:extLst>
+              <a:ext uri="{FF2B5EF4-FFF2-40B4-BE49-F238E27FC236}">
+                <a16:creationId xmlns:a16="http://schemas.microsoft.com/office/drawing/2014/main" id="{AE2E46C0-B12D-992A-3F80-04AA639CF8E2}"/>
+              </a:ext>
+            </a:extLst>
+          </p:cNvPr>
+          <p:cNvSpPr/>
+          <p:nvPr/>
+        </p:nvSpPr>
+        <p:spPr>
+          <a:xfrm rot="13500000">
+            <a:off x="4978561" y="7913038"/>
+            <a:ext cx="156014" cy="156014"/>
+          </a:xfrm>
+          <a:prstGeom prst="halfFrame">
+            <a:avLst>
+              <a:gd name="adj1" fmla="val 24344"/>
+              <a:gd name="adj2" fmla="val 25468"/>
+            </a:avLst>
+          </a:prstGeom>
+          <a:solidFill>
+            <a:srgbClr val="BFC8CB"/>
+          </a:solidFill>
+          <a:ln>
+            <a:noFill/>
+          </a:ln>
+        </p:spPr>
+        <p:style>
+          <a:lnRef idx="2">
+            <a:schemeClr val="accent1">
+              <a:shade val="15000"/>
+            </a:schemeClr>
+          </a:lnRef>
+          <a:fillRef idx="1">
+            <a:schemeClr val="accent1"/>
+          </a:fillRef>
+          <a:effectRef idx="0">
+            <a:schemeClr val="accent1"/>
+          </a:effectRef>
+          <a:fontRef idx="minor">
+            <a:schemeClr val="lt1"/>
+          </a:fontRef>
+        </p:style>
+        <p:txBody>
+          <a:bodyPr rtlCol="0" anchor="ctr"/>
+          <a:lstStyle/>
+          <a:p>
+            <a:pPr algn="ctr"/>
+            <a:endParaRPr lang="hu-HU">
+              <a:solidFill>
+                <a:schemeClr val="tx1"/>
+              </a:solidFill>
+            </a:endParaRPr>
+          </a:p>
+        </p:txBody>
+      </p:sp>
+      <p:sp>
+        <p:nvSpPr>
+          <p:cNvPr id="28" name="Téglalap: lekerekített 27">
+            <a:extLst>
+              <a:ext uri="{FF2B5EF4-FFF2-40B4-BE49-F238E27FC236}">
+                <a16:creationId xmlns:a16="http://schemas.microsoft.com/office/drawing/2014/main" id="{C5757968-84CD-CE14-6902-4DF98658C074}"/>
+              </a:ext>
+            </a:extLst>
+          </p:cNvPr>
+          <p:cNvSpPr/>
+          <p:nvPr/>
+        </p:nvSpPr>
+        <p:spPr>
+          <a:xfrm>
+            <a:off x="5983963" y="7798291"/>
+            <a:ext cx="426702" cy="422536"/>
+          </a:xfrm>
+          <a:prstGeom prst="roundRect">
+            <a:avLst>
+              <a:gd name="adj" fmla="val 50000"/>
+            </a:avLst>
+          </a:prstGeom>
+          <a:solidFill>
+            <a:srgbClr val="343B3C"/>
+          </a:solidFill>
+          <a:ln>
+            <a:noFill/>
+          </a:ln>
+          <a:effectLst>
+            <a:outerShdw blurRad="63500" algn="ctr" rotWithShape="0">
+              <a:prstClr val="black">
+                <a:alpha val="27000"/>
+              </a:prstClr>
+            </a:outerShdw>
+          </a:effectLst>
+        </p:spPr>
+        <p:style>
+          <a:lnRef idx="2">
+            <a:schemeClr val="accent1">
+              <a:shade val="15000"/>
+            </a:schemeClr>
+          </a:lnRef>
+          <a:fillRef idx="1">
+            <a:schemeClr val="accent1"/>
+          </a:fillRef>
+          <a:effectRef idx="0">
+            <a:schemeClr val="accent1"/>
+          </a:effectRef>
+          <a:fontRef idx="minor">
+            <a:schemeClr val="lt1"/>
+          </a:fontRef>
+        </p:style>
+        <p:txBody>
+          <a:bodyPr rtlCol="0" anchor="ctr"/>
+          <a:lstStyle/>
+          <a:p>
+            <a:endParaRPr lang="en-GB" dirty="0">
+              <a:solidFill>
+                <a:srgbClr val="BFC8CB"/>
+              </a:solidFill>
+            </a:endParaRPr>
+          </a:p>
+        </p:txBody>
+      </p:sp>
+      <p:sp>
+        <p:nvSpPr>
+          <p:cNvPr id="24" name="Fél keret 23">
+            <a:extLst>
+              <a:ext uri="{FF2B5EF4-FFF2-40B4-BE49-F238E27FC236}">
+                <a16:creationId xmlns:a16="http://schemas.microsoft.com/office/drawing/2014/main" id="{5175FFED-D7AC-39D5-7515-51DDCF51B1F3}"/>
+              </a:ext>
+            </a:extLst>
+          </p:cNvPr>
+          <p:cNvSpPr/>
+          <p:nvPr/>
+        </p:nvSpPr>
+        <p:spPr>
+          <a:xfrm rot="2700000">
+            <a:off x="6117456" y="7975782"/>
+            <a:ext cx="156014" cy="156014"/>
+          </a:xfrm>
+          <a:prstGeom prst="halfFrame">
+            <a:avLst>
+              <a:gd name="adj1" fmla="val 24344"/>
+              <a:gd name="adj2" fmla="val 25468"/>
+            </a:avLst>
+          </a:prstGeom>
+          <a:solidFill>
+            <a:srgbClr val="BFC8CB"/>
+          </a:solidFill>
+          <a:ln>
+            <a:noFill/>
+          </a:ln>
+        </p:spPr>
+        <p:style>
+          <a:lnRef idx="2">
+            <a:schemeClr val="accent1">
+              <a:shade val="15000"/>
+            </a:schemeClr>
+          </a:lnRef>
+          <a:fillRef idx="1">
+            <a:schemeClr val="accent1"/>
+          </a:fillRef>
+          <a:effectRef idx="0">
+            <a:schemeClr val="accent1"/>
+          </a:effectRef>
+          <a:fontRef idx="minor">
+            <a:schemeClr val="lt1"/>
+          </a:fontRef>
+        </p:style>
+        <p:txBody>
+          <a:bodyPr rtlCol="0" anchor="ctr"/>
+          <a:lstStyle/>
+          <a:p>
+            <a:pPr algn="ctr"/>
+            <a:endParaRPr lang="hu-HU">
+              <a:solidFill>
+                <a:schemeClr val="tx1"/>
+              </a:solidFill>
+            </a:endParaRPr>
+          </a:p>
+        </p:txBody>
+      </p:sp>
+      <p:sp>
+        <p:nvSpPr>
+          <p:cNvPr id="3" name="Fél keret 2">
+            <a:extLst>
+              <a:ext uri="{FF2B5EF4-FFF2-40B4-BE49-F238E27FC236}">
+                <a16:creationId xmlns:a16="http://schemas.microsoft.com/office/drawing/2014/main" id="{435B0359-686B-C450-395E-F27E015B8DC6}"/>
+              </a:ext>
+            </a:extLst>
+          </p:cNvPr>
+          <p:cNvSpPr/>
+          <p:nvPr/>
+        </p:nvSpPr>
+        <p:spPr>
+          <a:xfrm rot="2700000">
+            <a:off x="4813245" y="8629891"/>
+            <a:ext cx="156014" cy="156014"/>
+          </a:xfrm>
+          <a:prstGeom prst="halfFrame">
+            <a:avLst>
+              <a:gd name="adj1" fmla="val 24344"/>
+              <a:gd name="adj2" fmla="val 25468"/>
+            </a:avLst>
+          </a:prstGeom>
+          <a:solidFill>
+            <a:srgbClr val="BFC8CB"/>
+          </a:solidFill>
+          <a:ln>
+            <a:noFill/>
+          </a:ln>
+        </p:spPr>
+        <p:style>
+          <a:lnRef idx="2">
+            <a:schemeClr val="accent1">
+              <a:shade val="15000"/>
+            </a:schemeClr>
+          </a:lnRef>
+          <a:fillRef idx="1">
+            <a:schemeClr val="accent1"/>
+          </a:fillRef>
+          <a:effectRef idx="0">
+            <a:schemeClr val="accent1"/>
+          </a:effectRef>
+          <a:fontRef idx="minor">
+            <a:schemeClr val="lt1"/>
+          </a:fontRef>
+        </p:style>
+        <p:txBody>
+          <a:bodyPr rtlCol="0" anchor="ctr"/>
+          <a:lstStyle/>
+          <a:p>
+            <a:pPr algn="ctr"/>
+            <a:endParaRPr lang="hu-HU">
+              <a:solidFill>
+                <a:schemeClr val="tx1"/>
+              </a:solidFill>
+            </a:endParaRPr>
+          </a:p>
+        </p:txBody>
+      </p:sp>
+      <p:sp>
+        <p:nvSpPr>
+          <p:cNvPr id="8" name="Fél keret 7">
+            <a:extLst>
+              <a:ext uri="{FF2B5EF4-FFF2-40B4-BE49-F238E27FC236}">
+                <a16:creationId xmlns:a16="http://schemas.microsoft.com/office/drawing/2014/main" id="{3477B9CC-8B57-55F8-024B-F4E984FB774E}"/>
+              </a:ext>
+            </a:extLst>
+          </p:cNvPr>
+          <p:cNvSpPr/>
+          <p:nvPr/>
+        </p:nvSpPr>
+        <p:spPr>
+          <a:xfrm rot="13500000">
+            <a:off x="4813244" y="8734011"/>
+            <a:ext cx="156014" cy="156014"/>
+          </a:xfrm>
+          <a:prstGeom prst="halfFrame">
+            <a:avLst>
+              <a:gd name="adj1" fmla="val 24344"/>
+              <a:gd name="adj2" fmla="val 25468"/>
+            </a:avLst>
+          </a:prstGeom>
+          <a:solidFill>
+            <a:srgbClr val="BFC8CB"/>
+          </a:solidFill>
+          <a:ln>
+            <a:noFill/>
+          </a:ln>
+        </p:spPr>
+        <p:style>
+          <a:lnRef idx="2">
+            <a:schemeClr val="accent1">
+              <a:shade val="15000"/>
+            </a:schemeClr>
+          </a:lnRef>
+          <a:fillRef idx="1">
+            <a:schemeClr val="accent1"/>
+          </a:fillRef>
+          <a:effectRef idx="0">
+            <a:schemeClr val="accent1"/>
+          </a:effectRef>
+          <a:fontRef idx="minor">
+            <a:schemeClr val="lt1"/>
+          </a:fontRef>
+        </p:style>
+        <p:txBody>
+          <a:bodyPr rtlCol="0" anchor="ctr"/>
+          <a:lstStyle/>
+          <a:p>
+            <a:pPr algn="ctr"/>
+            <a:endParaRPr lang="hu-HU">
+              <a:solidFill>
+                <a:schemeClr val="tx1"/>
+              </a:solidFill>
+            </a:endParaRPr>
+          </a:p>
+        </p:txBody>
+      </p:sp>
+      <p:sp>
+        <p:nvSpPr>
+          <p:cNvPr id="15" name="Szövegdoboz 14">
+            <a:extLst>
+              <a:ext uri="{FF2B5EF4-FFF2-40B4-BE49-F238E27FC236}">
+                <a16:creationId xmlns:a16="http://schemas.microsoft.com/office/drawing/2014/main" id="{35181EB3-DB90-1AA2-04B1-ADF8DD761AD6}"/>
+              </a:ext>
+            </a:extLst>
+          </p:cNvPr>
+          <p:cNvSpPr txBox="1"/>
+          <p:nvPr/>
+        </p:nvSpPr>
+        <p:spPr>
+          <a:xfrm>
+            <a:off x="5463961" y="7828749"/>
+            <a:ext cx="320922" cy="400110"/>
+          </a:xfrm>
+          <a:prstGeom prst="rect">
+            <a:avLst/>
+          </a:prstGeom>
+          <a:noFill/>
+        </p:spPr>
+        <p:txBody>
+          <a:bodyPr wrap="none" rtlCol="0">
+            <a:spAutoFit/>
+          </a:bodyPr>
+          <a:lstStyle/>
+          <a:p>
+            <a:pPr algn="ctr"/>
+            <a:r>
+              <a:rPr lang="en-GB" sz="2000" b="1" dirty="0">
+                <a:solidFill>
+                  <a:srgbClr val="BFC8CB"/>
+                </a:solidFill>
+              </a:rPr>
+              <a:t>0</a:t>
+            </a:r>
+            <a:endParaRPr lang="hu-HU" sz="2000" b="1" dirty="0">
+              <a:solidFill>
+                <a:srgbClr val="BFC8CB"/>
+              </a:solidFill>
+            </a:endParaRPr>
+          </a:p>
+        </p:txBody>
+      </p:sp>
+      <p:sp>
+        <p:nvSpPr>
+          <p:cNvPr id="29" name="Szövegdoboz 28">
+            <a:extLst>
+              <a:ext uri="{FF2B5EF4-FFF2-40B4-BE49-F238E27FC236}">
+                <a16:creationId xmlns:a16="http://schemas.microsoft.com/office/drawing/2014/main" id="{1ED2D996-7A72-9FCF-9857-08AEC25BF209}"/>
+              </a:ext>
+            </a:extLst>
+          </p:cNvPr>
+          <p:cNvSpPr txBox="1"/>
+          <p:nvPr/>
+        </p:nvSpPr>
+        <p:spPr>
+          <a:xfrm>
+            <a:off x="4973751" y="8572055"/>
+            <a:ext cx="1642330" cy="369332"/>
+          </a:xfrm>
+          <a:prstGeom prst="rect">
+            <a:avLst/>
+          </a:prstGeom>
+          <a:noFill/>
+        </p:spPr>
+        <p:txBody>
+          <a:bodyPr wrap="square">
+            <a:spAutoFit/>
+          </a:bodyPr>
+          <a:lstStyle/>
+          <a:p>
+            <a:pPr algn="r"/>
+            <a:r>
+              <a:rPr lang="en-GB" dirty="0">
+                <a:solidFill>
+                  <a:srgbClr val="BFC8CB"/>
+                </a:solidFill>
+              </a:rPr>
+              <a:t>C-</a:t>
+            </a:r>
+            <a:r>
+              <a:rPr lang="en-GB" dirty="0" err="1">
+                <a:solidFill>
+                  <a:srgbClr val="BFC8CB"/>
+                </a:solidFill>
+              </a:rPr>
+              <a:t>dúr</a:t>
+            </a:r>
+            <a:r>
+              <a:rPr lang="en-GB" dirty="0">
+                <a:solidFill>
+                  <a:srgbClr val="BFC8CB"/>
+                </a:solidFill>
+              </a:rPr>
+              <a:t>, g#-moll</a:t>
+            </a:r>
+          </a:p>
+        </p:txBody>
+      </p:sp>
+    </p:spTree>
+    <p:extLst>
+      <p:ext uri="{BB962C8B-B14F-4D97-AF65-F5344CB8AC3E}">
+        <p14:creationId xmlns:p14="http://schemas.microsoft.com/office/powerpoint/2010/main" val="2148660282"/>
+      </p:ext>
+    </p:extLst>
+  </p:cSld>
+  <p:clrMapOvr>
+    <a:masterClrMapping/>
+  </p:clrMapOvr>
+</p:sld>
+</file>
+
+<file path=ppt/slides/slide21.xml><?xml version="1.0" encoding="utf-8"?>
+<p:sld xmlns:a="http://schemas.openxmlformats.org/drawingml/2006/main" xmlns:r="http://schemas.openxmlformats.org/officeDocument/2006/relationships" xmlns:p="http://schemas.openxmlformats.org/presentationml/2006/main">
+  <p:cSld>
+    <p:spTree>
+      <p:nvGrpSpPr>
+        <p:cNvPr id="1" name="">
+          <a:extLst>
+            <a:ext uri="{FF2B5EF4-FFF2-40B4-BE49-F238E27FC236}">
+              <a16:creationId xmlns:a16="http://schemas.microsoft.com/office/drawing/2014/main" id="{0C18F96D-84E4-AD12-28F9-313039F98CF0}"/>
+            </a:ext>
+          </a:extLst>
+        </p:cNvPr>
+        <p:cNvGrpSpPr/>
+        <p:nvPr/>
+      </p:nvGrpSpPr>
+      <p:grpSpPr>
+        <a:xfrm>
+          <a:off x="0" y="0"/>
+          <a:ext cx="0" cy="0"/>
+          <a:chOff x="0" y="0"/>
+          <a:chExt cx="0" cy="0"/>
+        </a:xfrm>
+      </p:grpSpPr>
+      <p:sp>
+        <p:nvSpPr>
+          <p:cNvPr id="13" name="Téglalap: lekerekített 12">
+            <a:extLst>
+              <a:ext uri="{FF2B5EF4-FFF2-40B4-BE49-F238E27FC236}">
+                <a16:creationId xmlns:a16="http://schemas.microsoft.com/office/drawing/2014/main" id="{948AD940-A397-B468-888E-803FC2348F40}"/>
+              </a:ext>
+            </a:extLst>
+          </p:cNvPr>
+          <p:cNvSpPr/>
+          <p:nvPr/>
+        </p:nvSpPr>
+        <p:spPr>
+          <a:xfrm>
+            <a:off x="4667250" y="6362699"/>
+            <a:ext cx="1963115" cy="1995489"/>
+          </a:xfrm>
+          <a:prstGeom prst="roundRect">
+            <a:avLst>
+              <a:gd name="adj" fmla="val 8956"/>
+            </a:avLst>
+          </a:prstGeom>
+          <a:solidFill>
+            <a:srgbClr val="263032"/>
+          </a:solidFill>
+          <a:ln>
+            <a:noFill/>
+          </a:ln>
+        </p:spPr>
+        <p:style>
+          <a:lnRef idx="2">
+            <a:schemeClr val="accent1">
+              <a:shade val="15000"/>
+            </a:schemeClr>
+          </a:lnRef>
+          <a:fillRef idx="1">
+            <a:schemeClr val="accent1"/>
+          </a:fillRef>
+          <a:effectRef idx="0">
+            <a:schemeClr val="accent1"/>
+          </a:effectRef>
+          <a:fontRef idx="minor">
+            <a:schemeClr val="lt1"/>
+          </a:fontRef>
+        </p:style>
+        <p:txBody>
+          <a:bodyPr rtlCol="0" anchor="ctr"/>
+          <a:lstStyle/>
+          <a:p>
+            <a:pPr algn="ctr"/>
+            <a:endParaRPr lang="hu-HU"/>
+          </a:p>
+        </p:txBody>
+      </p:sp>
+      <p:sp>
+        <p:nvSpPr>
+          <p:cNvPr id="4" name="Téglalap 3">
+            <a:extLst>
+              <a:ext uri="{FF2B5EF4-FFF2-40B4-BE49-F238E27FC236}">
+                <a16:creationId xmlns:a16="http://schemas.microsoft.com/office/drawing/2014/main" id="{081AB15E-4AE8-99B1-D4E1-4B88BBD676CA}"/>
+              </a:ext>
+            </a:extLst>
+          </p:cNvPr>
+          <p:cNvSpPr/>
+          <p:nvPr/>
+        </p:nvSpPr>
+        <p:spPr>
+          <a:xfrm>
+            <a:off x="0" y="8358188"/>
+            <a:ext cx="6858000" cy="785812"/>
+          </a:xfrm>
+          <a:prstGeom prst="rect">
+            <a:avLst/>
+          </a:prstGeom>
+          <a:solidFill>
+            <a:srgbClr val="263032"/>
+          </a:solidFill>
+          <a:ln>
+            <a:noFill/>
+          </a:ln>
+        </p:spPr>
+        <p:style>
+          <a:lnRef idx="2">
+            <a:schemeClr val="accent1">
+              <a:shade val="15000"/>
+            </a:schemeClr>
+          </a:lnRef>
+          <a:fillRef idx="1">
+            <a:schemeClr val="accent1"/>
+          </a:fillRef>
+          <a:effectRef idx="0">
+            <a:schemeClr val="accent1"/>
+          </a:effectRef>
+          <a:fontRef idx="minor">
+            <a:schemeClr val="lt1"/>
+          </a:fontRef>
+        </p:style>
+        <p:txBody>
+          <a:bodyPr rtlCol="0" anchor="ctr"/>
+          <a:lstStyle/>
+          <a:p>
+            <a:pPr algn="ctr"/>
+            <a:endParaRPr lang="hu-HU"/>
+          </a:p>
+        </p:txBody>
+      </p:sp>
+      <p:sp>
+        <p:nvSpPr>
+          <p:cNvPr id="5" name="Szövegdoboz 4">
+            <a:extLst>
+              <a:ext uri="{FF2B5EF4-FFF2-40B4-BE49-F238E27FC236}">
+                <a16:creationId xmlns:a16="http://schemas.microsoft.com/office/drawing/2014/main" id="{B477DB94-04CF-24E9-8229-61FCEB6C981F}"/>
+              </a:ext>
+            </a:extLst>
+          </p:cNvPr>
+          <p:cNvSpPr txBox="1"/>
+          <p:nvPr/>
+        </p:nvSpPr>
+        <p:spPr>
+          <a:xfrm>
+            <a:off x="353140" y="8566428"/>
+            <a:ext cx="711670" cy="369332"/>
+          </a:xfrm>
+          <a:prstGeom prst="rect">
+            <a:avLst/>
+          </a:prstGeom>
+          <a:noFill/>
+        </p:spPr>
+        <p:txBody>
+          <a:bodyPr wrap="none" rtlCol="0">
+            <a:spAutoFit/>
+          </a:bodyPr>
+          <a:lstStyle/>
+          <a:p>
+            <a:r>
+              <a:rPr lang="en-GB" dirty="0">
+                <a:solidFill>
+                  <a:schemeClr val="bg1"/>
+                </a:solidFill>
+              </a:rPr>
+              <a:t>Kotta</a:t>
+            </a:r>
+            <a:endParaRPr lang="hu-HU" dirty="0">
+              <a:solidFill>
+                <a:schemeClr val="bg1"/>
+              </a:solidFill>
+            </a:endParaRPr>
+          </a:p>
+        </p:txBody>
+      </p:sp>
+      <p:sp>
+        <p:nvSpPr>
+          <p:cNvPr id="6" name="Szövegdoboz 5">
+            <a:extLst>
+              <a:ext uri="{FF2B5EF4-FFF2-40B4-BE49-F238E27FC236}">
+                <a16:creationId xmlns:a16="http://schemas.microsoft.com/office/drawing/2014/main" id="{4A5CFF35-AA94-F775-AF53-7AFF39CDDE7C}"/>
+              </a:ext>
+            </a:extLst>
+          </p:cNvPr>
+          <p:cNvSpPr txBox="1"/>
+          <p:nvPr/>
+        </p:nvSpPr>
+        <p:spPr>
+          <a:xfrm>
+            <a:off x="1345480" y="8566428"/>
+            <a:ext cx="598241" cy="369332"/>
+          </a:xfrm>
+          <a:prstGeom prst="rect">
+            <a:avLst/>
+          </a:prstGeom>
+          <a:noFill/>
+        </p:spPr>
+        <p:txBody>
+          <a:bodyPr wrap="none" rtlCol="0">
+            <a:spAutoFit/>
+          </a:bodyPr>
+          <a:lstStyle/>
+          <a:p>
+            <a:r>
+              <a:rPr lang="en-GB" dirty="0">
+                <a:solidFill>
+                  <a:schemeClr val="bg1"/>
+                </a:solidFill>
+              </a:rPr>
+              <a:t>PDF</a:t>
+            </a:r>
+            <a:endParaRPr lang="hu-HU" dirty="0">
+              <a:solidFill>
+                <a:schemeClr val="bg1"/>
+              </a:solidFill>
+            </a:endParaRPr>
+          </a:p>
+        </p:txBody>
+      </p:sp>
+      <p:sp>
+        <p:nvSpPr>
+          <p:cNvPr id="10" name="Szövegdoboz 9">
+            <a:extLst>
+              <a:ext uri="{FF2B5EF4-FFF2-40B4-BE49-F238E27FC236}">
+                <a16:creationId xmlns:a16="http://schemas.microsoft.com/office/drawing/2014/main" id="{28A3F6D4-2D5D-C661-34C9-0DF128DF5BD7}"/>
+              </a:ext>
+            </a:extLst>
+          </p:cNvPr>
+          <p:cNvSpPr txBox="1"/>
+          <p:nvPr/>
+        </p:nvSpPr>
+        <p:spPr>
+          <a:xfrm>
+            <a:off x="4986894" y="8566428"/>
+            <a:ext cx="1590436" cy="369332"/>
+          </a:xfrm>
+          <a:prstGeom prst="rect">
+            <a:avLst/>
+          </a:prstGeom>
+          <a:noFill/>
+        </p:spPr>
+        <p:txBody>
+          <a:bodyPr wrap="none" rtlCol="0">
+            <a:spAutoFit/>
+          </a:bodyPr>
+          <a:lstStyle/>
+          <a:p>
+            <a:pPr algn="r"/>
+            <a:r>
+              <a:rPr lang="en-GB" i="1" dirty="0" err="1">
+                <a:solidFill>
+                  <a:srgbClr val="BFC8CB"/>
+                </a:solidFill>
+              </a:rPr>
+              <a:t>transzponálás</a:t>
+            </a:r>
+            <a:endParaRPr lang="hu-HU" i="1" dirty="0">
+              <a:solidFill>
+                <a:srgbClr val="BFC8CB"/>
+              </a:solidFill>
+            </a:endParaRPr>
+          </a:p>
+        </p:txBody>
+      </p:sp>
+      <p:sp>
+        <p:nvSpPr>
+          <p:cNvPr id="11" name="Fél keret 10">
+            <a:extLst>
+              <a:ext uri="{FF2B5EF4-FFF2-40B4-BE49-F238E27FC236}">
+                <a16:creationId xmlns:a16="http://schemas.microsoft.com/office/drawing/2014/main" id="{78F45743-43E9-1B9E-1C34-58FB851C4E60}"/>
+              </a:ext>
+            </a:extLst>
+          </p:cNvPr>
+          <p:cNvSpPr/>
+          <p:nvPr/>
+        </p:nvSpPr>
+        <p:spPr>
+          <a:xfrm rot="2700000">
+            <a:off x="4775947" y="8629892"/>
+            <a:ext cx="156014" cy="156014"/>
+          </a:xfrm>
+          <a:prstGeom prst="halfFrame">
+            <a:avLst>
+              <a:gd name="adj1" fmla="val 24344"/>
+              <a:gd name="adj2" fmla="val 25468"/>
+            </a:avLst>
+          </a:prstGeom>
+          <a:solidFill>
+            <a:srgbClr val="BFC8CB"/>
+          </a:solidFill>
+          <a:ln>
+            <a:noFill/>
+          </a:ln>
+        </p:spPr>
+        <p:style>
+          <a:lnRef idx="2">
+            <a:schemeClr val="accent1">
+              <a:shade val="15000"/>
+            </a:schemeClr>
+          </a:lnRef>
+          <a:fillRef idx="1">
+            <a:schemeClr val="accent1"/>
+          </a:fillRef>
+          <a:effectRef idx="0">
+            <a:schemeClr val="accent1"/>
+          </a:effectRef>
+          <a:fontRef idx="minor">
+            <a:schemeClr val="lt1"/>
+          </a:fontRef>
+        </p:style>
+        <p:txBody>
+          <a:bodyPr rtlCol="0" anchor="ctr"/>
+          <a:lstStyle/>
+          <a:p>
+            <a:pPr algn="ctr"/>
+            <a:endParaRPr lang="hu-HU">
+              <a:solidFill>
+                <a:schemeClr val="tx1"/>
+              </a:solidFill>
+            </a:endParaRPr>
+          </a:p>
+        </p:txBody>
+      </p:sp>
+      <p:sp>
+        <p:nvSpPr>
+          <p:cNvPr id="12" name="Fél keret 11">
+            <a:extLst>
+              <a:ext uri="{FF2B5EF4-FFF2-40B4-BE49-F238E27FC236}">
+                <a16:creationId xmlns:a16="http://schemas.microsoft.com/office/drawing/2014/main" id="{E0E4696B-033B-909A-E449-18FF81599DF9}"/>
+              </a:ext>
+            </a:extLst>
+          </p:cNvPr>
+          <p:cNvSpPr/>
+          <p:nvPr/>
+        </p:nvSpPr>
+        <p:spPr>
+          <a:xfrm rot="13500000">
+            <a:off x="4775946" y="8734012"/>
+            <a:ext cx="156014" cy="156014"/>
+          </a:xfrm>
+          <a:prstGeom prst="halfFrame">
+            <a:avLst>
+              <a:gd name="adj1" fmla="val 24344"/>
+              <a:gd name="adj2" fmla="val 25468"/>
+            </a:avLst>
+          </a:prstGeom>
+          <a:solidFill>
+            <a:srgbClr val="BFC8CB"/>
+          </a:solidFill>
+          <a:ln>
+            <a:noFill/>
+          </a:ln>
+        </p:spPr>
+        <p:style>
+          <a:lnRef idx="2">
+            <a:schemeClr val="accent1">
+              <a:shade val="15000"/>
+            </a:schemeClr>
+          </a:lnRef>
+          <a:fillRef idx="1">
+            <a:schemeClr val="accent1"/>
+          </a:fillRef>
+          <a:effectRef idx="0">
+            <a:schemeClr val="accent1"/>
+          </a:effectRef>
+          <a:fontRef idx="minor">
+            <a:schemeClr val="lt1"/>
+          </a:fontRef>
+        </p:style>
+        <p:txBody>
+          <a:bodyPr rtlCol="0" anchor="ctr"/>
+          <a:lstStyle/>
+          <a:p>
+            <a:pPr algn="ctr"/>
+            <a:endParaRPr lang="hu-HU">
+              <a:solidFill>
+                <a:schemeClr val="tx1"/>
+              </a:solidFill>
+            </a:endParaRPr>
+          </a:p>
+        </p:txBody>
+      </p:sp>
+      <p:sp>
+        <p:nvSpPr>
+          <p:cNvPr id="20" name="Szövegdoboz 19">
+            <a:extLst>
+              <a:ext uri="{FF2B5EF4-FFF2-40B4-BE49-F238E27FC236}">
+                <a16:creationId xmlns:a16="http://schemas.microsoft.com/office/drawing/2014/main" id="{FDAA5692-EC79-FD45-AAAC-8E17AC1E1C52}"/>
+              </a:ext>
+            </a:extLst>
+          </p:cNvPr>
+          <p:cNvSpPr txBox="1"/>
+          <p:nvPr/>
+        </p:nvSpPr>
+        <p:spPr>
+          <a:xfrm>
+            <a:off x="4767172" y="6469131"/>
+            <a:ext cx="1716178" cy="369332"/>
+          </a:xfrm>
+          <a:prstGeom prst="rect">
+            <a:avLst/>
+          </a:prstGeom>
+          <a:noFill/>
+        </p:spPr>
+        <p:txBody>
+          <a:bodyPr wrap="square" rtlCol="0">
+            <a:spAutoFit/>
+          </a:bodyPr>
+          <a:lstStyle/>
+          <a:p>
+            <a:r>
+              <a:rPr lang="en-GB" b="1" cap="small" dirty="0" err="1">
+                <a:solidFill>
+                  <a:schemeClr val="bg2"/>
+                </a:solidFill>
+              </a:rPr>
+              <a:t>transzponálás</a:t>
+            </a:r>
+            <a:endParaRPr lang="hu-HU" b="1" cap="small" dirty="0">
+              <a:solidFill>
+                <a:schemeClr val="bg2"/>
+              </a:solidFill>
+            </a:endParaRPr>
+          </a:p>
+        </p:txBody>
+      </p:sp>
+      <p:sp>
+        <p:nvSpPr>
+          <p:cNvPr id="27" name="Téglalap: lekerekített 26">
+            <a:extLst>
+              <a:ext uri="{FF2B5EF4-FFF2-40B4-BE49-F238E27FC236}">
+                <a16:creationId xmlns:a16="http://schemas.microsoft.com/office/drawing/2014/main" id="{B6F87868-FB4F-5729-C988-574044138422}"/>
+              </a:ext>
+            </a:extLst>
+          </p:cNvPr>
+          <p:cNvSpPr/>
+          <p:nvPr/>
+        </p:nvSpPr>
+        <p:spPr>
+          <a:xfrm>
+            <a:off x="4836868" y="6862451"/>
+            <a:ext cx="426702" cy="422536"/>
+          </a:xfrm>
+          <a:prstGeom prst="roundRect">
+            <a:avLst>
+              <a:gd name="adj" fmla="val 50000"/>
+            </a:avLst>
+          </a:prstGeom>
+          <a:solidFill>
+            <a:srgbClr val="343B3C"/>
+          </a:solidFill>
+          <a:ln>
+            <a:noFill/>
+          </a:ln>
+          <a:effectLst>
+            <a:outerShdw blurRad="63500" algn="ctr" rotWithShape="0">
+              <a:prstClr val="black">
+                <a:alpha val="27000"/>
+              </a:prstClr>
+            </a:outerShdw>
+          </a:effectLst>
+        </p:spPr>
+        <p:style>
+          <a:lnRef idx="2">
+            <a:schemeClr val="accent1">
+              <a:shade val="15000"/>
+            </a:schemeClr>
+          </a:lnRef>
+          <a:fillRef idx="1">
+            <a:schemeClr val="accent1"/>
+          </a:fillRef>
+          <a:effectRef idx="0">
+            <a:schemeClr val="accent1"/>
+          </a:effectRef>
+          <a:fontRef idx="minor">
+            <a:schemeClr val="lt1"/>
+          </a:fontRef>
+        </p:style>
+        <p:txBody>
+          <a:bodyPr rtlCol="0" anchor="ctr"/>
+          <a:lstStyle/>
+          <a:p>
+            <a:endParaRPr lang="en-GB" dirty="0">
+              <a:solidFill>
+                <a:srgbClr val="BFC8CB"/>
+              </a:solidFill>
+            </a:endParaRPr>
+          </a:p>
+        </p:txBody>
+      </p:sp>
+      <p:sp>
+        <p:nvSpPr>
+          <p:cNvPr id="25" name="Fél keret 24">
+            <a:extLst>
+              <a:ext uri="{FF2B5EF4-FFF2-40B4-BE49-F238E27FC236}">
+                <a16:creationId xmlns:a16="http://schemas.microsoft.com/office/drawing/2014/main" id="{8C05531A-41DF-26DE-A223-EA9F0A4F8970}"/>
+              </a:ext>
+            </a:extLst>
+          </p:cNvPr>
+          <p:cNvSpPr/>
+          <p:nvPr/>
+        </p:nvSpPr>
+        <p:spPr>
+          <a:xfrm rot="13500000">
+            <a:off x="4978561" y="6979588"/>
+            <a:ext cx="156014" cy="156014"/>
+          </a:xfrm>
+          <a:prstGeom prst="halfFrame">
+            <a:avLst>
+              <a:gd name="adj1" fmla="val 24344"/>
+              <a:gd name="adj2" fmla="val 25468"/>
+            </a:avLst>
+          </a:prstGeom>
+          <a:solidFill>
+            <a:srgbClr val="BFC8CB"/>
+          </a:solidFill>
+          <a:ln>
+            <a:noFill/>
+          </a:ln>
+        </p:spPr>
+        <p:style>
+          <a:lnRef idx="2">
+            <a:schemeClr val="accent1">
+              <a:shade val="15000"/>
+            </a:schemeClr>
+          </a:lnRef>
+          <a:fillRef idx="1">
+            <a:schemeClr val="accent1"/>
+          </a:fillRef>
+          <a:effectRef idx="0">
+            <a:schemeClr val="accent1"/>
+          </a:effectRef>
+          <a:fontRef idx="minor">
+            <a:schemeClr val="lt1"/>
+          </a:fontRef>
+        </p:style>
+        <p:txBody>
+          <a:bodyPr rtlCol="0" anchor="ctr"/>
+          <a:lstStyle/>
+          <a:p>
+            <a:pPr algn="ctr"/>
+            <a:endParaRPr lang="hu-HU">
+              <a:solidFill>
+                <a:schemeClr val="tx1"/>
+              </a:solidFill>
+            </a:endParaRPr>
+          </a:p>
+        </p:txBody>
+      </p:sp>
+      <p:sp>
+        <p:nvSpPr>
+          <p:cNvPr id="28" name="Téglalap: lekerekített 27">
+            <a:extLst>
+              <a:ext uri="{FF2B5EF4-FFF2-40B4-BE49-F238E27FC236}">
+                <a16:creationId xmlns:a16="http://schemas.microsoft.com/office/drawing/2014/main" id="{E1D89919-A727-30C0-724A-EC9DBA0D789C}"/>
+              </a:ext>
+            </a:extLst>
+          </p:cNvPr>
+          <p:cNvSpPr/>
+          <p:nvPr/>
+        </p:nvSpPr>
+        <p:spPr>
+          <a:xfrm>
+            <a:off x="5983963" y="6864841"/>
+            <a:ext cx="426702" cy="422536"/>
+          </a:xfrm>
+          <a:prstGeom prst="roundRect">
+            <a:avLst>
+              <a:gd name="adj" fmla="val 50000"/>
+            </a:avLst>
+          </a:prstGeom>
+          <a:solidFill>
+            <a:srgbClr val="343B3C"/>
+          </a:solidFill>
+          <a:ln>
+            <a:noFill/>
+          </a:ln>
+          <a:effectLst>
+            <a:outerShdw blurRad="63500" algn="ctr" rotWithShape="0">
+              <a:prstClr val="black">
+                <a:alpha val="27000"/>
+              </a:prstClr>
+            </a:outerShdw>
+          </a:effectLst>
+        </p:spPr>
+        <p:style>
+          <a:lnRef idx="2">
+            <a:schemeClr val="accent1">
+              <a:shade val="15000"/>
+            </a:schemeClr>
+          </a:lnRef>
+          <a:fillRef idx="1">
+            <a:schemeClr val="accent1"/>
+          </a:fillRef>
+          <a:effectRef idx="0">
+            <a:schemeClr val="accent1"/>
+          </a:effectRef>
+          <a:fontRef idx="minor">
+            <a:schemeClr val="lt1"/>
+          </a:fontRef>
+        </p:style>
+        <p:txBody>
+          <a:bodyPr rtlCol="0" anchor="ctr"/>
+          <a:lstStyle/>
+          <a:p>
+            <a:endParaRPr lang="en-GB" dirty="0">
+              <a:solidFill>
+                <a:srgbClr val="BFC8CB"/>
+              </a:solidFill>
+            </a:endParaRPr>
+          </a:p>
+        </p:txBody>
+      </p:sp>
+      <p:sp>
+        <p:nvSpPr>
+          <p:cNvPr id="24" name="Fél keret 23">
+            <a:extLst>
+              <a:ext uri="{FF2B5EF4-FFF2-40B4-BE49-F238E27FC236}">
+                <a16:creationId xmlns:a16="http://schemas.microsoft.com/office/drawing/2014/main" id="{F5A23B16-B86B-FF3F-CBA8-AFAD09A87287}"/>
+              </a:ext>
+            </a:extLst>
+          </p:cNvPr>
+          <p:cNvSpPr/>
+          <p:nvPr/>
+        </p:nvSpPr>
+        <p:spPr>
+          <a:xfrm rot="2700000">
+            <a:off x="6117456" y="7042332"/>
+            <a:ext cx="156014" cy="156014"/>
+          </a:xfrm>
+          <a:prstGeom prst="halfFrame">
+            <a:avLst>
+              <a:gd name="adj1" fmla="val 24344"/>
+              <a:gd name="adj2" fmla="val 25468"/>
+            </a:avLst>
+          </a:prstGeom>
+          <a:solidFill>
+            <a:srgbClr val="BFC8CB"/>
+          </a:solidFill>
+          <a:ln>
+            <a:noFill/>
+          </a:ln>
+        </p:spPr>
+        <p:style>
+          <a:lnRef idx="2">
+            <a:schemeClr val="accent1">
+              <a:shade val="15000"/>
+            </a:schemeClr>
+          </a:lnRef>
+          <a:fillRef idx="1">
+            <a:schemeClr val="accent1"/>
+          </a:fillRef>
+          <a:effectRef idx="0">
+            <a:schemeClr val="accent1"/>
+          </a:effectRef>
+          <a:fontRef idx="minor">
+            <a:schemeClr val="lt1"/>
+          </a:fontRef>
+        </p:style>
+        <p:txBody>
+          <a:bodyPr rtlCol="0" anchor="ctr"/>
+          <a:lstStyle/>
+          <a:p>
+            <a:pPr algn="ctr"/>
+            <a:endParaRPr lang="hu-HU">
+              <a:solidFill>
+                <a:schemeClr val="tx1"/>
+              </a:solidFill>
+            </a:endParaRPr>
+          </a:p>
+        </p:txBody>
+      </p:sp>
+      <p:sp>
+        <p:nvSpPr>
+          <p:cNvPr id="2" name="Téglalap: lekerekített 1">
+            <a:extLst>
+              <a:ext uri="{FF2B5EF4-FFF2-40B4-BE49-F238E27FC236}">
+                <a16:creationId xmlns:a16="http://schemas.microsoft.com/office/drawing/2014/main" id="{48E0C55E-F5D0-F088-77AC-D9DC81D39234}"/>
+              </a:ext>
+            </a:extLst>
+          </p:cNvPr>
+          <p:cNvSpPr/>
+          <p:nvPr/>
+        </p:nvSpPr>
+        <p:spPr>
+          <a:xfrm>
+            <a:off x="2083024" y="8566428"/>
+            <a:ext cx="990321" cy="370613"/>
+          </a:xfrm>
+          <a:prstGeom prst="roundRect">
+            <a:avLst/>
+          </a:prstGeom>
+          <a:solidFill>
+            <a:srgbClr val="343B3C"/>
+          </a:solidFill>
+          <a:ln>
+            <a:noFill/>
+          </a:ln>
+          <a:effectLst>
+            <a:outerShdw blurRad="63500" algn="ctr" rotWithShape="0">
+              <a:prstClr val="black">
+                <a:alpha val="27000"/>
+              </a:prstClr>
+            </a:outerShdw>
+          </a:effectLst>
+        </p:spPr>
+        <p:style>
+          <a:lnRef idx="2">
+            <a:schemeClr val="accent1">
+              <a:shade val="15000"/>
+            </a:schemeClr>
+          </a:lnRef>
+          <a:fillRef idx="1">
+            <a:schemeClr val="accent1"/>
+          </a:fillRef>
+          <a:effectRef idx="0">
+            <a:schemeClr val="accent1"/>
+          </a:effectRef>
+          <a:fontRef idx="minor">
+            <a:schemeClr val="lt1"/>
+          </a:fontRef>
+        </p:style>
+        <p:txBody>
+          <a:bodyPr rtlCol="0" anchor="ctr"/>
+          <a:lstStyle/>
+          <a:p>
+            <a:pPr algn="ctr"/>
+            <a:r>
+              <a:rPr lang="en-GB" b="1" dirty="0" err="1">
+                <a:solidFill>
+                  <a:srgbClr val="BFC8CB"/>
+                </a:solidFill>
+              </a:rPr>
+              <a:t>Akkord</a:t>
+            </a:r>
+            <a:endParaRPr lang="en-GB" b="1" dirty="0">
+              <a:solidFill>
+                <a:srgbClr val="BFC8CB"/>
+              </a:solidFill>
+            </a:endParaRPr>
+          </a:p>
+        </p:txBody>
+      </p:sp>
+      <p:sp>
+        <p:nvSpPr>
+          <p:cNvPr id="3" name="Szövegdoboz 2">
+            <a:extLst>
+              <a:ext uri="{FF2B5EF4-FFF2-40B4-BE49-F238E27FC236}">
+                <a16:creationId xmlns:a16="http://schemas.microsoft.com/office/drawing/2014/main" id="{C1FAB9B2-79CB-8FF1-2CB4-54468AD491E9}"/>
+              </a:ext>
+            </a:extLst>
+          </p:cNvPr>
+          <p:cNvSpPr txBox="1"/>
+          <p:nvPr/>
+        </p:nvSpPr>
+        <p:spPr>
+          <a:xfrm>
+            <a:off x="4767172" y="7445586"/>
+            <a:ext cx="1002764" cy="369332"/>
+          </a:xfrm>
+          <a:prstGeom prst="rect">
+            <a:avLst/>
+          </a:prstGeom>
+          <a:noFill/>
+        </p:spPr>
+        <p:txBody>
+          <a:bodyPr wrap="square" rtlCol="0">
+            <a:spAutoFit/>
+          </a:bodyPr>
+          <a:lstStyle/>
+          <a:p>
+            <a:r>
+              <a:rPr lang="en-GB" b="1" cap="small" dirty="0">
+                <a:solidFill>
+                  <a:schemeClr val="bg2"/>
+                </a:solidFill>
+              </a:rPr>
+              <a:t>capo</a:t>
+            </a:r>
+            <a:endParaRPr lang="hu-HU" b="1" cap="small" dirty="0">
+              <a:solidFill>
+                <a:schemeClr val="bg2"/>
+              </a:solidFill>
+            </a:endParaRPr>
+          </a:p>
+        </p:txBody>
+      </p:sp>
+      <p:sp>
+        <p:nvSpPr>
+          <p:cNvPr id="8" name="Szövegdoboz 7">
+            <a:extLst>
+              <a:ext uri="{FF2B5EF4-FFF2-40B4-BE49-F238E27FC236}">
+                <a16:creationId xmlns:a16="http://schemas.microsoft.com/office/drawing/2014/main" id="{435CDEF2-FBD9-C838-CE52-BCA7277F0F5C}"/>
+              </a:ext>
+            </a:extLst>
+          </p:cNvPr>
+          <p:cNvSpPr txBox="1"/>
+          <p:nvPr/>
+        </p:nvSpPr>
+        <p:spPr>
+          <a:xfrm>
+            <a:off x="5463961" y="7828749"/>
+            <a:ext cx="320922" cy="400110"/>
+          </a:xfrm>
+          <a:prstGeom prst="rect">
+            <a:avLst/>
+          </a:prstGeom>
+          <a:noFill/>
+        </p:spPr>
+        <p:txBody>
+          <a:bodyPr wrap="none" rtlCol="0">
+            <a:spAutoFit/>
+          </a:bodyPr>
+          <a:lstStyle/>
+          <a:p>
+            <a:pPr algn="ctr"/>
+            <a:r>
+              <a:rPr lang="en-GB" sz="2000" dirty="0">
+                <a:solidFill>
+                  <a:srgbClr val="BFC8CB"/>
+                </a:solidFill>
+              </a:rPr>
+              <a:t>0</a:t>
+            </a:r>
+            <a:endParaRPr lang="hu-HU" sz="2000" dirty="0">
+              <a:solidFill>
+                <a:srgbClr val="BFC8CB"/>
+              </a:solidFill>
+            </a:endParaRPr>
+          </a:p>
+        </p:txBody>
+      </p:sp>
+      <p:sp>
+        <p:nvSpPr>
+          <p:cNvPr id="15" name="Téglalap: lekerekített 14">
+            <a:extLst>
+              <a:ext uri="{FF2B5EF4-FFF2-40B4-BE49-F238E27FC236}">
+                <a16:creationId xmlns:a16="http://schemas.microsoft.com/office/drawing/2014/main" id="{6EA1035F-03FE-2EFD-AB18-7EFA460DB5EA}"/>
+              </a:ext>
+            </a:extLst>
+          </p:cNvPr>
+          <p:cNvSpPr/>
+          <p:nvPr/>
+        </p:nvSpPr>
+        <p:spPr>
+          <a:xfrm>
+            <a:off x="4836868" y="7821138"/>
+            <a:ext cx="426702" cy="422536"/>
+          </a:xfrm>
+          <a:prstGeom prst="roundRect">
+            <a:avLst>
+              <a:gd name="adj" fmla="val 50000"/>
+            </a:avLst>
+          </a:prstGeom>
+          <a:solidFill>
+            <a:srgbClr val="343B3C"/>
+          </a:solidFill>
+          <a:ln>
+            <a:noFill/>
+          </a:ln>
+          <a:effectLst>
+            <a:outerShdw blurRad="63500" algn="ctr" rotWithShape="0">
+              <a:prstClr val="black">
+                <a:alpha val="27000"/>
+              </a:prstClr>
+            </a:outerShdw>
+          </a:effectLst>
+        </p:spPr>
+        <p:style>
+          <a:lnRef idx="2">
+            <a:schemeClr val="accent1">
+              <a:shade val="15000"/>
+            </a:schemeClr>
+          </a:lnRef>
+          <a:fillRef idx="1">
+            <a:schemeClr val="accent1"/>
+          </a:fillRef>
+          <a:effectRef idx="0">
+            <a:schemeClr val="accent1"/>
+          </a:effectRef>
+          <a:fontRef idx="minor">
+            <a:schemeClr val="lt1"/>
+          </a:fontRef>
+        </p:style>
+        <p:txBody>
+          <a:bodyPr rtlCol="0" anchor="ctr"/>
+          <a:lstStyle/>
+          <a:p>
+            <a:pPr algn="ctr"/>
+            <a:r>
+              <a:rPr lang="en-GB" sz="2400" b="1" dirty="0">
+                <a:solidFill>
+                  <a:srgbClr val="BFC8CB"/>
+                </a:solidFill>
+              </a:rPr>
+              <a:t>-</a:t>
+            </a:r>
+          </a:p>
+        </p:txBody>
+      </p:sp>
+      <p:sp>
+        <p:nvSpPr>
+          <p:cNvPr id="21" name="Téglalap: lekerekített 20">
+            <a:extLst>
+              <a:ext uri="{FF2B5EF4-FFF2-40B4-BE49-F238E27FC236}">
+                <a16:creationId xmlns:a16="http://schemas.microsoft.com/office/drawing/2014/main" id="{8E938CC9-F354-E6DE-E91E-FE5A007FBD79}"/>
+              </a:ext>
+            </a:extLst>
+          </p:cNvPr>
+          <p:cNvSpPr/>
+          <p:nvPr/>
+        </p:nvSpPr>
+        <p:spPr>
+          <a:xfrm>
+            <a:off x="5983963" y="7823528"/>
+            <a:ext cx="426702" cy="422536"/>
+          </a:xfrm>
+          <a:prstGeom prst="roundRect">
+            <a:avLst>
+              <a:gd name="adj" fmla="val 50000"/>
+            </a:avLst>
+          </a:prstGeom>
+          <a:solidFill>
+            <a:srgbClr val="343B3C"/>
+          </a:solidFill>
+          <a:ln>
+            <a:noFill/>
+          </a:ln>
+          <a:effectLst>
+            <a:outerShdw blurRad="63500" algn="ctr" rotWithShape="0">
+              <a:prstClr val="black">
+                <a:alpha val="27000"/>
+              </a:prstClr>
+            </a:outerShdw>
+          </a:effectLst>
+        </p:spPr>
+        <p:style>
+          <a:lnRef idx="2">
+            <a:schemeClr val="accent1">
+              <a:shade val="15000"/>
+            </a:schemeClr>
+          </a:lnRef>
+          <a:fillRef idx="1">
+            <a:schemeClr val="accent1"/>
+          </a:fillRef>
+          <a:effectRef idx="0">
+            <a:schemeClr val="accent1"/>
+          </a:effectRef>
+          <a:fontRef idx="minor">
+            <a:schemeClr val="lt1"/>
+          </a:fontRef>
+        </p:style>
+        <p:txBody>
+          <a:bodyPr rtlCol="0" anchor="ctr"/>
+          <a:lstStyle/>
+          <a:p>
+            <a:pPr algn="ctr"/>
+            <a:r>
+              <a:rPr lang="en-GB" sz="2400" b="1" dirty="0">
+                <a:solidFill>
+                  <a:srgbClr val="BFC8CB"/>
+                </a:solidFill>
+              </a:rPr>
+              <a:t>+</a:t>
+            </a:r>
+          </a:p>
+        </p:txBody>
+      </p:sp>
+      <p:sp>
+        <p:nvSpPr>
+          <p:cNvPr id="7" name="Szövegdoboz 6">
+            <a:extLst>
+              <a:ext uri="{FF2B5EF4-FFF2-40B4-BE49-F238E27FC236}">
+                <a16:creationId xmlns:a16="http://schemas.microsoft.com/office/drawing/2014/main" id="{9101A091-AA9F-737C-FBF2-ABCF22EB11A5}"/>
+              </a:ext>
+            </a:extLst>
+          </p:cNvPr>
+          <p:cNvSpPr txBox="1"/>
+          <p:nvPr/>
+        </p:nvSpPr>
+        <p:spPr>
+          <a:xfrm>
+            <a:off x="5463961" y="6873664"/>
+            <a:ext cx="320922" cy="400110"/>
+          </a:xfrm>
+          <a:prstGeom prst="rect">
+            <a:avLst/>
+          </a:prstGeom>
+          <a:noFill/>
+        </p:spPr>
+        <p:txBody>
+          <a:bodyPr wrap="none" rtlCol="0">
+            <a:spAutoFit/>
+          </a:bodyPr>
+          <a:lstStyle/>
+          <a:p>
+            <a:pPr algn="ctr"/>
+            <a:r>
+              <a:rPr lang="en-GB" sz="2000" dirty="0">
+                <a:solidFill>
+                  <a:srgbClr val="BFC8CB"/>
+                </a:solidFill>
+              </a:rPr>
+              <a:t>0</a:t>
+            </a:r>
+            <a:endParaRPr lang="hu-HU" sz="2000" dirty="0">
+              <a:solidFill>
+                <a:srgbClr val="BFC8CB"/>
+              </a:solidFill>
+            </a:endParaRPr>
+          </a:p>
+        </p:txBody>
+      </p:sp>
+    </p:spTree>
+    <p:extLst>
+      <p:ext uri="{BB962C8B-B14F-4D97-AF65-F5344CB8AC3E}">
+        <p14:creationId xmlns:p14="http://schemas.microsoft.com/office/powerpoint/2010/main" val="3906601896"/>
       </p:ext>
     </p:extLst>
   </p:cSld>

--- a/Tervek/ui-terv.pptx
+++ b/Tervek/ui-terv.pptx
@@ -26,6 +26,7 @@
     <p:sldId id="274" r:id="rId20"/>
     <p:sldId id="276" r:id="rId21"/>
     <p:sldId id="275" r:id="rId22"/>
+    <p:sldId id="279" r:id="rId23"/>
   </p:sldIdLst>
   <p:sldSz cx="6858000" cy="9144000" type="screen4x3"/>
   <p:notesSz cx="6858000" cy="9144000"/>
@@ -168,6 +169,11 @@
             <p14:sldId id="275"/>
           </p14:sldIdLst>
         </p14:section>
+        <p14:section name="Daltár kezelés" id="{EC1C798E-FB84-4ABE-8C36-3870264BF291}">
+          <p14:sldIdLst>
+            <p14:sldId id="279"/>
+          </p14:sldIdLst>
+        </p14:section>
       </p14:sectionLst>
     </p:ext>
     <p:ext uri="{EFAFB233-063F-42B5-8137-9DF3F51BA10A}">
@@ -308,7 +314,7 @@
           <a:p>
             <a:fld id="{4EA07C61-72C1-4B0F-B28F-4EAAE2D57413}" type="datetimeFigureOut">
               <a:rPr lang="en-GB" smtClean="0"/>
-              <a:t>2025-03-07</a:t>
+              <a:t>2025-05-30</a:t>
             </a:fld>
             <a:endParaRPr lang="en-GB"/>
           </a:p>
@@ -478,7 +484,7 @@
           <a:p>
             <a:fld id="{4EA07C61-72C1-4B0F-B28F-4EAAE2D57413}" type="datetimeFigureOut">
               <a:rPr lang="en-GB" smtClean="0"/>
-              <a:t>2025-03-07</a:t>
+              <a:t>2025-05-30</a:t>
             </a:fld>
             <a:endParaRPr lang="en-GB"/>
           </a:p>
@@ -658,7 +664,7 @@
           <a:p>
             <a:fld id="{4EA07C61-72C1-4B0F-B28F-4EAAE2D57413}" type="datetimeFigureOut">
               <a:rPr lang="en-GB" smtClean="0"/>
-              <a:t>2025-03-07</a:t>
+              <a:t>2025-05-30</a:t>
             </a:fld>
             <a:endParaRPr lang="en-GB"/>
           </a:p>
@@ -828,7 +834,7 @@
           <a:p>
             <a:fld id="{4EA07C61-72C1-4B0F-B28F-4EAAE2D57413}" type="datetimeFigureOut">
               <a:rPr lang="en-GB" smtClean="0"/>
-              <a:t>2025-03-07</a:t>
+              <a:t>2025-05-30</a:t>
             </a:fld>
             <a:endParaRPr lang="en-GB"/>
           </a:p>
@@ -1074,7 +1080,7 @@
           <a:p>
             <a:fld id="{4EA07C61-72C1-4B0F-B28F-4EAAE2D57413}" type="datetimeFigureOut">
               <a:rPr lang="en-GB" smtClean="0"/>
-              <a:t>2025-03-07</a:t>
+              <a:t>2025-05-30</a:t>
             </a:fld>
             <a:endParaRPr lang="en-GB"/>
           </a:p>
@@ -1306,7 +1312,7 @@
           <a:p>
             <a:fld id="{4EA07C61-72C1-4B0F-B28F-4EAAE2D57413}" type="datetimeFigureOut">
               <a:rPr lang="en-GB" smtClean="0"/>
-              <a:t>2025-03-07</a:t>
+              <a:t>2025-05-30</a:t>
             </a:fld>
             <a:endParaRPr lang="en-GB"/>
           </a:p>
@@ -1673,7 +1679,7 @@
           <a:p>
             <a:fld id="{4EA07C61-72C1-4B0F-B28F-4EAAE2D57413}" type="datetimeFigureOut">
               <a:rPr lang="en-GB" smtClean="0"/>
-              <a:t>2025-03-07</a:t>
+              <a:t>2025-05-30</a:t>
             </a:fld>
             <a:endParaRPr lang="en-GB"/>
           </a:p>
@@ -1791,7 +1797,7 @@
           <a:p>
             <a:fld id="{4EA07C61-72C1-4B0F-B28F-4EAAE2D57413}" type="datetimeFigureOut">
               <a:rPr lang="en-GB" smtClean="0"/>
-              <a:t>2025-03-07</a:t>
+              <a:t>2025-05-30</a:t>
             </a:fld>
             <a:endParaRPr lang="en-GB"/>
           </a:p>
@@ -1886,7 +1892,7 @@
           <a:p>
             <a:fld id="{4EA07C61-72C1-4B0F-B28F-4EAAE2D57413}" type="datetimeFigureOut">
               <a:rPr lang="en-GB" smtClean="0"/>
-              <a:t>2025-03-07</a:t>
+              <a:t>2025-05-30</a:t>
             </a:fld>
             <a:endParaRPr lang="en-GB"/>
           </a:p>
@@ -2163,7 +2169,7 @@
           <a:p>
             <a:fld id="{4EA07C61-72C1-4B0F-B28F-4EAAE2D57413}" type="datetimeFigureOut">
               <a:rPr lang="en-GB" smtClean="0"/>
-              <a:t>2025-03-07</a:t>
+              <a:t>2025-05-30</a:t>
             </a:fld>
             <a:endParaRPr lang="en-GB"/>
           </a:p>
@@ -2420,7 +2426,7 @@
           <a:p>
             <a:fld id="{4EA07C61-72C1-4B0F-B28F-4EAAE2D57413}" type="datetimeFigureOut">
               <a:rPr lang="en-GB" smtClean="0"/>
-              <a:t>2025-03-07</a:t>
+              <a:t>2025-05-30</a:t>
             </a:fld>
             <a:endParaRPr lang="en-GB"/>
           </a:p>
@@ -2636,7 +2642,7 @@
           <a:p>
             <a:fld id="{4EA07C61-72C1-4B0F-B28F-4EAAE2D57413}" type="datetimeFigureOut">
               <a:rPr lang="en-GB" smtClean="0"/>
-              <a:t>2025-03-07</a:t>
+              <a:t>2025-05-30</a:t>
             </a:fld>
             <a:endParaRPr lang="en-GB"/>
           </a:p>
@@ -18744,6 +18750,1104 @@
     <p:extLst>
       <p:ext uri="{BB962C8B-B14F-4D97-AF65-F5344CB8AC3E}">
         <p14:creationId xmlns:p14="http://schemas.microsoft.com/office/powerpoint/2010/main" val="3906601896"/>
+      </p:ext>
+    </p:extLst>
+  </p:cSld>
+  <p:clrMapOvr>
+    <a:masterClrMapping/>
+  </p:clrMapOvr>
+</p:sld>
+</file>
+
+<file path=ppt/slides/slide22.xml><?xml version="1.0" encoding="utf-8"?>
+<p:sld xmlns:a="http://schemas.openxmlformats.org/drawingml/2006/main" xmlns:r="http://schemas.openxmlformats.org/officeDocument/2006/relationships" xmlns:p="http://schemas.openxmlformats.org/presentationml/2006/main">
+  <p:cSld>
+    <p:bg>
+      <p:bgPr>
+        <a:solidFill>
+          <a:schemeClr val="bg1">
+            <a:lumMod val="95000"/>
+          </a:schemeClr>
+        </a:solidFill>
+        <a:effectLst/>
+      </p:bgPr>
+    </p:bg>
+    <p:spTree>
+      <p:nvGrpSpPr>
+        <p:cNvPr id="1" name=""/>
+        <p:cNvGrpSpPr/>
+        <p:nvPr/>
+      </p:nvGrpSpPr>
+      <p:grpSpPr>
+        <a:xfrm>
+          <a:off x="0" y="0"/>
+          <a:ext cx="0" cy="0"/>
+          <a:chOff x="0" y="0"/>
+          <a:chExt cx="0" cy="0"/>
+        </a:xfrm>
+      </p:grpSpPr>
+      <p:sp>
+        <p:nvSpPr>
+          <p:cNvPr id="8" name="Téglalap 7">
+            <a:extLst>
+              <a:ext uri="{FF2B5EF4-FFF2-40B4-BE49-F238E27FC236}">
+                <a16:creationId xmlns:a16="http://schemas.microsoft.com/office/drawing/2014/main" id="{49C500B0-D2EC-BA23-6AD6-EAA1E9FED5E9}"/>
+              </a:ext>
+            </a:extLst>
+          </p:cNvPr>
+          <p:cNvSpPr>
+            <a:spLocks noGrp="1" noRot="1" noMove="1" noResize="1" noEditPoints="1" noAdjustHandles="1" noChangeArrowheads="1" noChangeShapeType="1"/>
+          </p:cNvSpPr>
+          <p:nvPr/>
+        </p:nvSpPr>
+        <p:spPr>
+          <a:xfrm>
+            <a:off x="4953000" y="0"/>
+            <a:ext cx="1905000" cy="9144000"/>
+          </a:xfrm>
+          <a:prstGeom prst="rect">
+            <a:avLst/>
+          </a:prstGeom>
+        </p:spPr>
+        <p:style>
+          <a:lnRef idx="2">
+            <a:schemeClr val="dk1">
+              <a:shade val="15000"/>
+            </a:schemeClr>
+          </a:lnRef>
+          <a:fillRef idx="1">
+            <a:schemeClr val="dk1"/>
+          </a:fillRef>
+          <a:effectRef idx="0">
+            <a:schemeClr val="dk1"/>
+          </a:effectRef>
+          <a:fontRef idx="minor">
+            <a:schemeClr val="lt1"/>
+          </a:fontRef>
+        </p:style>
+        <p:txBody>
+          <a:bodyPr rtlCol="0" anchor="ctr"/>
+          <a:lstStyle/>
+          <a:p>
+            <a:pPr algn="ctr"/>
+            <a:endParaRPr lang="hu-HU"/>
+          </a:p>
+        </p:txBody>
+      </p:sp>
+      <p:pic>
+        <p:nvPicPr>
+          <p:cNvPr id="5" name="Kép 4">
+            <a:extLst>
+              <a:ext uri="{FF2B5EF4-FFF2-40B4-BE49-F238E27FC236}">
+                <a16:creationId xmlns:a16="http://schemas.microsoft.com/office/drawing/2014/main" id="{9CD317C4-5CE4-9FB1-3C95-AEC45F77D6A2}"/>
+              </a:ext>
+            </a:extLst>
+          </p:cNvPr>
+          <p:cNvPicPr>
+            <a:picLocks noChangeAspect="1"/>
+          </p:cNvPicPr>
+          <p:nvPr/>
+        </p:nvPicPr>
+        <p:blipFill>
+          <a:blip r:embed="rId2"/>
+          <a:srcRect t="4396"/>
+          <a:stretch/>
+        </p:blipFill>
+        <p:spPr>
+          <a:xfrm>
+            <a:off x="0" y="8458764"/>
+            <a:ext cx="4953000" cy="685236"/>
+          </a:xfrm>
+          <a:prstGeom prst="rect">
+            <a:avLst/>
+          </a:prstGeom>
+        </p:spPr>
+      </p:pic>
+      <p:pic>
+        <p:nvPicPr>
+          <p:cNvPr id="7" name="Kép 6">
+            <a:extLst>
+              <a:ext uri="{FF2B5EF4-FFF2-40B4-BE49-F238E27FC236}">
+                <a16:creationId xmlns:a16="http://schemas.microsoft.com/office/drawing/2014/main" id="{81EEDD65-82E7-BC4A-43B8-ABCA596951B0}"/>
+              </a:ext>
+            </a:extLst>
+          </p:cNvPr>
+          <p:cNvPicPr>
+            <a:picLocks noChangeAspect="1"/>
+          </p:cNvPicPr>
+          <p:nvPr/>
+        </p:nvPicPr>
+        <p:blipFill>
+          <a:blip r:embed="rId3"/>
+          <a:stretch>
+            <a:fillRect/>
+          </a:stretch>
+        </p:blipFill>
+        <p:spPr>
+          <a:xfrm>
+            <a:off x="-1" y="0"/>
+            <a:ext cx="4919701" cy="4887686"/>
+          </a:xfrm>
+          <a:prstGeom prst="rect">
+            <a:avLst/>
+          </a:prstGeom>
+        </p:spPr>
+      </p:pic>
+      <p:sp>
+        <p:nvSpPr>
+          <p:cNvPr id="9" name="Szövegdoboz 8">
+            <a:extLst>
+              <a:ext uri="{FF2B5EF4-FFF2-40B4-BE49-F238E27FC236}">
+                <a16:creationId xmlns:a16="http://schemas.microsoft.com/office/drawing/2014/main" id="{86AD760E-61EF-90C0-C919-71782751D9C8}"/>
+              </a:ext>
+            </a:extLst>
+          </p:cNvPr>
+          <p:cNvSpPr txBox="1"/>
+          <p:nvPr/>
+        </p:nvSpPr>
+        <p:spPr>
+          <a:xfrm>
+            <a:off x="57149" y="4974772"/>
+            <a:ext cx="1151149" cy="338554"/>
+          </a:xfrm>
+          <a:prstGeom prst="rect">
+            <a:avLst/>
+          </a:prstGeom>
+          <a:noFill/>
+        </p:spPr>
+        <p:txBody>
+          <a:bodyPr wrap="none" rtlCol="0">
+            <a:spAutoFit/>
+          </a:bodyPr>
+          <a:lstStyle/>
+          <a:p>
+            <a:r>
+              <a:rPr lang="en-GB" sz="1600" b="1" dirty="0"/>
+              <a:t>DALTÁRAK</a:t>
+            </a:r>
+            <a:endParaRPr lang="hu-HU" sz="1600" b="1" dirty="0"/>
+          </a:p>
+        </p:txBody>
+      </p:sp>
+      <p:sp>
+        <p:nvSpPr>
+          <p:cNvPr id="10" name="Téglalap: lekerekített 9">
+            <a:extLst>
+              <a:ext uri="{FF2B5EF4-FFF2-40B4-BE49-F238E27FC236}">
+                <a16:creationId xmlns:a16="http://schemas.microsoft.com/office/drawing/2014/main" id="{1EBC2897-D079-6739-55C1-CD7CC17709EB}"/>
+              </a:ext>
+            </a:extLst>
+          </p:cNvPr>
+          <p:cNvSpPr/>
+          <p:nvPr/>
+        </p:nvSpPr>
+        <p:spPr>
+          <a:xfrm>
+            <a:off x="150346" y="5400412"/>
+            <a:ext cx="4595826" cy="793560"/>
+          </a:xfrm>
+          <a:prstGeom prst="roundRect">
+            <a:avLst/>
+          </a:prstGeom>
+          <a:solidFill>
+            <a:schemeClr val="bg1">
+              <a:lumMod val="85000"/>
+            </a:schemeClr>
+          </a:solidFill>
+          <a:ln>
+            <a:noFill/>
+          </a:ln>
+          <a:effectLst>
+            <a:outerShdw blurRad="165100" dir="5400000" algn="t" rotWithShape="0">
+              <a:prstClr val="black">
+                <a:alpha val="10000"/>
+              </a:prstClr>
+            </a:outerShdw>
+          </a:effectLst>
+        </p:spPr>
+        <p:style>
+          <a:lnRef idx="2">
+            <a:schemeClr val="accent1">
+              <a:shade val="15000"/>
+            </a:schemeClr>
+          </a:lnRef>
+          <a:fillRef idx="1">
+            <a:schemeClr val="accent1"/>
+          </a:fillRef>
+          <a:effectRef idx="0">
+            <a:schemeClr val="accent1"/>
+          </a:effectRef>
+          <a:fontRef idx="minor">
+            <a:schemeClr val="lt1"/>
+          </a:fontRef>
+        </p:style>
+        <p:txBody>
+          <a:bodyPr rtlCol="0" anchor="ctr"/>
+          <a:lstStyle/>
+          <a:p>
+            <a:pPr algn="ctr"/>
+            <a:endParaRPr lang="hu-HU"/>
+          </a:p>
+        </p:txBody>
+      </p:sp>
+      <p:sp>
+        <p:nvSpPr>
+          <p:cNvPr id="11" name="Téglalap: lekerekített 10">
+            <a:extLst>
+              <a:ext uri="{FF2B5EF4-FFF2-40B4-BE49-F238E27FC236}">
+                <a16:creationId xmlns:a16="http://schemas.microsoft.com/office/drawing/2014/main" id="{74EEA802-86F9-607A-078F-8E6B011522C6}"/>
+              </a:ext>
+            </a:extLst>
+          </p:cNvPr>
+          <p:cNvSpPr/>
+          <p:nvPr/>
+        </p:nvSpPr>
+        <p:spPr>
+          <a:xfrm>
+            <a:off x="150346" y="6363530"/>
+            <a:ext cx="4595826" cy="793560"/>
+          </a:xfrm>
+          <a:prstGeom prst="roundRect">
+            <a:avLst/>
+          </a:prstGeom>
+          <a:solidFill>
+            <a:schemeClr val="bg1">
+              <a:lumMod val="85000"/>
+            </a:schemeClr>
+          </a:solidFill>
+          <a:ln>
+            <a:noFill/>
+          </a:ln>
+          <a:effectLst>
+            <a:outerShdw blurRad="165100" dir="5400000" algn="t" rotWithShape="0">
+              <a:prstClr val="black">
+                <a:alpha val="10000"/>
+              </a:prstClr>
+            </a:outerShdw>
+          </a:effectLst>
+        </p:spPr>
+        <p:style>
+          <a:lnRef idx="2">
+            <a:schemeClr val="accent1">
+              <a:shade val="15000"/>
+            </a:schemeClr>
+          </a:lnRef>
+          <a:fillRef idx="1">
+            <a:schemeClr val="accent1"/>
+          </a:fillRef>
+          <a:effectRef idx="0">
+            <a:schemeClr val="accent1"/>
+          </a:effectRef>
+          <a:fontRef idx="minor">
+            <a:schemeClr val="lt1"/>
+          </a:fontRef>
+        </p:style>
+        <p:txBody>
+          <a:bodyPr rtlCol="0" anchor="ctr"/>
+          <a:lstStyle/>
+          <a:p>
+            <a:pPr algn="ctr"/>
+            <a:endParaRPr lang="hu-HU" dirty="0"/>
+          </a:p>
+        </p:txBody>
+      </p:sp>
+      <p:pic>
+        <p:nvPicPr>
+          <p:cNvPr id="14" name="Kép 13" descr="A képen Betűtípus, embléma, szimbólum, Grafika látható&#10;&#10;Előfordulhat, hogy a mesterséges intelligencia által létrehozott tartalom helytelen.">
+            <a:extLst>
+              <a:ext uri="{FF2B5EF4-FFF2-40B4-BE49-F238E27FC236}">
+                <a16:creationId xmlns:a16="http://schemas.microsoft.com/office/drawing/2014/main" id="{4EA80B6E-2475-5CB3-3068-856A829A2B63}"/>
+              </a:ext>
+            </a:extLst>
+          </p:cNvPr>
+          <p:cNvPicPr>
+            <a:picLocks noChangeAspect="1"/>
+          </p:cNvPicPr>
+          <p:nvPr/>
+        </p:nvPicPr>
+        <p:blipFill>
+          <a:blip r:embed="rId4">
+            <a:extLst>
+              <a:ext uri="{28A0092B-C50C-407E-A947-70E740481C1C}">
+                <a14:useLocalDpi xmlns:a14="http://schemas.microsoft.com/office/drawing/2010/main" val="0"/>
+              </a:ext>
+            </a:extLst>
+          </a:blip>
+          <a:stretch>
+            <a:fillRect/>
+          </a:stretch>
+        </p:blipFill>
+        <p:spPr>
+          <a:xfrm>
+            <a:off x="222118" y="5448017"/>
+            <a:ext cx="706910" cy="706910"/>
+          </a:xfrm>
+          <a:prstGeom prst="rect">
+            <a:avLst/>
+          </a:prstGeom>
+        </p:spPr>
+      </p:pic>
+      <p:sp>
+        <p:nvSpPr>
+          <p:cNvPr id="17" name="Szövegdoboz 16">
+            <a:extLst>
+              <a:ext uri="{FF2B5EF4-FFF2-40B4-BE49-F238E27FC236}">
+                <a16:creationId xmlns:a16="http://schemas.microsoft.com/office/drawing/2014/main" id="{A0B2ADAE-B90F-9439-68F9-0BC983EF87A0}"/>
+              </a:ext>
+            </a:extLst>
+          </p:cNvPr>
+          <p:cNvSpPr txBox="1"/>
+          <p:nvPr/>
+        </p:nvSpPr>
+        <p:spPr>
+          <a:xfrm>
+            <a:off x="1000800" y="5495584"/>
+            <a:ext cx="1552284" cy="369332"/>
+          </a:xfrm>
+          <a:prstGeom prst="rect">
+            <a:avLst/>
+          </a:prstGeom>
+          <a:noFill/>
+        </p:spPr>
+        <p:txBody>
+          <a:bodyPr wrap="none" rtlCol="0">
+            <a:spAutoFit/>
+          </a:bodyPr>
+          <a:lstStyle/>
+          <a:p>
+            <a:r>
+              <a:rPr lang="en-GB" dirty="0"/>
+              <a:t>Sófár </a:t>
+            </a:r>
+            <a:r>
+              <a:rPr lang="en-GB" dirty="0" err="1"/>
+              <a:t>Kottatár</a:t>
+            </a:r>
+            <a:endParaRPr lang="hu-HU" dirty="0"/>
+          </a:p>
+        </p:txBody>
+      </p:sp>
+      <p:sp>
+        <p:nvSpPr>
+          <p:cNvPr id="18" name="Szövegdoboz 17">
+            <a:extLst>
+              <a:ext uri="{FF2B5EF4-FFF2-40B4-BE49-F238E27FC236}">
+                <a16:creationId xmlns:a16="http://schemas.microsoft.com/office/drawing/2014/main" id="{8A0DED70-9B2B-E40C-3437-6931F2FD4988}"/>
+              </a:ext>
+            </a:extLst>
+          </p:cNvPr>
+          <p:cNvSpPr txBox="1"/>
+          <p:nvPr/>
+        </p:nvSpPr>
+        <p:spPr>
+          <a:xfrm>
+            <a:off x="991998" y="5780799"/>
+            <a:ext cx="753732" cy="307777"/>
+          </a:xfrm>
+          <a:prstGeom prst="rect">
+            <a:avLst/>
+          </a:prstGeom>
+          <a:noFill/>
+        </p:spPr>
+        <p:txBody>
+          <a:bodyPr wrap="none" rtlCol="0">
+            <a:spAutoFit/>
+          </a:bodyPr>
+          <a:lstStyle/>
+          <a:p>
+            <a:r>
+              <a:rPr lang="en-GB" sz="1400" dirty="0"/>
+              <a:t>280 dal</a:t>
+            </a:r>
+            <a:endParaRPr lang="hu-HU" sz="1400" dirty="0"/>
+          </a:p>
+        </p:txBody>
+      </p:sp>
+      <p:sp>
+        <p:nvSpPr>
+          <p:cNvPr id="21" name="Nyíl: jobbra mutató 20">
+            <a:extLst>
+              <a:ext uri="{FF2B5EF4-FFF2-40B4-BE49-F238E27FC236}">
+                <a16:creationId xmlns:a16="http://schemas.microsoft.com/office/drawing/2014/main" id="{CB27A13F-938C-FA07-FD2A-01B96D0472C0}"/>
+              </a:ext>
+            </a:extLst>
+          </p:cNvPr>
+          <p:cNvSpPr/>
+          <p:nvPr/>
+        </p:nvSpPr>
+        <p:spPr>
+          <a:xfrm>
+            <a:off x="4304918" y="5689929"/>
+            <a:ext cx="252296" cy="223086"/>
+          </a:xfrm>
+          <a:prstGeom prst="rightArrow">
+            <a:avLst>
+              <a:gd name="adj1" fmla="val 19558"/>
+              <a:gd name="adj2" fmla="val 43081"/>
+            </a:avLst>
+          </a:prstGeom>
+          <a:solidFill>
+            <a:schemeClr val="tx1">
+              <a:lumMod val="65000"/>
+              <a:lumOff val="35000"/>
+            </a:schemeClr>
+          </a:solidFill>
+          <a:ln>
+            <a:noFill/>
+          </a:ln>
+        </p:spPr>
+        <p:style>
+          <a:lnRef idx="2">
+            <a:schemeClr val="accent1">
+              <a:shade val="15000"/>
+            </a:schemeClr>
+          </a:lnRef>
+          <a:fillRef idx="1">
+            <a:schemeClr val="accent1"/>
+          </a:fillRef>
+          <a:effectRef idx="0">
+            <a:schemeClr val="accent1"/>
+          </a:effectRef>
+          <a:fontRef idx="minor">
+            <a:schemeClr val="lt1"/>
+          </a:fontRef>
+        </p:style>
+        <p:txBody>
+          <a:bodyPr rtlCol="0" anchor="ctr"/>
+          <a:lstStyle/>
+          <a:p>
+            <a:pPr algn="ctr"/>
+            <a:endParaRPr lang="hu-HU"/>
+          </a:p>
+        </p:txBody>
+      </p:sp>
+      <p:sp>
+        <p:nvSpPr>
+          <p:cNvPr id="22" name="Nyíl: jobbra mutató 21">
+            <a:extLst>
+              <a:ext uri="{FF2B5EF4-FFF2-40B4-BE49-F238E27FC236}">
+                <a16:creationId xmlns:a16="http://schemas.microsoft.com/office/drawing/2014/main" id="{12C5F34D-7774-D4E1-E855-C5C14B88D4EB}"/>
+              </a:ext>
+            </a:extLst>
+          </p:cNvPr>
+          <p:cNvSpPr/>
+          <p:nvPr/>
+        </p:nvSpPr>
+        <p:spPr>
+          <a:xfrm>
+            <a:off x="4304918" y="6648767"/>
+            <a:ext cx="252296" cy="223086"/>
+          </a:xfrm>
+          <a:prstGeom prst="rightArrow">
+            <a:avLst>
+              <a:gd name="adj1" fmla="val 19558"/>
+              <a:gd name="adj2" fmla="val 43081"/>
+            </a:avLst>
+          </a:prstGeom>
+          <a:solidFill>
+            <a:schemeClr val="tx1">
+              <a:lumMod val="65000"/>
+              <a:lumOff val="35000"/>
+            </a:schemeClr>
+          </a:solidFill>
+          <a:ln>
+            <a:noFill/>
+          </a:ln>
+        </p:spPr>
+        <p:style>
+          <a:lnRef idx="2">
+            <a:schemeClr val="accent1">
+              <a:shade val="15000"/>
+            </a:schemeClr>
+          </a:lnRef>
+          <a:fillRef idx="1">
+            <a:schemeClr val="accent1"/>
+          </a:fillRef>
+          <a:effectRef idx="0">
+            <a:schemeClr val="accent1"/>
+          </a:effectRef>
+          <a:fontRef idx="minor">
+            <a:schemeClr val="lt1"/>
+          </a:fontRef>
+        </p:style>
+        <p:txBody>
+          <a:bodyPr rtlCol="0" anchor="ctr"/>
+          <a:lstStyle/>
+          <a:p>
+            <a:pPr algn="ctr"/>
+            <a:endParaRPr lang="hu-HU"/>
+          </a:p>
+        </p:txBody>
+      </p:sp>
+      <p:sp>
+        <p:nvSpPr>
+          <p:cNvPr id="23" name="Téglalap: lekerekített 22">
+            <a:extLst>
+              <a:ext uri="{FF2B5EF4-FFF2-40B4-BE49-F238E27FC236}">
+                <a16:creationId xmlns:a16="http://schemas.microsoft.com/office/drawing/2014/main" id="{5D76233B-58A7-DA24-62FA-641143F0E7B4}"/>
+              </a:ext>
+            </a:extLst>
+          </p:cNvPr>
+          <p:cNvSpPr/>
+          <p:nvPr/>
+        </p:nvSpPr>
+        <p:spPr>
+          <a:xfrm>
+            <a:off x="150346" y="7320220"/>
+            <a:ext cx="4595826" cy="793560"/>
+          </a:xfrm>
+          <a:prstGeom prst="roundRect">
+            <a:avLst/>
+          </a:prstGeom>
+          <a:solidFill>
+            <a:schemeClr val="bg1">
+              <a:lumMod val="85000"/>
+            </a:schemeClr>
+          </a:solidFill>
+          <a:ln>
+            <a:noFill/>
+          </a:ln>
+          <a:effectLst>
+            <a:outerShdw blurRad="165100" dir="5400000" algn="t" rotWithShape="0">
+              <a:prstClr val="black">
+                <a:alpha val="10000"/>
+              </a:prstClr>
+            </a:outerShdw>
+          </a:effectLst>
+        </p:spPr>
+        <p:style>
+          <a:lnRef idx="2">
+            <a:schemeClr val="accent1">
+              <a:shade val="15000"/>
+            </a:schemeClr>
+          </a:lnRef>
+          <a:fillRef idx="1">
+            <a:schemeClr val="accent1"/>
+          </a:fillRef>
+          <a:effectRef idx="0">
+            <a:schemeClr val="accent1"/>
+          </a:effectRef>
+          <a:fontRef idx="minor">
+            <a:schemeClr val="lt1"/>
+          </a:fontRef>
+        </p:style>
+        <p:txBody>
+          <a:bodyPr rtlCol="0" anchor="ctr"/>
+          <a:lstStyle/>
+          <a:p>
+            <a:pPr algn="ctr"/>
+            <a:endParaRPr lang="hu-HU"/>
+          </a:p>
+        </p:txBody>
+      </p:sp>
+      <p:sp>
+        <p:nvSpPr>
+          <p:cNvPr id="26" name="Téglalap 25">
+            <a:extLst>
+              <a:ext uri="{FF2B5EF4-FFF2-40B4-BE49-F238E27FC236}">
+                <a16:creationId xmlns:a16="http://schemas.microsoft.com/office/drawing/2014/main" id="{9AE61AA6-7F34-F556-F27F-63DEC8A1DDF3}"/>
+              </a:ext>
+            </a:extLst>
+          </p:cNvPr>
+          <p:cNvSpPr/>
+          <p:nvPr/>
+        </p:nvSpPr>
+        <p:spPr>
+          <a:xfrm>
+            <a:off x="0" y="7899400"/>
+            <a:ext cx="4953000" cy="559364"/>
+          </a:xfrm>
+          <a:prstGeom prst="rect">
+            <a:avLst/>
+          </a:prstGeom>
+          <a:solidFill>
+            <a:schemeClr val="bg1">
+              <a:lumMod val="95000"/>
+            </a:schemeClr>
+          </a:solidFill>
+          <a:ln>
+            <a:noFill/>
+          </a:ln>
+          <a:effectLst>
+            <a:softEdge rad="63500"/>
+          </a:effectLst>
+        </p:spPr>
+        <p:style>
+          <a:lnRef idx="2">
+            <a:schemeClr val="accent1">
+              <a:shade val="15000"/>
+            </a:schemeClr>
+          </a:lnRef>
+          <a:fillRef idx="1">
+            <a:schemeClr val="accent1"/>
+          </a:fillRef>
+          <a:effectRef idx="0">
+            <a:schemeClr val="accent1"/>
+          </a:effectRef>
+          <a:fontRef idx="minor">
+            <a:schemeClr val="lt1"/>
+          </a:fontRef>
+        </p:style>
+        <p:txBody>
+          <a:bodyPr rtlCol="0" anchor="ctr"/>
+          <a:lstStyle/>
+          <a:p>
+            <a:pPr algn="ctr"/>
+            <a:endParaRPr lang="hu-HU"/>
+          </a:p>
+        </p:txBody>
+      </p:sp>
+      <p:sp>
+        <p:nvSpPr>
+          <p:cNvPr id="19" name="Szövegdoboz 18">
+            <a:extLst>
+              <a:ext uri="{FF2B5EF4-FFF2-40B4-BE49-F238E27FC236}">
+                <a16:creationId xmlns:a16="http://schemas.microsoft.com/office/drawing/2014/main" id="{707040CC-4E04-94EC-C34C-B8967C22606D}"/>
+              </a:ext>
+            </a:extLst>
+          </p:cNvPr>
+          <p:cNvSpPr txBox="1"/>
+          <p:nvPr/>
+        </p:nvSpPr>
+        <p:spPr>
+          <a:xfrm>
+            <a:off x="2614630" y="8033864"/>
+            <a:ext cx="1683987" cy="338554"/>
+          </a:xfrm>
+          <a:prstGeom prst="rect">
+            <a:avLst/>
+          </a:prstGeom>
+          <a:noFill/>
+        </p:spPr>
+        <p:txBody>
+          <a:bodyPr wrap="none" rtlCol="0">
+            <a:spAutoFit/>
+          </a:bodyPr>
+          <a:lstStyle/>
+          <a:p>
+            <a:pPr algn="r"/>
+            <a:r>
+              <a:rPr lang="en-GB" sz="1600" b="1" dirty="0" err="1"/>
+              <a:t>Összes</a:t>
+            </a:r>
+            <a:r>
+              <a:rPr lang="en-GB" sz="1600" b="1" dirty="0"/>
+              <a:t> (750) dal</a:t>
+            </a:r>
+            <a:endParaRPr lang="hu-HU" sz="1600" b="1" dirty="0"/>
+          </a:p>
+        </p:txBody>
+      </p:sp>
+      <p:sp>
+        <p:nvSpPr>
+          <p:cNvPr id="20" name="Nyíl: jobbra mutató 19">
+            <a:extLst>
+              <a:ext uri="{FF2B5EF4-FFF2-40B4-BE49-F238E27FC236}">
+                <a16:creationId xmlns:a16="http://schemas.microsoft.com/office/drawing/2014/main" id="{3B01BA0C-9DFD-65D5-8D03-5EE12FD933BB}"/>
+              </a:ext>
+            </a:extLst>
+          </p:cNvPr>
+          <p:cNvSpPr/>
+          <p:nvPr/>
+        </p:nvSpPr>
+        <p:spPr>
+          <a:xfrm>
+            <a:off x="4293342" y="8091598"/>
+            <a:ext cx="252296" cy="223086"/>
+          </a:xfrm>
+          <a:prstGeom prst="rightArrow">
+            <a:avLst>
+              <a:gd name="adj1" fmla="val 19558"/>
+              <a:gd name="adj2" fmla="val 43081"/>
+            </a:avLst>
+          </a:prstGeom>
+          <a:solidFill>
+            <a:schemeClr val="tx1">
+              <a:lumMod val="65000"/>
+              <a:lumOff val="35000"/>
+            </a:schemeClr>
+          </a:solidFill>
+          <a:ln>
+            <a:noFill/>
+          </a:ln>
+        </p:spPr>
+        <p:style>
+          <a:lnRef idx="2">
+            <a:schemeClr val="accent1">
+              <a:shade val="15000"/>
+            </a:schemeClr>
+          </a:lnRef>
+          <a:fillRef idx="1">
+            <a:schemeClr val="accent1"/>
+          </a:fillRef>
+          <a:effectRef idx="0">
+            <a:schemeClr val="accent1"/>
+          </a:effectRef>
+          <a:fontRef idx="minor">
+            <a:schemeClr val="lt1"/>
+          </a:fontRef>
+        </p:style>
+        <p:txBody>
+          <a:bodyPr rtlCol="0" anchor="ctr"/>
+          <a:lstStyle/>
+          <a:p>
+            <a:pPr algn="ctr"/>
+            <a:endParaRPr lang="hu-HU"/>
+          </a:p>
+        </p:txBody>
+      </p:sp>
+      <p:pic>
+        <p:nvPicPr>
+          <p:cNvPr id="30" name="Ábra 29">
+            <a:extLst>
+              <a:ext uri="{FF2B5EF4-FFF2-40B4-BE49-F238E27FC236}">
+                <a16:creationId xmlns:a16="http://schemas.microsoft.com/office/drawing/2014/main" id="{B6C93D2B-7994-88AC-AFC5-1E4695A5F63E}"/>
+              </a:ext>
+            </a:extLst>
+          </p:cNvPr>
+          <p:cNvPicPr>
+            <a:picLocks noChangeAspect="1"/>
+          </p:cNvPicPr>
+          <p:nvPr/>
+        </p:nvPicPr>
+        <p:blipFill>
+          <a:blip r:embed="rId5">
+            <a:extLst>
+              <a:ext uri="{96DAC541-7B7A-43D3-8B79-37D633B846F1}">
+                <asvg:svgBlip xmlns:asvg="http://schemas.microsoft.com/office/drawing/2016/SVG/main" r:embed="rId6"/>
+              </a:ext>
+            </a:extLst>
+          </a:blip>
+          <a:stretch>
+            <a:fillRect/>
+          </a:stretch>
+        </p:blipFill>
+        <p:spPr>
+          <a:xfrm>
+            <a:off x="3687728" y="6584301"/>
+            <a:ext cx="342517" cy="342517"/>
+          </a:xfrm>
+          <a:prstGeom prst="rect">
+            <a:avLst/>
+          </a:prstGeom>
+        </p:spPr>
+      </p:pic>
+      <p:pic>
+        <p:nvPicPr>
+          <p:cNvPr id="32" name="Ábra 31">
+            <a:extLst>
+              <a:ext uri="{FF2B5EF4-FFF2-40B4-BE49-F238E27FC236}">
+                <a16:creationId xmlns:a16="http://schemas.microsoft.com/office/drawing/2014/main" id="{8117241E-E321-F200-6AAE-E5E1DDB5979C}"/>
+              </a:ext>
+            </a:extLst>
+          </p:cNvPr>
+          <p:cNvPicPr>
+            <a:picLocks noChangeAspect="1"/>
+          </p:cNvPicPr>
+          <p:nvPr/>
+        </p:nvPicPr>
+        <p:blipFill>
+          <a:blip r:embed="rId7">
+            <a:extLst>
+              <a:ext uri="{96DAC541-7B7A-43D3-8B79-37D633B846F1}">
+                <asvg:svgBlip xmlns:asvg="http://schemas.microsoft.com/office/drawing/2016/SVG/main" r:embed="rId8"/>
+              </a:ext>
+            </a:extLst>
+          </a:blip>
+          <a:stretch>
+            <a:fillRect/>
+          </a:stretch>
+        </p:blipFill>
+        <p:spPr>
+          <a:xfrm>
+            <a:off x="3687729" y="5629996"/>
+            <a:ext cx="342517" cy="342517"/>
+          </a:xfrm>
+          <a:prstGeom prst="rect">
+            <a:avLst/>
+          </a:prstGeom>
+        </p:spPr>
+      </p:pic>
+      <p:pic>
+        <p:nvPicPr>
+          <p:cNvPr id="38" name="Ábra 37">
+            <a:extLst>
+              <a:ext uri="{FF2B5EF4-FFF2-40B4-BE49-F238E27FC236}">
+                <a16:creationId xmlns:a16="http://schemas.microsoft.com/office/drawing/2014/main" id="{69B09457-24CE-3BF7-F4B7-1D36E4974023}"/>
+              </a:ext>
+            </a:extLst>
+          </p:cNvPr>
+          <p:cNvPicPr>
+            <a:picLocks noChangeAspect="1"/>
+          </p:cNvPicPr>
+          <p:nvPr/>
+        </p:nvPicPr>
+        <p:blipFill>
+          <a:blip r:embed="rId9">
+            <a:extLst>
+              <a:ext uri="{96DAC541-7B7A-43D3-8B79-37D633B846F1}">
+                <asvg:svgBlip xmlns:asvg="http://schemas.microsoft.com/office/drawing/2016/SVG/main" r:embed="rId10"/>
+              </a:ext>
+            </a:extLst>
+          </a:blip>
+          <a:stretch>
+            <a:fillRect/>
+          </a:stretch>
+        </p:blipFill>
+        <p:spPr>
+          <a:xfrm>
+            <a:off x="334702" y="6478754"/>
+            <a:ext cx="481742" cy="588796"/>
+          </a:xfrm>
+          <a:prstGeom prst="rect">
+            <a:avLst/>
+          </a:prstGeom>
+        </p:spPr>
+      </p:pic>
+      <p:pic>
+        <p:nvPicPr>
+          <p:cNvPr id="16" name="Kép 15" descr="A képen Betűtípus, Grafika, embléma, tipográfia látható&#10;&#10;Előfordulhat, hogy a mesterséges intelligencia által létrehozott tartalom helytelen.">
+            <a:extLst>
+              <a:ext uri="{FF2B5EF4-FFF2-40B4-BE49-F238E27FC236}">
+                <a16:creationId xmlns:a16="http://schemas.microsoft.com/office/drawing/2014/main" id="{18ACABFB-EF87-CB2A-BD33-3072C604237E}"/>
+              </a:ext>
+            </a:extLst>
+          </p:cNvPr>
+          <p:cNvPicPr>
+            <a:picLocks noChangeAspect="1"/>
+          </p:cNvPicPr>
+          <p:nvPr/>
+        </p:nvPicPr>
+        <p:blipFill>
+          <a:blip r:embed="rId11">
+            <a:extLst>
+              <a:ext uri="{28A0092B-C50C-407E-A947-70E740481C1C}">
+                <a14:useLocalDpi xmlns:a14="http://schemas.microsoft.com/office/drawing/2010/main" val="0"/>
+              </a:ext>
+            </a:extLst>
+          </a:blip>
+          <a:stretch>
+            <a:fillRect/>
+          </a:stretch>
+        </p:blipFill>
+        <p:spPr>
+          <a:xfrm>
+            <a:off x="254511" y="7579833"/>
+            <a:ext cx="642124" cy="376330"/>
+          </a:xfrm>
+          <a:prstGeom prst="rect">
+            <a:avLst/>
+          </a:prstGeom>
+        </p:spPr>
+      </p:pic>
+      <p:sp>
+        <p:nvSpPr>
+          <p:cNvPr id="33" name="Szövegdoboz 32">
+            <a:extLst>
+              <a:ext uri="{FF2B5EF4-FFF2-40B4-BE49-F238E27FC236}">
+                <a16:creationId xmlns:a16="http://schemas.microsoft.com/office/drawing/2014/main" id="{B4A7E842-7790-8B44-79EA-BE9378E6DB38}"/>
+              </a:ext>
+            </a:extLst>
+          </p:cNvPr>
+          <p:cNvSpPr txBox="1"/>
+          <p:nvPr/>
+        </p:nvSpPr>
+        <p:spPr>
+          <a:xfrm>
+            <a:off x="1000800" y="7452826"/>
+            <a:ext cx="1626279" cy="369332"/>
+          </a:xfrm>
+          <a:prstGeom prst="rect">
+            <a:avLst/>
+          </a:prstGeom>
+          <a:noFill/>
+        </p:spPr>
+        <p:txBody>
+          <a:bodyPr wrap="none" rtlCol="0">
+            <a:spAutoFit/>
+          </a:bodyPr>
+          <a:lstStyle/>
+          <a:p>
+            <a:r>
+              <a:rPr lang="en-GB" dirty="0" err="1"/>
+              <a:t>Refisz</a:t>
+            </a:r>
+            <a:r>
+              <a:rPr lang="en-GB" dirty="0"/>
+              <a:t> </a:t>
+            </a:r>
+            <a:r>
+              <a:rPr lang="en-GB" dirty="0" err="1"/>
+              <a:t>Kottatár</a:t>
+            </a:r>
+            <a:endParaRPr lang="hu-HU" dirty="0"/>
+          </a:p>
+        </p:txBody>
+      </p:sp>
+      <p:sp>
+        <p:nvSpPr>
+          <p:cNvPr id="34" name="Szövegdoboz 33">
+            <a:extLst>
+              <a:ext uri="{FF2B5EF4-FFF2-40B4-BE49-F238E27FC236}">
+                <a16:creationId xmlns:a16="http://schemas.microsoft.com/office/drawing/2014/main" id="{D6BAB8D6-51FF-F13E-383B-82D88C5FC4E7}"/>
+              </a:ext>
+            </a:extLst>
+          </p:cNvPr>
+          <p:cNvSpPr txBox="1"/>
+          <p:nvPr/>
+        </p:nvSpPr>
+        <p:spPr>
+          <a:xfrm>
+            <a:off x="991998" y="7706466"/>
+            <a:ext cx="753732" cy="307777"/>
+          </a:xfrm>
+          <a:prstGeom prst="rect">
+            <a:avLst/>
+          </a:prstGeom>
+          <a:noFill/>
+        </p:spPr>
+        <p:txBody>
+          <a:bodyPr wrap="none" rtlCol="0">
+            <a:spAutoFit/>
+          </a:bodyPr>
+          <a:lstStyle/>
+          <a:p>
+            <a:r>
+              <a:rPr lang="en-GB" sz="1400" dirty="0"/>
+              <a:t>150 dal</a:t>
+            </a:r>
+            <a:endParaRPr lang="hu-HU" sz="1400" dirty="0"/>
+          </a:p>
+        </p:txBody>
+      </p:sp>
+      <p:sp>
+        <p:nvSpPr>
+          <p:cNvPr id="39" name="Szövegdoboz 38">
+            <a:extLst>
+              <a:ext uri="{FF2B5EF4-FFF2-40B4-BE49-F238E27FC236}">
+                <a16:creationId xmlns:a16="http://schemas.microsoft.com/office/drawing/2014/main" id="{AD0947B6-8FFC-DB89-E443-76D29586E2C6}"/>
+              </a:ext>
+            </a:extLst>
+          </p:cNvPr>
+          <p:cNvSpPr txBox="1"/>
+          <p:nvPr/>
+        </p:nvSpPr>
+        <p:spPr>
+          <a:xfrm>
+            <a:off x="1000800" y="6447924"/>
+            <a:ext cx="1937262" cy="369332"/>
+          </a:xfrm>
+          <a:prstGeom prst="rect">
+            <a:avLst/>
+          </a:prstGeom>
+          <a:noFill/>
+        </p:spPr>
+        <p:txBody>
+          <a:bodyPr wrap="none" rtlCol="0">
+            <a:spAutoFit/>
+          </a:bodyPr>
+          <a:lstStyle/>
+          <a:p>
+            <a:r>
+              <a:rPr lang="en-GB" dirty="0"/>
+              <a:t>csecsy.hu </a:t>
+            </a:r>
+            <a:r>
+              <a:rPr lang="en-GB" dirty="0" err="1"/>
+              <a:t>énekek</a:t>
+            </a:r>
+            <a:endParaRPr lang="hu-HU" dirty="0"/>
+          </a:p>
+        </p:txBody>
+      </p:sp>
+      <p:sp>
+        <p:nvSpPr>
+          <p:cNvPr id="40" name="Szövegdoboz 39">
+            <a:extLst>
+              <a:ext uri="{FF2B5EF4-FFF2-40B4-BE49-F238E27FC236}">
+                <a16:creationId xmlns:a16="http://schemas.microsoft.com/office/drawing/2014/main" id="{59F61C71-BD53-A55E-171D-3A3677ED5C4A}"/>
+              </a:ext>
+            </a:extLst>
+          </p:cNvPr>
+          <p:cNvSpPr txBox="1"/>
+          <p:nvPr/>
+        </p:nvSpPr>
+        <p:spPr>
+          <a:xfrm>
+            <a:off x="991998" y="6733139"/>
+            <a:ext cx="753732" cy="307777"/>
+          </a:xfrm>
+          <a:prstGeom prst="rect">
+            <a:avLst/>
+          </a:prstGeom>
+          <a:noFill/>
+        </p:spPr>
+        <p:txBody>
+          <a:bodyPr wrap="none" rtlCol="0">
+            <a:spAutoFit/>
+          </a:bodyPr>
+          <a:lstStyle/>
+          <a:p>
+            <a:r>
+              <a:rPr lang="en-GB" sz="1400" dirty="0"/>
+              <a:t>250 dal</a:t>
+            </a:r>
+            <a:endParaRPr lang="hu-HU" sz="1400" dirty="0"/>
+          </a:p>
+        </p:txBody>
+      </p:sp>
+      <p:sp>
+        <p:nvSpPr>
+          <p:cNvPr id="41" name="Szövegdoboz 40">
+            <a:extLst>
+              <a:ext uri="{FF2B5EF4-FFF2-40B4-BE49-F238E27FC236}">
+                <a16:creationId xmlns:a16="http://schemas.microsoft.com/office/drawing/2014/main" id="{FAE10408-CA57-A105-8D21-EF5B703AD37A}"/>
+              </a:ext>
+            </a:extLst>
+          </p:cNvPr>
+          <p:cNvSpPr txBox="1"/>
+          <p:nvPr/>
+        </p:nvSpPr>
+        <p:spPr>
+          <a:xfrm>
+            <a:off x="2938062" y="4985610"/>
+            <a:ext cx="1873975" cy="338554"/>
+          </a:xfrm>
+          <a:prstGeom prst="rect">
+            <a:avLst/>
+          </a:prstGeom>
+          <a:noFill/>
+        </p:spPr>
+        <p:txBody>
+          <a:bodyPr wrap="none" rtlCol="0">
+            <a:spAutoFit/>
+          </a:bodyPr>
+          <a:lstStyle/>
+          <a:p>
+            <a:r>
+              <a:rPr lang="en-GB" sz="1600" dirty="0"/>
+              <a:t>Ne </a:t>
+            </a:r>
+            <a:r>
+              <a:rPr lang="en-GB" sz="1600" dirty="0" err="1"/>
+              <a:t>mutassa</a:t>
+            </a:r>
+            <a:r>
+              <a:rPr lang="en-GB" sz="1600" dirty="0"/>
+              <a:t> </a:t>
+            </a:r>
+            <a:r>
+              <a:rPr lang="en-GB" sz="1600" dirty="0" err="1"/>
+              <a:t>többet</a:t>
+            </a:r>
+            <a:endParaRPr lang="hu-HU" sz="1600" dirty="0"/>
+          </a:p>
+        </p:txBody>
+      </p:sp>
+    </p:spTree>
+    <p:extLst>
+      <p:ext uri="{BB962C8B-B14F-4D97-AF65-F5344CB8AC3E}">
+        <p14:creationId xmlns:p14="http://schemas.microsoft.com/office/powerpoint/2010/main" val="2646017205"/>
       </p:ext>
     </p:extLst>
   </p:cSld>
